--- a/Course05/Java Course 05.pptx
+++ b/Course05/Java Course 05.pptx
@@ -5,10 +5,10 @@
     <p:sldMasterId id="2147483648" r:id="rId1"/>
   </p:sldMasterIdLst>
   <p:notesMasterIdLst>
-    <p:notesMasterId r:id="rId32"/>
+    <p:notesMasterId r:id="rId37"/>
   </p:notesMasterIdLst>
   <p:handoutMasterIdLst>
-    <p:handoutMasterId r:id="rId33"/>
+    <p:handoutMasterId r:id="rId38"/>
   </p:handoutMasterIdLst>
   <p:sldIdLst>
     <p:sldId id="265" r:id="rId2"/>
@@ -41,6 +41,11 @@
     <p:sldId id="296" r:id="rId29"/>
     <p:sldId id="297" r:id="rId30"/>
     <p:sldId id="298" r:id="rId31"/>
+    <p:sldId id="299" r:id="rId32"/>
+    <p:sldId id="300" r:id="rId33"/>
+    <p:sldId id="301" r:id="rId34"/>
+    <p:sldId id="302" r:id="rId35"/>
+    <p:sldId id="303" r:id="rId36"/>
   </p:sldIdLst>
   <p:sldSz cx="9144000" cy="6858000" type="screen4x3"/>
   <p:notesSz cx="6858000" cy="9144000"/>
@@ -204,6 +209,11 @@
             <p14:sldId id="296"/>
             <p14:sldId id="297"/>
             <p14:sldId id="298"/>
+            <p14:sldId id="299"/>
+            <p14:sldId id="300"/>
+            <p14:sldId id="301"/>
+            <p14:sldId id="302"/>
+            <p14:sldId id="303"/>
           </p14:sldIdLst>
         </p14:section>
       </p14:sectionLst>
@@ -294,7 +304,7 @@
           <a:p>
             <a:fld id="{DE9A70BF-D85D-4287-A45D-BD3C48707D69}" type="datetimeFigureOut">
               <a:rPr lang="zh-TW" altLang="en-US" smtClean="0"/>
-              <a:t>2015/1/12</a:t>
+              <a:t>2015/1/13</a:t>
             </a:fld>
             <a:endParaRPr lang="zh-TW" altLang="en-US"/>
           </a:p>
@@ -468,7 +478,7 @@
             <a:fld id="{DCE1C31F-8C8C-4FD7-9A9D-368547B7DC8B}" type="datetimeFigureOut">
               <a:rPr lang="en-GB" altLang="zh-TW"/>
               <a:pPr/>
-              <a:t>12/01/2015</a:t>
+              <a:t>13/01/2015</a:t>
             </a:fld>
             <a:endParaRPr lang="en-GB" altLang="zh-TW"/>
           </a:p>
@@ -1141,7 +1151,7 @@
             <a:fld id="{01D7CAB6-485C-4E15-B4D2-917B1AD5743C}" type="datetimeFigureOut">
               <a:rPr lang="en-GB" altLang="zh-TW"/>
               <a:pPr/>
-              <a:t>12/01/2015</a:t>
+              <a:t>13/01/2015</a:t>
             </a:fld>
             <a:endParaRPr lang="en-GB" altLang="zh-TW"/>
           </a:p>
@@ -1325,7 +1335,7 @@
             <a:fld id="{C03242BC-C73A-4769-94F4-C0CCAF36F19A}" type="datetimeFigureOut">
               <a:rPr lang="en-GB" altLang="zh-TW"/>
               <a:pPr/>
-              <a:t>12/01/2015</a:t>
+              <a:t>13/01/2015</a:t>
             </a:fld>
             <a:endParaRPr lang="en-GB" altLang="zh-TW"/>
           </a:p>
@@ -1519,7 +1529,7 @@
             <a:fld id="{8F0F4A2E-D3CE-4B43-B559-DB79061CB30C}" type="datetimeFigureOut">
               <a:rPr lang="en-GB" altLang="zh-TW"/>
               <a:pPr/>
-              <a:t>12/01/2015</a:t>
+              <a:t>13/01/2015</a:t>
             </a:fld>
             <a:endParaRPr lang="en-GB" altLang="zh-TW"/>
           </a:p>
@@ -1716,7 +1726,7 @@
             <a:fld id="{AFDBF377-1F5E-4D36-9F7F-E0D9144D6B4D}" type="datetimeFigureOut">
               <a:rPr lang="en-GB" altLang="zh-TW"/>
               <a:pPr/>
-              <a:t>12/01/2015</a:t>
+              <a:t>13/01/2015</a:t>
             </a:fld>
             <a:endParaRPr lang="en-GB" altLang="zh-TW"/>
           </a:p>
@@ -1976,7 +1986,7 @@
             <a:fld id="{60C921B1-72BC-4D44-8C58-3975E1EAE486}" type="datetimeFigureOut">
               <a:rPr lang="en-GB" altLang="zh-TW"/>
               <a:pPr/>
-              <a:t>12/01/2015</a:t>
+              <a:t>13/01/2015</a:t>
             </a:fld>
             <a:endParaRPr lang="en-GB" altLang="zh-TW"/>
           </a:p>
@@ -2278,7 +2288,7 @@
             <a:fld id="{7AA05C7A-F59A-48AE-8169-7752631BD4C0}" type="datetimeFigureOut">
               <a:rPr lang="en-GB" altLang="zh-TW"/>
               <a:pPr/>
-              <a:t>12/01/2015</a:t>
+              <a:t>13/01/2015</a:t>
             </a:fld>
             <a:endParaRPr lang="en-GB" altLang="zh-TW"/>
           </a:p>
@@ -2714,7 +2724,7 @@
             <a:fld id="{68D733D6-3FF6-42E7-AE45-85361D620738}" type="datetimeFigureOut">
               <a:rPr lang="en-GB" altLang="zh-TW"/>
               <a:pPr/>
-              <a:t>12/01/2015</a:t>
+              <a:t>13/01/2015</a:t>
             </a:fld>
             <a:endParaRPr lang="en-GB" altLang="zh-TW"/>
           </a:p>
@@ -2846,7 +2856,7 @@
             <a:fld id="{19151B94-9E6C-4535-9DB1-E908F464256F}" type="datetimeFigureOut">
               <a:rPr lang="en-GB" altLang="zh-TW"/>
               <a:pPr/>
-              <a:t>12/01/2015</a:t>
+              <a:t>13/01/2015</a:t>
             </a:fld>
             <a:endParaRPr lang="en-GB" altLang="zh-TW"/>
           </a:p>
@@ -2955,7 +2965,7 @@
             <a:fld id="{5AD1305B-740C-4C9A-AA44-7623D7B99171}" type="datetimeFigureOut">
               <a:rPr lang="en-GB" altLang="zh-TW"/>
               <a:pPr/>
-              <a:t>12/01/2015</a:t>
+              <a:t>13/01/2015</a:t>
             </a:fld>
             <a:endParaRPr lang="en-GB" altLang="zh-TW"/>
           </a:p>
@@ -3246,7 +3256,7 @@
             <a:fld id="{221C9506-6F26-481C-A3DB-5FF955F4A4AB}" type="datetimeFigureOut">
               <a:rPr lang="en-GB" altLang="zh-TW"/>
               <a:pPr/>
-              <a:t>12/01/2015</a:t>
+              <a:t>13/01/2015</a:t>
             </a:fld>
             <a:endParaRPr lang="en-GB" altLang="zh-TW"/>
           </a:p>
@@ -3516,7 +3526,7 @@
             <a:fld id="{02695EEB-1944-4477-B1FE-4D174B1A9CC4}" type="datetimeFigureOut">
               <a:rPr lang="en-GB" altLang="zh-TW"/>
               <a:pPr/>
-              <a:t>12/01/2015</a:t>
+              <a:t>13/01/2015</a:t>
             </a:fld>
             <a:endParaRPr lang="en-GB" altLang="zh-TW"/>
           </a:p>
@@ -3963,7 +3973,7 @@
             <a:fld id="{4BA4BE84-3445-4CF1-8228-E35DD1958C34}" type="datetimeFigureOut">
               <a:rPr lang="en-GB" altLang="zh-TW"/>
               <a:pPr/>
-              <a:t>12/01/2015</a:t>
+              <a:t>13/01/2015</a:t>
             </a:fld>
             <a:endParaRPr lang="en-GB" altLang="zh-TW"/>
           </a:p>
@@ -8082,7 +8092,16 @@
                 <a:latin typeface="微軟正黑體" panose="020B0604030504040204" pitchFamily="34" charset="-120"/>
                 <a:ea typeface="微軟正黑體" panose="020B0604030504040204" pitchFamily="34" charset="-120"/>
               </a:rPr>
-              <a:t> install </a:t>
+              <a:t> install  </a:t>
+            </a:r>
+          </a:p>
+          <a:p>
+            <a:r>
+              <a:rPr lang="en-US" altLang="zh-TW" sz="1600" dirty="0" err="1" smtClean="0">
+                <a:latin typeface="微軟正黑體" panose="020B0604030504040204" pitchFamily="34" charset="-120"/>
+                <a:ea typeface="微軟正黑體" panose="020B0604030504040204" pitchFamily="34" charset="-120"/>
+              </a:rPr>
+              <a:t>Mvn</a:t>
             </a:r>
             <a:r>
               <a:rPr lang="en-US" altLang="zh-TW" sz="1600" dirty="0" smtClean="0">
@@ -8091,34 +8110,18 @@
               </a:rPr>
               <a:t> </a:t>
             </a:r>
-          </a:p>
-          <a:p>
+            <a:r>
+              <a:rPr lang="zh-TW" altLang="en-US" sz="1600" dirty="0" smtClean="0">
+                <a:latin typeface="微軟正黑體" panose="020B0604030504040204" pitchFamily="34" charset="-120"/>
+                <a:ea typeface="微軟正黑體" panose="020B0604030504040204" pitchFamily="34" charset="-120"/>
+              </a:rPr>
+              <a:t>指令只對特定  </a:t>
+            </a:r>
             <a:r>
               <a:rPr lang="en-US" altLang="zh-TW" sz="1600" dirty="0" err="1" smtClean="0">
                 <a:latin typeface="微軟正黑體" panose="020B0604030504040204" pitchFamily="34" charset="-120"/>
                 <a:ea typeface="微軟正黑體" panose="020B0604030504040204" pitchFamily="34" charset="-120"/>
               </a:rPr>
-              <a:t>Mvn</a:t>
-            </a:r>
-            <a:r>
-              <a:rPr lang="en-US" altLang="zh-TW" sz="1600" dirty="0" smtClean="0">
-                <a:latin typeface="微軟正黑體" panose="020B0604030504040204" pitchFamily="34" charset="-120"/>
-                <a:ea typeface="微軟正黑體" panose="020B0604030504040204" pitchFamily="34" charset="-120"/>
-              </a:rPr>
-              <a:t> </a:t>
-            </a:r>
-            <a:r>
-              <a:rPr lang="zh-TW" altLang="en-US" sz="1600" dirty="0" smtClean="0">
-                <a:latin typeface="微軟正黑體" panose="020B0604030504040204" pitchFamily="34" charset="-120"/>
-                <a:ea typeface="微軟正黑體" panose="020B0604030504040204" pitchFamily="34" charset="-120"/>
-              </a:rPr>
-              <a:t>指令只對特定  </a:t>
-            </a:r>
-            <a:r>
-              <a:rPr lang="en-US" altLang="zh-TW" sz="1600" dirty="0" err="1" smtClean="0">
-                <a:latin typeface="微軟正黑體" panose="020B0604030504040204" pitchFamily="34" charset="-120"/>
-                <a:ea typeface="微軟正黑體" panose="020B0604030504040204" pitchFamily="34" charset="-120"/>
-              </a:rPr>
               <a:t>POM</a:t>
             </a:r>
             <a:r>
@@ -8128,10 +8131,6 @@
               </a:rPr>
               <a:t> 檔有作用</a:t>
             </a:r>
-            <a:endParaRPr lang="zh-TW" altLang="en-US" sz="1600" dirty="0">
-              <a:latin typeface="微軟正黑體" panose="020B0604030504040204" pitchFamily="34" charset="-120"/>
-              <a:ea typeface="微軟正黑體" panose="020B0604030504040204" pitchFamily="34" charset="-120"/>
-            </a:endParaRPr>
           </a:p>
         </p:txBody>
       </p:sp>
@@ -9033,11 +9032,7 @@
           <a:p>
             <a:r>
               <a:rPr lang="en-US" altLang="zh-TW" dirty="0" smtClean="0"/>
-              <a:t>Use </a:t>
-            </a:r>
-            <a:r>
-              <a:rPr lang="en-US" altLang="zh-TW" dirty="0" smtClean="0"/>
-              <a:t>Of </a:t>
+              <a:t>Use Of </a:t>
             </a:r>
             <a:r>
               <a:rPr lang="en-US" altLang="zh-TW" dirty="0" err="1" smtClean="0"/>
@@ -14022,104 +14017,6 @@
           </a:p>
         </p:txBody>
       </p:sp>
-      <p:pic>
-        <p:nvPicPr>
-          <p:cNvPr id="8198" name="Picture 6"/>
-          <p:cNvPicPr>
-            <a:picLocks noChangeAspect="1" noChangeArrowheads="1"/>
-          </p:cNvPicPr>
-          <p:nvPr/>
-        </p:nvPicPr>
-        <p:blipFill>
-          <a:blip r:embed="rId3">
-            <a:extLst>
-              <a:ext uri="{28A0092B-C50C-407E-A947-70E740481C1C}">
-                <a14:useLocalDpi xmlns:a14="http://schemas.microsoft.com/office/drawing/2010/main" val="0"/>
-              </a:ext>
-            </a:extLst>
-          </a:blip>
-          <a:srcRect/>
-          <a:stretch>
-            <a:fillRect/>
-          </a:stretch>
-        </p:blipFill>
-        <p:spPr bwMode="auto">
-          <a:xfrm>
-            <a:off x="1528748" y="1485392"/>
-            <a:ext cx="3794583" cy="5439891"/>
-          </a:xfrm>
-          <a:prstGeom prst="rect">
-            <a:avLst/>
-          </a:prstGeom>
-          <a:noFill/>
-          <a:ln>
-            <a:noFill/>
-          </a:ln>
-          <a:extLst>
-            <a:ext uri="{909E8E84-426E-40DD-AFC4-6F175D3DCCD1}">
-              <a14:hiddenFill xmlns:a14="http://schemas.microsoft.com/office/drawing/2010/main">
-                <a:solidFill>
-                  <a:schemeClr val="accent1"/>
-                </a:solidFill>
-              </a14:hiddenFill>
-            </a:ext>
-            <a:ext uri="{91240B29-F687-4F45-9708-019B960494DF}">
-              <a14:hiddenLine xmlns:a14="http://schemas.microsoft.com/office/drawing/2010/main" w="9525">
-                <a:solidFill>
-                  <a:schemeClr val="tx1"/>
-                </a:solidFill>
-                <a:miter lim="800000"/>
-                <a:headEnd/>
-                <a:tailEnd/>
-              </a14:hiddenLine>
-            </a:ext>
-          </a:extLst>
-        </p:spPr>
-      </p:pic>
-      <p:sp>
-        <p:nvSpPr>
-          <p:cNvPr id="9" name="橢圓 8"/>
-          <p:cNvSpPr/>
-          <p:nvPr/>
-        </p:nvSpPr>
-        <p:spPr>
-          <a:xfrm>
-            <a:off x="1401010" y="1484784"/>
-            <a:ext cx="432048" cy="360040"/>
-          </a:xfrm>
-          <a:prstGeom prst="ellipse">
-            <a:avLst/>
-          </a:prstGeom>
-        </p:spPr>
-        <p:style>
-          <a:lnRef idx="2">
-            <a:schemeClr val="accent1">
-              <a:shade val="50000"/>
-            </a:schemeClr>
-          </a:lnRef>
-          <a:fillRef idx="1">
-            <a:schemeClr val="accent1"/>
-          </a:fillRef>
-          <a:effectRef idx="0">
-            <a:schemeClr val="accent1"/>
-          </a:effectRef>
-          <a:fontRef idx="minor">
-            <a:schemeClr val="lt1"/>
-          </a:fontRef>
-        </p:style>
-        <p:txBody>
-          <a:bodyPr rtlCol="0" anchor="ctr"/>
-          <a:lstStyle/>
-          <a:p>
-            <a:pPr algn="ctr"/>
-            <a:r>
-              <a:rPr lang="en-US" altLang="zh-TW" dirty="0" smtClean="0"/>
-              <a:t>5</a:t>
-            </a:r>
-            <a:endParaRPr lang="zh-TW" altLang="en-US" dirty="0"/>
-          </a:p>
-        </p:txBody>
-      </p:sp>
       <p:sp>
         <p:nvSpPr>
           <p:cNvPr id="7" name="內容版面配置區 2"/>
@@ -14495,6 +14392,45 @@
               </a:rPr>
               <a:t> Database (Optional, For meta class generate) </a:t>
             </a:r>
+            <a:r>
+              <a:rPr lang="en-US" altLang="zh-TW" sz="1400" dirty="0" smtClean="0">
+                <a:latin typeface="Consolas" panose="020B0609020204030204" pitchFamily="49" charset="0"/>
+                <a:cs typeface="Consolas" panose="020B0609020204030204" pitchFamily="49" charset="0"/>
+                <a:sym typeface="Wingdings" panose="05000000000000000000" pitchFamily="2" charset="2"/>
+              </a:rPr>
+              <a:t/>
+            </a:r>
+            <a:br>
+              <a:rPr lang="en-US" altLang="zh-TW" sz="1400" dirty="0" smtClean="0">
+                <a:latin typeface="Consolas" panose="020B0609020204030204" pitchFamily="49" charset="0"/>
+                <a:cs typeface="Consolas" panose="020B0609020204030204" pitchFamily="49" charset="0"/>
+                <a:sym typeface="Wingdings" panose="05000000000000000000" pitchFamily="2" charset="2"/>
+              </a:rPr>
+            </a:br>
+            <a:r>
+              <a:rPr lang="en-US" altLang="zh-TW" sz="1400" dirty="0" smtClean="0">
+                <a:latin typeface="Consolas" panose="020B0609020204030204" pitchFamily="49" charset="0"/>
+                <a:cs typeface="Consolas" panose="020B0609020204030204" pitchFamily="49" charset="0"/>
+                <a:sym typeface="Wingdings" panose="05000000000000000000" pitchFamily="2" charset="2"/>
+              </a:rPr>
+              <a:t>Catalog and Schema </a:t>
+            </a:r>
+            <a:r>
+              <a:rPr lang="zh-TW" altLang="en-US" sz="1400" dirty="0" smtClean="0">
+                <a:latin typeface="Consolas" panose="020B0609020204030204" pitchFamily="49" charset="0"/>
+                <a:cs typeface="Consolas" panose="020B0609020204030204" pitchFamily="49" charset="0"/>
+                <a:sym typeface="Wingdings" panose="05000000000000000000" pitchFamily="2" charset="2"/>
+              </a:rPr>
+              <a:t>記得要改</a:t>
+            </a:r>
+            <a:r>
+              <a:rPr lang="en-US" altLang="zh-TW" sz="1400" dirty="0" smtClean="0">
+                <a:latin typeface="Consolas" panose="020B0609020204030204" pitchFamily="49" charset="0"/>
+                <a:cs typeface="Consolas" panose="020B0609020204030204" pitchFamily="49" charset="0"/>
+                <a:sym typeface="Wingdings" panose="05000000000000000000" pitchFamily="2" charset="2"/>
+              </a:rPr>
+              <a:t/>
+            </a:r>
             <a:br>
               <a:rPr lang="en-US" altLang="zh-TW" sz="1400" dirty="0" smtClean="0">
                 <a:latin typeface="Consolas" panose="020B0609020204030204" pitchFamily="49" charset="0"/>
@@ -14621,7 +14557,7 @@
           <p:nvPr/>
         </p:nvPicPr>
         <p:blipFill>
-          <a:blip r:embed="rId4">
+          <a:blip r:embed="rId3">
             <a:extLst>
               <a:ext uri="{28A0092B-C50C-407E-A947-70E740481C1C}">
                 <a14:useLocalDpi xmlns:a14="http://schemas.microsoft.com/office/drawing/2010/main" val="0"/>
@@ -14705,6 +14641,104 @@
             <a:r>
               <a:rPr lang="en-US" altLang="zh-TW" dirty="0" smtClean="0"/>
               <a:t>6</a:t>
+            </a:r>
+            <a:endParaRPr lang="zh-TW" altLang="en-US" dirty="0"/>
+          </a:p>
+        </p:txBody>
+      </p:sp>
+      <p:pic>
+        <p:nvPicPr>
+          <p:cNvPr id="4098" name="Picture 2"/>
+          <p:cNvPicPr>
+            <a:picLocks noChangeAspect="1" noChangeArrowheads="1"/>
+          </p:cNvPicPr>
+          <p:nvPr/>
+        </p:nvPicPr>
+        <p:blipFill>
+          <a:blip r:embed="rId4">
+            <a:extLst>
+              <a:ext uri="{28A0092B-C50C-407E-A947-70E740481C1C}">
+                <a14:useLocalDpi xmlns:a14="http://schemas.microsoft.com/office/drawing/2010/main" val="0"/>
+              </a:ext>
+            </a:extLst>
+          </a:blip>
+          <a:srcRect/>
+          <a:stretch>
+            <a:fillRect/>
+          </a:stretch>
+        </p:blipFill>
+        <p:spPr bwMode="auto">
+          <a:xfrm>
+            <a:off x="1593075" y="1556792"/>
+            <a:ext cx="3617899" cy="5222726"/>
+          </a:xfrm>
+          <a:prstGeom prst="rect">
+            <a:avLst/>
+          </a:prstGeom>
+          <a:noFill/>
+          <a:ln>
+            <a:noFill/>
+          </a:ln>
+          <a:extLst>
+            <a:ext uri="{909E8E84-426E-40DD-AFC4-6F175D3DCCD1}">
+              <a14:hiddenFill xmlns:a14="http://schemas.microsoft.com/office/drawing/2010/main">
+                <a:solidFill>
+                  <a:schemeClr val="accent1"/>
+                </a:solidFill>
+              </a14:hiddenFill>
+            </a:ext>
+            <a:ext uri="{91240B29-F687-4F45-9708-019B960494DF}">
+              <a14:hiddenLine xmlns:a14="http://schemas.microsoft.com/office/drawing/2010/main" w="9525">
+                <a:solidFill>
+                  <a:schemeClr val="tx1"/>
+                </a:solidFill>
+                <a:miter lim="800000"/>
+                <a:headEnd/>
+                <a:tailEnd/>
+              </a14:hiddenLine>
+            </a:ext>
+          </a:extLst>
+        </p:spPr>
+      </p:pic>
+      <p:sp>
+        <p:nvSpPr>
+          <p:cNvPr id="9" name="橢圓 8"/>
+          <p:cNvSpPr/>
+          <p:nvPr/>
+        </p:nvSpPr>
+        <p:spPr>
+          <a:xfrm>
+            <a:off x="1401010" y="1484784"/>
+            <a:ext cx="432048" cy="360040"/>
+          </a:xfrm>
+          <a:prstGeom prst="ellipse">
+            <a:avLst/>
+          </a:prstGeom>
+        </p:spPr>
+        <p:style>
+          <a:lnRef idx="2">
+            <a:schemeClr val="accent1">
+              <a:shade val="50000"/>
+            </a:schemeClr>
+          </a:lnRef>
+          <a:fillRef idx="1">
+            <a:schemeClr val="accent1"/>
+          </a:fillRef>
+          <a:effectRef idx="0">
+            <a:schemeClr val="accent1"/>
+          </a:effectRef>
+          <a:fontRef idx="minor">
+            <a:schemeClr val="lt1"/>
+          </a:fontRef>
+        </p:style>
+        <p:txBody>
+          <a:bodyPr rtlCol="0" anchor="ctr"/>
+          <a:lstStyle/>
+          <a:p>
+            <a:pPr algn="ctr"/>
+            <a:r>
+              <a:rPr lang="en-US" altLang="zh-TW" dirty="0" smtClean="0"/>
+              <a:t>5</a:t>
             </a:r>
             <a:endParaRPr lang="zh-TW" altLang="en-US" dirty="0"/>
           </a:p>
@@ -16394,7 +16428,7 @@
       </p:sp>
       <p:sp>
         <p:nvSpPr>
-          <p:cNvPr id="3" name="內容版面配置區 2"/>
+          <p:cNvPr id="4" name="內容版面配置區 2"/>
           <p:cNvSpPr>
             <a:spLocks noGrp="1"/>
           </p:cNvSpPr>
@@ -16402,12 +16436,1691 @@
             <p:ph idx="1"/>
           </p:nvPr>
         </p:nvSpPr>
-        <p:spPr/>
+        <p:spPr>
+          <a:xfrm>
+            <a:off x="107504" y="1484784"/>
+            <a:ext cx="5400600" cy="316631"/>
+          </a:xfrm>
+        </p:spPr>
+        <p:style>
+          <a:lnRef idx="1">
+            <a:schemeClr val="accent4"/>
+          </a:lnRef>
+          <a:fillRef idx="2">
+            <a:schemeClr val="accent4"/>
+          </a:fillRef>
+          <a:effectRef idx="1">
+            <a:schemeClr val="accent4"/>
+          </a:effectRef>
+          <a:fontRef idx="minor">
+            <a:schemeClr val="dk1"/>
+          </a:fontRef>
+        </p:style>
         <p:txBody>
           <a:bodyPr/>
           <a:lstStyle/>
           <a:p>
-            <a:endParaRPr lang="zh-TW" altLang="en-US"/>
+            <a:r>
+              <a:rPr lang="zh-TW" altLang="en-US" sz="1600" dirty="0">
+                <a:latin typeface="微軟正黑體" panose="020B0604030504040204" pitchFamily="34" charset="-120"/>
+                <a:ea typeface="微軟正黑體" panose="020B0604030504040204" pitchFamily="34" charset="-120"/>
+              </a:rPr>
+              <a:t>這段照抄貼</a:t>
+            </a:r>
+            <a:r>
+              <a:rPr lang="zh-TW" altLang="en-US" sz="1600" dirty="0" smtClean="0">
+                <a:latin typeface="微軟正黑體" panose="020B0604030504040204" pitchFamily="34" charset="-120"/>
+                <a:ea typeface="微軟正黑體" panose="020B0604030504040204" pitchFamily="34" charset="-120"/>
+              </a:rPr>
+              <a:t>進去，平常是去 </a:t>
+            </a:r>
+            <a:r>
+              <a:rPr lang="en-US" altLang="zh-TW" sz="1600" dirty="0" err="1" smtClean="0">
+                <a:latin typeface="微軟正黑體" panose="020B0604030504040204" pitchFamily="34" charset="-120"/>
+                <a:ea typeface="微軟正黑體" panose="020B0604030504040204" pitchFamily="34" charset="-120"/>
+              </a:rPr>
+              <a:t>Mvnrepository</a:t>
+            </a:r>
+            <a:r>
+              <a:rPr lang="en-US" altLang="zh-TW" sz="1600" dirty="0" smtClean="0">
+                <a:latin typeface="微軟正黑體" panose="020B0604030504040204" pitchFamily="34" charset="-120"/>
+                <a:ea typeface="微軟正黑體" panose="020B0604030504040204" pitchFamily="34" charset="-120"/>
+              </a:rPr>
+              <a:t> </a:t>
+            </a:r>
+            <a:r>
+              <a:rPr lang="zh-TW" altLang="en-US" sz="1600" dirty="0" smtClean="0">
+                <a:latin typeface="微軟正黑體" panose="020B0604030504040204" pitchFamily="34" charset="-120"/>
+                <a:ea typeface="微軟正黑體" panose="020B0604030504040204" pitchFamily="34" charset="-120"/>
+              </a:rPr>
+              <a:t>網站找 </a:t>
+            </a:r>
+            <a:r>
+              <a:rPr lang="en-US" altLang="zh-TW" sz="1600" dirty="0" smtClean="0">
+                <a:latin typeface="微軟正黑體" panose="020B0604030504040204" pitchFamily="34" charset="-120"/>
+                <a:ea typeface="微軟正黑體" panose="020B0604030504040204" pitchFamily="34" charset="-120"/>
+              </a:rPr>
+              <a:t>lib</a:t>
+            </a:r>
+            <a:endParaRPr lang="en-US" altLang="zh-TW" sz="1600" dirty="0" smtClean="0">
+              <a:latin typeface="微軟正黑體" panose="020B0604030504040204" pitchFamily="34" charset="-120"/>
+              <a:ea typeface="微軟正黑體" panose="020B0604030504040204" pitchFamily="34" charset="-120"/>
+            </a:endParaRPr>
+          </a:p>
+        </p:txBody>
+      </p:sp>
+      <p:sp>
+        <p:nvSpPr>
+          <p:cNvPr id="6" name="文字方塊 5"/>
+          <p:cNvSpPr txBox="1"/>
+          <p:nvPr/>
+        </p:nvSpPr>
+        <p:spPr>
+          <a:xfrm>
+            <a:off x="107504" y="1916832"/>
+            <a:ext cx="3960440" cy="4862870"/>
+          </a:xfrm>
+          <a:prstGeom prst="rect">
+            <a:avLst/>
+          </a:prstGeom>
+        </p:spPr>
+        <p:style>
+          <a:lnRef idx="1">
+            <a:schemeClr val="accent2"/>
+          </a:lnRef>
+          <a:fillRef idx="2">
+            <a:schemeClr val="accent2"/>
+          </a:fillRef>
+          <a:effectRef idx="1">
+            <a:schemeClr val="accent2"/>
+          </a:effectRef>
+          <a:fontRef idx="minor">
+            <a:schemeClr val="dk1"/>
+          </a:fontRef>
+        </p:style>
+        <p:txBody>
+          <a:bodyPr wrap="square" rtlCol="0">
+            <a:spAutoFit/>
+          </a:bodyPr>
+          <a:lstStyle/>
+          <a:p>
+            <a:pPr>
+              <a:tabLst>
+                <a:tab pos="88900" algn="l"/>
+                <a:tab pos="179388" algn="l"/>
+                <a:tab pos="268288" algn="l"/>
+                <a:tab pos="357188" algn="l"/>
+              </a:tabLst>
+            </a:pPr>
+            <a:r>
+              <a:rPr lang="en-US" altLang="zh-TW" sz="1000" dirty="0"/>
+              <a:t>&lt;dependencies&gt;</a:t>
+            </a:r>
+          </a:p>
+          <a:p>
+            <a:pPr>
+              <a:tabLst>
+                <a:tab pos="88900" algn="l"/>
+                <a:tab pos="179388" algn="l"/>
+                <a:tab pos="268288" algn="l"/>
+                <a:tab pos="357188" algn="l"/>
+              </a:tabLst>
+            </a:pPr>
+            <a:r>
+              <a:rPr lang="en-US" altLang="zh-TW" sz="1000" dirty="0" smtClean="0"/>
+              <a:t>	&lt;</a:t>
+            </a:r>
+            <a:r>
+              <a:rPr lang="en-US" altLang="zh-TW" sz="1000" dirty="0"/>
+              <a:t>dependency&gt;</a:t>
+            </a:r>
+          </a:p>
+          <a:p>
+            <a:pPr>
+              <a:tabLst>
+                <a:tab pos="88900" algn="l"/>
+                <a:tab pos="179388" algn="l"/>
+                <a:tab pos="268288" algn="l"/>
+                <a:tab pos="357188" algn="l"/>
+              </a:tabLst>
+            </a:pPr>
+            <a:r>
+              <a:rPr lang="en-US" altLang="zh-TW" sz="1000" dirty="0" smtClean="0"/>
+              <a:t>		&lt;</a:t>
+            </a:r>
+            <a:r>
+              <a:rPr lang="en-US" altLang="zh-TW" sz="1000" dirty="0" err="1"/>
+              <a:t>groupId</a:t>
+            </a:r>
+            <a:r>
+              <a:rPr lang="en-US" altLang="zh-TW" sz="1000" dirty="0"/>
+              <a:t>&gt;</a:t>
+            </a:r>
+            <a:r>
+              <a:rPr lang="en-US" altLang="zh-TW" sz="1000" dirty="0" err="1"/>
+              <a:t>org.fusesource.jansi</a:t>
+            </a:r>
+            <a:r>
+              <a:rPr lang="en-US" altLang="zh-TW" sz="1000" dirty="0"/>
+              <a:t>&lt;/</a:t>
+            </a:r>
+            <a:r>
+              <a:rPr lang="en-US" altLang="zh-TW" sz="1000" dirty="0" err="1"/>
+              <a:t>groupId</a:t>
+            </a:r>
+            <a:r>
+              <a:rPr lang="en-US" altLang="zh-TW" sz="1000" dirty="0"/>
+              <a:t>&gt;</a:t>
+            </a:r>
+          </a:p>
+          <a:p>
+            <a:pPr>
+              <a:tabLst>
+                <a:tab pos="88900" algn="l"/>
+                <a:tab pos="179388" algn="l"/>
+                <a:tab pos="268288" algn="l"/>
+                <a:tab pos="357188" algn="l"/>
+              </a:tabLst>
+            </a:pPr>
+            <a:r>
+              <a:rPr lang="en-US" altLang="zh-TW" sz="1000" dirty="0" smtClean="0"/>
+              <a:t>		&lt;</a:t>
+            </a:r>
+            <a:r>
+              <a:rPr lang="en-US" altLang="zh-TW" sz="1000" dirty="0" err="1"/>
+              <a:t>artifactId</a:t>
+            </a:r>
+            <a:r>
+              <a:rPr lang="en-US" altLang="zh-TW" sz="1000" dirty="0"/>
+              <a:t>&gt;</a:t>
+            </a:r>
+            <a:r>
+              <a:rPr lang="en-US" altLang="zh-TW" sz="1000" u="sng" dirty="0" err="1"/>
+              <a:t>jansi</a:t>
+            </a:r>
+            <a:r>
+              <a:rPr lang="en-US" altLang="zh-TW" sz="1000" u="sng" dirty="0"/>
+              <a:t>&lt;/</a:t>
+            </a:r>
+            <a:r>
+              <a:rPr lang="en-US" altLang="zh-TW" sz="1000" u="sng" dirty="0" err="1"/>
+              <a:t>artifactId</a:t>
+            </a:r>
+            <a:r>
+              <a:rPr lang="en-US" altLang="zh-TW" sz="1000" u="sng" dirty="0"/>
+              <a:t>&gt;</a:t>
+            </a:r>
+          </a:p>
+          <a:p>
+            <a:pPr>
+              <a:tabLst>
+                <a:tab pos="88900" algn="l"/>
+                <a:tab pos="179388" algn="l"/>
+                <a:tab pos="268288" algn="l"/>
+                <a:tab pos="357188" algn="l"/>
+              </a:tabLst>
+            </a:pPr>
+            <a:r>
+              <a:rPr lang="en-US" altLang="zh-TW" sz="1000" dirty="0" smtClean="0"/>
+              <a:t>		&lt;</a:t>
+            </a:r>
+            <a:r>
+              <a:rPr lang="en-US" altLang="zh-TW" sz="1000" dirty="0"/>
+              <a:t>version&gt;1.11&lt;/version&gt;</a:t>
+            </a:r>
+          </a:p>
+          <a:p>
+            <a:pPr>
+              <a:tabLst>
+                <a:tab pos="88900" algn="l"/>
+                <a:tab pos="179388" algn="l"/>
+                <a:tab pos="268288" algn="l"/>
+                <a:tab pos="357188" algn="l"/>
+              </a:tabLst>
+            </a:pPr>
+            <a:r>
+              <a:rPr lang="en-US" altLang="zh-TW" sz="1000" dirty="0" smtClean="0"/>
+              <a:t>	&lt;/</a:t>
+            </a:r>
+            <a:r>
+              <a:rPr lang="en-US" altLang="zh-TW" sz="1000" dirty="0"/>
+              <a:t>dependency&gt;</a:t>
+            </a:r>
+          </a:p>
+          <a:p>
+            <a:pPr>
+              <a:tabLst>
+                <a:tab pos="88900" algn="l"/>
+                <a:tab pos="179388" algn="l"/>
+                <a:tab pos="268288" algn="l"/>
+                <a:tab pos="357188" algn="l"/>
+              </a:tabLst>
+            </a:pPr>
+            <a:r>
+              <a:rPr lang="en-US" altLang="zh-TW" sz="1000" dirty="0" smtClean="0"/>
+              <a:t>	&lt;</a:t>
+            </a:r>
+            <a:r>
+              <a:rPr lang="en-US" altLang="zh-TW" sz="1000" dirty="0"/>
+              <a:t>dependency&gt;</a:t>
+            </a:r>
+          </a:p>
+          <a:p>
+            <a:pPr>
+              <a:tabLst>
+                <a:tab pos="88900" algn="l"/>
+                <a:tab pos="179388" algn="l"/>
+                <a:tab pos="268288" algn="l"/>
+                <a:tab pos="357188" algn="l"/>
+              </a:tabLst>
+            </a:pPr>
+            <a:r>
+              <a:rPr lang="en-US" altLang="zh-TW" sz="1000" dirty="0" smtClean="0"/>
+              <a:t>		&lt;</a:t>
+            </a:r>
+            <a:r>
+              <a:rPr lang="en-US" altLang="zh-TW" sz="1000" dirty="0" err="1"/>
+              <a:t>groupId</a:t>
+            </a:r>
+            <a:r>
+              <a:rPr lang="en-US" altLang="zh-TW" sz="1000" dirty="0"/>
+              <a:t>&gt;</a:t>
+            </a:r>
+            <a:r>
+              <a:rPr lang="en-US" altLang="zh-TW" sz="1000" dirty="0" err="1"/>
+              <a:t>com.rainSoft</a:t>
+            </a:r>
+            <a:r>
+              <a:rPr lang="en-US" altLang="zh-TW" sz="1000" dirty="0"/>
+              <a:t>&lt;/</a:t>
+            </a:r>
+            <a:r>
+              <a:rPr lang="en-US" altLang="zh-TW" sz="1000" dirty="0" err="1"/>
+              <a:t>groupId</a:t>
+            </a:r>
+            <a:r>
+              <a:rPr lang="en-US" altLang="zh-TW" sz="1000" dirty="0"/>
+              <a:t>&gt;</a:t>
+            </a:r>
+          </a:p>
+          <a:p>
+            <a:pPr>
+              <a:tabLst>
+                <a:tab pos="88900" algn="l"/>
+                <a:tab pos="179388" algn="l"/>
+                <a:tab pos="268288" algn="l"/>
+                <a:tab pos="357188" algn="l"/>
+              </a:tabLst>
+            </a:pPr>
+            <a:r>
+              <a:rPr lang="en-US" altLang="zh-TW" sz="1000" dirty="0" smtClean="0"/>
+              <a:t>		&lt;</a:t>
+            </a:r>
+            <a:r>
+              <a:rPr lang="en-US" altLang="zh-TW" sz="1000" dirty="0" err="1"/>
+              <a:t>artifactId</a:t>
+            </a:r>
+            <a:r>
+              <a:rPr lang="en-US" altLang="zh-TW" sz="1000" dirty="0"/>
+              <a:t>&gt;</a:t>
+            </a:r>
+            <a:r>
+              <a:rPr lang="en-US" altLang="zh-TW" sz="1000" dirty="0" err="1"/>
+              <a:t>Sample4FK_utility</a:t>
+            </a:r>
+            <a:r>
+              <a:rPr lang="en-US" altLang="zh-TW" sz="1000" dirty="0"/>
+              <a:t>&lt;/</a:t>
+            </a:r>
+            <a:r>
+              <a:rPr lang="en-US" altLang="zh-TW" sz="1000" dirty="0" err="1"/>
+              <a:t>artifactId</a:t>
+            </a:r>
+            <a:r>
+              <a:rPr lang="en-US" altLang="zh-TW" sz="1000" dirty="0"/>
+              <a:t>&gt;</a:t>
+            </a:r>
+          </a:p>
+          <a:p>
+            <a:pPr>
+              <a:tabLst>
+                <a:tab pos="88900" algn="l"/>
+                <a:tab pos="179388" algn="l"/>
+                <a:tab pos="268288" algn="l"/>
+                <a:tab pos="357188" algn="l"/>
+              </a:tabLst>
+            </a:pPr>
+            <a:r>
+              <a:rPr lang="en-US" altLang="zh-TW" sz="1000" dirty="0" smtClean="0"/>
+              <a:t>	&lt;/</a:t>
+            </a:r>
+            <a:r>
+              <a:rPr lang="en-US" altLang="zh-TW" sz="1000" dirty="0"/>
+              <a:t>dependency&gt;</a:t>
+            </a:r>
+          </a:p>
+          <a:p>
+            <a:pPr>
+              <a:tabLst>
+                <a:tab pos="88900" algn="l"/>
+                <a:tab pos="179388" algn="l"/>
+                <a:tab pos="268288" algn="l"/>
+                <a:tab pos="357188" algn="l"/>
+              </a:tabLst>
+            </a:pPr>
+            <a:r>
+              <a:rPr lang="en-US" altLang="zh-TW" sz="1000" dirty="0" smtClean="0"/>
+              <a:t>	&lt;</a:t>
+            </a:r>
+            <a:r>
+              <a:rPr lang="en-US" altLang="zh-TW" sz="1000" dirty="0"/>
+              <a:t>dependency&gt;</a:t>
+            </a:r>
+          </a:p>
+          <a:p>
+            <a:pPr>
+              <a:tabLst>
+                <a:tab pos="88900" algn="l"/>
+                <a:tab pos="179388" algn="l"/>
+                <a:tab pos="268288" algn="l"/>
+                <a:tab pos="357188" algn="l"/>
+              </a:tabLst>
+            </a:pPr>
+            <a:r>
+              <a:rPr lang="en-US" altLang="zh-TW" sz="1000" dirty="0" smtClean="0"/>
+              <a:t>		&lt;</a:t>
+            </a:r>
+            <a:r>
+              <a:rPr lang="en-US" altLang="zh-TW" sz="1000" dirty="0" err="1"/>
+              <a:t>groupId</a:t>
+            </a:r>
+            <a:r>
+              <a:rPr lang="en-US" altLang="zh-TW" sz="1000" dirty="0"/>
+              <a:t>&gt;</a:t>
+            </a:r>
+            <a:r>
+              <a:rPr lang="en-US" altLang="zh-TW" sz="1000" dirty="0" err="1"/>
+              <a:t>org.springframework.data</a:t>
+            </a:r>
+            <a:r>
+              <a:rPr lang="en-US" altLang="zh-TW" sz="1000" dirty="0"/>
+              <a:t>&lt;/</a:t>
+            </a:r>
+            <a:r>
+              <a:rPr lang="en-US" altLang="zh-TW" sz="1000" dirty="0" err="1"/>
+              <a:t>groupId</a:t>
+            </a:r>
+            <a:r>
+              <a:rPr lang="en-US" altLang="zh-TW" sz="1000" dirty="0"/>
+              <a:t>&gt;</a:t>
+            </a:r>
+          </a:p>
+          <a:p>
+            <a:pPr>
+              <a:tabLst>
+                <a:tab pos="88900" algn="l"/>
+                <a:tab pos="179388" algn="l"/>
+                <a:tab pos="268288" algn="l"/>
+                <a:tab pos="357188" algn="l"/>
+              </a:tabLst>
+            </a:pPr>
+            <a:r>
+              <a:rPr lang="en-US" altLang="zh-TW" sz="1000" dirty="0" smtClean="0"/>
+              <a:t>		&lt;</a:t>
+            </a:r>
+            <a:r>
+              <a:rPr lang="en-US" altLang="zh-TW" sz="1000" dirty="0" err="1"/>
+              <a:t>artifactId</a:t>
+            </a:r>
+            <a:r>
+              <a:rPr lang="en-US" altLang="zh-TW" sz="1000" dirty="0"/>
+              <a:t>&gt;spring-data-</a:t>
+            </a:r>
+            <a:r>
+              <a:rPr lang="en-US" altLang="zh-TW" sz="1000" u="sng" dirty="0" err="1"/>
+              <a:t>jpa</a:t>
+            </a:r>
+            <a:r>
+              <a:rPr lang="en-US" altLang="zh-TW" sz="1000" u="sng" dirty="0"/>
+              <a:t>&lt;/</a:t>
+            </a:r>
+            <a:r>
+              <a:rPr lang="en-US" altLang="zh-TW" sz="1000" u="sng" dirty="0" err="1"/>
+              <a:t>artifactId</a:t>
+            </a:r>
+            <a:r>
+              <a:rPr lang="en-US" altLang="zh-TW" sz="1000" u="sng" dirty="0"/>
+              <a:t>&gt;</a:t>
+            </a:r>
+          </a:p>
+          <a:p>
+            <a:pPr>
+              <a:tabLst>
+                <a:tab pos="88900" algn="l"/>
+                <a:tab pos="179388" algn="l"/>
+                <a:tab pos="268288" algn="l"/>
+                <a:tab pos="357188" algn="l"/>
+              </a:tabLst>
+            </a:pPr>
+            <a:r>
+              <a:rPr lang="en-US" altLang="zh-TW" sz="1000" dirty="0" smtClean="0"/>
+              <a:t>	&lt;/</a:t>
+            </a:r>
+            <a:r>
+              <a:rPr lang="en-US" altLang="zh-TW" sz="1000" dirty="0"/>
+              <a:t>dependency&gt;</a:t>
+            </a:r>
+          </a:p>
+          <a:p>
+            <a:pPr>
+              <a:tabLst>
+                <a:tab pos="88900" algn="l"/>
+                <a:tab pos="179388" algn="l"/>
+                <a:tab pos="268288" algn="l"/>
+                <a:tab pos="357188" algn="l"/>
+              </a:tabLst>
+            </a:pPr>
+            <a:r>
+              <a:rPr lang="en-US" altLang="zh-TW" sz="1000" dirty="0" smtClean="0"/>
+              <a:t>	&lt;</a:t>
+            </a:r>
+            <a:r>
+              <a:rPr lang="en-US" altLang="zh-TW" sz="1000" dirty="0"/>
+              <a:t>dependency&gt;</a:t>
+            </a:r>
+          </a:p>
+          <a:p>
+            <a:pPr>
+              <a:tabLst>
+                <a:tab pos="88900" algn="l"/>
+                <a:tab pos="179388" algn="l"/>
+                <a:tab pos="268288" algn="l"/>
+                <a:tab pos="357188" algn="l"/>
+              </a:tabLst>
+            </a:pPr>
+            <a:r>
+              <a:rPr lang="en-US" altLang="zh-TW" sz="1000" dirty="0" smtClean="0"/>
+              <a:t>		&lt;</a:t>
+            </a:r>
+            <a:r>
+              <a:rPr lang="en-US" altLang="zh-TW" sz="1000" dirty="0" err="1"/>
+              <a:t>groupId</a:t>
+            </a:r>
+            <a:r>
+              <a:rPr lang="en-US" altLang="zh-TW" sz="1000" dirty="0"/>
+              <a:t>&gt;</a:t>
+            </a:r>
+            <a:r>
+              <a:rPr lang="en-US" altLang="zh-TW" sz="1000" dirty="0" err="1"/>
+              <a:t>org.springframework.data</a:t>
+            </a:r>
+            <a:r>
+              <a:rPr lang="en-US" altLang="zh-TW" sz="1000" dirty="0"/>
+              <a:t>&lt;/</a:t>
+            </a:r>
+            <a:r>
+              <a:rPr lang="en-US" altLang="zh-TW" sz="1000" dirty="0" err="1"/>
+              <a:t>groupId</a:t>
+            </a:r>
+            <a:r>
+              <a:rPr lang="en-US" altLang="zh-TW" sz="1000" dirty="0"/>
+              <a:t>&gt;</a:t>
+            </a:r>
+          </a:p>
+          <a:p>
+            <a:pPr>
+              <a:tabLst>
+                <a:tab pos="88900" algn="l"/>
+                <a:tab pos="179388" algn="l"/>
+                <a:tab pos="268288" algn="l"/>
+                <a:tab pos="357188" algn="l"/>
+              </a:tabLst>
+            </a:pPr>
+            <a:r>
+              <a:rPr lang="en-US" altLang="zh-TW" sz="1000" dirty="0" smtClean="0"/>
+              <a:t>		&lt;</a:t>
+            </a:r>
+            <a:r>
+              <a:rPr lang="en-US" altLang="zh-TW" sz="1000" dirty="0" err="1"/>
+              <a:t>artifactId</a:t>
+            </a:r>
+            <a:r>
+              <a:rPr lang="en-US" altLang="zh-TW" sz="1000" dirty="0"/>
+              <a:t>&gt;spring-data-oracle&lt;/</a:t>
+            </a:r>
+            <a:r>
+              <a:rPr lang="en-US" altLang="zh-TW" sz="1000" dirty="0" err="1"/>
+              <a:t>artifactId</a:t>
+            </a:r>
+            <a:r>
+              <a:rPr lang="en-US" altLang="zh-TW" sz="1000" dirty="0"/>
+              <a:t>&gt;</a:t>
+            </a:r>
+          </a:p>
+          <a:p>
+            <a:pPr>
+              <a:tabLst>
+                <a:tab pos="88900" algn="l"/>
+                <a:tab pos="179388" algn="l"/>
+                <a:tab pos="268288" algn="l"/>
+                <a:tab pos="357188" algn="l"/>
+              </a:tabLst>
+            </a:pPr>
+            <a:r>
+              <a:rPr lang="en-US" altLang="zh-TW" sz="1000" dirty="0" smtClean="0"/>
+              <a:t>	&lt;/</a:t>
+            </a:r>
+            <a:r>
+              <a:rPr lang="en-US" altLang="zh-TW" sz="1000" dirty="0"/>
+              <a:t>dependency&gt;</a:t>
+            </a:r>
+          </a:p>
+          <a:p>
+            <a:pPr>
+              <a:tabLst>
+                <a:tab pos="88900" algn="l"/>
+                <a:tab pos="179388" algn="l"/>
+                <a:tab pos="268288" algn="l"/>
+                <a:tab pos="357188" algn="l"/>
+              </a:tabLst>
+            </a:pPr>
+            <a:r>
+              <a:rPr lang="en-US" altLang="zh-TW" sz="1000" dirty="0" smtClean="0"/>
+              <a:t>	&lt;</a:t>
+            </a:r>
+            <a:r>
+              <a:rPr lang="en-US" altLang="zh-TW" sz="1000" dirty="0"/>
+              <a:t>dependency&gt;</a:t>
+            </a:r>
+          </a:p>
+          <a:p>
+            <a:pPr>
+              <a:tabLst>
+                <a:tab pos="88900" algn="l"/>
+                <a:tab pos="179388" algn="l"/>
+                <a:tab pos="268288" algn="l"/>
+                <a:tab pos="357188" algn="l"/>
+              </a:tabLst>
+            </a:pPr>
+            <a:r>
+              <a:rPr lang="en-US" altLang="zh-TW" sz="1000" dirty="0" smtClean="0"/>
+              <a:t>		&lt;</a:t>
+            </a:r>
+            <a:r>
+              <a:rPr lang="en-US" altLang="zh-TW" sz="1000" dirty="0" err="1"/>
+              <a:t>groupId</a:t>
+            </a:r>
+            <a:r>
+              <a:rPr lang="en-US" altLang="zh-TW" sz="1000" dirty="0"/>
+              <a:t>&gt;</a:t>
+            </a:r>
+            <a:r>
+              <a:rPr lang="en-US" altLang="zh-TW" sz="1000" dirty="0" err="1"/>
+              <a:t>ch.qos.logback</a:t>
+            </a:r>
+            <a:r>
+              <a:rPr lang="en-US" altLang="zh-TW" sz="1000" dirty="0"/>
+              <a:t>&lt;/</a:t>
+            </a:r>
+            <a:r>
+              <a:rPr lang="en-US" altLang="zh-TW" sz="1000" dirty="0" err="1"/>
+              <a:t>groupId</a:t>
+            </a:r>
+            <a:r>
+              <a:rPr lang="en-US" altLang="zh-TW" sz="1000" dirty="0"/>
+              <a:t>&gt;</a:t>
+            </a:r>
+          </a:p>
+          <a:p>
+            <a:pPr>
+              <a:tabLst>
+                <a:tab pos="88900" algn="l"/>
+                <a:tab pos="179388" algn="l"/>
+                <a:tab pos="268288" algn="l"/>
+                <a:tab pos="357188" algn="l"/>
+              </a:tabLst>
+            </a:pPr>
+            <a:r>
+              <a:rPr lang="en-US" altLang="zh-TW" sz="1000" dirty="0" smtClean="0"/>
+              <a:t>		&lt;</a:t>
+            </a:r>
+            <a:r>
+              <a:rPr lang="en-US" altLang="zh-TW" sz="1000" dirty="0" err="1"/>
+              <a:t>artifactId</a:t>
+            </a:r>
+            <a:r>
+              <a:rPr lang="en-US" altLang="zh-TW" sz="1000" dirty="0"/>
+              <a:t>&gt;</a:t>
+            </a:r>
+            <a:r>
+              <a:rPr lang="en-US" altLang="zh-TW" sz="1000" u="sng" dirty="0" err="1"/>
+              <a:t>logback</a:t>
+            </a:r>
+            <a:r>
+              <a:rPr lang="en-US" altLang="zh-TW" sz="1000" u="sng" dirty="0"/>
+              <a:t>-classic&lt;/</a:t>
+            </a:r>
+            <a:r>
+              <a:rPr lang="en-US" altLang="zh-TW" sz="1000" u="sng" dirty="0" err="1"/>
+              <a:t>artifactId</a:t>
+            </a:r>
+            <a:r>
+              <a:rPr lang="en-US" altLang="zh-TW" sz="1000" u="sng" dirty="0"/>
+              <a:t>&gt;</a:t>
+            </a:r>
+          </a:p>
+          <a:p>
+            <a:pPr>
+              <a:tabLst>
+                <a:tab pos="88900" algn="l"/>
+                <a:tab pos="179388" algn="l"/>
+                <a:tab pos="268288" algn="l"/>
+                <a:tab pos="357188" algn="l"/>
+              </a:tabLst>
+            </a:pPr>
+            <a:r>
+              <a:rPr lang="en-US" altLang="zh-TW" sz="1000" dirty="0" smtClean="0"/>
+              <a:t>	&lt;/</a:t>
+            </a:r>
+            <a:r>
+              <a:rPr lang="en-US" altLang="zh-TW" sz="1000" dirty="0"/>
+              <a:t>dependency&gt;</a:t>
+            </a:r>
+          </a:p>
+          <a:p>
+            <a:pPr>
+              <a:tabLst>
+                <a:tab pos="88900" algn="l"/>
+                <a:tab pos="179388" algn="l"/>
+                <a:tab pos="268288" algn="l"/>
+                <a:tab pos="357188" algn="l"/>
+              </a:tabLst>
+            </a:pPr>
+            <a:r>
+              <a:rPr lang="en-US" altLang="zh-TW" sz="1000" dirty="0" smtClean="0"/>
+              <a:t>	&lt;</a:t>
+            </a:r>
+            <a:r>
+              <a:rPr lang="en-US" altLang="zh-TW" sz="1000" dirty="0"/>
+              <a:t>dependency&gt;</a:t>
+            </a:r>
+          </a:p>
+          <a:p>
+            <a:pPr>
+              <a:tabLst>
+                <a:tab pos="88900" algn="l"/>
+                <a:tab pos="179388" algn="l"/>
+                <a:tab pos="268288" algn="l"/>
+                <a:tab pos="357188" algn="l"/>
+              </a:tabLst>
+            </a:pPr>
+            <a:r>
+              <a:rPr lang="en-US" altLang="zh-TW" sz="1000" dirty="0" smtClean="0"/>
+              <a:t>		&lt;</a:t>
+            </a:r>
+            <a:r>
+              <a:rPr lang="en-US" altLang="zh-TW" sz="1000" dirty="0" err="1"/>
+              <a:t>groupId</a:t>
+            </a:r>
+            <a:r>
+              <a:rPr lang="en-US" altLang="zh-TW" sz="1000" dirty="0"/>
+              <a:t>&gt;</a:t>
+            </a:r>
+            <a:r>
+              <a:rPr lang="en-US" altLang="zh-TW" sz="1000" dirty="0" err="1"/>
+              <a:t>org.springframework.boot</a:t>
+            </a:r>
+            <a:r>
+              <a:rPr lang="en-US" altLang="zh-TW" sz="1000" dirty="0"/>
+              <a:t>&lt;/</a:t>
+            </a:r>
+            <a:r>
+              <a:rPr lang="en-US" altLang="zh-TW" sz="1000" dirty="0" err="1"/>
+              <a:t>groupId</a:t>
+            </a:r>
+            <a:r>
+              <a:rPr lang="en-US" altLang="zh-TW" sz="1000" dirty="0"/>
+              <a:t>&gt;</a:t>
+            </a:r>
+          </a:p>
+          <a:p>
+            <a:pPr>
+              <a:tabLst>
+                <a:tab pos="88900" algn="l"/>
+                <a:tab pos="179388" algn="l"/>
+                <a:tab pos="268288" algn="l"/>
+                <a:tab pos="357188" algn="l"/>
+              </a:tabLst>
+            </a:pPr>
+            <a:r>
+              <a:rPr lang="en-US" altLang="zh-TW" sz="1000" dirty="0" smtClean="0"/>
+              <a:t>		&lt;</a:t>
+            </a:r>
+            <a:r>
+              <a:rPr lang="en-US" altLang="zh-TW" sz="1000" dirty="0" err="1"/>
+              <a:t>artifactId</a:t>
+            </a:r>
+            <a:r>
+              <a:rPr lang="en-US" altLang="zh-TW" sz="1000" dirty="0"/>
+              <a:t>&gt;spring-boot-starter-test&lt;/</a:t>
+            </a:r>
+            <a:r>
+              <a:rPr lang="en-US" altLang="zh-TW" sz="1000" dirty="0" err="1"/>
+              <a:t>artifactId</a:t>
+            </a:r>
+            <a:r>
+              <a:rPr lang="en-US" altLang="zh-TW" sz="1000" dirty="0"/>
+              <a:t>&gt;</a:t>
+            </a:r>
+          </a:p>
+          <a:p>
+            <a:pPr>
+              <a:tabLst>
+                <a:tab pos="88900" algn="l"/>
+                <a:tab pos="179388" algn="l"/>
+                <a:tab pos="268288" algn="l"/>
+                <a:tab pos="357188" algn="l"/>
+              </a:tabLst>
+            </a:pPr>
+            <a:r>
+              <a:rPr lang="en-US" altLang="zh-TW" sz="1000" dirty="0" smtClean="0"/>
+              <a:t>		&lt;</a:t>
+            </a:r>
+            <a:r>
+              <a:rPr lang="en-US" altLang="zh-TW" sz="1000" dirty="0"/>
+              <a:t>scope&gt;test&lt;/scope&gt;</a:t>
+            </a:r>
+          </a:p>
+          <a:p>
+            <a:pPr>
+              <a:tabLst>
+                <a:tab pos="88900" algn="l"/>
+                <a:tab pos="179388" algn="l"/>
+                <a:tab pos="268288" algn="l"/>
+                <a:tab pos="357188" algn="l"/>
+              </a:tabLst>
+            </a:pPr>
+            <a:r>
+              <a:rPr lang="en-US" altLang="zh-TW" sz="1000" dirty="0" smtClean="0"/>
+              <a:t>	&lt;/</a:t>
+            </a:r>
+            <a:r>
+              <a:rPr lang="en-US" altLang="zh-TW" sz="1000" dirty="0"/>
+              <a:t>dependency&gt;</a:t>
+            </a:r>
+          </a:p>
+          <a:p>
+            <a:pPr>
+              <a:tabLst>
+                <a:tab pos="88900" algn="l"/>
+                <a:tab pos="179388" algn="l"/>
+                <a:tab pos="268288" algn="l"/>
+                <a:tab pos="357188" algn="l"/>
+              </a:tabLst>
+            </a:pPr>
+            <a:r>
+              <a:rPr lang="en-US" altLang="zh-TW" sz="1000" dirty="0" smtClean="0"/>
+              <a:t>	&lt;</a:t>
+            </a:r>
+            <a:r>
+              <a:rPr lang="en-US" altLang="zh-TW" sz="1000" dirty="0"/>
+              <a:t>dependency&gt;</a:t>
+            </a:r>
+          </a:p>
+          <a:p>
+            <a:pPr>
+              <a:tabLst>
+                <a:tab pos="88900" algn="l"/>
+                <a:tab pos="179388" algn="l"/>
+                <a:tab pos="268288" algn="l"/>
+                <a:tab pos="357188" algn="l"/>
+              </a:tabLst>
+            </a:pPr>
+            <a:r>
+              <a:rPr lang="en-US" altLang="zh-TW" sz="1000" dirty="0" smtClean="0"/>
+              <a:t>		&lt;</a:t>
+            </a:r>
+            <a:r>
+              <a:rPr lang="en-US" altLang="zh-TW" sz="1000" dirty="0" err="1"/>
+              <a:t>groupId</a:t>
+            </a:r>
+            <a:r>
+              <a:rPr lang="en-US" altLang="zh-TW" sz="1000" dirty="0"/>
+              <a:t>&gt;</a:t>
+            </a:r>
+            <a:r>
+              <a:rPr lang="en-US" altLang="zh-TW" sz="1000" dirty="0" err="1"/>
+              <a:t>com.h2database</a:t>
+            </a:r>
+            <a:r>
+              <a:rPr lang="en-US" altLang="zh-TW" sz="1000" dirty="0"/>
+              <a:t>&lt;/</a:t>
+            </a:r>
+            <a:r>
+              <a:rPr lang="en-US" altLang="zh-TW" sz="1000" dirty="0" err="1"/>
+              <a:t>groupId</a:t>
+            </a:r>
+            <a:r>
+              <a:rPr lang="en-US" altLang="zh-TW" sz="1000" dirty="0"/>
+              <a:t>&gt;</a:t>
+            </a:r>
+          </a:p>
+          <a:p>
+            <a:pPr>
+              <a:tabLst>
+                <a:tab pos="88900" algn="l"/>
+                <a:tab pos="179388" algn="l"/>
+                <a:tab pos="268288" algn="l"/>
+                <a:tab pos="357188" algn="l"/>
+              </a:tabLst>
+            </a:pPr>
+            <a:r>
+              <a:rPr lang="en-US" altLang="zh-TW" sz="1000" dirty="0" smtClean="0"/>
+              <a:t>		&lt;</a:t>
+            </a:r>
+            <a:r>
+              <a:rPr lang="en-US" altLang="zh-TW" sz="1000" dirty="0" err="1"/>
+              <a:t>artifactId</a:t>
+            </a:r>
+            <a:r>
+              <a:rPr lang="en-US" altLang="zh-TW" sz="1000" dirty="0"/>
+              <a:t>&gt;</a:t>
+            </a:r>
+            <a:r>
+              <a:rPr lang="en-US" altLang="zh-TW" sz="1000" dirty="0" err="1"/>
+              <a:t>h2</a:t>
+            </a:r>
+            <a:r>
+              <a:rPr lang="en-US" altLang="zh-TW" sz="1000" dirty="0"/>
+              <a:t>&lt;/</a:t>
+            </a:r>
+            <a:r>
+              <a:rPr lang="en-US" altLang="zh-TW" sz="1000" dirty="0" err="1"/>
+              <a:t>artifactId</a:t>
+            </a:r>
+            <a:r>
+              <a:rPr lang="en-US" altLang="zh-TW" sz="1000" dirty="0"/>
+              <a:t>&gt;</a:t>
+            </a:r>
+          </a:p>
+          <a:p>
+            <a:pPr>
+              <a:tabLst>
+                <a:tab pos="88900" algn="l"/>
+                <a:tab pos="179388" algn="l"/>
+                <a:tab pos="268288" algn="l"/>
+                <a:tab pos="357188" algn="l"/>
+              </a:tabLst>
+            </a:pPr>
+            <a:r>
+              <a:rPr lang="en-US" altLang="zh-TW" sz="1000" dirty="0" smtClean="0"/>
+              <a:t>	&lt;/</a:t>
+            </a:r>
+            <a:r>
+              <a:rPr lang="en-US" altLang="zh-TW" sz="1000" dirty="0"/>
+              <a:t>dependency&gt;</a:t>
+            </a:r>
+            <a:endParaRPr lang="zh-TW" altLang="en-US" sz="1000" dirty="0"/>
+          </a:p>
+        </p:txBody>
+      </p:sp>
+      <p:sp>
+        <p:nvSpPr>
+          <p:cNvPr id="7" name="文字方塊 6"/>
+          <p:cNvSpPr txBox="1"/>
+          <p:nvPr/>
+        </p:nvSpPr>
+        <p:spPr>
+          <a:xfrm>
+            <a:off x="4220344" y="1916832"/>
+            <a:ext cx="3960440" cy="3447098"/>
+          </a:xfrm>
+          <a:prstGeom prst="rect">
+            <a:avLst/>
+          </a:prstGeom>
+        </p:spPr>
+        <p:style>
+          <a:lnRef idx="1">
+            <a:schemeClr val="accent2"/>
+          </a:lnRef>
+          <a:fillRef idx="2">
+            <a:schemeClr val="accent2"/>
+          </a:fillRef>
+          <a:effectRef idx="1">
+            <a:schemeClr val="accent2"/>
+          </a:effectRef>
+          <a:fontRef idx="minor">
+            <a:schemeClr val="dk1"/>
+          </a:fontRef>
+        </p:style>
+        <p:txBody>
+          <a:bodyPr wrap="square" rtlCol="0">
+            <a:spAutoFit/>
+          </a:bodyPr>
+          <a:lstStyle/>
+          <a:p>
+            <a:pPr>
+              <a:tabLst>
+                <a:tab pos="88900" algn="l"/>
+                <a:tab pos="179388" algn="l"/>
+                <a:tab pos="268288" algn="l"/>
+                <a:tab pos="357188" algn="l"/>
+              </a:tabLst>
+            </a:pPr>
+            <a:r>
+              <a:rPr lang="en-US" altLang="zh-TW" sz="1000" dirty="0" smtClean="0"/>
+              <a:t>	&lt;</a:t>
+            </a:r>
+            <a:r>
+              <a:rPr lang="en-US" altLang="zh-TW" sz="1000" dirty="0"/>
+              <a:t>dependency&gt;</a:t>
+            </a:r>
+          </a:p>
+          <a:p>
+            <a:pPr>
+              <a:tabLst>
+                <a:tab pos="88900" algn="l"/>
+                <a:tab pos="179388" algn="l"/>
+                <a:tab pos="268288" algn="l"/>
+                <a:tab pos="357188" algn="l"/>
+              </a:tabLst>
+            </a:pPr>
+            <a:r>
+              <a:rPr lang="en-US" altLang="zh-TW" sz="1000" dirty="0" smtClean="0"/>
+              <a:t>		&lt;</a:t>
+            </a:r>
+            <a:r>
+              <a:rPr lang="en-US" altLang="zh-TW" sz="1000" dirty="0" err="1"/>
+              <a:t>groupId</a:t>
+            </a:r>
+            <a:r>
+              <a:rPr lang="en-US" altLang="zh-TW" sz="1000" dirty="0"/>
+              <a:t>&gt;</a:t>
+            </a:r>
+            <a:r>
+              <a:rPr lang="en-US" altLang="zh-TW" sz="1000" dirty="0" err="1"/>
+              <a:t>org.eclipse.persistence</a:t>
+            </a:r>
+            <a:r>
+              <a:rPr lang="en-US" altLang="zh-TW" sz="1000" dirty="0"/>
+              <a:t>&lt;/</a:t>
+            </a:r>
+            <a:r>
+              <a:rPr lang="en-US" altLang="zh-TW" sz="1000" dirty="0" err="1"/>
+              <a:t>groupId</a:t>
+            </a:r>
+            <a:r>
+              <a:rPr lang="en-US" altLang="zh-TW" sz="1000" dirty="0"/>
+              <a:t>&gt;</a:t>
+            </a:r>
+          </a:p>
+          <a:p>
+            <a:pPr>
+              <a:tabLst>
+                <a:tab pos="88900" algn="l"/>
+                <a:tab pos="179388" algn="l"/>
+                <a:tab pos="268288" algn="l"/>
+                <a:tab pos="357188" algn="l"/>
+              </a:tabLst>
+            </a:pPr>
+            <a:r>
+              <a:rPr lang="en-US" altLang="zh-TW" sz="1000" dirty="0" smtClean="0"/>
+              <a:t>		&lt;</a:t>
+            </a:r>
+            <a:r>
+              <a:rPr lang="en-US" altLang="zh-TW" sz="1000" dirty="0" err="1"/>
+              <a:t>artifactId</a:t>
+            </a:r>
+            <a:r>
+              <a:rPr lang="en-US" altLang="zh-TW" sz="1000" dirty="0"/>
+              <a:t>&gt;</a:t>
+            </a:r>
+            <a:r>
+              <a:rPr lang="en-US" altLang="zh-TW" sz="1000" dirty="0" err="1"/>
+              <a:t>eclipselink</a:t>
+            </a:r>
+            <a:r>
+              <a:rPr lang="en-US" altLang="zh-TW" sz="1000" dirty="0"/>
+              <a:t>&lt;/</a:t>
+            </a:r>
+            <a:r>
+              <a:rPr lang="en-US" altLang="zh-TW" sz="1000" dirty="0" err="1"/>
+              <a:t>artifactId</a:t>
+            </a:r>
+            <a:r>
+              <a:rPr lang="en-US" altLang="zh-TW" sz="1000" dirty="0"/>
+              <a:t>&gt;</a:t>
+            </a:r>
+          </a:p>
+          <a:p>
+            <a:pPr>
+              <a:tabLst>
+                <a:tab pos="88900" algn="l"/>
+                <a:tab pos="179388" algn="l"/>
+                <a:tab pos="268288" algn="l"/>
+                <a:tab pos="357188" algn="l"/>
+              </a:tabLst>
+            </a:pPr>
+            <a:r>
+              <a:rPr lang="en-US" altLang="zh-TW" sz="1000" dirty="0" smtClean="0"/>
+              <a:t>	&lt;/</a:t>
+            </a:r>
+            <a:r>
+              <a:rPr lang="en-US" altLang="zh-TW" sz="1000" dirty="0"/>
+              <a:t>dependency&gt;</a:t>
+            </a:r>
+          </a:p>
+          <a:p>
+            <a:pPr>
+              <a:tabLst>
+                <a:tab pos="88900" algn="l"/>
+                <a:tab pos="179388" algn="l"/>
+                <a:tab pos="268288" algn="l"/>
+                <a:tab pos="357188" algn="l"/>
+              </a:tabLst>
+            </a:pPr>
+            <a:r>
+              <a:rPr lang="en-US" altLang="zh-TW" sz="1000" dirty="0" smtClean="0"/>
+              <a:t>	&lt;</a:t>
+            </a:r>
+            <a:r>
+              <a:rPr lang="en-US" altLang="zh-TW" sz="1000" dirty="0"/>
+              <a:t>dependency&gt;</a:t>
+            </a:r>
+          </a:p>
+          <a:p>
+            <a:pPr>
+              <a:tabLst>
+                <a:tab pos="88900" algn="l"/>
+                <a:tab pos="179388" algn="l"/>
+                <a:tab pos="268288" algn="l"/>
+                <a:tab pos="357188" algn="l"/>
+              </a:tabLst>
+            </a:pPr>
+            <a:r>
+              <a:rPr lang="en-US" altLang="zh-TW" sz="1000" dirty="0" smtClean="0"/>
+              <a:t>		&lt;</a:t>
+            </a:r>
+            <a:r>
+              <a:rPr lang="en-US" altLang="zh-TW" sz="1000" dirty="0" err="1"/>
+              <a:t>groupId</a:t>
+            </a:r>
+            <a:r>
+              <a:rPr lang="en-US" altLang="zh-TW" sz="1000" dirty="0"/>
+              <a:t>&gt;</a:t>
+            </a:r>
+            <a:r>
+              <a:rPr lang="en-US" altLang="zh-TW" sz="1000" dirty="0" err="1"/>
+              <a:t>org.apache.commons</a:t>
+            </a:r>
+            <a:r>
+              <a:rPr lang="en-US" altLang="zh-TW" sz="1000" dirty="0"/>
+              <a:t>&lt;/</a:t>
+            </a:r>
+            <a:r>
+              <a:rPr lang="en-US" altLang="zh-TW" sz="1000" dirty="0" err="1"/>
+              <a:t>groupId</a:t>
+            </a:r>
+            <a:r>
+              <a:rPr lang="en-US" altLang="zh-TW" sz="1000" dirty="0"/>
+              <a:t>&gt;</a:t>
+            </a:r>
+          </a:p>
+          <a:p>
+            <a:pPr>
+              <a:tabLst>
+                <a:tab pos="88900" algn="l"/>
+                <a:tab pos="179388" algn="l"/>
+                <a:tab pos="268288" algn="l"/>
+                <a:tab pos="357188" algn="l"/>
+              </a:tabLst>
+            </a:pPr>
+            <a:r>
+              <a:rPr lang="en-US" altLang="zh-TW" sz="1000" dirty="0" smtClean="0"/>
+              <a:t>		&lt;</a:t>
+            </a:r>
+            <a:r>
+              <a:rPr lang="en-US" altLang="zh-TW" sz="1000" dirty="0" err="1" smtClean="0"/>
+              <a:t>artifactId</a:t>
+            </a:r>
+            <a:r>
+              <a:rPr lang="en-US" altLang="zh-TW" sz="1000" dirty="0" smtClean="0"/>
+              <a:t>&gt;commons-</a:t>
+            </a:r>
+            <a:r>
+              <a:rPr lang="en-US" altLang="zh-TW" sz="1000" dirty="0" err="1" smtClean="0"/>
+              <a:t>lang3</a:t>
+            </a:r>
+            <a:r>
+              <a:rPr lang="en-US" altLang="zh-TW" sz="1000" dirty="0"/>
+              <a:t>&lt;/</a:t>
+            </a:r>
+            <a:r>
+              <a:rPr lang="en-US" altLang="zh-TW" sz="1000" dirty="0" err="1"/>
+              <a:t>artifactId</a:t>
+            </a:r>
+            <a:r>
+              <a:rPr lang="en-US" altLang="zh-TW" sz="1000" dirty="0"/>
+              <a:t>&gt;</a:t>
+            </a:r>
+          </a:p>
+          <a:p>
+            <a:pPr>
+              <a:tabLst>
+                <a:tab pos="88900" algn="l"/>
+                <a:tab pos="179388" algn="l"/>
+                <a:tab pos="268288" algn="l"/>
+                <a:tab pos="357188" algn="l"/>
+              </a:tabLst>
+            </a:pPr>
+            <a:r>
+              <a:rPr lang="en-US" altLang="zh-TW" sz="1000" dirty="0" smtClean="0"/>
+              <a:t>	&lt;/</a:t>
+            </a:r>
+            <a:r>
+              <a:rPr lang="en-US" altLang="zh-TW" sz="1000" dirty="0"/>
+              <a:t>dependency&gt;</a:t>
+            </a:r>
+          </a:p>
+          <a:p>
+            <a:pPr>
+              <a:tabLst>
+                <a:tab pos="88900" algn="l"/>
+                <a:tab pos="179388" algn="l"/>
+                <a:tab pos="268288" algn="l"/>
+                <a:tab pos="357188" algn="l"/>
+              </a:tabLst>
+            </a:pPr>
+            <a:r>
+              <a:rPr lang="en-US" altLang="zh-TW" sz="1000" dirty="0" smtClean="0"/>
+              <a:t>&lt;/</a:t>
+            </a:r>
+            <a:r>
+              <a:rPr lang="en-US" altLang="zh-TW" sz="1000" dirty="0"/>
+              <a:t>dependencies&gt;</a:t>
+            </a:r>
+          </a:p>
+          <a:p>
+            <a:pPr>
+              <a:tabLst>
+                <a:tab pos="88900" algn="l"/>
+                <a:tab pos="179388" algn="l"/>
+                <a:tab pos="268288" algn="l"/>
+                <a:tab pos="357188" algn="l"/>
+              </a:tabLst>
+            </a:pPr>
+            <a:r>
+              <a:rPr lang="en-US" altLang="zh-TW" sz="1000" dirty="0" smtClean="0"/>
+              <a:t>&lt;</a:t>
+            </a:r>
+            <a:r>
+              <a:rPr lang="en-US" altLang="zh-TW" sz="1000" dirty="0"/>
+              <a:t>build&gt;</a:t>
+            </a:r>
+          </a:p>
+          <a:p>
+            <a:pPr>
+              <a:tabLst>
+                <a:tab pos="88900" algn="l"/>
+                <a:tab pos="179388" algn="l"/>
+                <a:tab pos="268288" algn="l"/>
+                <a:tab pos="357188" algn="l"/>
+              </a:tabLst>
+            </a:pPr>
+            <a:r>
+              <a:rPr lang="en-US" altLang="zh-TW" sz="1000" dirty="0" smtClean="0"/>
+              <a:t>	&lt;</a:t>
+            </a:r>
+            <a:r>
+              <a:rPr lang="en-US" altLang="zh-TW" sz="1000" dirty="0"/>
+              <a:t>plugins&gt;</a:t>
+            </a:r>
+          </a:p>
+          <a:p>
+            <a:pPr>
+              <a:tabLst>
+                <a:tab pos="88900" algn="l"/>
+                <a:tab pos="179388" algn="l"/>
+                <a:tab pos="268288" algn="l"/>
+                <a:tab pos="357188" algn="l"/>
+              </a:tabLst>
+            </a:pPr>
+            <a:r>
+              <a:rPr lang="en-US" altLang="zh-TW" sz="1000" dirty="0" smtClean="0"/>
+              <a:t>		&lt;</a:t>
+            </a:r>
+            <a:r>
+              <a:rPr lang="en-US" altLang="zh-TW" sz="1000" dirty="0"/>
+              <a:t>plugin&gt;</a:t>
+            </a:r>
+          </a:p>
+          <a:p>
+            <a:pPr>
+              <a:tabLst>
+                <a:tab pos="88900" algn="l"/>
+                <a:tab pos="179388" algn="l"/>
+                <a:tab pos="268288" algn="l"/>
+                <a:tab pos="357188" algn="l"/>
+              </a:tabLst>
+            </a:pPr>
+            <a:r>
+              <a:rPr lang="en-US" altLang="zh-TW" sz="1000" dirty="0" smtClean="0"/>
+              <a:t>			&lt;</a:t>
+            </a:r>
+            <a:r>
+              <a:rPr lang="en-US" altLang="zh-TW" sz="1000" dirty="0" err="1"/>
+              <a:t>groupId</a:t>
+            </a:r>
+            <a:r>
+              <a:rPr lang="en-US" altLang="zh-TW" sz="1000" dirty="0"/>
+              <a:t>&gt;</a:t>
+            </a:r>
+            <a:r>
+              <a:rPr lang="en-US" altLang="zh-TW" sz="1000" dirty="0" err="1"/>
+              <a:t>org.apache.maven.plugins</a:t>
+            </a:r>
+            <a:r>
+              <a:rPr lang="en-US" altLang="zh-TW" sz="1000" dirty="0"/>
+              <a:t>&lt;/</a:t>
+            </a:r>
+            <a:r>
+              <a:rPr lang="en-US" altLang="zh-TW" sz="1000" dirty="0" err="1"/>
+              <a:t>groupId</a:t>
+            </a:r>
+            <a:r>
+              <a:rPr lang="en-US" altLang="zh-TW" sz="1000" dirty="0"/>
+              <a:t>&gt;</a:t>
+            </a:r>
+          </a:p>
+          <a:p>
+            <a:pPr>
+              <a:tabLst>
+                <a:tab pos="88900" algn="l"/>
+                <a:tab pos="179388" algn="l"/>
+                <a:tab pos="268288" algn="l"/>
+                <a:tab pos="357188" algn="l"/>
+              </a:tabLst>
+            </a:pPr>
+            <a:r>
+              <a:rPr lang="en-US" altLang="zh-TW" sz="1000" dirty="0" smtClean="0"/>
+              <a:t>			&lt;</a:t>
+            </a:r>
+            <a:r>
+              <a:rPr lang="en-US" altLang="zh-TW" sz="1000" dirty="0" err="1"/>
+              <a:t>artifactId</a:t>
+            </a:r>
+            <a:r>
+              <a:rPr lang="en-US" altLang="zh-TW" sz="1000" dirty="0"/>
+              <a:t>&gt;maven-compiler-plugin&lt;/</a:t>
+            </a:r>
+            <a:r>
+              <a:rPr lang="en-US" altLang="zh-TW" sz="1000" dirty="0" err="1"/>
+              <a:t>artifactId</a:t>
+            </a:r>
+            <a:r>
+              <a:rPr lang="en-US" altLang="zh-TW" sz="1000" dirty="0"/>
+              <a:t>&gt;</a:t>
+            </a:r>
+          </a:p>
+          <a:p>
+            <a:pPr>
+              <a:tabLst>
+                <a:tab pos="88900" algn="l"/>
+                <a:tab pos="179388" algn="l"/>
+                <a:tab pos="268288" algn="l"/>
+                <a:tab pos="357188" algn="l"/>
+              </a:tabLst>
+            </a:pPr>
+            <a:r>
+              <a:rPr lang="en-US" altLang="zh-TW" sz="1000" dirty="0" smtClean="0"/>
+              <a:t>			&lt;</a:t>
+            </a:r>
+            <a:r>
+              <a:rPr lang="en-US" altLang="zh-TW" sz="1000" dirty="0"/>
+              <a:t>configuration&gt;</a:t>
+            </a:r>
+          </a:p>
+          <a:p>
+            <a:pPr>
+              <a:tabLst>
+                <a:tab pos="88900" algn="l"/>
+                <a:tab pos="179388" algn="l"/>
+                <a:tab pos="268288" algn="l"/>
+                <a:tab pos="357188" algn="l"/>
+              </a:tabLst>
+            </a:pPr>
+            <a:r>
+              <a:rPr lang="en-US" altLang="zh-TW" sz="1000" dirty="0" smtClean="0"/>
+              <a:t>				&lt;</a:t>
+            </a:r>
+            <a:r>
+              <a:rPr lang="en-US" altLang="zh-TW" sz="1000" dirty="0"/>
+              <a:t>source&gt;1.7&lt;/source&gt;</a:t>
+            </a:r>
+          </a:p>
+          <a:p>
+            <a:pPr>
+              <a:tabLst>
+                <a:tab pos="88900" algn="l"/>
+                <a:tab pos="179388" algn="l"/>
+                <a:tab pos="268288" algn="l"/>
+                <a:tab pos="357188" algn="l"/>
+              </a:tabLst>
+            </a:pPr>
+            <a:r>
+              <a:rPr lang="en-US" altLang="zh-TW" sz="1000" dirty="0" smtClean="0"/>
+              <a:t>				&lt;</a:t>
+            </a:r>
+            <a:r>
+              <a:rPr lang="en-US" altLang="zh-TW" sz="1000" dirty="0"/>
+              <a:t>target&gt;1.7&lt;/target&gt;</a:t>
+            </a:r>
+          </a:p>
+          <a:p>
+            <a:pPr>
+              <a:tabLst>
+                <a:tab pos="88900" algn="l"/>
+                <a:tab pos="179388" algn="l"/>
+                <a:tab pos="268288" algn="l"/>
+                <a:tab pos="357188" algn="l"/>
+              </a:tabLst>
+            </a:pPr>
+            <a:r>
+              <a:rPr lang="en-US" altLang="zh-TW" sz="1000" dirty="0" smtClean="0"/>
+              <a:t>			&lt;/</a:t>
+            </a:r>
+            <a:r>
+              <a:rPr lang="en-US" altLang="zh-TW" sz="1000" dirty="0"/>
+              <a:t>configuration&gt;</a:t>
+            </a:r>
+          </a:p>
+          <a:p>
+            <a:pPr>
+              <a:tabLst>
+                <a:tab pos="88900" algn="l"/>
+                <a:tab pos="179388" algn="l"/>
+                <a:tab pos="268288" algn="l"/>
+                <a:tab pos="357188" algn="l"/>
+              </a:tabLst>
+            </a:pPr>
+            <a:r>
+              <a:rPr lang="en-US" altLang="zh-TW" sz="1000" dirty="0" smtClean="0"/>
+              <a:t>		&lt;/</a:t>
+            </a:r>
+            <a:r>
+              <a:rPr lang="en-US" altLang="zh-TW" sz="1000" dirty="0"/>
+              <a:t>plugin&gt;</a:t>
+            </a:r>
+          </a:p>
+          <a:p>
+            <a:pPr>
+              <a:tabLst>
+                <a:tab pos="88900" algn="l"/>
+                <a:tab pos="179388" algn="l"/>
+                <a:tab pos="268288" algn="l"/>
+                <a:tab pos="357188" algn="l"/>
+              </a:tabLst>
+            </a:pPr>
+            <a:r>
+              <a:rPr lang="en-US" altLang="zh-TW" sz="1000" dirty="0" smtClean="0"/>
+              <a:t>	&lt;/</a:t>
+            </a:r>
+            <a:r>
+              <a:rPr lang="en-US" altLang="zh-TW" sz="1000" dirty="0"/>
+              <a:t>plugins&gt;</a:t>
+            </a:r>
+          </a:p>
+          <a:p>
+            <a:pPr>
+              <a:tabLst>
+                <a:tab pos="88900" algn="l"/>
+                <a:tab pos="179388" algn="l"/>
+                <a:tab pos="268288" algn="l"/>
+                <a:tab pos="357188" algn="l"/>
+              </a:tabLst>
+            </a:pPr>
+            <a:r>
+              <a:rPr lang="en-US" altLang="zh-TW" sz="1000" dirty="0"/>
+              <a:t>&lt;/build&gt;</a:t>
+            </a:r>
+            <a:endParaRPr lang="zh-TW" altLang="en-US" sz="1000" dirty="0"/>
+          </a:p>
+        </p:txBody>
+      </p:sp>
+      <p:pic>
+        <p:nvPicPr>
+          <p:cNvPr id="1026" name="Picture 2"/>
+          <p:cNvPicPr>
+            <a:picLocks noChangeAspect="1" noChangeArrowheads="1"/>
+          </p:cNvPicPr>
+          <p:nvPr/>
+        </p:nvPicPr>
+        <p:blipFill>
+          <a:blip r:embed="rId2">
+            <a:extLst>
+              <a:ext uri="{28A0092B-C50C-407E-A947-70E740481C1C}">
+                <a14:useLocalDpi xmlns:a14="http://schemas.microsoft.com/office/drawing/2010/main" val="0"/>
+              </a:ext>
+            </a:extLst>
+          </a:blip>
+          <a:srcRect/>
+          <a:stretch>
+            <a:fillRect/>
+          </a:stretch>
+        </p:blipFill>
+        <p:spPr bwMode="auto">
+          <a:xfrm>
+            <a:off x="4228458" y="5445224"/>
+            <a:ext cx="4520209" cy="957405"/>
+          </a:xfrm>
+          <a:prstGeom prst="rect">
+            <a:avLst/>
+          </a:prstGeom>
+          <a:noFill/>
+          <a:ln>
+            <a:noFill/>
+          </a:ln>
+          <a:extLst>
+            <a:ext uri="{909E8E84-426E-40DD-AFC4-6F175D3DCCD1}">
+              <a14:hiddenFill xmlns:a14="http://schemas.microsoft.com/office/drawing/2010/main">
+                <a:solidFill>
+                  <a:schemeClr val="accent1"/>
+                </a:solidFill>
+              </a14:hiddenFill>
+            </a:ext>
+            <a:ext uri="{91240B29-F687-4F45-9708-019B960494DF}">
+              <a14:hiddenLine xmlns:a14="http://schemas.microsoft.com/office/drawing/2010/main" w="9525">
+                <a:solidFill>
+                  <a:schemeClr val="tx1"/>
+                </a:solidFill>
+                <a:miter lim="800000"/>
+                <a:headEnd/>
+                <a:tailEnd/>
+              </a14:hiddenLine>
+            </a:ext>
+          </a:extLst>
+        </p:spPr>
+      </p:pic>
+      <p:sp>
+        <p:nvSpPr>
+          <p:cNvPr id="8" name="文字方塊 7"/>
+          <p:cNvSpPr txBox="1"/>
+          <p:nvPr/>
+        </p:nvSpPr>
+        <p:spPr>
+          <a:xfrm>
+            <a:off x="6086497" y="5554594"/>
+            <a:ext cx="933776" cy="338554"/>
+          </a:xfrm>
+          <a:prstGeom prst="rect">
+            <a:avLst/>
+          </a:prstGeom>
+          <a:ln/>
+        </p:spPr>
+        <p:style>
+          <a:lnRef idx="1">
+            <a:schemeClr val="accent4"/>
+          </a:lnRef>
+          <a:fillRef idx="2">
+            <a:schemeClr val="accent4"/>
+          </a:fillRef>
+          <a:effectRef idx="1">
+            <a:schemeClr val="accent4"/>
+          </a:effectRef>
+          <a:fontRef idx="minor">
+            <a:schemeClr val="dk1"/>
+          </a:fontRef>
+        </p:style>
+        <p:txBody>
+          <a:bodyPr vert="horz" wrap="square" lIns="91440" tIns="45720" rIns="91440" bIns="45720" numCol="1" anchor="t" anchorCtr="0" compatLnSpc="1">
+            <a:prstTxWarp prst="textNoShape">
+              <a:avLst/>
+            </a:prstTxWarp>
+          </a:bodyPr>
+          <a:lstStyle>
+            <a:lvl1pPr marL="342900" indent="-342900" eaLnBrk="0" hangingPunct="0">
+              <a:spcBef>
+                <a:spcPct val="20000"/>
+              </a:spcBef>
+              <a:buSzPct val="80000"/>
+              <a:buFont typeface="Wingdings" panose="05000000000000000000" pitchFamily="2" charset="2"/>
+              <a:buChar char="l"/>
+              <a:defRPr sz="1600">
+                <a:solidFill>
+                  <a:schemeClr val="dk1"/>
+                </a:solidFill>
+                <a:latin typeface="微軟正黑體" panose="020B0604030504040204" pitchFamily="34" charset="-120"/>
+                <a:ea typeface="微軟正黑體" panose="020B0604030504040204" pitchFamily="34" charset="-120"/>
+                <a:cs typeface="+mn-cs"/>
+              </a:defRPr>
+            </a:lvl1pPr>
+            <a:lvl2pPr marL="742950" indent="-285750" eaLnBrk="0" hangingPunct="0">
+              <a:spcBef>
+                <a:spcPct val="20000"/>
+              </a:spcBef>
+              <a:buSzPct val="80000"/>
+              <a:buFont typeface="Wingdings" panose="05000000000000000000" pitchFamily="2" charset="2"/>
+              <a:buChar char="n"/>
+              <a:defRPr sz="2400">
+                <a:solidFill>
+                  <a:schemeClr val="dk1"/>
+                </a:solidFill>
+                <a:latin typeface="+mn-lt"/>
+                <a:cs typeface="+mn-cs"/>
+              </a:defRPr>
+            </a:lvl2pPr>
+            <a:lvl3pPr marL="1143000" indent="-228600" eaLnBrk="0" hangingPunct="0">
+              <a:spcBef>
+                <a:spcPct val="20000"/>
+              </a:spcBef>
+              <a:buFont typeface="Arial" charset="0"/>
+              <a:buChar char="•"/>
+              <a:defRPr sz="2000">
+                <a:solidFill>
+                  <a:schemeClr val="dk1"/>
+                </a:solidFill>
+                <a:latin typeface="+mn-lt"/>
+                <a:cs typeface="+mn-cs"/>
+              </a:defRPr>
+            </a:lvl3pPr>
+            <a:lvl4pPr marL="1600200" indent="-228600" eaLnBrk="0" hangingPunct="0">
+              <a:spcBef>
+                <a:spcPct val="20000"/>
+              </a:spcBef>
+              <a:buFont typeface="Arial" charset="0"/>
+              <a:buChar char="–"/>
+              <a:defRPr>
+                <a:solidFill>
+                  <a:schemeClr val="dk1"/>
+                </a:solidFill>
+                <a:latin typeface="+mn-lt"/>
+                <a:cs typeface="+mn-cs"/>
+              </a:defRPr>
+            </a:lvl4pPr>
+            <a:lvl5pPr marL="2057400" indent="-228600" eaLnBrk="0" hangingPunct="0">
+              <a:spcBef>
+                <a:spcPct val="20000"/>
+              </a:spcBef>
+              <a:buFont typeface="Arial" charset="0"/>
+              <a:buChar char="»"/>
+              <a:defRPr>
+                <a:solidFill>
+                  <a:schemeClr val="dk1"/>
+                </a:solidFill>
+                <a:latin typeface="+mn-lt"/>
+                <a:cs typeface="+mn-cs"/>
+              </a:defRPr>
+            </a:lvl5pPr>
+            <a:lvl6pPr marL="2514600" indent="-228600">
+              <a:spcBef>
+                <a:spcPct val="20000"/>
+              </a:spcBef>
+              <a:buFont typeface="Arial" pitchFamily="34" charset="0"/>
+              <a:buChar char="•"/>
+              <a:defRPr sz="2000">
+                <a:solidFill>
+                  <a:schemeClr val="dk1"/>
+                </a:solidFill>
+                <a:latin typeface="+mn-lt"/>
+                <a:cs typeface="+mn-cs"/>
+              </a:defRPr>
+            </a:lvl6pPr>
+            <a:lvl7pPr marL="2971800" indent="-228600">
+              <a:spcBef>
+                <a:spcPct val="20000"/>
+              </a:spcBef>
+              <a:buFont typeface="Arial" pitchFamily="34" charset="0"/>
+              <a:buChar char="•"/>
+              <a:defRPr sz="2000">
+                <a:solidFill>
+                  <a:schemeClr val="dk1"/>
+                </a:solidFill>
+                <a:latin typeface="+mn-lt"/>
+                <a:cs typeface="+mn-cs"/>
+              </a:defRPr>
+            </a:lvl7pPr>
+            <a:lvl8pPr marL="3429000" indent="-228600">
+              <a:spcBef>
+                <a:spcPct val="20000"/>
+              </a:spcBef>
+              <a:buFont typeface="Arial" pitchFamily="34" charset="0"/>
+              <a:buChar char="•"/>
+              <a:defRPr sz="2000">
+                <a:solidFill>
+                  <a:schemeClr val="dk1"/>
+                </a:solidFill>
+                <a:latin typeface="+mn-lt"/>
+                <a:cs typeface="+mn-cs"/>
+              </a:defRPr>
+            </a:lvl8pPr>
+            <a:lvl9pPr marL="3886200" indent="-228600">
+              <a:spcBef>
+                <a:spcPct val="20000"/>
+              </a:spcBef>
+              <a:buFont typeface="Arial" pitchFamily="34" charset="0"/>
+              <a:buChar char="•"/>
+              <a:defRPr sz="2000">
+                <a:solidFill>
+                  <a:schemeClr val="dk1"/>
+                </a:solidFill>
+                <a:latin typeface="+mn-lt"/>
+                <a:cs typeface="+mn-cs"/>
+              </a:defRPr>
+            </a:lvl9pPr>
+          </a:lstStyle>
+          <a:p>
+            <a:pPr marL="0" indent="0">
+              <a:buNone/>
+            </a:pPr>
+            <a:r>
+              <a:rPr lang="en-US" altLang="zh-TW" dirty="0" smtClean="0"/>
+              <a:t>ALT-</a:t>
+            </a:r>
+            <a:r>
+              <a:rPr lang="en-US" altLang="zh-TW" dirty="0" err="1" smtClean="0"/>
+              <a:t>F5</a:t>
+            </a:r>
+            <a:endParaRPr lang="zh-TW" altLang="en-US" dirty="0"/>
           </a:p>
         </p:txBody>
       </p:sp>
@@ -16428,6 +18141,3695 @@
       </p:par>
     </p:tnLst>
   </p:timing>
+</p:sld>
+</file>
+
+<file path=ppt/slides/slide31.xml><?xml version="1.0" encoding="utf-8"?>
+<p:sld xmlns:a="http://schemas.openxmlformats.org/drawingml/2006/main" xmlns:r="http://schemas.openxmlformats.org/officeDocument/2006/relationships" xmlns:p="http://schemas.openxmlformats.org/presentationml/2006/main">
+  <p:cSld>
+    <p:spTree>
+      <p:nvGrpSpPr>
+        <p:cNvPr id="1" name=""/>
+        <p:cNvGrpSpPr/>
+        <p:nvPr/>
+      </p:nvGrpSpPr>
+      <p:grpSpPr>
+        <a:xfrm>
+          <a:off x="0" y="0"/>
+          <a:ext cx="0" cy="0"/>
+          <a:chOff x="0" y="0"/>
+          <a:chExt cx="0" cy="0"/>
+        </a:xfrm>
+      </p:grpSpPr>
+      <p:sp>
+        <p:nvSpPr>
+          <p:cNvPr id="2" name="標題 1"/>
+          <p:cNvSpPr>
+            <a:spLocks noGrp="1"/>
+          </p:cNvSpPr>
+          <p:nvPr>
+            <p:ph type="title"/>
+          </p:nvPr>
+        </p:nvSpPr>
+        <p:spPr>
+          <a:xfrm>
+            <a:off x="250825" y="274639"/>
+            <a:ext cx="6842125" cy="778098"/>
+          </a:xfrm>
+        </p:spPr>
+        <p:txBody>
+          <a:bodyPr/>
+          <a:lstStyle/>
+          <a:p>
+            <a:r>
+              <a:rPr lang="en-US" altLang="zh-TW" dirty="0" smtClean="0"/>
+              <a:t>Fix Core Module Issue </a:t>
+            </a:r>
+            <a:endParaRPr lang="zh-TW" altLang="en-US" dirty="0"/>
+          </a:p>
+        </p:txBody>
+      </p:sp>
+      <p:pic>
+        <p:nvPicPr>
+          <p:cNvPr id="4" name="Picture 2"/>
+          <p:cNvPicPr>
+            <a:picLocks noChangeAspect="1" noChangeArrowheads="1"/>
+          </p:cNvPicPr>
+          <p:nvPr/>
+        </p:nvPicPr>
+        <p:blipFill>
+          <a:blip r:embed="rId2">
+            <a:extLst>
+              <a:ext uri="{28A0092B-C50C-407E-A947-70E740481C1C}">
+                <a14:useLocalDpi xmlns:a14="http://schemas.microsoft.com/office/drawing/2010/main" val="0"/>
+              </a:ext>
+            </a:extLst>
+          </a:blip>
+          <a:srcRect/>
+          <a:stretch>
+            <a:fillRect/>
+          </a:stretch>
+        </p:blipFill>
+        <p:spPr bwMode="auto">
+          <a:xfrm>
+            <a:off x="107504" y="1484784"/>
+            <a:ext cx="4520209" cy="957405"/>
+          </a:xfrm>
+          <a:prstGeom prst="rect">
+            <a:avLst/>
+          </a:prstGeom>
+          <a:noFill/>
+          <a:ln>
+            <a:noFill/>
+          </a:ln>
+          <a:extLst>
+            <a:ext uri="{909E8E84-426E-40DD-AFC4-6F175D3DCCD1}">
+              <a14:hiddenFill xmlns:a14="http://schemas.microsoft.com/office/drawing/2010/main">
+                <a:solidFill>
+                  <a:schemeClr val="accent1"/>
+                </a:solidFill>
+              </a14:hiddenFill>
+            </a:ext>
+            <a:ext uri="{91240B29-F687-4F45-9708-019B960494DF}">
+              <a14:hiddenLine xmlns:a14="http://schemas.microsoft.com/office/drawing/2010/main" w="9525">
+                <a:solidFill>
+                  <a:schemeClr val="tx1"/>
+                </a:solidFill>
+                <a:miter lim="800000"/>
+                <a:headEnd/>
+                <a:tailEnd/>
+              </a14:hiddenLine>
+            </a:ext>
+          </a:extLst>
+        </p:spPr>
+      </p:pic>
+      <p:sp>
+        <p:nvSpPr>
+          <p:cNvPr id="5" name="文字方塊 4"/>
+          <p:cNvSpPr txBox="1"/>
+          <p:nvPr/>
+        </p:nvSpPr>
+        <p:spPr>
+          <a:xfrm>
+            <a:off x="1900720" y="1503906"/>
+            <a:ext cx="933776" cy="338554"/>
+          </a:xfrm>
+          <a:prstGeom prst="rect">
+            <a:avLst/>
+          </a:prstGeom>
+          <a:ln/>
+        </p:spPr>
+        <p:style>
+          <a:lnRef idx="1">
+            <a:schemeClr val="accent4"/>
+          </a:lnRef>
+          <a:fillRef idx="2">
+            <a:schemeClr val="accent4"/>
+          </a:fillRef>
+          <a:effectRef idx="1">
+            <a:schemeClr val="accent4"/>
+          </a:effectRef>
+          <a:fontRef idx="minor">
+            <a:schemeClr val="dk1"/>
+          </a:fontRef>
+        </p:style>
+        <p:txBody>
+          <a:bodyPr vert="horz" wrap="square" lIns="91440" tIns="45720" rIns="91440" bIns="45720" numCol="1" anchor="t" anchorCtr="0" compatLnSpc="1">
+            <a:prstTxWarp prst="textNoShape">
+              <a:avLst/>
+            </a:prstTxWarp>
+          </a:bodyPr>
+          <a:lstStyle>
+            <a:lvl1pPr marL="342900" indent="-342900" eaLnBrk="0" hangingPunct="0">
+              <a:spcBef>
+                <a:spcPct val="20000"/>
+              </a:spcBef>
+              <a:buSzPct val="80000"/>
+              <a:buFont typeface="Wingdings" panose="05000000000000000000" pitchFamily="2" charset="2"/>
+              <a:buChar char="l"/>
+              <a:defRPr sz="1600">
+                <a:solidFill>
+                  <a:schemeClr val="dk1"/>
+                </a:solidFill>
+                <a:latin typeface="微軟正黑體" panose="020B0604030504040204" pitchFamily="34" charset="-120"/>
+                <a:ea typeface="微軟正黑體" panose="020B0604030504040204" pitchFamily="34" charset="-120"/>
+                <a:cs typeface="+mn-cs"/>
+              </a:defRPr>
+            </a:lvl1pPr>
+            <a:lvl2pPr marL="742950" indent="-285750" eaLnBrk="0" hangingPunct="0">
+              <a:spcBef>
+                <a:spcPct val="20000"/>
+              </a:spcBef>
+              <a:buSzPct val="80000"/>
+              <a:buFont typeface="Wingdings" panose="05000000000000000000" pitchFamily="2" charset="2"/>
+              <a:buChar char="n"/>
+              <a:defRPr sz="2400">
+                <a:solidFill>
+                  <a:schemeClr val="dk1"/>
+                </a:solidFill>
+                <a:latin typeface="+mn-lt"/>
+                <a:cs typeface="+mn-cs"/>
+              </a:defRPr>
+            </a:lvl2pPr>
+            <a:lvl3pPr marL="1143000" indent="-228600" eaLnBrk="0" hangingPunct="0">
+              <a:spcBef>
+                <a:spcPct val="20000"/>
+              </a:spcBef>
+              <a:buFont typeface="Arial" charset="0"/>
+              <a:buChar char="•"/>
+              <a:defRPr sz="2000">
+                <a:solidFill>
+                  <a:schemeClr val="dk1"/>
+                </a:solidFill>
+                <a:latin typeface="+mn-lt"/>
+                <a:cs typeface="+mn-cs"/>
+              </a:defRPr>
+            </a:lvl3pPr>
+            <a:lvl4pPr marL="1600200" indent="-228600" eaLnBrk="0" hangingPunct="0">
+              <a:spcBef>
+                <a:spcPct val="20000"/>
+              </a:spcBef>
+              <a:buFont typeface="Arial" charset="0"/>
+              <a:buChar char="–"/>
+              <a:defRPr>
+                <a:solidFill>
+                  <a:schemeClr val="dk1"/>
+                </a:solidFill>
+                <a:latin typeface="+mn-lt"/>
+                <a:cs typeface="+mn-cs"/>
+              </a:defRPr>
+            </a:lvl4pPr>
+            <a:lvl5pPr marL="2057400" indent="-228600" eaLnBrk="0" hangingPunct="0">
+              <a:spcBef>
+                <a:spcPct val="20000"/>
+              </a:spcBef>
+              <a:buFont typeface="Arial" charset="0"/>
+              <a:buChar char="»"/>
+              <a:defRPr>
+                <a:solidFill>
+                  <a:schemeClr val="dk1"/>
+                </a:solidFill>
+                <a:latin typeface="+mn-lt"/>
+                <a:cs typeface="+mn-cs"/>
+              </a:defRPr>
+            </a:lvl5pPr>
+            <a:lvl6pPr marL="2514600" indent="-228600">
+              <a:spcBef>
+                <a:spcPct val="20000"/>
+              </a:spcBef>
+              <a:buFont typeface="Arial" pitchFamily="34" charset="0"/>
+              <a:buChar char="•"/>
+              <a:defRPr sz="2000">
+                <a:solidFill>
+                  <a:schemeClr val="dk1"/>
+                </a:solidFill>
+                <a:latin typeface="+mn-lt"/>
+                <a:cs typeface="+mn-cs"/>
+              </a:defRPr>
+            </a:lvl6pPr>
+            <a:lvl7pPr marL="2971800" indent="-228600">
+              <a:spcBef>
+                <a:spcPct val="20000"/>
+              </a:spcBef>
+              <a:buFont typeface="Arial" pitchFamily="34" charset="0"/>
+              <a:buChar char="•"/>
+              <a:defRPr sz="2000">
+                <a:solidFill>
+                  <a:schemeClr val="dk1"/>
+                </a:solidFill>
+                <a:latin typeface="+mn-lt"/>
+                <a:cs typeface="+mn-cs"/>
+              </a:defRPr>
+            </a:lvl7pPr>
+            <a:lvl8pPr marL="3429000" indent="-228600">
+              <a:spcBef>
+                <a:spcPct val="20000"/>
+              </a:spcBef>
+              <a:buFont typeface="Arial" pitchFamily="34" charset="0"/>
+              <a:buChar char="•"/>
+              <a:defRPr sz="2000">
+                <a:solidFill>
+                  <a:schemeClr val="dk1"/>
+                </a:solidFill>
+                <a:latin typeface="+mn-lt"/>
+                <a:cs typeface="+mn-cs"/>
+              </a:defRPr>
+            </a:lvl8pPr>
+            <a:lvl9pPr marL="3886200" indent="-228600">
+              <a:spcBef>
+                <a:spcPct val="20000"/>
+              </a:spcBef>
+              <a:buFont typeface="Arial" pitchFamily="34" charset="0"/>
+              <a:buChar char="•"/>
+              <a:defRPr sz="2000">
+                <a:solidFill>
+                  <a:schemeClr val="dk1"/>
+                </a:solidFill>
+                <a:latin typeface="+mn-lt"/>
+                <a:cs typeface="+mn-cs"/>
+              </a:defRPr>
+            </a:lvl9pPr>
+          </a:lstStyle>
+          <a:p>
+            <a:pPr marL="0" indent="0">
+              <a:buNone/>
+            </a:pPr>
+            <a:r>
+              <a:rPr lang="en-US" altLang="zh-TW" dirty="0" smtClean="0"/>
+              <a:t>ALT-</a:t>
+            </a:r>
+            <a:r>
+              <a:rPr lang="en-US" altLang="zh-TW" dirty="0" err="1" smtClean="0"/>
+              <a:t>F5</a:t>
+            </a:r>
+            <a:endParaRPr lang="zh-TW" altLang="en-US" dirty="0"/>
+          </a:p>
+        </p:txBody>
+      </p:sp>
+      <p:pic>
+        <p:nvPicPr>
+          <p:cNvPr id="2050" name="Picture 2"/>
+          <p:cNvPicPr>
+            <a:picLocks noChangeAspect="1" noChangeArrowheads="1"/>
+          </p:cNvPicPr>
+          <p:nvPr/>
+        </p:nvPicPr>
+        <p:blipFill rotWithShape="1">
+          <a:blip r:embed="rId3">
+            <a:extLst>
+              <a:ext uri="{28A0092B-C50C-407E-A947-70E740481C1C}">
+                <a14:useLocalDpi xmlns:a14="http://schemas.microsoft.com/office/drawing/2010/main" val="0"/>
+              </a:ext>
+            </a:extLst>
+          </a:blip>
+          <a:srcRect l="30578"/>
+          <a:stretch/>
+        </p:blipFill>
+        <p:spPr bwMode="auto">
+          <a:xfrm>
+            <a:off x="-3651" y="3503488"/>
+            <a:ext cx="3610389" cy="581025"/>
+          </a:xfrm>
+          <a:prstGeom prst="rect">
+            <a:avLst/>
+          </a:prstGeom>
+          <a:noFill/>
+          <a:ln>
+            <a:noFill/>
+          </a:ln>
+          <a:extLst>
+            <a:ext uri="{909E8E84-426E-40DD-AFC4-6F175D3DCCD1}">
+              <a14:hiddenFill xmlns:a14="http://schemas.microsoft.com/office/drawing/2010/main">
+                <a:solidFill>
+                  <a:schemeClr val="accent1"/>
+                </a:solidFill>
+              </a14:hiddenFill>
+            </a:ext>
+            <a:ext uri="{91240B29-F687-4F45-9708-019B960494DF}">
+              <a14:hiddenLine xmlns:a14="http://schemas.microsoft.com/office/drawing/2010/main" w="9525">
+                <a:solidFill>
+                  <a:schemeClr val="tx1"/>
+                </a:solidFill>
+                <a:miter lim="800000"/>
+                <a:headEnd/>
+                <a:tailEnd/>
+              </a14:hiddenLine>
+            </a:ext>
+          </a:extLst>
+        </p:spPr>
+      </p:pic>
+      <p:pic>
+        <p:nvPicPr>
+          <p:cNvPr id="2051" name="Picture 3"/>
+          <p:cNvPicPr>
+            <a:picLocks noChangeAspect="1" noChangeArrowheads="1"/>
+          </p:cNvPicPr>
+          <p:nvPr/>
+        </p:nvPicPr>
+        <p:blipFill>
+          <a:blip r:embed="rId4">
+            <a:extLst>
+              <a:ext uri="{28A0092B-C50C-407E-A947-70E740481C1C}">
+                <a14:useLocalDpi xmlns:a14="http://schemas.microsoft.com/office/drawing/2010/main" val="0"/>
+              </a:ext>
+            </a:extLst>
+          </a:blip>
+          <a:srcRect/>
+          <a:stretch>
+            <a:fillRect/>
+          </a:stretch>
+        </p:blipFill>
+        <p:spPr bwMode="auto">
+          <a:xfrm>
+            <a:off x="107504" y="2800350"/>
+            <a:ext cx="5000625" cy="419100"/>
+          </a:xfrm>
+          <a:prstGeom prst="rect">
+            <a:avLst/>
+          </a:prstGeom>
+          <a:noFill/>
+          <a:ln>
+            <a:noFill/>
+          </a:ln>
+          <a:extLst>
+            <a:ext uri="{909E8E84-426E-40DD-AFC4-6F175D3DCCD1}">
+              <a14:hiddenFill xmlns:a14="http://schemas.microsoft.com/office/drawing/2010/main">
+                <a:solidFill>
+                  <a:schemeClr val="accent1"/>
+                </a:solidFill>
+              </a14:hiddenFill>
+            </a:ext>
+            <a:ext uri="{91240B29-F687-4F45-9708-019B960494DF}">
+              <a14:hiddenLine xmlns:a14="http://schemas.microsoft.com/office/drawing/2010/main" w="9525">
+                <a:solidFill>
+                  <a:schemeClr val="tx1"/>
+                </a:solidFill>
+                <a:miter lim="800000"/>
+                <a:headEnd/>
+                <a:tailEnd/>
+              </a14:hiddenLine>
+            </a:ext>
+          </a:extLst>
+        </p:spPr>
+      </p:pic>
+      <p:pic>
+        <p:nvPicPr>
+          <p:cNvPr id="2052" name="Picture 4"/>
+          <p:cNvPicPr>
+            <a:picLocks noChangeAspect="1" noChangeArrowheads="1"/>
+          </p:cNvPicPr>
+          <p:nvPr/>
+        </p:nvPicPr>
+        <p:blipFill>
+          <a:blip r:embed="rId5">
+            <a:extLst>
+              <a:ext uri="{28A0092B-C50C-407E-A947-70E740481C1C}">
+                <a14:useLocalDpi xmlns:a14="http://schemas.microsoft.com/office/drawing/2010/main" val="0"/>
+              </a:ext>
+            </a:extLst>
+          </a:blip>
+          <a:srcRect/>
+          <a:stretch>
+            <a:fillRect/>
+          </a:stretch>
+        </p:blipFill>
+        <p:spPr bwMode="auto">
+          <a:xfrm>
+            <a:off x="107504" y="4440966"/>
+            <a:ext cx="4352925" cy="752475"/>
+          </a:xfrm>
+          <a:prstGeom prst="rect">
+            <a:avLst/>
+          </a:prstGeom>
+          <a:noFill/>
+          <a:ln>
+            <a:noFill/>
+          </a:ln>
+          <a:extLst>
+            <a:ext uri="{909E8E84-426E-40DD-AFC4-6F175D3DCCD1}">
+              <a14:hiddenFill xmlns:a14="http://schemas.microsoft.com/office/drawing/2010/main">
+                <a:solidFill>
+                  <a:schemeClr val="accent1"/>
+                </a:solidFill>
+              </a14:hiddenFill>
+            </a:ext>
+            <a:ext uri="{91240B29-F687-4F45-9708-019B960494DF}">
+              <a14:hiddenLine xmlns:a14="http://schemas.microsoft.com/office/drawing/2010/main" w="9525">
+                <a:solidFill>
+                  <a:schemeClr val="tx1"/>
+                </a:solidFill>
+                <a:miter lim="800000"/>
+                <a:headEnd/>
+                <a:tailEnd/>
+              </a14:hiddenLine>
+            </a:ext>
+          </a:extLst>
+        </p:spPr>
+      </p:pic>
+      <p:sp>
+        <p:nvSpPr>
+          <p:cNvPr id="9" name="橢圓 8"/>
+          <p:cNvSpPr/>
+          <p:nvPr/>
+        </p:nvSpPr>
+        <p:spPr>
+          <a:xfrm>
+            <a:off x="124592" y="1484784"/>
+            <a:ext cx="432048" cy="360040"/>
+          </a:xfrm>
+          <a:prstGeom prst="ellipse">
+            <a:avLst/>
+          </a:prstGeom>
+        </p:spPr>
+        <p:style>
+          <a:lnRef idx="2">
+            <a:schemeClr val="accent1">
+              <a:shade val="50000"/>
+            </a:schemeClr>
+          </a:lnRef>
+          <a:fillRef idx="1">
+            <a:schemeClr val="accent1"/>
+          </a:fillRef>
+          <a:effectRef idx="0">
+            <a:schemeClr val="accent1"/>
+          </a:effectRef>
+          <a:fontRef idx="minor">
+            <a:schemeClr val="lt1"/>
+          </a:fontRef>
+        </p:style>
+        <p:txBody>
+          <a:bodyPr rtlCol="0" anchor="ctr"/>
+          <a:lstStyle/>
+          <a:p>
+            <a:pPr algn="ctr"/>
+            <a:r>
+              <a:rPr lang="en-US" altLang="zh-TW" dirty="0"/>
+              <a:t>1</a:t>
+            </a:r>
+            <a:endParaRPr lang="zh-TW" altLang="en-US" dirty="0"/>
+          </a:p>
+        </p:txBody>
+      </p:sp>
+      <p:sp>
+        <p:nvSpPr>
+          <p:cNvPr id="10" name="橢圓 9"/>
+          <p:cNvSpPr/>
+          <p:nvPr/>
+        </p:nvSpPr>
+        <p:spPr>
+          <a:xfrm>
+            <a:off x="60968" y="2620330"/>
+            <a:ext cx="432048" cy="360040"/>
+          </a:xfrm>
+          <a:prstGeom prst="ellipse">
+            <a:avLst/>
+          </a:prstGeom>
+        </p:spPr>
+        <p:style>
+          <a:lnRef idx="2">
+            <a:schemeClr val="accent1">
+              <a:shade val="50000"/>
+            </a:schemeClr>
+          </a:lnRef>
+          <a:fillRef idx="1">
+            <a:schemeClr val="accent1"/>
+          </a:fillRef>
+          <a:effectRef idx="0">
+            <a:schemeClr val="accent1"/>
+          </a:effectRef>
+          <a:fontRef idx="minor">
+            <a:schemeClr val="lt1"/>
+          </a:fontRef>
+        </p:style>
+        <p:txBody>
+          <a:bodyPr rtlCol="0" anchor="ctr"/>
+          <a:lstStyle/>
+          <a:p>
+            <a:pPr algn="ctr"/>
+            <a:r>
+              <a:rPr lang="en-US" altLang="zh-TW" dirty="0" smtClean="0"/>
+              <a:t>2</a:t>
+            </a:r>
+            <a:endParaRPr lang="zh-TW" altLang="en-US" dirty="0"/>
+          </a:p>
+        </p:txBody>
+      </p:sp>
+      <p:sp>
+        <p:nvSpPr>
+          <p:cNvPr id="11" name="橢圓 10"/>
+          <p:cNvSpPr/>
+          <p:nvPr/>
+        </p:nvSpPr>
+        <p:spPr>
+          <a:xfrm>
+            <a:off x="19251" y="3323468"/>
+            <a:ext cx="432048" cy="360040"/>
+          </a:xfrm>
+          <a:prstGeom prst="ellipse">
+            <a:avLst/>
+          </a:prstGeom>
+        </p:spPr>
+        <p:style>
+          <a:lnRef idx="2">
+            <a:schemeClr val="accent1">
+              <a:shade val="50000"/>
+            </a:schemeClr>
+          </a:lnRef>
+          <a:fillRef idx="1">
+            <a:schemeClr val="accent1"/>
+          </a:fillRef>
+          <a:effectRef idx="0">
+            <a:schemeClr val="accent1"/>
+          </a:effectRef>
+          <a:fontRef idx="minor">
+            <a:schemeClr val="lt1"/>
+          </a:fontRef>
+        </p:style>
+        <p:txBody>
+          <a:bodyPr rtlCol="0" anchor="ctr"/>
+          <a:lstStyle/>
+          <a:p>
+            <a:pPr algn="ctr"/>
+            <a:r>
+              <a:rPr lang="en-US" altLang="zh-TW" dirty="0"/>
+              <a:t>3</a:t>
+            </a:r>
+            <a:endParaRPr lang="zh-TW" altLang="en-US" dirty="0"/>
+          </a:p>
+        </p:txBody>
+      </p:sp>
+      <p:sp>
+        <p:nvSpPr>
+          <p:cNvPr id="12" name="橢圓 11"/>
+          <p:cNvSpPr/>
+          <p:nvPr/>
+        </p:nvSpPr>
+        <p:spPr>
+          <a:xfrm>
+            <a:off x="16276" y="4260946"/>
+            <a:ext cx="432048" cy="360040"/>
+          </a:xfrm>
+          <a:prstGeom prst="ellipse">
+            <a:avLst/>
+          </a:prstGeom>
+        </p:spPr>
+        <p:style>
+          <a:lnRef idx="2">
+            <a:schemeClr val="accent1">
+              <a:shade val="50000"/>
+            </a:schemeClr>
+          </a:lnRef>
+          <a:fillRef idx="1">
+            <a:schemeClr val="accent1"/>
+          </a:fillRef>
+          <a:effectRef idx="0">
+            <a:schemeClr val="accent1"/>
+          </a:effectRef>
+          <a:fontRef idx="minor">
+            <a:schemeClr val="lt1"/>
+          </a:fontRef>
+        </p:style>
+        <p:txBody>
+          <a:bodyPr rtlCol="0" anchor="ctr"/>
+          <a:lstStyle/>
+          <a:p>
+            <a:pPr algn="ctr"/>
+            <a:r>
+              <a:rPr lang="en-US" altLang="zh-TW" dirty="0" smtClean="0"/>
+              <a:t>4</a:t>
+            </a:r>
+            <a:endParaRPr lang="zh-TW" altLang="en-US" dirty="0"/>
+          </a:p>
+        </p:txBody>
+      </p:sp>
+      <p:sp>
+        <p:nvSpPr>
+          <p:cNvPr id="13" name="內容版面配置區 2"/>
+          <p:cNvSpPr txBox="1">
+            <a:spLocks/>
+          </p:cNvSpPr>
+          <p:nvPr/>
+        </p:nvSpPr>
+        <p:spPr bwMode="auto">
+          <a:xfrm>
+            <a:off x="5140381" y="2800350"/>
+            <a:ext cx="3824107" cy="2520280"/>
+          </a:xfrm>
+          <a:prstGeom prst="rect">
+            <a:avLst/>
+          </a:prstGeom>
+          <a:ln/>
+          <a:extLst/>
+        </p:spPr>
+        <p:style>
+          <a:lnRef idx="1">
+            <a:schemeClr val="accent4"/>
+          </a:lnRef>
+          <a:fillRef idx="2">
+            <a:schemeClr val="accent4"/>
+          </a:fillRef>
+          <a:effectRef idx="1">
+            <a:schemeClr val="accent4"/>
+          </a:effectRef>
+          <a:fontRef idx="minor">
+            <a:schemeClr val="dk1"/>
+          </a:fontRef>
+        </p:style>
+        <p:txBody>
+          <a:bodyPr vert="horz" wrap="square" lIns="91440" tIns="45720" rIns="91440" bIns="45720" numCol="1" anchor="t" anchorCtr="0" compatLnSpc="1">
+            <a:prstTxWarp prst="textNoShape">
+              <a:avLst/>
+            </a:prstTxWarp>
+          </a:bodyPr>
+          <a:lstStyle>
+            <a:lvl1pPr marL="342900" indent="-342900" algn="l" rtl="0" eaLnBrk="0" fontAlgn="base" hangingPunct="0">
+              <a:spcBef>
+                <a:spcPct val="20000"/>
+              </a:spcBef>
+              <a:spcAft>
+                <a:spcPct val="0"/>
+              </a:spcAft>
+              <a:buSzPct val="80000"/>
+              <a:buFont typeface="Wingdings" panose="05000000000000000000" pitchFamily="2" charset="2"/>
+              <a:buChar char="l"/>
+              <a:defRPr sz="2800" kern="1200">
+                <a:solidFill>
+                  <a:schemeClr val="tx1"/>
+                </a:solidFill>
+                <a:latin typeface="微軟正黑體" panose="020B0604030504040204" pitchFamily="34" charset="-120"/>
+                <a:ea typeface="微軟正黑體" panose="020B0604030504040204" pitchFamily="34" charset="-120"/>
+                <a:cs typeface="Arial" pitchFamily="34" charset="0"/>
+              </a:defRPr>
+            </a:lvl1pPr>
+            <a:lvl2pPr marL="742950" indent="-285750" algn="l" rtl="0" eaLnBrk="0" fontAlgn="base" hangingPunct="0">
+              <a:spcBef>
+                <a:spcPct val="20000"/>
+              </a:spcBef>
+              <a:spcAft>
+                <a:spcPct val="0"/>
+              </a:spcAft>
+              <a:buSzPct val="80000"/>
+              <a:buFont typeface="Wingdings" panose="05000000000000000000" pitchFamily="2" charset="2"/>
+              <a:buChar char="n"/>
+              <a:defRPr sz="2400" kern="1200">
+                <a:solidFill>
+                  <a:schemeClr val="tx1"/>
+                </a:solidFill>
+                <a:latin typeface="微軟正黑體" panose="020B0604030504040204" pitchFamily="34" charset="-120"/>
+                <a:ea typeface="微軟正黑體" panose="020B0604030504040204" pitchFamily="34" charset="-120"/>
+                <a:cs typeface="Arial" pitchFamily="34" charset="0"/>
+              </a:defRPr>
+            </a:lvl2pPr>
+            <a:lvl3pPr marL="1143000" indent="-228600" algn="l" rtl="0" eaLnBrk="0" fontAlgn="base" hangingPunct="0">
+              <a:spcBef>
+                <a:spcPct val="20000"/>
+              </a:spcBef>
+              <a:spcAft>
+                <a:spcPct val="0"/>
+              </a:spcAft>
+              <a:buFont typeface="Arial" charset="0"/>
+              <a:buChar char="•"/>
+              <a:defRPr sz="2000" kern="1200">
+                <a:solidFill>
+                  <a:schemeClr val="tx1"/>
+                </a:solidFill>
+                <a:latin typeface="微軟正黑體" panose="020B0604030504040204" pitchFamily="34" charset="-120"/>
+                <a:ea typeface="微軟正黑體" panose="020B0604030504040204" pitchFamily="34" charset="-120"/>
+                <a:cs typeface="Arial" pitchFamily="34" charset="0"/>
+              </a:defRPr>
+            </a:lvl3pPr>
+            <a:lvl4pPr marL="1600200" indent="-228600" algn="l" rtl="0" eaLnBrk="0" fontAlgn="base" hangingPunct="0">
+              <a:spcBef>
+                <a:spcPct val="20000"/>
+              </a:spcBef>
+              <a:spcAft>
+                <a:spcPct val="0"/>
+              </a:spcAft>
+              <a:buFont typeface="Arial" charset="0"/>
+              <a:buChar char="–"/>
+              <a:defRPr kern="1200">
+                <a:solidFill>
+                  <a:schemeClr val="tx1"/>
+                </a:solidFill>
+                <a:latin typeface="微軟正黑體" panose="020B0604030504040204" pitchFamily="34" charset="-120"/>
+                <a:ea typeface="微軟正黑體" panose="020B0604030504040204" pitchFamily="34" charset="-120"/>
+                <a:cs typeface="Arial" pitchFamily="34" charset="0"/>
+              </a:defRPr>
+            </a:lvl4pPr>
+            <a:lvl5pPr marL="2057400" indent="-228600" algn="l" rtl="0" eaLnBrk="0" fontAlgn="base" hangingPunct="0">
+              <a:spcBef>
+                <a:spcPct val="20000"/>
+              </a:spcBef>
+              <a:spcAft>
+                <a:spcPct val="0"/>
+              </a:spcAft>
+              <a:buFont typeface="Arial" charset="0"/>
+              <a:buChar char="»"/>
+              <a:defRPr kern="1200">
+                <a:solidFill>
+                  <a:schemeClr val="tx1"/>
+                </a:solidFill>
+                <a:latin typeface="微軟正黑體" panose="020B0604030504040204" pitchFamily="34" charset="-120"/>
+                <a:ea typeface="微軟正黑體" panose="020B0604030504040204" pitchFamily="34" charset="-120"/>
+                <a:cs typeface="Arial" pitchFamily="34" charset="0"/>
+              </a:defRPr>
+            </a:lvl5pPr>
+            <a:lvl6pPr marL="2514600" indent="-228600" algn="l" defTabSz="914400" rtl="0" eaLnBrk="1" latinLnBrk="0" hangingPunct="1">
+              <a:spcBef>
+                <a:spcPct val="20000"/>
+              </a:spcBef>
+              <a:buFont typeface="Arial" pitchFamily="34" charset="0"/>
+              <a:buChar char="•"/>
+              <a:defRPr sz="2000" kern="1200">
+                <a:solidFill>
+                  <a:schemeClr val="tx1"/>
+                </a:solidFill>
+                <a:latin typeface="+mn-lt"/>
+                <a:ea typeface="+mn-ea"/>
+                <a:cs typeface="+mn-cs"/>
+              </a:defRPr>
+            </a:lvl6pPr>
+            <a:lvl7pPr marL="2971800" indent="-228600" algn="l" defTabSz="914400" rtl="0" eaLnBrk="1" latinLnBrk="0" hangingPunct="1">
+              <a:spcBef>
+                <a:spcPct val="20000"/>
+              </a:spcBef>
+              <a:buFont typeface="Arial" pitchFamily="34" charset="0"/>
+              <a:buChar char="•"/>
+              <a:defRPr sz="2000" kern="1200">
+                <a:solidFill>
+                  <a:schemeClr val="tx1"/>
+                </a:solidFill>
+                <a:latin typeface="+mn-lt"/>
+                <a:ea typeface="+mn-ea"/>
+                <a:cs typeface="+mn-cs"/>
+              </a:defRPr>
+            </a:lvl7pPr>
+            <a:lvl8pPr marL="3429000" indent="-228600" algn="l" defTabSz="914400" rtl="0" eaLnBrk="1" latinLnBrk="0" hangingPunct="1">
+              <a:spcBef>
+                <a:spcPct val="20000"/>
+              </a:spcBef>
+              <a:buFont typeface="Arial" pitchFamily="34" charset="0"/>
+              <a:buChar char="•"/>
+              <a:defRPr sz="2000" kern="1200">
+                <a:solidFill>
+                  <a:schemeClr val="tx1"/>
+                </a:solidFill>
+                <a:latin typeface="+mn-lt"/>
+                <a:ea typeface="+mn-ea"/>
+                <a:cs typeface="+mn-cs"/>
+              </a:defRPr>
+            </a:lvl8pPr>
+            <a:lvl9pPr marL="3886200" indent="-228600" algn="l" defTabSz="914400" rtl="0" eaLnBrk="1" latinLnBrk="0" hangingPunct="1">
+              <a:spcBef>
+                <a:spcPct val="20000"/>
+              </a:spcBef>
+              <a:buFont typeface="Arial" pitchFamily="34" charset="0"/>
+              <a:buChar char="•"/>
+              <a:defRPr sz="2000" kern="1200">
+                <a:solidFill>
+                  <a:schemeClr val="tx1"/>
+                </a:solidFill>
+                <a:latin typeface="+mn-lt"/>
+                <a:ea typeface="+mn-ea"/>
+                <a:cs typeface="+mn-cs"/>
+              </a:defRPr>
+            </a:lvl9pPr>
+          </a:lstStyle>
+          <a:p>
+            <a:pPr>
+              <a:buClr>
+                <a:srgbClr val="C00000"/>
+              </a:buClr>
+              <a:buSzPct val="90000"/>
+              <a:buFont typeface="+mj-lt"/>
+              <a:buAutoNum type="arabicPeriod"/>
+            </a:pPr>
+            <a:r>
+              <a:rPr lang="zh-TW" altLang="en-US" sz="1400" dirty="0" smtClean="0">
+                <a:latin typeface="Consolas" panose="020B0609020204030204" pitchFamily="49" charset="0"/>
+                <a:cs typeface="Consolas" panose="020B0609020204030204" pitchFamily="49" charset="0"/>
+                <a:sym typeface="Wingdings" panose="05000000000000000000" pitchFamily="2" charset="2"/>
+              </a:rPr>
+              <a:t>更動完 </a:t>
+            </a:r>
+            <a:r>
+              <a:rPr lang="en-US" altLang="zh-TW" sz="1400" dirty="0" smtClean="0">
+                <a:latin typeface="Consolas" panose="020B0609020204030204" pitchFamily="49" charset="0"/>
+                <a:cs typeface="Consolas" panose="020B0609020204030204" pitchFamily="49" charset="0"/>
+                <a:sym typeface="Wingdings" panose="05000000000000000000" pitchFamily="2" charset="2"/>
+              </a:rPr>
+              <a:t>Maven </a:t>
+            </a:r>
+            <a:r>
+              <a:rPr lang="zh-TW" altLang="en-US" sz="1400" dirty="0" smtClean="0">
+                <a:latin typeface="Consolas" panose="020B0609020204030204" pitchFamily="49" charset="0"/>
+                <a:cs typeface="Consolas" panose="020B0609020204030204" pitchFamily="49" charset="0"/>
+                <a:sym typeface="Wingdings" panose="05000000000000000000" pitchFamily="2" charset="2"/>
+              </a:rPr>
+              <a:t>之後，需要 </a:t>
+            </a:r>
+            <a:r>
+              <a:rPr lang="en-US" altLang="zh-TW" sz="1400" dirty="0" smtClean="0">
+                <a:latin typeface="Consolas" panose="020B0609020204030204" pitchFamily="49" charset="0"/>
+                <a:cs typeface="Consolas" panose="020B0609020204030204" pitchFamily="49" charset="0"/>
+                <a:sym typeface="Wingdings" panose="05000000000000000000" pitchFamily="2" charset="2"/>
+              </a:rPr>
+              <a:t>update. Alt-</a:t>
+            </a:r>
+            <a:r>
+              <a:rPr lang="en-US" altLang="zh-TW" sz="1400" dirty="0" err="1" smtClean="0">
+                <a:latin typeface="Consolas" panose="020B0609020204030204" pitchFamily="49" charset="0"/>
+                <a:cs typeface="Consolas" panose="020B0609020204030204" pitchFamily="49" charset="0"/>
+                <a:sym typeface="Wingdings" panose="05000000000000000000" pitchFamily="2" charset="2"/>
+              </a:rPr>
+              <a:t>F5</a:t>
+            </a:r>
+            <a:r>
+              <a:rPr lang="en-US" altLang="zh-TW" sz="1400" dirty="0" smtClean="0">
+                <a:latin typeface="Consolas" panose="020B0609020204030204" pitchFamily="49" charset="0"/>
+                <a:cs typeface="Consolas" panose="020B0609020204030204" pitchFamily="49" charset="0"/>
+                <a:sym typeface="Wingdings" panose="05000000000000000000" pitchFamily="2" charset="2"/>
+              </a:rPr>
+              <a:t> </a:t>
+            </a:r>
+            <a:r>
+              <a:rPr lang="zh-TW" altLang="en-US" sz="1400" dirty="0" smtClean="0">
+                <a:latin typeface="Consolas" panose="020B0609020204030204" pitchFamily="49" charset="0"/>
+                <a:cs typeface="Consolas" panose="020B0609020204030204" pitchFamily="49" charset="0"/>
+                <a:sym typeface="Wingdings" panose="05000000000000000000" pitchFamily="2" charset="2"/>
+              </a:rPr>
+              <a:t>催下去</a:t>
+            </a:r>
+            <a:r>
+              <a:rPr lang="en-US" altLang="zh-TW" sz="1400" dirty="0" smtClean="0">
+                <a:latin typeface="Consolas" panose="020B0609020204030204" pitchFamily="49" charset="0"/>
+                <a:cs typeface="Consolas" panose="020B0609020204030204" pitchFamily="49" charset="0"/>
+                <a:sym typeface="Wingdings" panose="05000000000000000000" pitchFamily="2" charset="2"/>
+              </a:rPr>
+              <a:t>. </a:t>
+            </a:r>
+          </a:p>
+          <a:p>
+            <a:pPr>
+              <a:buClr>
+                <a:srgbClr val="C00000"/>
+              </a:buClr>
+              <a:buSzPct val="90000"/>
+              <a:buFont typeface="+mj-lt"/>
+              <a:buAutoNum type="arabicPeriod"/>
+            </a:pPr>
+            <a:r>
+              <a:rPr lang="en-US" altLang="zh-TW" sz="1400" dirty="0" smtClean="0">
+                <a:latin typeface="Consolas" panose="020B0609020204030204" pitchFamily="49" charset="0"/>
+                <a:cs typeface="Consolas" panose="020B0609020204030204" pitchFamily="49" charset="0"/>
+                <a:sym typeface="Wingdings" panose="05000000000000000000" pitchFamily="2" charset="2"/>
+              </a:rPr>
+              <a:t>Update </a:t>
+            </a:r>
+            <a:r>
+              <a:rPr lang="zh-TW" altLang="en-US" sz="1400" dirty="0" smtClean="0">
+                <a:latin typeface="Consolas" panose="020B0609020204030204" pitchFamily="49" charset="0"/>
+                <a:cs typeface="Consolas" panose="020B0609020204030204" pitchFamily="49" charset="0"/>
+                <a:sym typeface="Wingdings" panose="05000000000000000000" pitchFamily="2" charset="2"/>
+              </a:rPr>
+              <a:t>完還有</a:t>
+            </a:r>
+            <a:r>
+              <a:rPr lang="en-US" altLang="zh-TW" sz="1400" dirty="0" smtClean="0">
+                <a:latin typeface="Consolas" panose="020B0609020204030204" pitchFamily="49" charset="0"/>
+                <a:cs typeface="Consolas" panose="020B0609020204030204" pitchFamily="49" charset="0"/>
+                <a:sym typeface="Wingdings" panose="05000000000000000000" pitchFamily="2" charset="2"/>
+              </a:rPr>
+              <a:t>. Java compiler </a:t>
+            </a:r>
+            <a:r>
+              <a:rPr lang="zh-TW" altLang="en-US" sz="1400" dirty="0" smtClean="0">
+                <a:latin typeface="Consolas" panose="020B0609020204030204" pitchFamily="49" charset="0"/>
+                <a:cs typeface="Consolas" panose="020B0609020204030204" pitchFamily="49" charset="0"/>
+                <a:sym typeface="Wingdings" panose="05000000000000000000" pitchFamily="2" charset="2"/>
+              </a:rPr>
+              <a:t>設定不一致問題</a:t>
+            </a:r>
+            <a:r>
+              <a:rPr lang="en-US" altLang="zh-TW" sz="1400" dirty="0" smtClean="0">
+                <a:latin typeface="Consolas" panose="020B0609020204030204" pitchFamily="49" charset="0"/>
+                <a:cs typeface="Consolas" panose="020B0609020204030204" pitchFamily="49" charset="0"/>
+                <a:sym typeface="Wingdings" panose="05000000000000000000" pitchFamily="2" charset="2"/>
+              </a:rPr>
+              <a:t>. </a:t>
+            </a:r>
+          </a:p>
+          <a:p>
+            <a:pPr>
+              <a:buClr>
+                <a:srgbClr val="C00000"/>
+              </a:buClr>
+              <a:buSzPct val="90000"/>
+              <a:buFont typeface="+mj-lt"/>
+              <a:buAutoNum type="arabicPeriod"/>
+            </a:pPr>
+            <a:r>
+              <a:rPr lang="zh-TW" altLang="en-US" sz="1400" dirty="0" smtClean="0">
+                <a:latin typeface="Consolas" panose="020B0609020204030204" pitchFamily="49" charset="0"/>
+                <a:cs typeface="Consolas" panose="020B0609020204030204" pitchFamily="49" charset="0"/>
+                <a:sym typeface="Wingdings" panose="05000000000000000000" pitchFamily="2" charset="2"/>
+              </a:rPr>
+              <a:t>到 </a:t>
+            </a:r>
+            <a:r>
+              <a:rPr lang="en-US" altLang="zh-TW" sz="1400" dirty="0" smtClean="0">
+                <a:latin typeface="Consolas" panose="020B0609020204030204" pitchFamily="49" charset="0"/>
+                <a:cs typeface="Consolas" panose="020B0609020204030204" pitchFamily="49" charset="0"/>
+                <a:sym typeface="Wingdings" panose="05000000000000000000" pitchFamily="2" charset="2"/>
+              </a:rPr>
+              <a:t>Properties  project facet </a:t>
+            </a:r>
+            <a:r>
+              <a:rPr lang="zh-TW" altLang="en-US" sz="1400" dirty="0" smtClean="0">
+                <a:latin typeface="Consolas" panose="020B0609020204030204" pitchFamily="49" charset="0"/>
+                <a:cs typeface="Consolas" panose="020B0609020204030204" pitchFamily="49" charset="0"/>
+                <a:sym typeface="Wingdings" panose="05000000000000000000" pitchFamily="2" charset="2"/>
+              </a:rPr>
+              <a:t>設定 </a:t>
+            </a:r>
+            <a:r>
+              <a:rPr lang="en-US" altLang="zh-TW" sz="1400" dirty="0" smtClean="0">
+                <a:latin typeface="Consolas" panose="020B0609020204030204" pitchFamily="49" charset="0"/>
+                <a:cs typeface="Consolas" panose="020B0609020204030204" pitchFamily="49" charset="0"/>
+                <a:sym typeface="Wingdings" panose="05000000000000000000" pitchFamily="2" charset="2"/>
+              </a:rPr>
+              <a:t>Java </a:t>
+            </a:r>
+            <a:r>
+              <a:rPr lang="zh-TW" altLang="en-US" sz="1400" dirty="0" smtClean="0">
+                <a:latin typeface="Consolas" panose="020B0609020204030204" pitchFamily="49" charset="0"/>
+                <a:cs typeface="Consolas" panose="020B0609020204030204" pitchFamily="49" charset="0"/>
+                <a:sym typeface="Wingdings" panose="05000000000000000000" pitchFamily="2" charset="2"/>
+              </a:rPr>
+              <a:t>版本</a:t>
+            </a:r>
+            <a:endParaRPr lang="en-US" altLang="zh-TW" sz="1400" dirty="0" smtClean="0">
+              <a:latin typeface="Consolas" panose="020B0609020204030204" pitchFamily="49" charset="0"/>
+              <a:cs typeface="Consolas" panose="020B0609020204030204" pitchFamily="49" charset="0"/>
+              <a:sym typeface="Wingdings" panose="05000000000000000000" pitchFamily="2" charset="2"/>
+            </a:endParaRPr>
+          </a:p>
+          <a:p>
+            <a:pPr>
+              <a:buClr>
+                <a:srgbClr val="C00000"/>
+              </a:buClr>
+              <a:buSzPct val="90000"/>
+              <a:buFont typeface="+mj-lt"/>
+              <a:buAutoNum type="arabicPeriod"/>
+            </a:pPr>
+            <a:r>
+              <a:rPr lang="zh-TW" altLang="en-US" sz="1400" dirty="0" smtClean="0">
+                <a:latin typeface="Consolas" panose="020B0609020204030204" pitchFamily="49" charset="0"/>
+                <a:cs typeface="Consolas" panose="020B0609020204030204" pitchFamily="49" charset="0"/>
+                <a:sym typeface="Wingdings" panose="05000000000000000000" pitchFamily="2" charset="2"/>
+              </a:rPr>
+              <a:t>到 </a:t>
+            </a:r>
+            <a:r>
+              <a:rPr lang="en-US" altLang="zh-TW" sz="1400" dirty="0" smtClean="0">
+                <a:latin typeface="Consolas" panose="020B0609020204030204" pitchFamily="49" charset="0"/>
+                <a:cs typeface="Consolas" panose="020B0609020204030204" pitchFamily="49" charset="0"/>
+                <a:sym typeface="Wingdings" panose="05000000000000000000" pitchFamily="2" charset="2"/>
+              </a:rPr>
+              <a:t>properties  Java Build Path </a:t>
+            </a:r>
+            <a:r>
+              <a:rPr lang="zh-TW" altLang="en-US" sz="1400" dirty="0" smtClean="0">
+                <a:latin typeface="Consolas" panose="020B0609020204030204" pitchFamily="49" charset="0"/>
+                <a:cs typeface="Consolas" panose="020B0609020204030204" pitchFamily="49" charset="0"/>
+                <a:sym typeface="Wingdings" panose="05000000000000000000" pitchFamily="2" charset="2"/>
+              </a:rPr>
+              <a:t>設定 </a:t>
+            </a:r>
+            <a:r>
+              <a:rPr lang="en-US" altLang="zh-TW" sz="1400" dirty="0" smtClean="0">
+                <a:latin typeface="Consolas" panose="020B0609020204030204" pitchFamily="49" charset="0"/>
+                <a:cs typeface="Consolas" panose="020B0609020204030204" pitchFamily="49" charset="0"/>
+                <a:sym typeface="Wingdings" panose="05000000000000000000" pitchFamily="2" charset="2"/>
+              </a:rPr>
+              <a:t>Java Library </a:t>
+            </a:r>
+          </a:p>
+          <a:p>
+            <a:pPr>
+              <a:buClr>
+                <a:srgbClr val="C00000"/>
+              </a:buClr>
+              <a:buSzPct val="90000"/>
+              <a:buFont typeface="+mj-lt"/>
+              <a:buAutoNum type="arabicPeriod"/>
+            </a:pPr>
+            <a:r>
+              <a:rPr lang="en-US" altLang="zh-TW" sz="1400" dirty="0" smtClean="0">
+                <a:latin typeface="Consolas" panose="020B0609020204030204" pitchFamily="49" charset="0"/>
+                <a:cs typeface="Consolas" panose="020B0609020204030204" pitchFamily="49" charset="0"/>
+                <a:sym typeface="Wingdings" panose="05000000000000000000" pitchFamily="2" charset="2"/>
+              </a:rPr>
+              <a:t>Apply , OK  </a:t>
+            </a:r>
+            <a:r>
+              <a:rPr lang="zh-TW" altLang="en-US" sz="1400" dirty="0" smtClean="0">
+                <a:latin typeface="Consolas" panose="020B0609020204030204" pitchFamily="49" charset="0"/>
+                <a:cs typeface="Consolas" panose="020B0609020204030204" pitchFamily="49" charset="0"/>
+                <a:sym typeface="Wingdings" panose="05000000000000000000" pitchFamily="2" charset="2"/>
+              </a:rPr>
+              <a:t>儲存設定後，記得 </a:t>
+            </a:r>
+            <a:r>
+              <a:rPr lang="en-US" altLang="zh-TW" sz="1400" dirty="0" smtClean="0">
+                <a:latin typeface="Consolas" panose="020B0609020204030204" pitchFamily="49" charset="0"/>
+                <a:cs typeface="Consolas" panose="020B0609020204030204" pitchFamily="49" charset="0"/>
+                <a:sym typeface="Wingdings" panose="05000000000000000000" pitchFamily="2" charset="2"/>
+              </a:rPr>
+              <a:t/>
+            </a:r>
+            <a:br>
+              <a:rPr lang="en-US" altLang="zh-TW" sz="1400" dirty="0" smtClean="0">
+                <a:latin typeface="Consolas" panose="020B0609020204030204" pitchFamily="49" charset="0"/>
+                <a:cs typeface="Consolas" panose="020B0609020204030204" pitchFamily="49" charset="0"/>
+                <a:sym typeface="Wingdings" panose="05000000000000000000" pitchFamily="2" charset="2"/>
+              </a:rPr>
+            </a:br>
+            <a:r>
+              <a:rPr lang="en-US" altLang="zh-TW" sz="1400" dirty="0" err="1" smtClean="0">
+                <a:latin typeface="Consolas" panose="020B0609020204030204" pitchFamily="49" charset="0"/>
+                <a:cs typeface="Consolas" panose="020B0609020204030204" pitchFamily="49" charset="0"/>
+                <a:sym typeface="Wingdings" panose="05000000000000000000" pitchFamily="2" charset="2"/>
+              </a:rPr>
+              <a:t>mvn</a:t>
+            </a:r>
+            <a:r>
+              <a:rPr lang="en-US" altLang="zh-TW" sz="1400" dirty="0" smtClean="0">
+                <a:latin typeface="Consolas" panose="020B0609020204030204" pitchFamily="49" charset="0"/>
+                <a:cs typeface="Consolas" panose="020B0609020204030204" pitchFamily="49" charset="0"/>
+                <a:sym typeface="Wingdings" panose="05000000000000000000" pitchFamily="2" charset="2"/>
+              </a:rPr>
+              <a:t> install </a:t>
+            </a:r>
+            <a:r>
+              <a:rPr lang="zh-TW" altLang="en-US" sz="1400" dirty="0" smtClean="0">
+                <a:latin typeface="Consolas" panose="020B0609020204030204" pitchFamily="49" charset="0"/>
+                <a:cs typeface="Consolas" panose="020B0609020204030204" pitchFamily="49" charset="0"/>
+                <a:sym typeface="Wingdings" panose="05000000000000000000" pitchFamily="2" charset="2"/>
+              </a:rPr>
+              <a:t>看看有沒有問題</a:t>
+            </a:r>
+            <a:r>
+              <a:rPr lang="en-US" altLang="zh-TW" sz="1400" dirty="0" smtClean="0">
+                <a:latin typeface="Consolas" panose="020B0609020204030204" pitchFamily="49" charset="0"/>
+                <a:cs typeface="Consolas" panose="020B0609020204030204" pitchFamily="49" charset="0"/>
+                <a:sym typeface="Wingdings" panose="05000000000000000000" pitchFamily="2" charset="2"/>
+              </a:rPr>
+              <a:t/>
+            </a:r>
+            <a:br>
+              <a:rPr lang="en-US" altLang="zh-TW" sz="1400" dirty="0" smtClean="0">
+                <a:latin typeface="Consolas" panose="020B0609020204030204" pitchFamily="49" charset="0"/>
+                <a:cs typeface="Consolas" panose="020B0609020204030204" pitchFamily="49" charset="0"/>
+                <a:sym typeface="Wingdings" panose="05000000000000000000" pitchFamily="2" charset="2"/>
+              </a:rPr>
+            </a:br>
+            <a:endParaRPr lang="en-US" altLang="zh-TW" sz="1400" dirty="0" smtClean="0">
+              <a:latin typeface="Consolas" panose="020B0609020204030204" pitchFamily="49" charset="0"/>
+              <a:cs typeface="Consolas" panose="020B0609020204030204" pitchFamily="49" charset="0"/>
+              <a:sym typeface="Wingdings" panose="05000000000000000000" pitchFamily="2" charset="2"/>
+            </a:endParaRPr>
+          </a:p>
+        </p:txBody>
+      </p:sp>
+      <p:pic>
+        <p:nvPicPr>
+          <p:cNvPr id="2053" name="Picture 5"/>
+          <p:cNvPicPr>
+            <a:picLocks noChangeAspect="1" noChangeArrowheads="1"/>
+          </p:cNvPicPr>
+          <p:nvPr/>
+        </p:nvPicPr>
+        <p:blipFill>
+          <a:blip r:embed="rId6">
+            <a:extLst>
+              <a:ext uri="{28A0092B-C50C-407E-A947-70E740481C1C}">
+                <a14:useLocalDpi xmlns:a14="http://schemas.microsoft.com/office/drawing/2010/main" val="0"/>
+              </a:ext>
+            </a:extLst>
+          </a:blip>
+          <a:srcRect/>
+          <a:stretch>
+            <a:fillRect/>
+          </a:stretch>
+        </p:blipFill>
+        <p:spPr bwMode="auto">
+          <a:xfrm>
+            <a:off x="1403648" y="5373216"/>
+            <a:ext cx="5953125" cy="1362075"/>
+          </a:xfrm>
+          <a:prstGeom prst="rect">
+            <a:avLst/>
+          </a:prstGeom>
+          <a:noFill/>
+          <a:ln>
+            <a:noFill/>
+          </a:ln>
+          <a:extLst>
+            <a:ext uri="{909E8E84-426E-40DD-AFC4-6F175D3DCCD1}">
+              <a14:hiddenFill xmlns:a14="http://schemas.microsoft.com/office/drawing/2010/main">
+                <a:solidFill>
+                  <a:schemeClr val="accent1"/>
+                </a:solidFill>
+              </a14:hiddenFill>
+            </a:ext>
+            <a:ext uri="{91240B29-F687-4F45-9708-019B960494DF}">
+              <a14:hiddenLine xmlns:a14="http://schemas.microsoft.com/office/drawing/2010/main" w="9525">
+                <a:solidFill>
+                  <a:schemeClr val="tx1"/>
+                </a:solidFill>
+                <a:miter lim="800000"/>
+                <a:headEnd/>
+                <a:tailEnd/>
+              </a14:hiddenLine>
+            </a:ext>
+          </a:extLst>
+        </p:spPr>
+      </p:pic>
+      <p:sp>
+        <p:nvSpPr>
+          <p:cNvPr id="6" name="矩形 5"/>
+          <p:cNvSpPr/>
+          <p:nvPr/>
+        </p:nvSpPr>
+        <p:spPr>
+          <a:xfrm>
+            <a:off x="5140382" y="1503906"/>
+            <a:ext cx="3824106" cy="1116424"/>
+          </a:xfrm>
+          <a:prstGeom prst="rect">
+            <a:avLst/>
+          </a:prstGeom>
+        </p:spPr>
+        <p:style>
+          <a:lnRef idx="1">
+            <a:schemeClr val="accent3"/>
+          </a:lnRef>
+          <a:fillRef idx="2">
+            <a:schemeClr val="accent3"/>
+          </a:fillRef>
+          <a:effectRef idx="1">
+            <a:schemeClr val="accent3"/>
+          </a:effectRef>
+          <a:fontRef idx="minor">
+            <a:schemeClr val="dk1"/>
+          </a:fontRef>
+        </p:style>
+        <p:txBody>
+          <a:bodyPr rtlCol="0" anchor="ctr"/>
+          <a:lstStyle/>
+          <a:p>
+            <a:r>
+              <a:rPr lang="zh-TW" altLang="en-US" sz="1600" dirty="0">
+                <a:latin typeface="微軟正黑體" panose="020B0604030504040204" pitchFamily="34" charset="-120"/>
+                <a:ea typeface="微軟正黑體" panose="020B0604030504040204" pitchFamily="34" charset="-120"/>
+              </a:rPr>
+              <a:t>不要</a:t>
+            </a:r>
+            <a:r>
+              <a:rPr lang="zh-TW" altLang="en-US" sz="1600" dirty="0" smtClean="0">
+                <a:latin typeface="微軟正黑體" panose="020B0604030504040204" pitchFamily="34" charset="-120"/>
+                <a:ea typeface="微軟正黑體" panose="020B0604030504040204" pitchFamily="34" charset="-120"/>
+              </a:rPr>
+              <a:t>容忍專案中的 </a:t>
+            </a:r>
+            <a:r>
+              <a:rPr lang="en-US" altLang="zh-TW" sz="1600" dirty="0" smtClean="0">
+                <a:latin typeface="微軟正黑體" panose="020B0604030504040204" pitchFamily="34" charset="-120"/>
+                <a:ea typeface="微軟正黑體" panose="020B0604030504040204" pitchFamily="34" charset="-120"/>
+              </a:rPr>
+              <a:t>Error.. </a:t>
+            </a:r>
+            <a:br>
+              <a:rPr lang="en-US" altLang="zh-TW" sz="1600" dirty="0" smtClean="0">
+                <a:latin typeface="微軟正黑體" panose="020B0604030504040204" pitchFamily="34" charset="-120"/>
+                <a:ea typeface="微軟正黑體" panose="020B0604030504040204" pitchFamily="34" charset="-120"/>
+              </a:rPr>
+            </a:br>
+            <a:r>
+              <a:rPr lang="zh-TW" altLang="en-US" sz="1600" dirty="0" smtClean="0">
+                <a:latin typeface="微軟正黑體" panose="020B0604030504040204" pitchFamily="34" charset="-120"/>
+                <a:ea typeface="微軟正黑體" panose="020B0604030504040204" pitchFamily="34" charset="-120"/>
+              </a:rPr>
+              <a:t>一定要修好</a:t>
+            </a:r>
+            <a:r>
+              <a:rPr lang="zh-TW" altLang="en-US" sz="1600" dirty="0">
+                <a:latin typeface="微軟正黑體" panose="020B0604030504040204" pitchFamily="34" charset="-120"/>
+                <a:ea typeface="微軟正黑體" panose="020B0604030504040204" pitchFamily="34" charset="-120"/>
+              </a:rPr>
+              <a:t>，</a:t>
+            </a:r>
+            <a:r>
+              <a:rPr lang="zh-TW" altLang="en-US" sz="1600" dirty="0" smtClean="0">
+                <a:latin typeface="微軟正黑體" panose="020B0604030504040204" pitchFamily="34" charset="-120"/>
+                <a:ea typeface="微軟正黑體" panose="020B0604030504040204" pitchFamily="34" charset="-120"/>
+              </a:rPr>
+              <a:t>一個 </a:t>
+            </a:r>
+            <a:r>
+              <a:rPr lang="en-US" altLang="zh-TW" sz="1600" dirty="0" smtClean="0">
+                <a:latin typeface="微軟正黑體" panose="020B0604030504040204" pitchFamily="34" charset="-120"/>
+                <a:ea typeface="微軟正黑體" panose="020B0604030504040204" pitchFamily="34" charset="-120"/>
+              </a:rPr>
+              <a:t>Error </a:t>
+            </a:r>
+            <a:r>
+              <a:rPr lang="zh-TW" altLang="en-US" sz="1600" dirty="0" smtClean="0">
+                <a:latin typeface="微軟正黑體" panose="020B0604030504040204" pitchFamily="34" charset="-120"/>
+                <a:ea typeface="微軟正黑體" panose="020B0604030504040204" pitchFamily="34" charset="-120"/>
+              </a:rPr>
+              <a:t>常常不是他看起來的那個樣子</a:t>
+            </a:r>
+            <a:endParaRPr lang="zh-TW" altLang="en-US" sz="1600" dirty="0">
+              <a:latin typeface="微軟正黑體" panose="020B0604030504040204" pitchFamily="34" charset="-120"/>
+              <a:ea typeface="微軟正黑體" panose="020B0604030504040204" pitchFamily="34" charset="-120"/>
+            </a:endParaRPr>
+          </a:p>
+        </p:txBody>
+      </p:sp>
+    </p:spTree>
+    <p:extLst>
+      <p:ext uri="{BB962C8B-B14F-4D97-AF65-F5344CB8AC3E}">
+        <p14:creationId xmlns:p14="http://schemas.microsoft.com/office/powerpoint/2010/main" val="4256893827"/>
+      </p:ext>
+    </p:extLst>
+  </p:cSld>
+  <p:clrMapOvr>
+    <a:masterClrMapping/>
+  </p:clrMapOvr>
+</p:sld>
+</file>
+
+<file path=ppt/slides/slide32.xml><?xml version="1.0" encoding="utf-8"?>
+<p:sld xmlns:a="http://schemas.openxmlformats.org/drawingml/2006/main" xmlns:r="http://schemas.openxmlformats.org/officeDocument/2006/relationships" xmlns:p="http://schemas.openxmlformats.org/presentationml/2006/main">
+  <p:cSld>
+    <p:spTree>
+      <p:nvGrpSpPr>
+        <p:cNvPr id="1" name=""/>
+        <p:cNvGrpSpPr/>
+        <p:nvPr/>
+      </p:nvGrpSpPr>
+      <p:grpSpPr>
+        <a:xfrm>
+          <a:off x="0" y="0"/>
+          <a:ext cx="0" cy="0"/>
+          <a:chOff x="0" y="0"/>
+          <a:chExt cx="0" cy="0"/>
+        </a:xfrm>
+      </p:grpSpPr>
+      <p:sp>
+        <p:nvSpPr>
+          <p:cNvPr id="2" name="標題 1"/>
+          <p:cNvSpPr>
+            <a:spLocks noGrp="1"/>
+          </p:cNvSpPr>
+          <p:nvPr>
+            <p:ph type="title"/>
+          </p:nvPr>
+        </p:nvSpPr>
+        <p:spPr/>
+        <p:txBody>
+          <a:bodyPr/>
+          <a:lstStyle/>
+          <a:p>
+            <a:r>
+              <a:rPr lang="en-US" altLang="zh-TW" dirty="0" smtClean="0"/>
+              <a:t>Add </a:t>
+            </a:r>
+            <a:r>
+              <a:rPr lang="en-US" altLang="zh-TW" dirty="0" err="1" smtClean="0"/>
+              <a:t>JPA</a:t>
+            </a:r>
+            <a:r>
+              <a:rPr lang="en-US" altLang="zh-TW" dirty="0" smtClean="0"/>
+              <a:t> Entity </a:t>
+            </a:r>
+            <a:endParaRPr lang="zh-TW" altLang="en-US" dirty="0"/>
+          </a:p>
+        </p:txBody>
+      </p:sp>
+      <p:pic>
+        <p:nvPicPr>
+          <p:cNvPr id="3074" name="Picture 2"/>
+          <p:cNvPicPr>
+            <a:picLocks noChangeAspect="1" noChangeArrowheads="1"/>
+          </p:cNvPicPr>
+          <p:nvPr/>
+        </p:nvPicPr>
+        <p:blipFill>
+          <a:blip r:embed="rId2">
+            <a:extLst>
+              <a:ext uri="{28A0092B-C50C-407E-A947-70E740481C1C}">
+                <a14:useLocalDpi xmlns:a14="http://schemas.microsoft.com/office/drawing/2010/main" val="0"/>
+              </a:ext>
+            </a:extLst>
+          </a:blip>
+          <a:srcRect/>
+          <a:stretch>
+            <a:fillRect/>
+          </a:stretch>
+        </p:blipFill>
+        <p:spPr bwMode="auto">
+          <a:xfrm>
+            <a:off x="336869" y="2553423"/>
+            <a:ext cx="4968552" cy="701177"/>
+          </a:xfrm>
+          <a:prstGeom prst="rect">
+            <a:avLst/>
+          </a:prstGeom>
+          <a:noFill/>
+          <a:ln>
+            <a:noFill/>
+          </a:ln>
+          <a:extLst>
+            <a:ext uri="{909E8E84-426E-40DD-AFC4-6F175D3DCCD1}">
+              <a14:hiddenFill xmlns:a14="http://schemas.microsoft.com/office/drawing/2010/main">
+                <a:solidFill>
+                  <a:schemeClr val="accent1"/>
+                </a:solidFill>
+              </a14:hiddenFill>
+            </a:ext>
+            <a:ext uri="{91240B29-F687-4F45-9708-019B960494DF}">
+              <a14:hiddenLine xmlns:a14="http://schemas.microsoft.com/office/drawing/2010/main" w="9525">
+                <a:solidFill>
+                  <a:schemeClr val="tx1"/>
+                </a:solidFill>
+                <a:miter lim="800000"/>
+                <a:headEnd/>
+                <a:tailEnd/>
+              </a14:hiddenLine>
+            </a:ext>
+          </a:extLst>
+        </p:spPr>
+      </p:pic>
+      <p:pic>
+        <p:nvPicPr>
+          <p:cNvPr id="3075" name="Picture 3"/>
+          <p:cNvPicPr>
+            <a:picLocks noChangeAspect="1" noChangeArrowheads="1"/>
+          </p:cNvPicPr>
+          <p:nvPr/>
+        </p:nvPicPr>
+        <p:blipFill>
+          <a:blip r:embed="rId3">
+            <a:extLst>
+              <a:ext uri="{28A0092B-C50C-407E-A947-70E740481C1C}">
+                <a14:useLocalDpi xmlns:a14="http://schemas.microsoft.com/office/drawing/2010/main" val="0"/>
+              </a:ext>
+            </a:extLst>
+          </a:blip>
+          <a:srcRect/>
+          <a:stretch>
+            <a:fillRect/>
+          </a:stretch>
+        </p:blipFill>
+        <p:spPr bwMode="auto">
+          <a:xfrm>
+            <a:off x="411320" y="1670318"/>
+            <a:ext cx="2409825" cy="600075"/>
+          </a:xfrm>
+          <a:prstGeom prst="rect">
+            <a:avLst/>
+          </a:prstGeom>
+          <a:noFill/>
+          <a:ln>
+            <a:noFill/>
+          </a:ln>
+          <a:extLst>
+            <a:ext uri="{909E8E84-426E-40DD-AFC4-6F175D3DCCD1}">
+              <a14:hiddenFill xmlns:a14="http://schemas.microsoft.com/office/drawing/2010/main">
+                <a:solidFill>
+                  <a:schemeClr val="accent1"/>
+                </a:solidFill>
+              </a14:hiddenFill>
+            </a:ext>
+            <a:ext uri="{91240B29-F687-4F45-9708-019B960494DF}">
+              <a14:hiddenLine xmlns:a14="http://schemas.microsoft.com/office/drawing/2010/main" w="9525">
+                <a:solidFill>
+                  <a:schemeClr val="tx1"/>
+                </a:solidFill>
+                <a:miter lim="800000"/>
+                <a:headEnd/>
+                <a:tailEnd/>
+              </a14:hiddenLine>
+            </a:ext>
+          </a:extLst>
+        </p:spPr>
+      </p:pic>
+      <p:sp>
+        <p:nvSpPr>
+          <p:cNvPr id="6" name="橢圓 5"/>
+          <p:cNvSpPr/>
+          <p:nvPr/>
+        </p:nvSpPr>
+        <p:spPr>
+          <a:xfrm>
+            <a:off x="14007" y="1484784"/>
+            <a:ext cx="432048" cy="360040"/>
+          </a:xfrm>
+          <a:prstGeom prst="ellipse">
+            <a:avLst/>
+          </a:prstGeom>
+        </p:spPr>
+        <p:style>
+          <a:lnRef idx="2">
+            <a:schemeClr val="accent1">
+              <a:shade val="50000"/>
+            </a:schemeClr>
+          </a:lnRef>
+          <a:fillRef idx="1">
+            <a:schemeClr val="accent1"/>
+          </a:fillRef>
+          <a:effectRef idx="0">
+            <a:schemeClr val="accent1"/>
+          </a:effectRef>
+          <a:fontRef idx="minor">
+            <a:schemeClr val="lt1"/>
+          </a:fontRef>
+        </p:style>
+        <p:txBody>
+          <a:bodyPr rtlCol="0" anchor="ctr"/>
+          <a:lstStyle/>
+          <a:p>
+            <a:pPr algn="ctr"/>
+            <a:r>
+              <a:rPr lang="en-US" altLang="zh-TW" dirty="0"/>
+              <a:t>1</a:t>
+            </a:r>
+            <a:endParaRPr lang="zh-TW" altLang="en-US" dirty="0"/>
+          </a:p>
+        </p:txBody>
+      </p:sp>
+      <p:sp>
+        <p:nvSpPr>
+          <p:cNvPr id="7" name="橢圓 6"/>
+          <p:cNvSpPr/>
+          <p:nvPr/>
+        </p:nvSpPr>
+        <p:spPr>
+          <a:xfrm>
+            <a:off x="4019" y="2312876"/>
+            <a:ext cx="432048" cy="360040"/>
+          </a:xfrm>
+          <a:prstGeom prst="ellipse">
+            <a:avLst/>
+          </a:prstGeom>
+        </p:spPr>
+        <p:style>
+          <a:lnRef idx="2">
+            <a:schemeClr val="accent1">
+              <a:shade val="50000"/>
+            </a:schemeClr>
+          </a:lnRef>
+          <a:fillRef idx="1">
+            <a:schemeClr val="accent1"/>
+          </a:fillRef>
+          <a:effectRef idx="0">
+            <a:schemeClr val="accent1"/>
+          </a:effectRef>
+          <a:fontRef idx="minor">
+            <a:schemeClr val="lt1"/>
+          </a:fontRef>
+        </p:style>
+        <p:txBody>
+          <a:bodyPr rtlCol="0" anchor="ctr"/>
+          <a:lstStyle/>
+          <a:p>
+            <a:pPr algn="ctr"/>
+            <a:r>
+              <a:rPr lang="en-US" altLang="zh-TW" dirty="0" smtClean="0"/>
+              <a:t>2</a:t>
+            </a:r>
+            <a:endParaRPr lang="zh-TW" altLang="en-US" dirty="0"/>
+          </a:p>
+        </p:txBody>
+      </p:sp>
+      <p:pic>
+        <p:nvPicPr>
+          <p:cNvPr id="3076" name="Picture 4"/>
+          <p:cNvPicPr>
+            <a:picLocks noChangeAspect="1" noChangeArrowheads="1"/>
+          </p:cNvPicPr>
+          <p:nvPr/>
+        </p:nvPicPr>
+        <p:blipFill>
+          <a:blip r:embed="rId4">
+            <a:extLst>
+              <a:ext uri="{28A0092B-C50C-407E-A947-70E740481C1C}">
+                <a14:useLocalDpi xmlns:a14="http://schemas.microsoft.com/office/drawing/2010/main" val="0"/>
+              </a:ext>
+            </a:extLst>
+          </a:blip>
+          <a:srcRect/>
+          <a:stretch>
+            <a:fillRect/>
+          </a:stretch>
+        </p:blipFill>
+        <p:spPr bwMode="auto">
+          <a:xfrm>
+            <a:off x="336869" y="3501008"/>
+            <a:ext cx="3161647" cy="2647210"/>
+          </a:xfrm>
+          <a:prstGeom prst="rect">
+            <a:avLst/>
+          </a:prstGeom>
+          <a:noFill/>
+          <a:ln>
+            <a:noFill/>
+          </a:ln>
+          <a:extLst>
+            <a:ext uri="{909E8E84-426E-40DD-AFC4-6F175D3DCCD1}">
+              <a14:hiddenFill xmlns:a14="http://schemas.microsoft.com/office/drawing/2010/main">
+                <a:solidFill>
+                  <a:schemeClr val="accent1"/>
+                </a:solidFill>
+              </a14:hiddenFill>
+            </a:ext>
+            <a:ext uri="{91240B29-F687-4F45-9708-019B960494DF}">
+              <a14:hiddenLine xmlns:a14="http://schemas.microsoft.com/office/drawing/2010/main" w="9525">
+                <a:solidFill>
+                  <a:schemeClr val="tx1"/>
+                </a:solidFill>
+                <a:miter lim="800000"/>
+                <a:headEnd/>
+                <a:tailEnd/>
+              </a14:hiddenLine>
+            </a:ext>
+          </a:extLst>
+        </p:spPr>
+      </p:pic>
+      <p:sp>
+        <p:nvSpPr>
+          <p:cNvPr id="9" name="橢圓 8"/>
+          <p:cNvSpPr/>
+          <p:nvPr/>
+        </p:nvSpPr>
+        <p:spPr>
+          <a:xfrm>
+            <a:off x="14007" y="3320988"/>
+            <a:ext cx="432048" cy="360040"/>
+          </a:xfrm>
+          <a:prstGeom prst="ellipse">
+            <a:avLst/>
+          </a:prstGeom>
+        </p:spPr>
+        <p:style>
+          <a:lnRef idx="2">
+            <a:schemeClr val="accent1">
+              <a:shade val="50000"/>
+            </a:schemeClr>
+          </a:lnRef>
+          <a:fillRef idx="1">
+            <a:schemeClr val="accent1"/>
+          </a:fillRef>
+          <a:effectRef idx="0">
+            <a:schemeClr val="accent1"/>
+          </a:effectRef>
+          <a:fontRef idx="minor">
+            <a:schemeClr val="lt1"/>
+          </a:fontRef>
+        </p:style>
+        <p:txBody>
+          <a:bodyPr rtlCol="0" anchor="ctr"/>
+          <a:lstStyle/>
+          <a:p>
+            <a:pPr algn="ctr"/>
+            <a:r>
+              <a:rPr lang="en-US" altLang="zh-TW" dirty="0" smtClean="0"/>
+              <a:t>3</a:t>
+            </a:r>
+            <a:endParaRPr lang="zh-TW" altLang="en-US" dirty="0"/>
+          </a:p>
+        </p:txBody>
+      </p:sp>
+      <p:sp>
+        <p:nvSpPr>
+          <p:cNvPr id="10" name="內容版面配置區 2"/>
+          <p:cNvSpPr txBox="1">
+            <a:spLocks/>
+          </p:cNvSpPr>
+          <p:nvPr/>
+        </p:nvSpPr>
+        <p:spPr bwMode="auto">
+          <a:xfrm>
+            <a:off x="5148064" y="1563283"/>
+            <a:ext cx="3824107" cy="2520280"/>
+          </a:xfrm>
+          <a:prstGeom prst="rect">
+            <a:avLst/>
+          </a:prstGeom>
+          <a:ln/>
+          <a:extLst/>
+        </p:spPr>
+        <p:style>
+          <a:lnRef idx="1">
+            <a:schemeClr val="accent4"/>
+          </a:lnRef>
+          <a:fillRef idx="2">
+            <a:schemeClr val="accent4"/>
+          </a:fillRef>
+          <a:effectRef idx="1">
+            <a:schemeClr val="accent4"/>
+          </a:effectRef>
+          <a:fontRef idx="minor">
+            <a:schemeClr val="dk1"/>
+          </a:fontRef>
+        </p:style>
+        <p:txBody>
+          <a:bodyPr vert="horz" wrap="square" lIns="91440" tIns="45720" rIns="91440" bIns="45720" numCol="1" anchor="t" anchorCtr="0" compatLnSpc="1">
+            <a:prstTxWarp prst="textNoShape">
+              <a:avLst/>
+            </a:prstTxWarp>
+          </a:bodyPr>
+          <a:lstStyle>
+            <a:lvl1pPr marL="342900" indent="-342900" algn="l" rtl="0" eaLnBrk="0" fontAlgn="base" hangingPunct="0">
+              <a:spcBef>
+                <a:spcPct val="20000"/>
+              </a:spcBef>
+              <a:spcAft>
+                <a:spcPct val="0"/>
+              </a:spcAft>
+              <a:buSzPct val="80000"/>
+              <a:buFont typeface="Wingdings" panose="05000000000000000000" pitchFamily="2" charset="2"/>
+              <a:buChar char="l"/>
+              <a:defRPr sz="2800" kern="1200">
+                <a:solidFill>
+                  <a:schemeClr val="tx1"/>
+                </a:solidFill>
+                <a:latin typeface="微軟正黑體" panose="020B0604030504040204" pitchFamily="34" charset="-120"/>
+                <a:ea typeface="微軟正黑體" panose="020B0604030504040204" pitchFamily="34" charset="-120"/>
+                <a:cs typeface="Arial" pitchFamily="34" charset="0"/>
+              </a:defRPr>
+            </a:lvl1pPr>
+            <a:lvl2pPr marL="742950" indent="-285750" algn="l" rtl="0" eaLnBrk="0" fontAlgn="base" hangingPunct="0">
+              <a:spcBef>
+                <a:spcPct val="20000"/>
+              </a:spcBef>
+              <a:spcAft>
+                <a:spcPct val="0"/>
+              </a:spcAft>
+              <a:buSzPct val="80000"/>
+              <a:buFont typeface="Wingdings" panose="05000000000000000000" pitchFamily="2" charset="2"/>
+              <a:buChar char="n"/>
+              <a:defRPr sz="2400" kern="1200">
+                <a:solidFill>
+                  <a:schemeClr val="tx1"/>
+                </a:solidFill>
+                <a:latin typeface="微軟正黑體" panose="020B0604030504040204" pitchFamily="34" charset="-120"/>
+                <a:ea typeface="微軟正黑體" panose="020B0604030504040204" pitchFamily="34" charset="-120"/>
+                <a:cs typeface="Arial" pitchFamily="34" charset="0"/>
+              </a:defRPr>
+            </a:lvl2pPr>
+            <a:lvl3pPr marL="1143000" indent="-228600" algn="l" rtl="0" eaLnBrk="0" fontAlgn="base" hangingPunct="0">
+              <a:spcBef>
+                <a:spcPct val="20000"/>
+              </a:spcBef>
+              <a:spcAft>
+                <a:spcPct val="0"/>
+              </a:spcAft>
+              <a:buFont typeface="Arial" charset="0"/>
+              <a:buChar char="•"/>
+              <a:defRPr sz="2000" kern="1200">
+                <a:solidFill>
+                  <a:schemeClr val="tx1"/>
+                </a:solidFill>
+                <a:latin typeface="微軟正黑體" panose="020B0604030504040204" pitchFamily="34" charset="-120"/>
+                <a:ea typeface="微軟正黑體" panose="020B0604030504040204" pitchFamily="34" charset="-120"/>
+                <a:cs typeface="Arial" pitchFamily="34" charset="0"/>
+              </a:defRPr>
+            </a:lvl3pPr>
+            <a:lvl4pPr marL="1600200" indent="-228600" algn="l" rtl="0" eaLnBrk="0" fontAlgn="base" hangingPunct="0">
+              <a:spcBef>
+                <a:spcPct val="20000"/>
+              </a:spcBef>
+              <a:spcAft>
+                <a:spcPct val="0"/>
+              </a:spcAft>
+              <a:buFont typeface="Arial" charset="0"/>
+              <a:buChar char="–"/>
+              <a:defRPr kern="1200">
+                <a:solidFill>
+                  <a:schemeClr val="tx1"/>
+                </a:solidFill>
+                <a:latin typeface="微軟正黑體" panose="020B0604030504040204" pitchFamily="34" charset="-120"/>
+                <a:ea typeface="微軟正黑體" panose="020B0604030504040204" pitchFamily="34" charset="-120"/>
+                <a:cs typeface="Arial" pitchFamily="34" charset="0"/>
+              </a:defRPr>
+            </a:lvl4pPr>
+            <a:lvl5pPr marL="2057400" indent="-228600" algn="l" rtl="0" eaLnBrk="0" fontAlgn="base" hangingPunct="0">
+              <a:spcBef>
+                <a:spcPct val="20000"/>
+              </a:spcBef>
+              <a:spcAft>
+                <a:spcPct val="0"/>
+              </a:spcAft>
+              <a:buFont typeface="Arial" charset="0"/>
+              <a:buChar char="»"/>
+              <a:defRPr kern="1200">
+                <a:solidFill>
+                  <a:schemeClr val="tx1"/>
+                </a:solidFill>
+                <a:latin typeface="微軟正黑體" panose="020B0604030504040204" pitchFamily="34" charset="-120"/>
+                <a:ea typeface="微軟正黑體" panose="020B0604030504040204" pitchFamily="34" charset="-120"/>
+                <a:cs typeface="Arial" pitchFamily="34" charset="0"/>
+              </a:defRPr>
+            </a:lvl5pPr>
+            <a:lvl6pPr marL="2514600" indent="-228600" algn="l" defTabSz="914400" rtl="0" eaLnBrk="1" latinLnBrk="0" hangingPunct="1">
+              <a:spcBef>
+                <a:spcPct val="20000"/>
+              </a:spcBef>
+              <a:buFont typeface="Arial" pitchFamily="34" charset="0"/>
+              <a:buChar char="•"/>
+              <a:defRPr sz="2000" kern="1200">
+                <a:solidFill>
+                  <a:schemeClr val="tx1"/>
+                </a:solidFill>
+                <a:latin typeface="+mn-lt"/>
+                <a:ea typeface="+mn-ea"/>
+                <a:cs typeface="+mn-cs"/>
+              </a:defRPr>
+            </a:lvl6pPr>
+            <a:lvl7pPr marL="2971800" indent="-228600" algn="l" defTabSz="914400" rtl="0" eaLnBrk="1" latinLnBrk="0" hangingPunct="1">
+              <a:spcBef>
+                <a:spcPct val="20000"/>
+              </a:spcBef>
+              <a:buFont typeface="Arial" pitchFamily="34" charset="0"/>
+              <a:buChar char="•"/>
+              <a:defRPr sz="2000" kern="1200">
+                <a:solidFill>
+                  <a:schemeClr val="tx1"/>
+                </a:solidFill>
+                <a:latin typeface="+mn-lt"/>
+                <a:ea typeface="+mn-ea"/>
+                <a:cs typeface="+mn-cs"/>
+              </a:defRPr>
+            </a:lvl7pPr>
+            <a:lvl8pPr marL="3429000" indent="-228600" algn="l" defTabSz="914400" rtl="0" eaLnBrk="1" latinLnBrk="0" hangingPunct="1">
+              <a:spcBef>
+                <a:spcPct val="20000"/>
+              </a:spcBef>
+              <a:buFont typeface="Arial" pitchFamily="34" charset="0"/>
+              <a:buChar char="•"/>
+              <a:defRPr sz="2000" kern="1200">
+                <a:solidFill>
+                  <a:schemeClr val="tx1"/>
+                </a:solidFill>
+                <a:latin typeface="+mn-lt"/>
+                <a:ea typeface="+mn-ea"/>
+                <a:cs typeface="+mn-cs"/>
+              </a:defRPr>
+            </a:lvl8pPr>
+            <a:lvl9pPr marL="3886200" indent="-228600" algn="l" defTabSz="914400" rtl="0" eaLnBrk="1" latinLnBrk="0" hangingPunct="1">
+              <a:spcBef>
+                <a:spcPct val="20000"/>
+              </a:spcBef>
+              <a:buFont typeface="Arial" pitchFamily="34" charset="0"/>
+              <a:buChar char="•"/>
+              <a:defRPr sz="2000" kern="1200">
+                <a:solidFill>
+                  <a:schemeClr val="tx1"/>
+                </a:solidFill>
+                <a:latin typeface="+mn-lt"/>
+                <a:ea typeface="+mn-ea"/>
+                <a:cs typeface="+mn-cs"/>
+              </a:defRPr>
+            </a:lvl9pPr>
+          </a:lstStyle>
+          <a:p>
+            <a:pPr>
+              <a:buClr>
+                <a:srgbClr val="C00000"/>
+              </a:buClr>
+              <a:buSzPct val="90000"/>
+              <a:buFont typeface="+mj-lt"/>
+              <a:buAutoNum type="arabicPeriod"/>
+            </a:pPr>
+            <a:r>
+              <a:rPr lang="zh-TW" altLang="en-US" sz="1400" dirty="0" smtClean="0">
+                <a:latin typeface="Consolas" panose="020B0609020204030204" pitchFamily="49" charset="0"/>
+                <a:cs typeface="Consolas" panose="020B0609020204030204" pitchFamily="49" charset="0"/>
+                <a:sym typeface="Wingdings" panose="05000000000000000000" pitchFamily="2" charset="2"/>
+              </a:rPr>
+              <a:t>更動完 </a:t>
+            </a:r>
+            <a:r>
+              <a:rPr lang="en-US" altLang="zh-TW" sz="1400" dirty="0" smtClean="0">
+                <a:latin typeface="Consolas" panose="020B0609020204030204" pitchFamily="49" charset="0"/>
+                <a:cs typeface="Consolas" panose="020B0609020204030204" pitchFamily="49" charset="0"/>
+                <a:sym typeface="Wingdings" panose="05000000000000000000" pitchFamily="2" charset="2"/>
+              </a:rPr>
+              <a:t>Maven </a:t>
+            </a:r>
+            <a:r>
+              <a:rPr lang="zh-TW" altLang="en-US" sz="1400" dirty="0" smtClean="0">
+                <a:latin typeface="Consolas" panose="020B0609020204030204" pitchFamily="49" charset="0"/>
+                <a:cs typeface="Consolas" panose="020B0609020204030204" pitchFamily="49" charset="0"/>
+                <a:sym typeface="Wingdings" panose="05000000000000000000" pitchFamily="2" charset="2"/>
+              </a:rPr>
+              <a:t>之後，需要 </a:t>
+            </a:r>
+            <a:r>
+              <a:rPr lang="en-US" altLang="zh-TW" sz="1400" dirty="0" smtClean="0">
+                <a:latin typeface="Consolas" panose="020B0609020204030204" pitchFamily="49" charset="0"/>
+                <a:cs typeface="Consolas" panose="020B0609020204030204" pitchFamily="49" charset="0"/>
+                <a:sym typeface="Wingdings" panose="05000000000000000000" pitchFamily="2" charset="2"/>
+              </a:rPr>
+              <a:t>update. Alt-</a:t>
+            </a:r>
+            <a:r>
+              <a:rPr lang="en-US" altLang="zh-TW" sz="1400" dirty="0" err="1" smtClean="0">
+                <a:latin typeface="Consolas" panose="020B0609020204030204" pitchFamily="49" charset="0"/>
+                <a:cs typeface="Consolas" panose="020B0609020204030204" pitchFamily="49" charset="0"/>
+                <a:sym typeface="Wingdings" panose="05000000000000000000" pitchFamily="2" charset="2"/>
+              </a:rPr>
+              <a:t>F5</a:t>
+            </a:r>
+            <a:r>
+              <a:rPr lang="en-US" altLang="zh-TW" sz="1400" dirty="0" smtClean="0">
+                <a:latin typeface="Consolas" panose="020B0609020204030204" pitchFamily="49" charset="0"/>
+                <a:cs typeface="Consolas" panose="020B0609020204030204" pitchFamily="49" charset="0"/>
+                <a:sym typeface="Wingdings" panose="05000000000000000000" pitchFamily="2" charset="2"/>
+              </a:rPr>
+              <a:t> </a:t>
+            </a:r>
+            <a:r>
+              <a:rPr lang="zh-TW" altLang="en-US" sz="1400" dirty="0" smtClean="0">
+                <a:latin typeface="Consolas" panose="020B0609020204030204" pitchFamily="49" charset="0"/>
+                <a:cs typeface="Consolas" panose="020B0609020204030204" pitchFamily="49" charset="0"/>
+                <a:sym typeface="Wingdings" panose="05000000000000000000" pitchFamily="2" charset="2"/>
+              </a:rPr>
+              <a:t>催下去</a:t>
+            </a:r>
+            <a:r>
+              <a:rPr lang="en-US" altLang="zh-TW" sz="1400" dirty="0" smtClean="0">
+                <a:latin typeface="Consolas" panose="020B0609020204030204" pitchFamily="49" charset="0"/>
+                <a:cs typeface="Consolas" panose="020B0609020204030204" pitchFamily="49" charset="0"/>
+                <a:sym typeface="Wingdings" panose="05000000000000000000" pitchFamily="2" charset="2"/>
+              </a:rPr>
+              <a:t>. </a:t>
+            </a:r>
+          </a:p>
+          <a:p>
+            <a:pPr>
+              <a:buClr>
+                <a:srgbClr val="C00000"/>
+              </a:buClr>
+              <a:buSzPct val="90000"/>
+              <a:buFont typeface="+mj-lt"/>
+              <a:buAutoNum type="arabicPeriod"/>
+            </a:pPr>
+            <a:r>
+              <a:rPr lang="en-US" altLang="zh-TW" sz="1400" dirty="0" smtClean="0">
+                <a:latin typeface="Consolas" panose="020B0609020204030204" pitchFamily="49" charset="0"/>
+                <a:cs typeface="Consolas" panose="020B0609020204030204" pitchFamily="49" charset="0"/>
+                <a:sym typeface="Wingdings" panose="05000000000000000000" pitchFamily="2" charset="2"/>
+              </a:rPr>
+              <a:t>Update </a:t>
+            </a:r>
+            <a:r>
+              <a:rPr lang="zh-TW" altLang="en-US" sz="1400" dirty="0" smtClean="0">
+                <a:latin typeface="Consolas" panose="020B0609020204030204" pitchFamily="49" charset="0"/>
+                <a:cs typeface="Consolas" panose="020B0609020204030204" pitchFamily="49" charset="0"/>
+                <a:sym typeface="Wingdings" panose="05000000000000000000" pitchFamily="2" charset="2"/>
+              </a:rPr>
+              <a:t>完還有</a:t>
+            </a:r>
+            <a:r>
+              <a:rPr lang="en-US" altLang="zh-TW" sz="1400" dirty="0" smtClean="0">
+                <a:latin typeface="Consolas" panose="020B0609020204030204" pitchFamily="49" charset="0"/>
+                <a:cs typeface="Consolas" panose="020B0609020204030204" pitchFamily="49" charset="0"/>
+                <a:sym typeface="Wingdings" panose="05000000000000000000" pitchFamily="2" charset="2"/>
+              </a:rPr>
+              <a:t>. Java compiler </a:t>
+            </a:r>
+            <a:r>
+              <a:rPr lang="zh-TW" altLang="en-US" sz="1400" dirty="0" smtClean="0">
+                <a:latin typeface="Consolas" panose="020B0609020204030204" pitchFamily="49" charset="0"/>
+                <a:cs typeface="Consolas" panose="020B0609020204030204" pitchFamily="49" charset="0"/>
+                <a:sym typeface="Wingdings" panose="05000000000000000000" pitchFamily="2" charset="2"/>
+              </a:rPr>
+              <a:t>設定不一致問題</a:t>
+            </a:r>
+            <a:r>
+              <a:rPr lang="en-US" altLang="zh-TW" sz="1400" dirty="0" smtClean="0">
+                <a:latin typeface="Consolas" panose="020B0609020204030204" pitchFamily="49" charset="0"/>
+                <a:cs typeface="Consolas" panose="020B0609020204030204" pitchFamily="49" charset="0"/>
+                <a:sym typeface="Wingdings" panose="05000000000000000000" pitchFamily="2" charset="2"/>
+              </a:rPr>
+              <a:t>. </a:t>
+            </a:r>
+          </a:p>
+          <a:p>
+            <a:pPr>
+              <a:buClr>
+                <a:srgbClr val="C00000"/>
+              </a:buClr>
+              <a:buSzPct val="90000"/>
+              <a:buFont typeface="+mj-lt"/>
+              <a:buAutoNum type="arabicPeriod"/>
+            </a:pPr>
+            <a:r>
+              <a:rPr lang="zh-TW" altLang="en-US" sz="1400" dirty="0" smtClean="0">
+                <a:latin typeface="Consolas" panose="020B0609020204030204" pitchFamily="49" charset="0"/>
+                <a:cs typeface="Consolas" panose="020B0609020204030204" pitchFamily="49" charset="0"/>
+                <a:sym typeface="Wingdings" panose="05000000000000000000" pitchFamily="2" charset="2"/>
+              </a:rPr>
+              <a:t>到 </a:t>
+            </a:r>
+            <a:r>
+              <a:rPr lang="en-US" altLang="zh-TW" sz="1400" dirty="0" smtClean="0">
+                <a:latin typeface="Consolas" panose="020B0609020204030204" pitchFamily="49" charset="0"/>
+                <a:cs typeface="Consolas" panose="020B0609020204030204" pitchFamily="49" charset="0"/>
+                <a:sym typeface="Wingdings" panose="05000000000000000000" pitchFamily="2" charset="2"/>
+              </a:rPr>
+              <a:t>Properties  project facet </a:t>
+            </a:r>
+            <a:r>
+              <a:rPr lang="zh-TW" altLang="en-US" sz="1400" dirty="0" smtClean="0">
+                <a:latin typeface="Consolas" panose="020B0609020204030204" pitchFamily="49" charset="0"/>
+                <a:cs typeface="Consolas" panose="020B0609020204030204" pitchFamily="49" charset="0"/>
+                <a:sym typeface="Wingdings" panose="05000000000000000000" pitchFamily="2" charset="2"/>
+              </a:rPr>
+              <a:t>設定 </a:t>
+            </a:r>
+            <a:r>
+              <a:rPr lang="en-US" altLang="zh-TW" sz="1400" dirty="0" smtClean="0">
+                <a:latin typeface="Consolas" panose="020B0609020204030204" pitchFamily="49" charset="0"/>
+                <a:cs typeface="Consolas" panose="020B0609020204030204" pitchFamily="49" charset="0"/>
+                <a:sym typeface="Wingdings" panose="05000000000000000000" pitchFamily="2" charset="2"/>
+              </a:rPr>
+              <a:t>Java </a:t>
+            </a:r>
+            <a:r>
+              <a:rPr lang="zh-TW" altLang="en-US" sz="1400" dirty="0" smtClean="0">
+                <a:latin typeface="Consolas" panose="020B0609020204030204" pitchFamily="49" charset="0"/>
+                <a:cs typeface="Consolas" panose="020B0609020204030204" pitchFamily="49" charset="0"/>
+                <a:sym typeface="Wingdings" panose="05000000000000000000" pitchFamily="2" charset="2"/>
+              </a:rPr>
+              <a:t>版本</a:t>
+            </a:r>
+            <a:endParaRPr lang="en-US" altLang="zh-TW" sz="1400" dirty="0" smtClean="0">
+              <a:latin typeface="Consolas" panose="020B0609020204030204" pitchFamily="49" charset="0"/>
+              <a:cs typeface="Consolas" panose="020B0609020204030204" pitchFamily="49" charset="0"/>
+              <a:sym typeface="Wingdings" panose="05000000000000000000" pitchFamily="2" charset="2"/>
+            </a:endParaRPr>
+          </a:p>
+          <a:p>
+            <a:pPr>
+              <a:buClr>
+                <a:srgbClr val="C00000"/>
+              </a:buClr>
+              <a:buSzPct val="90000"/>
+              <a:buFont typeface="+mj-lt"/>
+              <a:buAutoNum type="arabicPeriod"/>
+            </a:pPr>
+            <a:r>
+              <a:rPr lang="zh-TW" altLang="en-US" sz="1400" dirty="0" smtClean="0">
+                <a:latin typeface="Consolas" panose="020B0609020204030204" pitchFamily="49" charset="0"/>
+                <a:cs typeface="Consolas" panose="020B0609020204030204" pitchFamily="49" charset="0"/>
+                <a:sym typeface="Wingdings" panose="05000000000000000000" pitchFamily="2" charset="2"/>
+              </a:rPr>
+              <a:t>到 </a:t>
+            </a:r>
+            <a:r>
+              <a:rPr lang="en-US" altLang="zh-TW" sz="1400" dirty="0" smtClean="0">
+                <a:latin typeface="Consolas" panose="020B0609020204030204" pitchFamily="49" charset="0"/>
+                <a:cs typeface="Consolas" panose="020B0609020204030204" pitchFamily="49" charset="0"/>
+                <a:sym typeface="Wingdings" panose="05000000000000000000" pitchFamily="2" charset="2"/>
+              </a:rPr>
+              <a:t>properties  Java Build Path </a:t>
+            </a:r>
+            <a:r>
+              <a:rPr lang="zh-TW" altLang="en-US" sz="1400" dirty="0" smtClean="0">
+                <a:latin typeface="Consolas" panose="020B0609020204030204" pitchFamily="49" charset="0"/>
+                <a:cs typeface="Consolas" panose="020B0609020204030204" pitchFamily="49" charset="0"/>
+                <a:sym typeface="Wingdings" panose="05000000000000000000" pitchFamily="2" charset="2"/>
+              </a:rPr>
+              <a:t>設定 </a:t>
+            </a:r>
+            <a:r>
+              <a:rPr lang="en-US" altLang="zh-TW" sz="1400" dirty="0" smtClean="0">
+                <a:latin typeface="Consolas" panose="020B0609020204030204" pitchFamily="49" charset="0"/>
+                <a:cs typeface="Consolas" panose="020B0609020204030204" pitchFamily="49" charset="0"/>
+                <a:sym typeface="Wingdings" panose="05000000000000000000" pitchFamily="2" charset="2"/>
+              </a:rPr>
+              <a:t>Java Library </a:t>
+            </a:r>
+          </a:p>
+          <a:p>
+            <a:pPr>
+              <a:buClr>
+                <a:srgbClr val="C00000"/>
+              </a:buClr>
+              <a:buSzPct val="90000"/>
+              <a:buFont typeface="+mj-lt"/>
+              <a:buAutoNum type="arabicPeriod"/>
+            </a:pPr>
+            <a:r>
+              <a:rPr lang="en-US" altLang="zh-TW" sz="1400" dirty="0" smtClean="0">
+                <a:latin typeface="Consolas" panose="020B0609020204030204" pitchFamily="49" charset="0"/>
+                <a:cs typeface="Consolas" panose="020B0609020204030204" pitchFamily="49" charset="0"/>
+                <a:sym typeface="Wingdings" panose="05000000000000000000" pitchFamily="2" charset="2"/>
+              </a:rPr>
+              <a:t>Apply , OK  </a:t>
+            </a:r>
+            <a:r>
+              <a:rPr lang="zh-TW" altLang="en-US" sz="1400" dirty="0" smtClean="0">
+                <a:latin typeface="Consolas" panose="020B0609020204030204" pitchFamily="49" charset="0"/>
+                <a:cs typeface="Consolas" panose="020B0609020204030204" pitchFamily="49" charset="0"/>
+                <a:sym typeface="Wingdings" panose="05000000000000000000" pitchFamily="2" charset="2"/>
+              </a:rPr>
+              <a:t>儲存設定後，記得 </a:t>
+            </a:r>
+            <a:r>
+              <a:rPr lang="en-US" altLang="zh-TW" sz="1400" dirty="0" smtClean="0">
+                <a:latin typeface="Consolas" panose="020B0609020204030204" pitchFamily="49" charset="0"/>
+                <a:cs typeface="Consolas" panose="020B0609020204030204" pitchFamily="49" charset="0"/>
+                <a:sym typeface="Wingdings" panose="05000000000000000000" pitchFamily="2" charset="2"/>
+              </a:rPr>
+              <a:t/>
+            </a:r>
+            <a:br>
+              <a:rPr lang="en-US" altLang="zh-TW" sz="1400" dirty="0" smtClean="0">
+                <a:latin typeface="Consolas" panose="020B0609020204030204" pitchFamily="49" charset="0"/>
+                <a:cs typeface="Consolas" panose="020B0609020204030204" pitchFamily="49" charset="0"/>
+                <a:sym typeface="Wingdings" panose="05000000000000000000" pitchFamily="2" charset="2"/>
+              </a:rPr>
+            </a:br>
+            <a:r>
+              <a:rPr lang="en-US" altLang="zh-TW" sz="1400" dirty="0" err="1" smtClean="0">
+                <a:latin typeface="Consolas" panose="020B0609020204030204" pitchFamily="49" charset="0"/>
+                <a:cs typeface="Consolas" panose="020B0609020204030204" pitchFamily="49" charset="0"/>
+                <a:sym typeface="Wingdings" panose="05000000000000000000" pitchFamily="2" charset="2"/>
+              </a:rPr>
+              <a:t>mvn</a:t>
+            </a:r>
+            <a:r>
+              <a:rPr lang="en-US" altLang="zh-TW" sz="1400" dirty="0" smtClean="0">
+                <a:latin typeface="Consolas" panose="020B0609020204030204" pitchFamily="49" charset="0"/>
+                <a:cs typeface="Consolas" panose="020B0609020204030204" pitchFamily="49" charset="0"/>
+                <a:sym typeface="Wingdings" panose="05000000000000000000" pitchFamily="2" charset="2"/>
+              </a:rPr>
+              <a:t> install </a:t>
+            </a:r>
+            <a:r>
+              <a:rPr lang="zh-TW" altLang="en-US" sz="1400" dirty="0" smtClean="0">
+                <a:latin typeface="Consolas" panose="020B0609020204030204" pitchFamily="49" charset="0"/>
+                <a:cs typeface="Consolas" panose="020B0609020204030204" pitchFamily="49" charset="0"/>
+                <a:sym typeface="Wingdings" panose="05000000000000000000" pitchFamily="2" charset="2"/>
+              </a:rPr>
+              <a:t>看看有沒有問題</a:t>
+            </a:r>
+            <a:r>
+              <a:rPr lang="en-US" altLang="zh-TW" sz="1400" dirty="0" smtClean="0">
+                <a:latin typeface="Consolas" panose="020B0609020204030204" pitchFamily="49" charset="0"/>
+                <a:cs typeface="Consolas" panose="020B0609020204030204" pitchFamily="49" charset="0"/>
+                <a:sym typeface="Wingdings" panose="05000000000000000000" pitchFamily="2" charset="2"/>
+              </a:rPr>
+              <a:t/>
+            </a:r>
+            <a:br>
+              <a:rPr lang="en-US" altLang="zh-TW" sz="1400" dirty="0" smtClean="0">
+                <a:latin typeface="Consolas" panose="020B0609020204030204" pitchFamily="49" charset="0"/>
+                <a:cs typeface="Consolas" panose="020B0609020204030204" pitchFamily="49" charset="0"/>
+                <a:sym typeface="Wingdings" panose="05000000000000000000" pitchFamily="2" charset="2"/>
+              </a:rPr>
+            </a:br>
+            <a:endParaRPr lang="en-US" altLang="zh-TW" sz="1400" dirty="0" smtClean="0">
+              <a:latin typeface="Consolas" panose="020B0609020204030204" pitchFamily="49" charset="0"/>
+              <a:cs typeface="Consolas" panose="020B0609020204030204" pitchFamily="49" charset="0"/>
+              <a:sym typeface="Wingdings" panose="05000000000000000000" pitchFamily="2" charset="2"/>
+            </a:endParaRPr>
+          </a:p>
+        </p:txBody>
+      </p:sp>
+    </p:spTree>
+    <p:extLst>
+      <p:ext uri="{BB962C8B-B14F-4D97-AF65-F5344CB8AC3E}">
+        <p14:creationId xmlns:p14="http://schemas.microsoft.com/office/powerpoint/2010/main" val="2263954687"/>
+      </p:ext>
+    </p:extLst>
+  </p:cSld>
+  <p:clrMapOvr>
+    <a:masterClrMapping/>
+  </p:clrMapOvr>
+</p:sld>
+</file>
+
+<file path=ppt/slides/slide33.xml><?xml version="1.0" encoding="utf-8"?>
+<p:sld xmlns:a="http://schemas.openxmlformats.org/drawingml/2006/main" xmlns:r="http://schemas.openxmlformats.org/officeDocument/2006/relationships" xmlns:p="http://schemas.openxmlformats.org/presentationml/2006/main">
+  <p:cSld>
+    <p:spTree>
+      <p:nvGrpSpPr>
+        <p:cNvPr id="1" name=""/>
+        <p:cNvGrpSpPr/>
+        <p:nvPr/>
+      </p:nvGrpSpPr>
+      <p:grpSpPr>
+        <a:xfrm>
+          <a:off x="0" y="0"/>
+          <a:ext cx="0" cy="0"/>
+          <a:chOff x="0" y="0"/>
+          <a:chExt cx="0" cy="0"/>
+        </a:xfrm>
+      </p:grpSpPr>
+      <p:sp>
+        <p:nvSpPr>
+          <p:cNvPr id="2" name="標題 1"/>
+          <p:cNvSpPr>
+            <a:spLocks noGrp="1"/>
+          </p:cNvSpPr>
+          <p:nvPr>
+            <p:ph type="title"/>
+          </p:nvPr>
+        </p:nvSpPr>
+        <p:spPr/>
+        <p:txBody>
+          <a:bodyPr/>
+          <a:lstStyle/>
+          <a:p>
+            <a:r>
+              <a:rPr lang="en-US" altLang="zh-TW" dirty="0" smtClean="0"/>
+              <a:t>Add </a:t>
+            </a:r>
+            <a:r>
+              <a:rPr lang="en-US" altLang="zh-TW" dirty="0" err="1" smtClean="0"/>
+              <a:t>JPA</a:t>
+            </a:r>
+            <a:r>
+              <a:rPr lang="en-US" altLang="zh-TW" dirty="0" smtClean="0"/>
+              <a:t> Entity</a:t>
+            </a:r>
+            <a:endParaRPr lang="zh-TW" altLang="en-US" dirty="0"/>
+          </a:p>
+        </p:txBody>
+      </p:sp>
+      <p:pic>
+        <p:nvPicPr>
+          <p:cNvPr id="5122" name="Picture 2"/>
+          <p:cNvPicPr>
+            <a:picLocks noChangeAspect="1" noChangeArrowheads="1"/>
+          </p:cNvPicPr>
+          <p:nvPr/>
+        </p:nvPicPr>
+        <p:blipFill>
+          <a:blip r:embed="rId2">
+            <a:extLst>
+              <a:ext uri="{28A0092B-C50C-407E-A947-70E740481C1C}">
+                <a14:useLocalDpi xmlns:a14="http://schemas.microsoft.com/office/drawing/2010/main" val="0"/>
+              </a:ext>
+            </a:extLst>
+          </a:blip>
+          <a:srcRect/>
+          <a:stretch>
+            <a:fillRect/>
+          </a:stretch>
+        </p:blipFill>
+        <p:spPr bwMode="auto">
+          <a:xfrm>
+            <a:off x="179512" y="1844824"/>
+            <a:ext cx="3465562" cy="1155187"/>
+          </a:xfrm>
+          <a:prstGeom prst="rect">
+            <a:avLst/>
+          </a:prstGeom>
+          <a:noFill/>
+          <a:ln>
+            <a:noFill/>
+          </a:ln>
+          <a:extLst>
+            <a:ext uri="{909E8E84-426E-40DD-AFC4-6F175D3DCCD1}">
+              <a14:hiddenFill xmlns:a14="http://schemas.microsoft.com/office/drawing/2010/main">
+                <a:solidFill>
+                  <a:schemeClr val="accent1"/>
+                </a:solidFill>
+              </a14:hiddenFill>
+            </a:ext>
+            <a:ext uri="{91240B29-F687-4F45-9708-019B960494DF}">
+              <a14:hiddenLine xmlns:a14="http://schemas.microsoft.com/office/drawing/2010/main" w="9525">
+                <a:solidFill>
+                  <a:schemeClr val="tx1"/>
+                </a:solidFill>
+                <a:miter lim="800000"/>
+                <a:headEnd/>
+                <a:tailEnd/>
+              </a14:hiddenLine>
+            </a:ext>
+          </a:extLst>
+        </p:spPr>
+      </p:pic>
+      <p:sp>
+        <p:nvSpPr>
+          <p:cNvPr id="5" name="橢圓 4"/>
+          <p:cNvSpPr/>
+          <p:nvPr/>
+        </p:nvSpPr>
+        <p:spPr>
+          <a:xfrm>
+            <a:off x="19483" y="1556792"/>
+            <a:ext cx="432048" cy="360040"/>
+          </a:xfrm>
+          <a:prstGeom prst="ellipse">
+            <a:avLst/>
+          </a:prstGeom>
+        </p:spPr>
+        <p:style>
+          <a:lnRef idx="2">
+            <a:schemeClr val="accent1">
+              <a:shade val="50000"/>
+            </a:schemeClr>
+          </a:lnRef>
+          <a:fillRef idx="1">
+            <a:schemeClr val="accent1"/>
+          </a:fillRef>
+          <a:effectRef idx="0">
+            <a:schemeClr val="accent1"/>
+          </a:effectRef>
+          <a:fontRef idx="minor">
+            <a:schemeClr val="lt1"/>
+          </a:fontRef>
+        </p:style>
+        <p:txBody>
+          <a:bodyPr rtlCol="0" anchor="ctr"/>
+          <a:lstStyle/>
+          <a:p>
+            <a:pPr algn="ctr"/>
+            <a:r>
+              <a:rPr lang="en-US" altLang="zh-TW" dirty="0"/>
+              <a:t>4</a:t>
+            </a:r>
+            <a:endParaRPr lang="zh-TW" altLang="en-US" dirty="0"/>
+          </a:p>
+        </p:txBody>
+      </p:sp>
+      <p:pic>
+        <p:nvPicPr>
+          <p:cNvPr id="5123" name="Picture 3"/>
+          <p:cNvPicPr>
+            <a:picLocks noChangeAspect="1" noChangeArrowheads="1"/>
+          </p:cNvPicPr>
+          <p:nvPr/>
+        </p:nvPicPr>
+        <p:blipFill>
+          <a:blip r:embed="rId3">
+            <a:extLst>
+              <a:ext uri="{28A0092B-C50C-407E-A947-70E740481C1C}">
+                <a14:useLocalDpi xmlns:a14="http://schemas.microsoft.com/office/drawing/2010/main" val="0"/>
+              </a:ext>
+            </a:extLst>
+          </a:blip>
+          <a:srcRect/>
+          <a:stretch>
+            <a:fillRect/>
+          </a:stretch>
+        </p:blipFill>
+        <p:spPr bwMode="auto">
+          <a:xfrm>
+            <a:off x="127228" y="3212976"/>
+            <a:ext cx="4156739" cy="3469850"/>
+          </a:xfrm>
+          <a:prstGeom prst="rect">
+            <a:avLst/>
+          </a:prstGeom>
+          <a:noFill/>
+          <a:ln>
+            <a:noFill/>
+          </a:ln>
+          <a:extLst>
+            <a:ext uri="{909E8E84-426E-40DD-AFC4-6F175D3DCCD1}">
+              <a14:hiddenFill xmlns:a14="http://schemas.microsoft.com/office/drawing/2010/main">
+                <a:solidFill>
+                  <a:schemeClr val="accent1"/>
+                </a:solidFill>
+              </a14:hiddenFill>
+            </a:ext>
+            <a:ext uri="{91240B29-F687-4F45-9708-019B960494DF}">
+              <a14:hiddenLine xmlns:a14="http://schemas.microsoft.com/office/drawing/2010/main" w="9525">
+                <a:solidFill>
+                  <a:schemeClr val="tx1"/>
+                </a:solidFill>
+                <a:miter lim="800000"/>
+                <a:headEnd/>
+                <a:tailEnd/>
+              </a14:hiddenLine>
+            </a:ext>
+          </a:extLst>
+        </p:spPr>
+      </p:pic>
+      <p:sp>
+        <p:nvSpPr>
+          <p:cNvPr id="7" name="橢圓 6"/>
+          <p:cNvSpPr/>
+          <p:nvPr/>
+        </p:nvSpPr>
+        <p:spPr>
+          <a:xfrm>
+            <a:off x="-65304" y="3032956"/>
+            <a:ext cx="432048" cy="360040"/>
+          </a:xfrm>
+          <a:prstGeom prst="ellipse">
+            <a:avLst/>
+          </a:prstGeom>
+        </p:spPr>
+        <p:style>
+          <a:lnRef idx="2">
+            <a:schemeClr val="accent1">
+              <a:shade val="50000"/>
+            </a:schemeClr>
+          </a:lnRef>
+          <a:fillRef idx="1">
+            <a:schemeClr val="accent1"/>
+          </a:fillRef>
+          <a:effectRef idx="0">
+            <a:schemeClr val="accent1"/>
+          </a:effectRef>
+          <a:fontRef idx="minor">
+            <a:schemeClr val="lt1"/>
+          </a:fontRef>
+        </p:style>
+        <p:txBody>
+          <a:bodyPr rtlCol="0" anchor="ctr"/>
+          <a:lstStyle/>
+          <a:p>
+            <a:pPr algn="ctr"/>
+            <a:r>
+              <a:rPr lang="en-US" altLang="zh-TW" dirty="0" smtClean="0"/>
+              <a:t>5</a:t>
+            </a:r>
+            <a:endParaRPr lang="zh-TW" altLang="en-US" dirty="0"/>
+          </a:p>
+        </p:txBody>
+      </p:sp>
+      <p:sp>
+        <p:nvSpPr>
+          <p:cNvPr id="8" name="內容版面配置區 2"/>
+          <p:cNvSpPr txBox="1">
+            <a:spLocks/>
+          </p:cNvSpPr>
+          <p:nvPr/>
+        </p:nvSpPr>
+        <p:spPr bwMode="auto">
+          <a:xfrm>
+            <a:off x="4572000" y="1628800"/>
+            <a:ext cx="4392488" cy="2016224"/>
+          </a:xfrm>
+          <a:prstGeom prst="rect">
+            <a:avLst/>
+          </a:prstGeom>
+          <a:ln/>
+          <a:extLst/>
+        </p:spPr>
+        <p:style>
+          <a:lnRef idx="1">
+            <a:schemeClr val="accent4"/>
+          </a:lnRef>
+          <a:fillRef idx="2">
+            <a:schemeClr val="accent4"/>
+          </a:fillRef>
+          <a:effectRef idx="1">
+            <a:schemeClr val="accent4"/>
+          </a:effectRef>
+          <a:fontRef idx="minor">
+            <a:schemeClr val="dk1"/>
+          </a:fontRef>
+        </p:style>
+        <p:txBody>
+          <a:bodyPr vert="horz" wrap="square" lIns="91440" tIns="45720" rIns="91440" bIns="45720" numCol="1" anchor="t" anchorCtr="0" compatLnSpc="1">
+            <a:prstTxWarp prst="textNoShape">
+              <a:avLst/>
+            </a:prstTxWarp>
+          </a:bodyPr>
+          <a:lstStyle>
+            <a:lvl1pPr marL="342900" indent="-342900" algn="l" rtl="0" eaLnBrk="0" fontAlgn="base" hangingPunct="0">
+              <a:spcBef>
+                <a:spcPct val="20000"/>
+              </a:spcBef>
+              <a:spcAft>
+                <a:spcPct val="0"/>
+              </a:spcAft>
+              <a:buSzPct val="80000"/>
+              <a:buFont typeface="Wingdings" panose="05000000000000000000" pitchFamily="2" charset="2"/>
+              <a:buChar char="l"/>
+              <a:defRPr sz="2800" kern="1200">
+                <a:solidFill>
+                  <a:schemeClr val="tx1"/>
+                </a:solidFill>
+                <a:latin typeface="微軟正黑體" panose="020B0604030504040204" pitchFamily="34" charset="-120"/>
+                <a:ea typeface="微軟正黑體" panose="020B0604030504040204" pitchFamily="34" charset="-120"/>
+                <a:cs typeface="Arial" pitchFamily="34" charset="0"/>
+              </a:defRPr>
+            </a:lvl1pPr>
+            <a:lvl2pPr marL="742950" indent="-285750" algn="l" rtl="0" eaLnBrk="0" fontAlgn="base" hangingPunct="0">
+              <a:spcBef>
+                <a:spcPct val="20000"/>
+              </a:spcBef>
+              <a:spcAft>
+                <a:spcPct val="0"/>
+              </a:spcAft>
+              <a:buSzPct val="80000"/>
+              <a:buFont typeface="Wingdings" panose="05000000000000000000" pitchFamily="2" charset="2"/>
+              <a:buChar char="n"/>
+              <a:defRPr sz="2400" kern="1200">
+                <a:solidFill>
+                  <a:schemeClr val="tx1"/>
+                </a:solidFill>
+                <a:latin typeface="微軟正黑體" panose="020B0604030504040204" pitchFamily="34" charset="-120"/>
+                <a:ea typeface="微軟正黑體" panose="020B0604030504040204" pitchFamily="34" charset="-120"/>
+                <a:cs typeface="Arial" pitchFamily="34" charset="0"/>
+              </a:defRPr>
+            </a:lvl2pPr>
+            <a:lvl3pPr marL="1143000" indent="-228600" algn="l" rtl="0" eaLnBrk="0" fontAlgn="base" hangingPunct="0">
+              <a:spcBef>
+                <a:spcPct val="20000"/>
+              </a:spcBef>
+              <a:spcAft>
+                <a:spcPct val="0"/>
+              </a:spcAft>
+              <a:buFont typeface="Arial" charset="0"/>
+              <a:buChar char="•"/>
+              <a:defRPr sz="2000" kern="1200">
+                <a:solidFill>
+                  <a:schemeClr val="tx1"/>
+                </a:solidFill>
+                <a:latin typeface="微軟正黑體" panose="020B0604030504040204" pitchFamily="34" charset="-120"/>
+                <a:ea typeface="微軟正黑體" panose="020B0604030504040204" pitchFamily="34" charset="-120"/>
+                <a:cs typeface="Arial" pitchFamily="34" charset="0"/>
+              </a:defRPr>
+            </a:lvl3pPr>
+            <a:lvl4pPr marL="1600200" indent="-228600" algn="l" rtl="0" eaLnBrk="0" fontAlgn="base" hangingPunct="0">
+              <a:spcBef>
+                <a:spcPct val="20000"/>
+              </a:spcBef>
+              <a:spcAft>
+                <a:spcPct val="0"/>
+              </a:spcAft>
+              <a:buFont typeface="Arial" charset="0"/>
+              <a:buChar char="–"/>
+              <a:defRPr kern="1200">
+                <a:solidFill>
+                  <a:schemeClr val="tx1"/>
+                </a:solidFill>
+                <a:latin typeface="微軟正黑體" panose="020B0604030504040204" pitchFamily="34" charset="-120"/>
+                <a:ea typeface="微軟正黑體" panose="020B0604030504040204" pitchFamily="34" charset="-120"/>
+                <a:cs typeface="Arial" pitchFamily="34" charset="0"/>
+              </a:defRPr>
+            </a:lvl4pPr>
+            <a:lvl5pPr marL="2057400" indent="-228600" algn="l" rtl="0" eaLnBrk="0" fontAlgn="base" hangingPunct="0">
+              <a:spcBef>
+                <a:spcPct val="20000"/>
+              </a:spcBef>
+              <a:spcAft>
+                <a:spcPct val="0"/>
+              </a:spcAft>
+              <a:buFont typeface="Arial" charset="0"/>
+              <a:buChar char="»"/>
+              <a:defRPr kern="1200">
+                <a:solidFill>
+                  <a:schemeClr val="tx1"/>
+                </a:solidFill>
+                <a:latin typeface="微軟正黑體" panose="020B0604030504040204" pitchFamily="34" charset="-120"/>
+                <a:ea typeface="微軟正黑體" panose="020B0604030504040204" pitchFamily="34" charset="-120"/>
+                <a:cs typeface="Arial" pitchFamily="34" charset="0"/>
+              </a:defRPr>
+            </a:lvl5pPr>
+            <a:lvl6pPr marL="2514600" indent="-228600" algn="l" defTabSz="914400" rtl="0" eaLnBrk="1" latinLnBrk="0" hangingPunct="1">
+              <a:spcBef>
+                <a:spcPct val="20000"/>
+              </a:spcBef>
+              <a:buFont typeface="Arial" pitchFamily="34" charset="0"/>
+              <a:buChar char="•"/>
+              <a:defRPr sz="2000" kern="1200">
+                <a:solidFill>
+                  <a:schemeClr val="tx1"/>
+                </a:solidFill>
+                <a:latin typeface="+mn-lt"/>
+                <a:ea typeface="+mn-ea"/>
+                <a:cs typeface="+mn-cs"/>
+              </a:defRPr>
+            </a:lvl6pPr>
+            <a:lvl7pPr marL="2971800" indent="-228600" algn="l" defTabSz="914400" rtl="0" eaLnBrk="1" latinLnBrk="0" hangingPunct="1">
+              <a:spcBef>
+                <a:spcPct val="20000"/>
+              </a:spcBef>
+              <a:buFont typeface="Arial" pitchFamily="34" charset="0"/>
+              <a:buChar char="•"/>
+              <a:defRPr sz="2000" kern="1200">
+                <a:solidFill>
+                  <a:schemeClr val="tx1"/>
+                </a:solidFill>
+                <a:latin typeface="+mn-lt"/>
+                <a:ea typeface="+mn-ea"/>
+                <a:cs typeface="+mn-cs"/>
+              </a:defRPr>
+            </a:lvl7pPr>
+            <a:lvl8pPr marL="3429000" indent="-228600" algn="l" defTabSz="914400" rtl="0" eaLnBrk="1" latinLnBrk="0" hangingPunct="1">
+              <a:spcBef>
+                <a:spcPct val="20000"/>
+              </a:spcBef>
+              <a:buFont typeface="Arial" pitchFamily="34" charset="0"/>
+              <a:buChar char="•"/>
+              <a:defRPr sz="2000" kern="1200">
+                <a:solidFill>
+                  <a:schemeClr val="tx1"/>
+                </a:solidFill>
+                <a:latin typeface="+mn-lt"/>
+                <a:ea typeface="+mn-ea"/>
+                <a:cs typeface="+mn-cs"/>
+              </a:defRPr>
+            </a:lvl8pPr>
+            <a:lvl9pPr marL="3886200" indent="-228600" algn="l" defTabSz="914400" rtl="0" eaLnBrk="1" latinLnBrk="0" hangingPunct="1">
+              <a:spcBef>
+                <a:spcPct val="20000"/>
+              </a:spcBef>
+              <a:buFont typeface="Arial" pitchFamily="34" charset="0"/>
+              <a:buChar char="•"/>
+              <a:defRPr sz="2000" kern="1200">
+                <a:solidFill>
+                  <a:schemeClr val="tx1"/>
+                </a:solidFill>
+                <a:latin typeface="+mn-lt"/>
+                <a:ea typeface="+mn-ea"/>
+                <a:cs typeface="+mn-cs"/>
+              </a:defRPr>
+            </a:lvl9pPr>
+          </a:lstStyle>
+          <a:p>
+            <a:pPr>
+              <a:buClr>
+                <a:srgbClr val="C00000"/>
+              </a:buClr>
+              <a:buSzPct val="90000"/>
+              <a:buFont typeface="+mj-lt"/>
+              <a:buAutoNum type="arabicPeriod" startAt="4"/>
+            </a:pPr>
+            <a:r>
+              <a:rPr lang="en-US" altLang="zh-TW" sz="1400" dirty="0" smtClean="0">
+                <a:latin typeface="Consolas" panose="020B0609020204030204" pitchFamily="49" charset="0"/>
+                <a:cs typeface="Consolas" panose="020B0609020204030204" pitchFamily="49" charset="0"/>
+                <a:sym typeface="Wingdings" panose="05000000000000000000" pitchFamily="2" charset="2"/>
+              </a:rPr>
+              <a:t>Table Associations. (</a:t>
+            </a:r>
+            <a:r>
+              <a:rPr lang="zh-TW" altLang="en-US" sz="1400" dirty="0" smtClean="0">
+                <a:latin typeface="Consolas" panose="020B0609020204030204" pitchFamily="49" charset="0"/>
+                <a:cs typeface="Consolas" panose="020B0609020204030204" pitchFamily="49" charset="0"/>
+                <a:sym typeface="Wingdings" panose="05000000000000000000" pitchFamily="2" charset="2"/>
+              </a:rPr>
+              <a:t>產生 </a:t>
+            </a:r>
+            <a:r>
+              <a:rPr lang="en-US" altLang="zh-TW" sz="1400" dirty="0" smtClean="0">
+                <a:latin typeface="Consolas" panose="020B0609020204030204" pitchFamily="49" charset="0"/>
+                <a:cs typeface="Consolas" panose="020B0609020204030204" pitchFamily="49" charset="0"/>
+                <a:sym typeface="Wingdings" panose="05000000000000000000" pitchFamily="2" charset="2"/>
+              </a:rPr>
+              <a:t>Many-to-One, One-To-Many, Many-To-Many </a:t>
+            </a:r>
+            <a:r>
+              <a:rPr lang="zh-TW" altLang="en-US" sz="1400" dirty="0" smtClean="0">
+                <a:latin typeface="Consolas" panose="020B0609020204030204" pitchFamily="49" charset="0"/>
+                <a:cs typeface="Consolas" panose="020B0609020204030204" pitchFamily="49" charset="0"/>
+                <a:sym typeface="Wingdings" panose="05000000000000000000" pitchFamily="2" charset="2"/>
+              </a:rPr>
+              <a:t>關係</a:t>
+            </a:r>
+            <a:r>
+              <a:rPr lang="en-US" altLang="zh-TW" sz="1400" dirty="0" smtClean="0">
+                <a:latin typeface="Consolas" panose="020B0609020204030204" pitchFamily="49" charset="0"/>
+                <a:cs typeface="Consolas" panose="020B0609020204030204" pitchFamily="49" charset="0"/>
+                <a:sym typeface="Wingdings" panose="05000000000000000000" pitchFamily="2" charset="2"/>
+              </a:rPr>
+              <a:t>)</a:t>
+            </a:r>
+          </a:p>
+          <a:p>
+            <a:pPr>
+              <a:buClr>
+                <a:srgbClr val="C00000"/>
+              </a:buClr>
+              <a:buSzPct val="90000"/>
+              <a:buFont typeface="+mj-lt"/>
+              <a:buAutoNum type="arabicPeriod" startAt="4"/>
+            </a:pPr>
+            <a:r>
+              <a:rPr lang="zh-TW" altLang="en-US" sz="1400" dirty="0">
+                <a:latin typeface="Consolas" panose="020B0609020204030204" pitchFamily="49" charset="0"/>
+                <a:cs typeface="Consolas" panose="020B0609020204030204" pitchFamily="49" charset="0"/>
+                <a:sym typeface="Wingdings" panose="05000000000000000000" pitchFamily="2" charset="2"/>
+              </a:rPr>
+              <a:t>這是</a:t>
+            </a:r>
+            <a:r>
+              <a:rPr lang="zh-TW" altLang="en-US" sz="1400" dirty="0" smtClean="0">
+                <a:latin typeface="Consolas" panose="020B0609020204030204" pitchFamily="49" charset="0"/>
+                <a:cs typeface="Consolas" panose="020B0609020204030204" pitchFamily="49" charset="0"/>
+                <a:sym typeface="Wingdings" panose="05000000000000000000" pitchFamily="2" charset="2"/>
+              </a:rPr>
+              <a:t>整個 </a:t>
+            </a:r>
+            <a:r>
+              <a:rPr lang="en-US" altLang="zh-TW" sz="1400" dirty="0" err="1" smtClean="0">
+                <a:latin typeface="Consolas" panose="020B0609020204030204" pitchFamily="49" charset="0"/>
+                <a:cs typeface="Consolas" panose="020B0609020204030204" pitchFamily="49" charset="0"/>
+                <a:sym typeface="Wingdings" panose="05000000000000000000" pitchFamily="2" charset="2"/>
+              </a:rPr>
+              <a:t>JPA</a:t>
+            </a:r>
+            <a:r>
+              <a:rPr lang="en-US" altLang="zh-TW" sz="1400" dirty="0" smtClean="0">
+                <a:latin typeface="Consolas" panose="020B0609020204030204" pitchFamily="49" charset="0"/>
+                <a:cs typeface="Consolas" panose="020B0609020204030204" pitchFamily="49" charset="0"/>
+                <a:sym typeface="Wingdings" panose="05000000000000000000" pitchFamily="2" charset="2"/>
+              </a:rPr>
+              <a:t> </a:t>
+            </a:r>
+            <a:r>
+              <a:rPr lang="zh-TW" altLang="en-US" sz="1400" dirty="0" smtClean="0">
+                <a:latin typeface="Consolas" panose="020B0609020204030204" pitchFamily="49" charset="0"/>
+                <a:cs typeface="Consolas" panose="020B0609020204030204" pitchFamily="49" charset="0"/>
+                <a:sym typeface="Wingdings" panose="05000000000000000000" pitchFamily="2" charset="2"/>
+              </a:rPr>
+              <a:t>產生的重點</a:t>
+            </a:r>
+            <a:endParaRPr lang="en-US" altLang="zh-TW" sz="1400" dirty="0" smtClean="0">
+              <a:latin typeface="Consolas" panose="020B0609020204030204" pitchFamily="49" charset="0"/>
+              <a:cs typeface="Consolas" panose="020B0609020204030204" pitchFamily="49" charset="0"/>
+              <a:sym typeface="Wingdings" panose="05000000000000000000" pitchFamily="2" charset="2"/>
+            </a:endParaRPr>
+          </a:p>
+          <a:p>
+            <a:pPr marL="447675" lvl="1" indent="-268288">
+              <a:buClr>
+                <a:srgbClr val="C00000"/>
+              </a:buClr>
+              <a:buSzPct val="90000"/>
+            </a:pPr>
+            <a:r>
+              <a:rPr lang="en-US" altLang="zh-TW" sz="1400" dirty="0" smtClean="0">
+                <a:latin typeface="Consolas" panose="020B0609020204030204" pitchFamily="49" charset="0"/>
+                <a:cs typeface="Consolas" panose="020B0609020204030204" pitchFamily="49" charset="0"/>
+                <a:sym typeface="Wingdings" panose="05000000000000000000" pitchFamily="2" charset="2"/>
+              </a:rPr>
+              <a:t>Key Generator. </a:t>
+            </a:r>
+            <a:r>
+              <a:rPr lang="zh-TW" altLang="en-US" sz="1400" dirty="0" smtClean="0">
+                <a:latin typeface="Consolas" panose="020B0609020204030204" pitchFamily="49" charset="0"/>
+                <a:cs typeface="Consolas" panose="020B0609020204030204" pitchFamily="49" charset="0"/>
+                <a:sym typeface="Wingdings" panose="05000000000000000000" pitchFamily="2" charset="2"/>
+              </a:rPr>
+              <a:t>本例沒有，常常需要用 </a:t>
+            </a:r>
+            <a:r>
+              <a:rPr lang="en-US" altLang="zh-TW" sz="1400" dirty="0" smtClean="0">
+                <a:latin typeface="Consolas" panose="020B0609020204030204" pitchFamily="49" charset="0"/>
+                <a:cs typeface="Consolas" panose="020B0609020204030204" pitchFamily="49" charset="0"/>
+                <a:sym typeface="Wingdings" panose="05000000000000000000" pitchFamily="2" charset="2"/>
+              </a:rPr>
+              <a:t>Sequence</a:t>
+            </a:r>
+            <a:r>
+              <a:rPr lang="zh-TW" altLang="en-US" sz="1400" dirty="0" smtClean="0">
+                <a:latin typeface="Consolas" panose="020B0609020204030204" pitchFamily="49" charset="0"/>
+                <a:cs typeface="Consolas" panose="020B0609020204030204" pitchFamily="49" charset="0"/>
+                <a:sym typeface="Wingdings" panose="05000000000000000000" pitchFamily="2" charset="2"/>
+              </a:rPr>
+              <a:t>，和 </a:t>
+            </a:r>
+            <a:r>
+              <a:rPr lang="en-US" altLang="zh-TW" sz="1400" dirty="0" smtClean="0">
+                <a:latin typeface="Consolas" panose="020B0609020204030204" pitchFamily="49" charset="0"/>
+                <a:cs typeface="Consolas" panose="020B0609020204030204" pitchFamily="49" charset="0"/>
+                <a:sym typeface="Wingdings" panose="05000000000000000000" pitchFamily="2" charset="2"/>
+              </a:rPr>
+              <a:t>Sequence name </a:t>
+            </a:r>
+            <a:r>
+              <a:rPr lang="zh-TW" altLang="en-US" sz="1400" dirty="0" smtClean="0">
+                <a:latin typeface="Consolas" panose="020B0609020204030204" pitchFamily="49" charset="0"/>
+                <a:cs typeface="Consolas" panose="020B0609020204030204" pitchFamily="49" charset="0"/>
+                <a:sym typeface="Wingdings" panose="05000000000000000000" pitchFamily="2" charset="2"/>
+              </a:rPr>
+              <a:t>來做序號</a:t>
+            </a:r>
+            <a:endParaRPr lang="en-US" altLang="zh-TW" sz="1000" dirty="0" smtClean="0">
+              <a:latin typeface="Consolas" panose="020B0609020204030204" pitchFamily="49" charset="0"/>
+              <a:cs typeface="Consolas" panose="020B0609020204030204" pitchFamily="49" charset="0"/>
+              <a:sym typeface="Wingdings" panose="05000000000000000000" pitchFamily="2" charset="2"/>
+            </a:endParaRPr>
+          </a:p>
+          <a:p>
+            <a:pPr marL="447675" lvl="1" indent="-268288">
+              <a:buClr>
+                <a:srgbClr val="C00000"/>
+              </a:buClr>
+              <a:buSzPct val="90000"/>
+            </a:pPr>
+            <a:r>
+              <a:rPr lang="en-US" altLang="zh-TW" sz="1400" dirty="0" smtClean="0">
+                <a:latin typeface="Consolas" panose="020B0609020204030204" pitchFamily="49" charset="0"/>
+                <a:cs typeface="Consolas" panose="020B0609020204030204" pitchFamily="49" charset="0"/>
+                <a:sym typeface="Wingdings" panose="05000000000000000000" pitchFamily="2" charset="2"/>
+              </a:rPr>
+              <a:t>Entity Access:</a:t>
+            </a:r>
+          </a:p>
+          <a:p>
+            <a:pPr marL="447675" lvl="1" indent="-268288">
+              <a:buClr>
+                <a:srgbClr val="C00000"/>
+              </a:buClr>
+              <a:buSzPct val="90000"/>
+            </a:pPr>
+            <a:r>
+              <a:rPr lang="en-US" altLang="zh-TW" sz="1400" b="1" dirty="0" smtClean="0">
+                <a:solidFill>
+                  <a:srgbClr val="FF0000"/>
+                </a:solidFill>
+                <a:latin typeface="Consolas" panose="020B0609020204030204" pitchFamily="49" charset="0"/>
+                <a:cs typeface="Consolas" panose="020B0609020204030204" pitchFamily="49" charset="0"/>
+                <a:sym typeface="Wingdings" panose="05000000000000000000" pitchFamily="2" charset="2"/>
+              </a:rPr>
+              <a:t>Association fetch: (</a:t>
+            </a:r>
+            <a:r>
+              <a:rPr lang="en-US" altLang="zh-TW" sz="1400" b="1" dirty="0" err="1" smtClean="0">
+                <a:solidFill>
+                  <a:srgbClr val="FF0000"/>
+                </a:solidFill>
+                <a:latin typeface="Consolas" panose="020B0609020204030204" pitchFamily="49" charset="0"/>
+                <a:cs typeface="Consolas" panose="020B0609020204030204" pitchFamily="49" charset="0"/>
+                <a:sym typeface="Wingdings" panose="05000000000000000000" pitchFamily="2" charset="2"/>
+              </a:rPr>
+              <a:t>JPA</a:t>
+            </a:r>
+            <a:r>
+              <a:rPr lang="en-US" altLang="zh-TW" sz="1400" b="1" dirty="0" smtClean="0">
+                <a:solidFill>
+                  <a:srgbClr val="FF0000"/>
+                </a:solidFill>
+                <a:latin typeface="Consolas" panose="020B0609020204030204" pitchFamily="49" charset="0"/>
+                <a:cs typeface="Consolas" panose="020B0609020204030204" pitchFamily="49" charset="0"/>
+                <a:sym typeface="Wingdings" panose="05000000000000000000" pitchFamily="2" charset="2"/>
+              </a:rPr>
+              <a:t> </a:t>
+            </a:r>
+            <a:r>
+              <a:rPr lang="zh-TW" altLang="en-US" sz="1400" b="1" dirty="0" smtClean="0">
+                <a:solidFill>
+                  <a:srgbClr val="FF0000"/>
+                </a:solidFill>
+                <a:latin typeface="Consolas" panose="020B0609020204030204" pitchFamily="49" charset="0"/>
+                <a:cs typeface="Consolas" panose="020B0609020204030204" pitchFamily="49" charset="0"/>
+                <a:sym typeface="Wingdings" panose="05000000000000000000" pitchFamily="2" charset="2"/>
+              </a:rPr>
+              <a:t>存取策略</a:t>
+            </a:r>
+            <a:r>
+              <a:rPr lang="en-US" altLang="zh-TW" sz="1400" b="1" dirty="0" smtClean="0">
+                <a:solidFill>
+                  <a:srgbClr val="FF0000"/>
+                </a:solidFill>
+                <a:latin typeface="Consolas" panose="020B0609020204030204" pitchFamily="49" charset="0"/>
+                <a:cs typeface="Consolas" panose="020B0609020204030204" pitchFamily="49" charset="0"/>
+                <a:sym typeface="Wingdings" panose="05000000000000000000" pitchFamily="2" charset="2"/>
+              </a:rPr>
+              <a:t>) </a:t>
+            </a:r>
+          </a:p>
+          <a:p>
+            <a:pPr marL="447675" lvl="1" indent="-268288">
+              <a:buClr>
+                <a:srgbClr val="C00000"/>
+              </a:buClr>
+              <a:buSzPct val="90000"/>
+            </a:pPr>
+            <a:r>
+              <a:rPr lang="en-US" altLang="zh-TW" sz="1400" b="1" dirty="0" smtClean="0">
+                <a:latin typeface="Consolas" panose="020B0609020204030204" pitchFamily="49" charset="0"/>
+                <a:cs typeface="Consolas" panose="020B0609020204030204" pitchFamily="49" charset="0"/>
+                <a:sym typeface="Wingdings" panose="05000000000000000000" pitchFamily="2" charset="2"/>
+              </a:rPr>
+              <a:t>package</a:t>
+            </a:r>
+          </a:p>
+        </p:txBody>
+      </p:sp>
+      <p:sp>
+        <p:nvSpPr>
+          <p:cNvPr id="4" name="矩形 3"/>
+          <p:cNvSpPr/>
+          <p:nvPr/>
+        </p:nvSpPr>
+        <p:spPr>
+          <a:xfrm>
+            <a:off x="235507" y="3861048"/>
+            <a:ext cx="3976453" cy="360040"/>
+          </a:xfrm>
+          <a:prstGeom prst="rect">
+            <a:avLst/>
+          </a:prstGeom>
+          <a:noFill/>
+        </p:spPr>
+        <p:style>
+          <a:lnRef idx="2">
+            <a:schemeClr val="accent6"/>
+          </a:lnRef>
+          <a:fillRef idx="1">
+            <a:schemeClr val="lt1"/>
+          </a:fillRef>
+          <a:effectRef idx="0">
+            <a:schemeClr val="accent6"/>
+          </a:effectRef>
+          <a:fontRef idx="minor">
+            <a:schemeClr val="dk1"/>
+          </a:fontRef>
+        </p:style>
+        <p:txBody>
+          <a:bodyPr rtlCol="0" anchor="ctr"/>
+          <a:lstStyle/>
+          <a:p>
+            <a:pPr algn="ctr"/>
+            <a:endParaRPr lang="zh-TW" altLang="en-US"/>
+          </a:p>
+        </p:txBody>
+      </p:sp>
+      <p:sp>
+        <p:nvSpPr>
+          <p:cNvPr id="10" name="矩形 9"/>
+          <p:cNvSpPr/>
+          <p:nvPr/>
+        </p:nvSpPr>
+        <p:spPr>
+          <a:xfrm>
+            <a:off x="217370" y="4588132"/>
+            <a:ext cx="3976453" cy="857092"/>
+          </a:xfrm>
+          <a:prstGeom prst="rect">
+            <a:avLst/>
+          </a:prstGeom>
+          <a:noFill/>
+        </p:spPr>
+        <p:style>
+          <a:lnRef idx="2">
+            <a:schemeClr val="accent6"/>
+          </a:lnRef>
+          <a:fillRef idx="1">
+            <a:schemeClr val="lt1"/>
+          </a:fillRef>
+          <a:effectRef idx="0">
+            <a:schemeClr val="accent6"/>
+          </a:effectRef>
+          <a:fontRef idx="minor">
+            <a:schemeClr val="dk1"/>
+          </a:fontRef>
+        </p:style>
+        <p:txBody>
+          <a:bodyPr rtlCol="0" anchor="ctr"/>
+          <a:lstStyle/>
+          <a:p>
+            <a:pPr algn="ctr"/>
+            <a:endParaRPr lang="zh-TW" altLang="en-US"/>
+          </a:p>
+        </p:txBody>
+      </p:sp>
+      <p:sp>
+        <p:nvSpPr>
+          <p:cNvPr id="11" name="矩形 10"/>
+          <p:cNvSpPr/>
+          <p:nvPr/>
+        </p:nvSpPr>
+        <p:spPr>
+          <a:xfrm>
+            <a:off x="198100" y="5466996"/>
+            <a:ext cx="3976453" cy="857092"/>
+          </a:xfrm>
+          <a:prstGeom prst="rect">
+            <a:avLst/>
+          </a:prstGeom>
+          <a:noFill/>
+        </p:spPr>
+        <p:style>
+          <a:lnRef idx="2">
+            <a:schemeClr val="accent6"/>
+          </a:lnRef>
+          <a:fillRef idx="1">
+            <a:schemeClr val="lt1"/>
+          </a:fillRef>
+          <a:effectRef idx="0">
+            <a:schemeClr val="accent6"/>
+          </a:effectRef>
+          <a:fontRef idx="minor">
+            <a:schemeClr val="dk1"/>
+          </a:fontRef>
+        </p:style>
+        <p:txBody>
+          <a:bodyPr rtlCol="0" anchor="ctr"/>
+          <a:lstStyle/>
+          <a:p>
+            <a:pPr algn="ctr"/>
+            <a:endParaRPr lang="zh-TW" altLang="en-US"/>
+          </a:p>
+        </p:txBody>
+      </p:sp>
+      <p:pic>
+        <p:nvPicPr>
+          <p:cNvPr id="5124" name="Picture 4"/>
+          <p:cNvPicPr>
+            <a:picLocks noChangeAspect="1" noChangeArrowheads="1"/>
+          </p:cNvPicPr>
+          <p:nvPr/>
+        </p:nvPicPr>
+        <p:blipFill>
+          <a:blip r:embed="rId4">
+            <a:extLst>
+              <a:ext uri="{28A0092B-C50C-407E-A947-70E740481C1C}">
+                <a14:useLocalDpi xmlns:a14="http://schemas.microsoft.com/office/drawing/2010/main" val="0"/>
+              </a:ext>
+            </a:extLst>
+          </a:blip>
+          <a:srcRect/>
+          <a:stretch>
+            <a:fillRect/>
+          </a:stretch>
+        </p:blipFill>
+        <p:spPr bwMode="auto">
+          <a:xfrm>
+            <a:off x="4531940" y="3732305"/>
+            <a:ext cx="3343699" cy="2793039"/>
+          </a:xfrm>
+          <a:prstGeom prst="rect">
+            <a:avLst/>
+          </a:prstGeom>
+          <a:noFill/>
+          <a:ln>
+            <a:noFill/>
+          </a:ln>
+          <a:extLst>
+            <a:ext uri="{909E8E84-426E-40DD-AFC4-6F175D3DCCD1}">
+              <a14:hiddenFill xmlns:a14="http://schemas.microsoft.com/office/drawing/2010/main">
+                <a:solidFill>
+                  <a:schemeClr val="accent1"/>
+                </a:solidFill>
+              </a14:hiddenFill>
+            </a:ext>
+            <a:ext uri="{91240B29-F687-4F45-9708-019B960494DF}">
+              <a14:hiddenLine xmlns:a14="http://schemas.microsoft.com/office/drawing/2010/main" w="9525">
+                <a:solidFill>
+                  <a:schemeClr val="tx1"/>
+                </a:solidFill>
+                <a:miter lim="800000"/>
+                <a:headEnd/>
+                <a:tailEnd/>
+              </a14:hiddenLine>
+            </a:ext>
+          </a:extLst>
+        </p:spPr>
+      </p:pic>
+      <p:sp>
+        <p:nvSpPr>
+          <p:cNvPr id="13" name="橢圓 12"/>
+          <p:cNvSpPr/>
+          <p:nvPr/>
+        </p:nvSpPr>
+        <p:spPr>
+          <a:xfrm>
+            <a:off x="4355976" y="3681028"/>
+            <a:ext cx="432048" cy="360040"/>
+          </a:xfrm>
+          <a:prstGeom prst="ellipse">
+            <a:avLst/>
+          </a:prstGeom>
+        </p:spPr>
+        <p:style>
+          <a:lnRef idx="2">
+            <a:schemeClr val="accent1">
+              <a:shade val="50000"/>
+            </a:schemeClr>
+          </a:lnRef>
+          <a:fillRef idx="1">
+            <a:schemeClr val="accent1"/>
+          </a:fillRef>
+          <a:effectRef idx="0">
+            <a:schemeClr val="accent1"/>
+          </a:effectRef>
+          <a:fontRef idx="minor">
+            <a:schemeClr val="lt1"/>
+          </a:fontRef>
+        </p:style>
+        <p:txBody>
+          <a:bodyPr rtlCol="0" anchor="ctr"/>
+          <a:lstStyle/>
+          <a:p>
+            <a:pPr algn="ctr"/>
+            <a:r>
+              <a:rPr lang="en-US" altLang="zh-TW" dirty="0"/>
+              <a:t>6</a:t>
+            </a:r>
+            <a:endParaRPr lang="zh-TW" altLang="en-US" dirty="0"/>
+          </a:p>
+        </p:txBody>
+      </p:sp>
+    </p:spTree>
+    <p:extLst>
+      <p:ext uri="{BB962C8B-B14F-4D97-AF65-F5344CB8AC3E}">
+        <p14:creationId xmlns:p14="http://schemas.microsoft.com/office/powerpoint/2010/main" val="1667185591"/>
+      </p:ext>
+    </p:extLst>
+  </p:cSld>
+  <p:clrMapOvr>
+    <a:masterClrMapping/>
+  </p:clrMapOvr>
+</p:sld>
+</file>
+
+<file path=ppt/slides/slide34.xml><?xml version="1.0" encoding="utf-8"?>
+<p:sld xmlns:a="http://schemas.openxmlformats.org/drawingml/2006/main" xmlns:r="http://schemas.openxmlformats.org/officeDocument/2006/relationships" xmlns:p="http://schemas.openxmlformats.org/presentationml/2006/main">
+  <p:cSld>
+    <p:spTree>
+      <p:nvGrpSpPr>
+        <p:cNvPr id="1" name=""/>
+        <p:cNvGrpSpPr/>
+        <p:nvPr/>
+      </p:nvGrpSpPr>
+      <p:grpSpPr>
+        <a:xfrm>
+          <a:off x="0" y="0"/>
+          <a:ext cx="0" cy="0"/>
+          <a:chOff x="0" y="0"/>
+          <a:chExt cx="0" cy="0"/>
+        </a:xfrm>
+      </p:grpSpPr>
+      <p:sp>
+        <p:nvSpPr>
+          <p:cNvPr id="2" name="標題 1"/>
+          <p:cNvSpPr>
+            <a:spLocks noGrp="1"/>
+          </p:cNvSpPr>
+          <p:nvPr>
+            <p:ph type="title"/>
+          </p:nvPr>
+        </p:nvSpPr>
+        <p:spPr/>
+        <p:txBody>
+          <a:bodyPr/>
+          <a:lstStyle/>
+          <a:p>
+            <a:r>
+              <a:rPr lang="en-US" altLang="zh-TW" dirty="0" smtClean="0"/>
+              <a:t>Add a </a:t>
+            </a:r>
+            <a:r>
+              <a:rPr lang="en-US" altLang="zh-TW" dirty="0" err="1" smtClean="0"/>
+              <a:t>JPA</a:t>
+            </a:r>
+            <a:r>
+              <a:rPr lang="en-US" altLang="zh-TW" dirty="0" smtClean="0"/>
+              <a:t> Repository</a:t>
+            </a:r>
+            <a:endParaRPr lang="zh-TW" altLang="en-US" dirty="0"/>
+          </a:p>
+        </p:txBody>
+      </p:sp>
+      <p:pic>
+        <p:nvPicPr>
+          <p:cNvPr id="6147" name="Picture 3"/>
+          <p:cNvPicPr>
+            <a:picLocks noChangeAspect="1" noChangeArrowheads="1"/>
+          </p:cNvPicPr>
+          <p:nvPr/>
+        </p:nvPicPr>
+        <p:blipFill>
+          <a:blip r:embed="rId2">
+            <a:extLst>
+              <a:ext uri="{28A0092B-C50C-407E-A947-70E740481C1C}">
+                <a14:useLocalDpi xmlns:a14="http://schemas.microsoft.com/office/drawing/2010/main" val="0"/>
+              </a:ext>
+            </a:extLst>
+          </a:blip>
+          <a:srcRect/>
+          <a:stretch>
+            <a:fillRect/>
+          </a:stretch>
+        </p:blipFill>
+        <p:spPr bwMode="auto">
+          <a:xfrm>
+            <a:off x="179512" y="1772816"/>
+            <a:ext cx="3715692" cy="732505"/>
+          </a:xfrm>
+          <a:prstGeom prst="rect">
+            <a:avLst/>
+          </a:prstGeom>
+          <a:noFill/>
+          <a:ln>
+            <a:noFill/>
+          </a:ln>
+          <a:extLst>
+            <a:ext uri="{909E8E84-426E-40DD-AFC4-6F175D3DCCD1}">
+              <a14:hiddenFill xmlns:a14="http://schemas.microsoft.com/office/drawing/2010/main">
+                <a:solidFill>
+                  <a:schemeClr val="accent1"/>
+                </a:solidFill>
+              </a14:hiddenFill>
+            </a:ext>
+            <a:ext uri="{91240B29-F687-4F45-9708-019B960494DF}">
+              <a14:hiddenLine xmlns:a14="http://schemas.microsoft.com/office/drawing/2010/main" w="9525">
+                <a:solidFill>
+                  <a:schemeClr val="tx1"/>
+                </a:solidFill>
+                <a:miter lim="800000"/>
+                <a:headEnd/>
+                <a:tailEnd/>
+              </a14:hiddenLine>
+            </a:ext>
+          </a:extLst>
+        </p:spPr>
+      </p:pic>
+      <p:pic>
+        <p:nvPicPr>
+          <p:cNvPr id="6148" name="Picture 4"/>
+          <p:cNvPicPr>
+            <a:picLocks noChangeAspect="1" noChangeArrowheads="1"/>
+          </p:cNvPicPr>
+          <p:nvPr/>
+        </p:nvPicPr>
+        <p:blipFill>
+          <a:blip r:embed="rId3">
+            <a:extLst>
+              <a:ext uri="{28A0092B-C50C-407E-A947-70E740481C1C}">
+                <a14:useLocalDpi xmlns:a14="http://schemas.microsoft.com/office/drawing/2010/main" val="0"/>
+              </a:ext>
+            </a:extLst>
+          </a:blip>
+          <a:srcRect/>
+          <a:stretch>
+            <a:fillRect/>
+          </a:stretch>
+        </p:blipFill>
+        <p:spPr bwMode="auto">
+          <a:xfrm>
+            <a:off x="179512" y="2708920"/>
+            <a:ext cx="5381625" cy="3228975"/>
+          </a:xfrm>
+          <a:prstGeom prst="rect">
+            <a:avLst/>
+          </a:prstGeom>
+          <a:noFill/>
+          <a:ln>
+            <a:noFill/>
+          </a:ln>
+          <a:extLst>
+            <a:ext uri="{909E8E84-426E-40DD-AFC4-6F175D3DCCD1}">
+              <a14:hiddenFill xmlns:a14="http://schemas.microsoft.com/office/drawing/2010/main">
+                <a:solidFill>
+                  <a:schemeClr val="accent1"/>
+                </a:solidFill>
+              </a14:hiddenFill>
+            </a:ext>
+            <a:ext uri="{91240B29-F687-4F45-9708-019B960494DF}">
+              <a14:hiddenLine xmlns:a14="http://schemas.microsoft.com/office/drawing/2010/main" w="9525">
+                <a:solidFill>
+                  <a:schemeClr val="tx1"/>
+                </a:solidFill>
+                <a:miter lim="800000"/>
+                <a:headEnd/>
+                <a:tailEnd/>
+              </a14:hiddenLine>
+            </a:ext>
+          </a:extLst>
+        </p:spPr>
+      </p:pic>
+    </p:spTree>
+    <p:extLst>
+      <p:ext uri="{BB962C8B-B14F-4D97-AF65-F5344CB8AC3E}">
+        <p14:creationId xmlns:p14="http://schemas.microsoft.com/office/powerpoint/2010/main" val="2460945640"/>
+      </p:ext>
+    </p:extLst>
+  </p:cSld>
+  <p:clrMapOvr>
+    <a:masterClrMapping/>
+  </p:clrMapOvr>
+</p:sld>
+</file>
+
+<file path=ppt/slides/slide35.xml><?xml version="1.0" encoding="utf-8"?>
+<p:sld xmlns:a="http://schemas.openxmlformats.org/drawingml/2006/main" xmlns:r="http://schemas.openxmlformats.org/officeDocument/2006/relationships" xmlns:p="http://schemas.openxmlformats.org/presentationml/2006/main">
+  <p:cSld>
+    <p:spTree>
+      <p:nvGrpSpPr>
+        <p:cNvPr id="1" name=""/>
+        <p:cNvGrpSpPr/>
+        <p:nvPr/>
+      </p:nvGrpSpPr>
+      <p:grpSpPr>
+        <a:xfrm>
+          <a:off x="0" y="0"/>
+          <a:ext cx="0" cy="0"/>
+          <a:chOff x="0" y="0"/>
+          <a:chExt cx="0" cy="0"/>
+        </a:xfrm>
+      </p:grpSpPr>
+      <p:sp>
+        <p:nvSpPr>
+          <p:cNvPr id="2" name="標題 1"/>
+          <p:cNvSpPr>
+            <a:spLocks noGrp="1"/>
+          </p:cNvSpPr>
+          <p:nvPr>
+            <p:ph type="title"/>
+          </p:nvPr>
+        </p:nvSpPr>
+        <p:spPr/>
+        <p:txBody>
+          <a:bodyPr/>
+          <a:lstStyle/>
+          <a:p>
+            <a:endParaRPr lang="zh-TW" altLang="en-US"/>
+          </a:p>
+        </p:txBody>
+      </p:sp>
+      <p:pic>
+        <p:nvPicPr>
+          <p:cNvPr id="7170" name="Picture 2"/>
+          <p:cNvPicPr>
+            <a:picLocks noChangeAspect="1" noChangeArrowheads="1"/>
+          </p:cNvPicPr>
+          <p:nvPr/>
+        </p:nvPicPr>
+        <p:blipFill>
+          <a:blip r:embed="rId2">
+            <a:extLst>
+              <a:ext uri="{28A0092B-C50C-407E-A947-70E740481C1C}">
+                <a14:useLocalDpi xmlns:a14="http://schemas.microsoft.com/office/drawing/2010/main" val="0"/>
+              </a:ext>
+            </a:extLst>
+          </a:blip>
+          <a:srcRect/>
+          <a:stretch>
+            <a:fillRect/>
+          </a:stretch>
+        </p:blipFill>
+        <p:spPr bwMode="auto">
+          <a:xfrm>
+            <a:off x="161053" y="1844824"/>
+            <a:ext cx="4104456" cy="660887"/>
+          </a:xfrm>
+          <a:prstGeom prst="rect">
+            <a:avLst/>
+          </a:prstGeom>
+          <a:noFill/>
+          <a:ln>
+            <a:noFill/>
+          </a:ln>
+          <a:extLst>
+            <a:ext uri="{909E8E84-426E-40DD-AFC4-6F175D3DCCD1}">
+              <a14:hiddenFill xmlns:a14="http://schemas.microsoft.com/office/drawing/2010/main">
+                <a:solidFill>
+                  <a:schemeClr val="accent1"/>
+                </a:solidFill>
+              </a14:hiddenFill>
+            </a:ext>
+            <a:ext uri="{91240B29-F687-4F45-9708-019B960494DF}">
+              <a14:hiddenLine xmlns:a14="http://schemas.microsoft.com/office/drawing/2010/main" w="9525">
+                <a:solidFill>
+                  <a:schemeClr val="tx1"/>
+                </a:solidFill>
+                <a:miter lim="800000"/>
+                <a:headEnd/>
+                <a:tailEnd/>
+              </a14:hiddenLine>
+            </a:ext>
+          </a:extLst>
+        </p:spPr>
+      </p:pic>
+      <p:sp>
+        <p:nvSpPr>
+          <p:cNvPr id="5" name="文字方塊 4"/>
+          <p:cNvSpPr txBox="1"/>
+          <p:nvPr/>
+        </p:nvSpPr>
+        <p:spPr>
+          <a:xfrm>
+            <a:off x="2123728" y="2210946"/>
+            <a:ext cx="1944216" cy="338554"/>
+          </a:xfrm>
+          <a:prstGeom prst="rect">
+            <a:avLst/>
+          </a:prstGeom>
+          <a:ln/>
+        </p:spPr>
+        <p:style>
+          <a:lnRef idx="1">
+            <a:schemeClr val="accent4"/>
+          </a:lnRef>
+          <a:fillRef idx="2">
+            <a:schemeClr val="accent4"/>
+          </a:fillRef>
+          <a:effectRef idx="1">
+            <a:schemeClr val="accent4"/>
+          </a:effectRef>
+          <a:fontRef idx="minor">
+            <a:schemeClr val="dk1"/>
+          </a:fontRef>
+        </p:style>
+        <p:txBody>
+          <a:bodyPr vert="horz" wrap="square" lIns="91440" tIns="45720" rIns="91440" bIns="45720" numCol="1" anchor="t" anchorCtr="0" compatLnSpc="1">
+            <a:prstTxWarp prst="textNoShape">
+              <a:avLst/>
+            </a:prstTxWarp>
+          </a:bodyPr>
+          <a:lstStyle>
+            <a:lvl1pPr marL="342900" indent="-342900" eaLnBrk="0" hangingPunct="0">
+              <a:spcBef>
+                <a:spcPct val="20000"/>
+              </a:spcBef>
+              <a:buSzPct val="80000"/>
+              <a:buFont typeface="Wingdings" panose="05000000000000000000" pitchFamily="2" charset="2"/>
+              <a:buChar char="l"/>
+              <a:defRPr sz="1600">
+                <a:solidFill>
+                  <a:schemeClr val="dk1"/>
+                </a:solidFill>
+                <a:latin typeface="微軟正黑體" panose="020B0604030504040204" pitchFamily="34" charset="-120"/>
+                <a:ea typeface="微軟正黑體" panose="020B0604030504040204" pitchFamily="34" charset="-120"/>
+                <a:cs typeface="+mn-cs"/>
+              </a:defRPr>
+            </a:lvl1pPr>
+            <a:lvl2pPr marL="742950" indent="-285750" eaLnBrk="0" hangingPunct="0">
+              <a:spcBef>
+                <a:spcPct val="20000"/>
+              </a:spcBef>
+              <a:buSzPct val="80000"/>
+              <a:buFont typeface="Wingdings" panose="05000000000000000000" pitchFamily="2" charset="2"/>
+              <a:buChar char="n"/>
+              <a:defRPr sz="2400">
+                <a:solidFill>
+                  <a:schemeClr val="dk1"/>
+                </a:solidFill>
+                <a:latin typeface="+mn-lt"/>
+                <a:cs typeface="+mn-cs"/>
+              </a:defRPr>
+            </a:lvl2pPr>
+            <a:lvl3pPr marL="1143000" indent="-228600" eaLnBrk="0" hangingPunct="0">
+              <a:spcBef>
+                <a:spcPct val="20000"/>
+              </a:spcBef>
+              <a:buFont typeface="Arial" charset="0"/>
+              <a:buChar char="•"/>
+              <a:defRPr sz="2000">
+                <a:solidFill>
+                  <a:schemeClr val="dk1"/>
+                </a:solidFill>
+                <a:latin typeface="+mn-lt"/>
+                <a:cs typeface="+mn-cs"/>
+              </a:defRPr>
+            </a:lvl3pPr>
+            <a:lvl4pPr marL="1600200" indent="-228600" eaLnBrk="0" hangingPunct="0">
+              <a:spcBef>
+                <a:spcPct val="20000"/>
+              </a:spcBef>
+              <a:buFont typeface="Arial" charset="0"/>
+              <a:buChar char="–"/>
+              <a:defRPr>
+                <a:solidFill>
+                  <a:schemeClr val="dk1"/>
+                </a:solidFill>
+                <a:latin typeface="+mn-lt"/>
+                <a:cs typeface="+mn-cs"/>
+              </a:defRPr>
+            </a:lvl4pPr>
+            <a:lvl5pPr marL="2057400" indent="-228600" eaLnBrk="0" hangingPunct="0">
+              <a:spcBef>
+                <a:spcPct val="20000"/>
+              </a:spcBef>
+              <a:buFont typeface="Arial" charset="0"/>
+              <a:buChar char="»"/>
+              <a:defRPr>
+                <a:solidFill>
+                  <a:schemeClr val="dk1"/>
+                </a:solidFill>
+                <a:latin typeface="+mn-lt"/>
+                <a:cs typeface="+mn-cs"/>
+              </a:defRPr>
+            </a:lvl5pPr>
+            <a:lvl6pPr marL="2514600" indent="-228600">
+              <a:spcBef>
+                <a:spcPct val="20000"/>
+              </a:spcBef>
+              <a:buFont typeface="Arial" pitchFamily="34" charset="0"/>
+              <a:buChar char="•"/>
+              <a:defRPr sz="2000">
+                <a:solidFill>
+                  <a:schemeClr val="dk1"/>
+                </a:solidFill>
+                <a:latin typeface="+mn-lt"/>
+                <a:cs typeface="+mn-cs"/>
+              </a:defRPr>
+            </a:lvl6pPr>
+            <a:lvl7pPr marL="2971800" indent="-228600">
+              <a:spcBef>
+                <a:spcPct val="20000"/>
+              </a:spcBef>
+              <a:buFont typeface="Arial" pitchFamily="34" charset="0"/>
+              <a:buChar char="•"/>
+              <a:defRPr sz="2000">
+                <a:solidFill>
+                  <a:schemeClr val="dk1"/>
+                </a:solidFill>
+                <a:latin typeface="+mn-lt"/>
+                <a:cs typeface="+mn-cs"/>
+              </a:defRPr>
+            </a:lvl7pPr>
+            <a:lvl8pPr marL="3429000" indent="-228600">
+              <a:spcBef>
+                <a:spcPct val="20000"/>
+              </a:spcBef>
+              <a:buFont typeface="Arial" pitchFamily="34" charset="0"/>
+              <a:buChar char="•"/>
+              <a:defRPr sz="2000">
+                <a:solidFill>
+                  <a:schemeClr val="dk1"/>
+                </a:solidFill>
+                <a:latin typeface="+mn-lt"/>
+                <a:cs typeface="+mn-cs"/>
+              </a:defRPr>
+            </a:lvl8pPr>
+            <a:lvl9pPr marL="3886200" indent="-228600">
+              <a:spcBef>
+                <a:spcPct val="20000"/>
+              </a:spcBef>
+              <a:buFont typeface="Arial" pitchFamily="34" charset="0"/>
+              <a:buChar char="•"/>
+              <a:defRPr sz="2000">
+                <a:solidFill>
+                  <a:schemeClr val="dk1"/>
+                </a:solidFill>
+                <a:latin typeface="+mn-lt"/>
+                <a:cs typeface="+mn-cs"/>
+              </a:defRPr>
+            </a:lvl9pPr>
+          </a:lstStyle>
+          <a:p>
+            <a:pPr marL="0" indent="0">
+              <a:buNone/>
+            </a:pPr>
+            <a:r>
+              <a:rPr lang="zh-TW" altLang="en-US" dirty="0" smtClean="0"/>
+              <a:t>紅色上面打 </a:t>
+            </a:r>
+            <a:r>
+              <a:rPr lang="en-US" altLang="zh-TW" dirty="0" smtClean="0"/>
+              <a:t>Ctrl-1</a:t>
+            </a:r>
+            <a:endParaRPr lang="zh-TW" altLang="en-US" dirty="0"/>
+          </a:p>
+        </p:txBody>
+      </p:sp>
+      <p:pic>
+        <p:nvPicPr>
+          <p:cNvPr id="7171" name="Picture 3"/>
+          <p:cNvPicPr>
+            <a:picLocks noChangeAspect="1" noChangeArrowheads="1"/>
+          </p:cNvPicPr>
+          <p:nvPr/>
+        </p:nvPicPr>
+        <p:blipFill>
+          <a:blip r:embed="rId3">
+            <a:extLst>
+              <a:ext uri="{28A0092B-C50C-407E-A947-70E740481C1C}">
+                <a14:useLocalDpi xmlns:a14="http://schemas.microsoft.com/office/drawing/2010/main" val="0"/>
+              </a:ext>
+            </a:extLst>
+          </a:blip>
+          <a:srcRect/>
+          <a:stretch>
+            <a:fillRect/>
+          </a:stretch>
+        </p:blipFill>
+        <p:spPr bwMode="auto">
+          <a:xfrm>
+            <a:off x="187846" y="2708920"/>
+            <a:ext cx="3448050" cy="1104900"/>
+          </a:xfrm>
+          <a:prstGeom prst="rect">
+            <a:avLst/>
+          </a:prstGeom>
+          <a:noFill/>
+          <a:ln>
+            <a:noFill/>
+          </a:ln>
+          <a:extLst>
+            <a:ext uri="{909E8E84-426E-40DD-AFC4-6F175D3DCCD1}">
+              <a14:hiddenFill xmlns:a14="http://schemas.microsoft.com/office/drawing/2010/main">
+                <a:solidFill>
+                  <a:schemeClr val="accent1"/>
+                </a:solidFill>
+              </a14:hiddenFill>
+            </a:ext>
+            <a:ext uri="{91240B29-F687-4F45-9708-019B960494DF}">
+              <a14:hiddenLine xmlns:a14="http://schemas.microsoft.com/office/drawing/2010/main" w="9525">
+                <a:solidFill>
+                  <a:schemeClr val="tx1"/>
+                </a:solidFill>
+                <a:miter lim="800000"/>
+                <a:headEnd/>
+                <a:tailEnd/>
+              </a14:hiddenLine>
+            </a:ext>
+          </a:extLst>
+        </p:spPr>
+      </p:pic>
+      <p:pic>
+        <p:nvPicPr>
+          <p:cNvPr id="7172" name="Picture 4"/>
+          <p:cNvPicPr>
+            <a:picLocks noChangeAspect="1" noChangeArrowheads="1"/>
+          </p:cNvPicPr>
+          <p:nvPr/>
+        </p:nvPicPr>
+        <p:blipFill>
+          <a:blip r:embed="rId4">
+            <a:extLst>
+              <a:ext uri="{28A0092B-C50C-407E-A947-70E740481C1C}">
+                <a14:useLocalDpi xmlns:a14="http://schemas.microsoft.com/office/drawing/2010/main" val="0"/>
+              </a:ext>
+            </a:extLst>
+          </a:blip>
+          <a:srcRect/>
+          <a:stretch>
+            <a:fillRect/>
+          </a:stretch>
+        </p:blipFill>
+        <p:spPr bwMode="auto">
+          <a:xfrm>
+            <a:off x="210951" y="4077072"/>
+            <a:ext cx="4073017" cy="598405"/>
+          </a:xfrm>
+          <a:prstGeom prst="rect">
+            <a:avLst/>
+          </a:prstGeom>
+          <a:noFill/>
+          <a:ln>
+            <a:noFill/>
+          </a:ln>
+          <a:extLst>
+            <a:ext uri="{909E8E84-426E-40DD-AFC4-6F175D3DCCD1}">
+              <a14:hiddenFill xmlns:a14="http://schemas.microsoft.com/office/drawing/2010/main">
+                <a:solidFill>
+                  <a:schemeClr val="accent1"/>
+                </a:solidFill>
+              </a14:hiddenFill>
+            </a:ext>
+            <a:ext uri="{91240B29-F687-4F45-9708-019B960494DF}">
+              <a14:hiddenLine xmlns:a14="http://schemas.microsoft.com/office/drawing/2010/main" w="9525">
+                <a:solidFill>
+                  <a:schemeClr val="tx1"/>
+                </a:solidFill>
+                <a:miter lim="800000"/>
+                <a:headEnd/>
+                <a:tailEnd/>
+              </a14:hiddenLine>
+            </a:ext>
+          </a:extLst>
+        </p:spPr>
+      </p:pic>
+      <p:pic>
+        <p:nvPicPr>
+          <p:cNvPr id="7173" name="Picture 5"/>
+          <p:cNvPicPr>
+            <a:picLocks noChangeAspect="1" noChangeArrowheads="1"/>
+          </p:cNvPicPr>
+          <p:nvPr/>
+        </p:nvPicPr>
+        <p:blipFill>
+          <a:blip r:embed="rId5">
+            <a:extLst>
+              <a:ext uri="{28A0092B-C50C-407E-A947-70E740481C1C}">
+                <a14:useLocalDpi xmlns:a14="http://schemas.microsoft.com/office/drawing/2010/main" val="0"/>
+              </a:ext>
+            </a:extLst>
+          </a:blip>
+          <a:srcRect/>
+          <a:stretch>
+            <a:fillRect/>
+          </a:stretch>
+        </p:blipFill>
+        <p:spPr bwMode="auto">
+          <a:xfrm>
+            <a:off x="231235" y="4869160"/>
+            <a:ext cx="5060845" cy="1776848"/>
+          </a:xfrm>
+          <a:prstGeom prst="rect">
+            <a:avLst/>
+          </a:prstGeom>
+          <a:noFill/>
+          <a:ln>
+            <a:noFill/>
+          </a:ln>
+          <a:extLst>
+            <a:ext uri="{909E8E84-426E-40DD-AFC4-6F175D3DCCD1}">
+              <a14:hiddenFill xmlns:a14="http://schemas.microsoft.com/office/drawing/2010/main">
+                <a:solidFill>
+                  <a:schemeClr val="accent1"/>
+                </a:solidFill>
+              </a14:hiddenFill>
+            </a:ext>
+            <a:ext uri="{91240B29-F687-4F45-9708-019B960494DF}">
+              <a14:hiddenLine xmlns:a14="http://schemas.microsoft.com/office/drawing/2010/main" w="9525">
+                <a:solidFill>
+                  <a:schemeClr val="tx1"/>
+                </a:solidFill>
+                <a:miter lim="800000"/>
+                <a:headEnd/>
+                <a:tailEnd/>
+              </a14:hiddenLine>
+            </a:ext>
+          </a:extLst>
+        </p:spPr>
+      </p:pic>
+    </p:spTree>
+    <p:extLst>
+      <p:ext uri="{BB962C8B-B14F-4D97-AF65-F5344CB8AC3E}">
+        <p14:creationId xmlns:p14="http://schemas.microsoft.com/office/powerpoint/2010/main" val="3797979598"/>
+      </p:ext>
+    </p:extLst>
+  </p:cSld>
+  <p:clrMapOvr>
+    <a:masterClrMapping/>
+  </p:clrMapOvr>
 </p:sld>
 </file>
 

--- a/Course05/Java Course 05.pptx
+++ b/Course05/Java Course 05.pptx
@@ -5,10 +5,10 @@
     <p:sldMasterId id="2147483648" r:id="rId1"/>
   </p:sldMasterIdLst>
   <p:notesMasterIdLst>
-    <p:notesMasterId r:id="rId37"/>
+    <p:notesMasterId r:id="rId42"/>
   </p:notesMasterIdLst>
   <p:handoutMasterIdLst>
-    <p:handoutMasterId r:id="rId38"/>
+    <p:handoutMasterId r:id="rId43"/>
   </p:handoutMasterIdLst>
   <p:sldIdLst>
     <p:sldId id="265" r:id="rId2"/>
@@ -46,6 +46,11 @@
     <p:sldId id="301" r:id="rId34"/>
     <p:sldId id="302" r:id="rId35"/>
     <p:sldId id="303" r:id="rId36"/>
+    <p:sldId id="304" r:id="rId37"/>
+    <p:sldId id="307" r:id="rId38"/>
+    <p:sldId id="308" r:id="rId39"/>
+    <p:sldId id="305" r:id="rId40"/>
+    <p:sldId id="306" r:id="rId41"/>
   </p:sldIdLst>
   <p:sldSz cx="9144000" cy="6858000" type="screen4x3"/>
   <p:notesSz cx="6858000" cy="9144000"/>
@@ -214,6 +219,11 @@
             <p14:sldId id="301"/>
             <p14:sldId id="302"/>
             <p14:sldId id="303"/>
+            <p14:sldId id="304"/>
+            <p14:sldId id="307"/>
+            <p14:sldId id="308"/>
+            <p14:sldId id="305"/>
+            <p14:sldId id="306"/>
           </p14:sldIdLst>
         </p14:section>
       </p14:sectionLst>
@@ -10579,7 +10589,7 @@
         </p:nvSpPr>
         <p:spPr>
           <a:xfrm>
-            <a:off x="5289066" y="2934883"/>
+            <a:off x="5326011" y="2934883"/>
             <a:ext cx="3814947" cy="1631216"/>
           </a:xfrm>
           <a:prstGeom prst="rect">
@@ -14391,14 +14401,6 @@
                 <a:sym typeface="Wingdings" panose="05000000000000000000" pitchFamily="2" charset="2"/>
               </a:rPr>
               <a:t> Database (Optional, For meta class generate) </a:t>
-            </a:r>
-            <a:r>
-              <a:rPr lang="en-US" altLang="zh-TW" sz="1400" dirty="0" smtClean="0">
-                <a:latin typeface="Consolas" panose="020B0609020204030204" pitchFamily="49" charset="0"/>
-                <a:cs typeface="Consolas" panose="020B0609020204030204" pitchFamily="49" charset="0"/>
-                <a:sym typeface="Wingdings" panose="05000000000000000000" pitchFamily="2" charset="2"/>
-              </a:rPr>
-              <a:t/>
             </a:r>
             <a:br>
               <a:rPr lang="en-US" altLang="zh-TW" sz="1400" dirty="0" smtClean="0">
@@ -16502,10 +16504,6 @@
               </a:rPr>
               <a:t>lib</a:t>
             </a:r>
-            <a:endParaRPr lang="en-US" altLang="zh-TW" sz="1600" dirty="0" smtClean="0">
-              <a:latin typeface="微軟正黑體" panose="020B0604030504040204" pitchFamily="34" charset="-120"/>
-              <a:ea typeface="微軟正黑體" panose="020B0604030504040204" pitchFamily="34" charset="-120"/>
-            </a:endParaRPr>
           </a:p>
         </p:txBody>
       </p:sp>
@@ -19476,6 +19474,10 @@
               <a:rPr lang="en-US" altLang="zh-TW" dirty="0" smtClean="0"/>
               <a:t> Entity </a:t>
             </a:r>
+            <a:r>
+              <a:rPr lang="en-US" altLang="zh-TW" dirty="0" smtClean="0"/>
+              <a:t>(1)</a:t>
+            </a:r>
             <a:endParaRPr lang="zh-TW" altLang="en-US" dirty="0"/>
           </a:p>
         </p:txBody>
@@ -19676,9 +19678,505 @@
           </a:p>
         </p:txBody>
       </p:sp>
+      <p:sp>
+        <p:nvSpPr>
+          <p:cNvPr id="10" name="內容版面配置區 2"/>
+          <p:cNvSpPr txBox="1">
+            <a:spLocks/>
+          </p:cNvSpPr>
+          <p:nvPr/>
+        </p:nvSpPr>
+        <p:spPr bwMode="auto">
+          <a:xfrm>
+            <a:off x="5295553" y="1496895"/>
+            <a:ext cx="3824107" cy="1757705"/>
+          </a:xfrm>
+          <a:prstGeom prst="rect">
+            <a:avLst/>
+          </a:prstGeom>
+          <a:ln/>
+          <a:extLst/>
+        </p:spPr>
+        <p:style>
+          <a:lnRef idx="1">
+            <a:schemeClr val="accent4"/>
+          </a:lnRef>
+          <a:fillRef idx="2">
+            <a:schemeClr val="accent4"/>
+          </a:fillRef>
+          <a:effectRef idx="1">
+            <a:schemeClr val="accent4"/>
+          </a:effectRef>
+          <a:fontRef idx="minor">
+            <a:schemeClr val="dk1"/>
+          </a:fontRef>
+        </p:style>
+        <p:txBody>
+          <a:bodyPr vert="horz" wrap="square" lIns="91440" tIns="45720" rIns="91440" bIns="45720" numCol="1" anchor="t" anchorCtr="0" compatLnSpc="1">
+            <a:prstTxWarp prst="textNoShape">
+              <a:avLst/>
+            </a:prstTxWarp>
+          </a:bodyPr>
+          <a:lstStyle>
+            <a:lvl1pPr marL="342900" indent="-342900" algn="l" rtl="0" eaLnBrk="0" fontAlgn="base" hangingPunct="0">
+              <a:spcBef>
+                <a:spcPct val="20000"/>
+              </a:spcBef>
+              <a:spcAft>
+                <a:spcPct val="0"/>
+              </a:spcAft>
+              <a:buSzPct val="80000"/>
+              <a:buFont typeface="Wingdings" panose="05000000000000000000" pitchFamily="2" charset="2"/>
+              <a:buChar char="l"/>
+              <a:defRPr sz="2800" kern="1200">
+                <a:solidFill>
+                  <a:schemeClr val="tx1"/>
+                </a:solidFill>
+                <a:latin typeface="微軟正黑體" panose="020B0604030504040204" pitchFamily="34" charset="-120"/>
+                <a:ea typeface="微軟正黑體" panose="020B0604030504040204" pitchFamily="34" charset="-120"/>
+                <a:cs typeface="Arial" pitchFamily="34" charset="0"/>
+              </a:defRPr>
+            </a:lvl1pPr>
+            <a:lvl2pPr marL="742950" indent="-285750" algn="l" rtl="0" eaLnBrk="0" fontAlgn="base" hangingPunct="0">
+              <a:spcBef>
+                <a:spcPct val="20000"/>
+              </a:spcBef>
+              <a:spcAft>
+                <a:spcPct val="0"/>
+              </a:spcAft>
+              <a:buSzPct val="80000"/>
+              <a:buFont typeface="Wingdings" panose="05000000000000000000" pitchFamily="2" charset="2"/>
+              <a:buChar char="n"/>
+              <a:defRPr sz="2400" kern="1200">
+                <a:solidFill>
+                  <a:schemeClr val="tx1"/>
+                </a:solidFill>
+                <a:latin typeface="微軟正黑體" panose="020B0604030504040204" pitchFamily="34" charset="-120"/>
+                <a:ea typeface="微軟正黑體" panose="020B0604030504040204" pitchFamily="34" charset="-120"/>
+                <a:cs typeface="Arial" pitchFamily="34" charset="0"/>
+              </a:defRPr>
+            </a:lvl2pPr>
+            <a:lvl3pPr marL="1143000" indent="-228600" algn="l" rtl="0" eaLnBrk="0" fontAlgn="base" hangingPunct="0">
+              <a:spcBef>
+                <a:spcPct val="20000"/>
+              </a:spcBef>
+              <a:spcAft>
+                <a:spcPct val="0"/>
+              </a:spcAft>
+              <a:buFont typeface="Arial" charset="0"/>
+              <a:buChar char="•"/>
+              <a:defRPr sz="2000" kern="1200">
+                <a:solidFill>
+                  <a:schemeClr val="tx1"/>
+                </a:solidFill>
+                <a:latin typeface="微軟正黑體" panose="020B0604030504040204" pitchFamily="34" charset="-120"/>
+                <a:ea typeface="微軟正黑體" panose="020B0604030504040204" pitchFamily="34" charset="-120"/>
+                <a:cs typeface="Arial" pitchFamily="34" charset="0"/>
+              </a:defRPr>
+            </a:lvl3pPr>
+            <a:lvl4pPr marL="1600200" indent="-228600" algn="l" rtl="0" eaLnBrk="0" fontAlgn="base" hangingPunct="0">
+              <a:spcBef>
+                <a:spcPct val="20000"/>
+              </a:spcBef>
+              <a:spcAft>
+                <a:spcPct val="0"/>
+              </a:spcAft>
+              <a:buFont typeface="Arial" charset="0"/>
+              <a:buChar char="–"/>
+              <a:defRPr kern="1200">
+                <a:solidFill>
+                  <a:schemeClr val="tx1"/>
+                </a:solidFill>
+                <a:latin typeface="微軟正黑體" panose="020B0604030504040204" pitchFamily="34" charset="-120"/>
+                <a:ea typeface="微軟正黑體" panose="020B0604030504040204" pitchFamily="34" charset="-120"/>
+                <a:cs typeface="Arial" pitchFamily="34" charset="0"/>
+              </a:defRPr>
+            </a:lvl4pPr>
+            <a:lvl5pPr marL="2057400" indent="-228600" algn="l" rtl="0" eaLnBrk="0" fontAlgn="base" hangingPunct="0">
+              <a:spcBef>
+                <a:spcPct val="20000"/>
+              </a:spcBef>
+              <a:spcAft>
+                <a:spcPct val="0"/>
+              </a:spcAft>
+              <a:buFont typeface="Arial" charset="0"/>
+              <a:buChar char="»"/>
+              <a:defRPr kern="1200">
+                <a:solidFill>
+                  <a:schemeClr val="tx1"/>
+                </a:solidFill>
+                <a:latin typeface="微軟正黑體" panose="020B0604030504040204" pitchFamily="34" charset="-120"/>
+                <a:ea typeface="微軟正黑體" panose="020B0604030504040204" pitchFamily="34" charset="-120"/>
+                <a:cs typeface="Arial" pitchFamily="34" charset="0"/>
+              </a:defRPr>
+            </a:lvl5pPr>
+            <a:lvl6pPr marL="2514600" indent="-228600" algn="l" defTabSz="914400" rtl="0" eaLnBrk="1" latinLnBrk="0" hangingPunct="1">
+              <a:spcBef>
+                <a:spcPct val="20000"/>
+              </a:spcBef>
+              <a:buFont typeface="Arial" pitchFamily="34" charset="0"/>
+              <a:buChar char="•"/>
+              <a:defRPr sz="2000" kern="1200">
+                <a:solidFill>
+                  <a:schemeClr val="tx1"/>
+                </a:solidFill>
+                <a:latin typeface="+mn-lt"/>
+                <a:ea typeface="+mn-ea"/>
+                <a:cs typeface="+mn-cs"/>
+              </a:defRPr>
+            </a:lvl6pPr>
+            <a:lvl7pPr marL="2971800" indent="-228600" algn="l" defTabSz="914400" rtl="0" eaLnBrk="1" latinLnBrk="0" hangingPunct="1">
+              <a:spcBef>
+                <a:spcPct val="20000"/>
+              </a:spcBef>
+              <a:buFont typeface="Arial" pitchFamily="34" charset="0"/>
+              <a:buChar char="•"/>
+              <a:defRPr sz="2000" kern="1200">
+                <a:solidFill>
+                  <a:schemeClr val="tx1"/>
+                </a:solidFill>
+                <a:latin typeface="+mn-lt"/>
+                <a:ea typeface="+mn-ea"/>
+                <a:cs typeface="+mn-cs"/>
+              </a:defRPr>
+            </a:lvl7pPr>
+            <a:lvl8pPr marL="3429000" indent="-228600" algn="l" defTabSz="914400" rtl="0" eaLnBrk="1" latinLnBrk="0" hangingPunct="1">
+              <a:spcBef>
+                <a:spcPct val="20000"/>
+              </a:spcBef>
+              <a:buFont typeface="Arial" pitchFamily="34" charset="0"/>
+              <a:buChar char="•"/>
+              <a:defRPr sz="2000" kern="1200">
+                <a:solidFill>
+                  <a:schemeClr val="tx1"/>
+                </a:solidFill>
+                <a:latin typeface="+mn-lt"/>
+                <a:ea typeface="+mn-ea"/>
+                <a:cs typeface="+mn-cs"/>
+              </a:defRPr>
+            </a:lvl8pPr>
+            <a:lvl9pPr marL="3886200" indent="-228600" algn="l" defTabSz="914400" rtl="0" eaLnBrk="1" latinLnBrk="0" hangingPunct="1">
+              <a:spcBef>
+                <a:spcPct val="20000"/>
+              </a:spcBef>
+              <a:buFont typeface="Arial" pitchFamily="34" charset="0"/>
+              <a:buChar char="•"/>
+              <a:defRPr sz="2000" kern="1200">
+                <a:solidFill>
+                  <a:schemeClr val="tx1"/>
+                </a:solidFill>
+                <a:latin typeface="+mn-lt"/>
+                <a:ea typeface="+mn-ea"/>
+                <a:cs typeface="+mn-cs"/>
+              </a:defRPr>
+            </a:lvl9pPr>
+          </a:lstStyle>
+          <a:p>
+            <a:pPr>
+              <a:buClr>
+                <a:srgbClr val="C00000"/>
+              </a:buClr>
+              <a:buSzPct val="90000"/>
+              <a:buFont typeface="+mj-lt"/>
+              <a:buAutoNum type="arabicPeriod"/>
+            </a:pPr>
+            <a:r>
+              <a:rPr lang="zh-TW" altLang="en-US" sz="1400" dirty="0" smtClean="0">
+                <a:latin typeface="Consolas" panose="020B0609020204030204" pitchFamily="49" charset="0"/>
+                <a:cs typeface="Consolas" panose="020B0609020204030204" pitchFamily="49" charset="0"/>
+                <a:sym typeface="Wingdings" panose="05000000000000000000" pitchFamily="2" charset="2"/>
+              </a:rPr>
+              <a:t>檢查 </a:t>
+            </a:r>
+            <a:r>
+              <a:rPr lang="en-US" altLang="zh-TW" sz="1400" dirty="0" smtClean="0">
+                <a:latin typeface="Consolas" panose="020B0609020204030204" pitchFamily="49" charset="0"/>
+                <a:cs typeface="Consolas" panose="020B0609020204030204" pitchFamily="49" charset="0"/>
+                <a:sym typeface="Wingdings" panose="05000000000000000000" pitchFamily="2" charset="2"/>
+              </a:rPr>
+              <a:t>Properties  </a:t>
+            </a:r>
+            <a:r>
+              <a:rPr lang="en-US" altLang="zh-TW" sz="1400" dirty="0" err="1" smtClean="0">
+                <a:latin typeface="Consolas" panose="020B0609020204030204" pitchFamily="49" charset="0"/>
+                <a:cs typeface="Consolas" panose="020B0609020204030204" pitchFamily="49" charset="0"/>
+                <a:sym typeface="Wingdings" panose="05000000000000000000" pitchFamily="2" charset="2"/>
+              </a:rPr>
+              <a:t>JPA</a:t>
+            </a:r>
+            <a:r>
+              <a:rPr lang="en-US" altLang="zh-TW" sz="1400" dirty="0" smtClean="0">
+                <a:latin typeface="Consolas" panose="020B0609020204030204" pitchFamily="49" charset="0"/>
+                <a:cs typeface="Consolas" panose="020B0609020204030204" pitchFamily="49" charset="0"/>
+                <a:sym typeface="Wingdings" panose="05000000000000000000" pitchFamily="2" charset="2"/>
+              </a:rPr>
+              <a:t>  </a:t>
+            </a:r>
+            <a:r>
+              <a:rPr lang="en-US" altLang="zh-TW" sz="1400" dirty="0" err="1" smtClean="0">
+                <a:latin typeface="Consolas" panose="020B0609020204030204" pitchFamily="49" charset="0"/>
+                <a:cs typeface="Consolas" panose="020B0609020204030204" pitchFamily="49" charset="0"/>
+                <a:sym typeface="Wingdings" panose="05000000000000000000" pitchFamily="2" charset="2"/>
+              </a:rPr>
+              <a:t>metamodel</a:t>
+            </a:r>
+            <a:r>
+              <a:rPr lang="en-US" altLang="zh-TW" sz="1400" dirty="0">
+                <a:latin typeface="Consolas" panose="020B0609020204030204" pitchFamily="49" charset="0"/>
+                <a:cs typeface="Consolas" panose="020B0609020204030204" pitchFamily="49" charset="0"/>
+                <a:sym typeface="Wingdings" panose="05000000000000000000" pitchFamily="2" charset="2"/>
+              </a:rPr>
+              <a:t> </a:t>
+            </a:r>
+            <a:r>
+              <a:rPr lang="zh-TW" altLang="en-US" sz="1400" dirty="0">
+                <a:latin typeface="Consolas" panose="020B0609020204030204" pitchFamily="49" charset="0"/>
+                <a:cs typeface="Consolas" panose="020B0609020204030204" pitchFamily="49" charset="0"/>
+                <a:sym typeface="Wingdings" panose="05000000000000000000" pitchFamily="2" charset="2"/>
+              </a:rPr>
+              <a:t>開啟</a:t>
+            </a:r>
+            <a:r>
+              <a:rPr lang="zh-TW" altLang="en-US" sz="1400" dirty="0" smtClean="0">
+                <a:latin typeface="Consolas" panose="020B0609020204030204" pitchFamily="49" charset="0"/>
+                <a:cs typeface="Consolas" panose="020B0609020204030204" pitchFamily="49" charset="0"/>
+                <a:sym typeface="Wingdings" panose="05000000000000000000" pitchFamily="2" charset="2"/>
+              </a:rPr>
+              <a:t>產生 </a:t>
+            </a:r>
+            <a:r>
+              <a:rPr lang="en-US" altLang="zh-TW" sz="1400" dirty="0" err="1" smtClean="0">
+                <a:latin typeface="Consolas" panose="020B0609020204030204" pitchFamily="49" charset="0"/>
+                <a:cs typeface="Consolas" panose="020B0609020204030204" pitchFamily="49" charset="0"/>
+                <a:sym typeface="Wingdings" panose="05000000000000000000" pitchFamily="2" charset="2"/>
+              </a:rPr>
+              <a:t>metamodel</a:t>
+            </a:r>
+            <a:r>
+              <a:rPr lang="en-US" altLang="zh-TW" sz="1400" dirty="0" smtClean="0">
+                <a:latin typeface="Consolas" panose="020B0609020204030204" pitchFamily="49" charset="0"/>
+                <a:cs typeface="Consolas" panose="020B0609020204030204" pitchFamily="49" charset="0"/>
+                <a:sym typeface="Wingdings" panose="05000000000000000000" pitchFamily="2" charset="2"/>
+              </a:rPr>
+              <a:t> </a:t>
+            </a:r>
+            <a:r>
+              <a:rPr lang="zh-TW" altLang="en-US" sz="1400" dirty="0" smtClean="0">
+                <a:latin typeface="Consolas" panose="020B0609020204030204" pitchFamily="49" charset="0"/>
+                <a:cs typeface="Consolas" panose="020B0609020204030204" pitchFamily="49" charset="0"/>
+                <a:sym typeface="Wingdings" panose="05000000000000000000" pitchFamily="2" charset="2"/>
+              </a:rPr>
+              <a:t>選項</a:t>
+            </a:r>
+            <a:endParaRPr lang="en-US" altLang="zh-TW" sz="1400" dirty="0" smtClean="0">
+              <a:latin typeface="Consolas" panose="020B0609020204030204" pitchFamily="49" charset="0"/>
+              <a:cs typeface="Consolas" panose="020B0609020204030204" pitchFamily="49" charset="0"/>
+              <a:sym typeface="Wingdings" panose="05000000000000000000" pitchFamily="2" charset="2"/>
+            </a:endParaRPr>
+          </a:p>
+          <a:p>
+            <a:pPr>
+              <a:buClr>
+                <a:srgbClr val="C00000"/>
+              </a:buClr>
+              <a:buSzPct val="90000"/>
+              <a:buFont typeface="+mj-lt"/>
+              <a:buAutoNum type="arabicPeriod"/>
+            </a:pPr>
+            <a:r>
+              <a:rPr lang="zh-TW" altLang="en-US" sz="1400" dirty="0" smtClean="0">
+                <a:latin typeface="Consolas" panose="020B0609020204030204" pitchFamily="49" charset="0"/>
+                <a:cs typeface="Consolas" panose="020B0609020204030204" pitchFamily="49" charset="0"/>
+                <a:sym typeface="Wingdings" panose="05000000000000000000" pitchFamily="2" charset="2"/>
+              </a:rPr>
+              <a:t>在 </a:t>
+            </a:r>
+            <a:r>
+              <a:rPr lang="en-US" altLang="zh-TW" sz="1400" dirty="0" smtClean="0">
+                <a:latin typeface="Consolas" panose="020B0609020204030204" pitchFamily="49" charset="0"/>
+                <a:cs typeface="Consolas" panose="020B0609020204030204" pitchFamily="49" charset="0"/>
+                <a:sym typeface="Wingdings" panose="05000000000000000000" pitchFamily="2" charset="2"/>
+              </a:rPr>
+              <a:t>Project </a:t>
+            </a:r>
+            <a:r>
+              <a:rPr lang="zh-TW" altLang="en-US" sz="1400" dirty="0" smtClean="0">
+                <a:latin typeface="Consolas" panose="020B0609020204030204" pitchFamily="49" charset="0"/>
+                <a:cs typeface="Consolas" panose="020B0609020204030204" pitchFamily="49" charset="0"/>
+                <a:sym typeface="Wingdings" panose="05000000000000000000" pitchFamily="2" charset="2"/>
+              </a:rPr>
+              <a:t>上面右鍵 </a:t>
+            </a:r>
+            <a:r>
+              <a:rPr lang="en-US" altLang="zh-TW" sz="1400" dirty="0" err="1" smtClean="0">
+                <a:latin typeface="Consolas" panose="020B0609020204030204" pitchFamily="49" charset="0"/>
+                <a:cs typeface="Consolas" panose="020B0609020204030204" pitchFamily="49" charset="0"/>
+                <a:sym typeface="Wingdings" panose="05000000000000000000" pitchFamily="2" charset="2"/>
+              </a:rPr>
+              <a:t>JPA</a:t>
+            </a:r>
+            <a:r>
+              <a:rPr lang="en-US" altLang="zh-TW" sz="1400" dirty="0" smtClean="0">
+                <a:latin typeface="Consolas" panose="020B0609020204030204" pitchFamily="49" charset="0"/>
+                <a:cs typeface="Consolas" panose="020B0609020204030204" pitchFamily="49" charset="0"/>
+                <a:sym typeface="Wingdings" panose="05000000000000000000" pitchFamily="2" charset="2"/>
+              </a:rPr>
+              <a:t> Tools  Generate Entities from Tables </a:t>
+            </a:r>
+          </a:p>
+          <a:p>
+            <a:pPr>
+              <a:buClr>
+                <a:srgbClr val="C00000"/>
+              </a:buClr>
+              <a:buSzPct val="90000"/>
+              <a:buFont typeface="+mj-lt"/>
+              <a:buAutoNum type="arabicPeriod"/>
+            </a:pPr>
+            <a:r>
+              <a:rPr lang="zh-TW" altLang="en-US" sz="1400" dirty="0">
+                <a:latin typeface="Consolas" panose="020B0609020204030204" pitchFamily="49" charset="0"/>
+                <a:cs typeface="Consolas" panose="020B0609020204030204" pitchFamily="49" charset="0"/>
+                <a:sym typeface="Wingdings" panose="05000000000000000000" pitchFamily="2" charset="2"/>
+              </a:rPr>
+              <a:t>剛剛我們做</a:t>
+            </a:r>
+            <a:r>
+              <a:rPr lang="zh-TW" altLang="en-US" sz="1400" dirty="0" smtClean="0">
+                <a:latin typeface="Consolas" panose="020B0609020204030204" pitchFamily="49" charset="0"/>
+                <a:cs typeface="Consolas" panose="020B0609020204030204" pitchFamily="49" charset="0"/>
+                <a:sym typeface="Wingdings" panose="05000000000000000000" pitchFamily="2" charset="2"/>
+              </a:rPr>
+              <a:t>的是 </a:t>
+            </a:r>
+            <a:r>
+              <a:rPr lang="en-US" altLang="zh-TW" sz="1400" dirty="0" err="1" smtClean="0">
+                <a:latin typeface="Consolas" panose="020B0609020204030204" pitchFamily="49" charset="0"/>
+                <a:cs typeface="Consolas" panose="020B0609020204030204" pitchFamily="49" charset="0"/>
+                <a:sym typeface="Wingdings" panose="05000000000000000000" pitchFamily="2" charset="2"/>
+              </a:rPr>
+              <a:t>Asset_type</a:t>
+            </a:r>
+            <a:r>
+              <a:rPr lang="en-US" altLang="zh-TW" sz="1400" dirty="0" smtClean="0">
+                <a:latin typeface="Consolas" panose="020B0609020204030204" pitchFamily="49" charset="0"/>
+                <a:cs typeface="Consolas" panose="020B0609020204030204" pitchFamily="49" charset="0"/>
+                <a:sym typeface="Wingdings" panose="05000000000000000000" pitchFamily="2" charset="2"/>
+              </a:rPr>
+              <a:t> table</a:t>
+            </a:r>
+            <a:r>
+              <a:rPr lang="zh-TW" altLang="en-US" sz="1400" dirty="0" smtClean="0">
+                <a:latin typeface="Consolas" panose="020B0609020204030204" pitchFamily="49" charset="0"/>
+                <a:cs typeface="Consolas" panose="020B0609020204030204" pitchFamily="49" charset="0"/>
+                <a:sym typeface="Wingdings" panose="05000000000000000000" pitchFamily="2" charset="2"/>
+              </a:rPr>
+              <a:t>。</a:t>
+            </a:r>
+            <a:r>
+              <a:rPr lang="en-US" altLang="zh-TW" sz="1400" dirty="0" smtClean="0">
+                <a:latin typeface="Consolas" panose="020B0609020204030204" pitchFamily="49" charset="0"/>
+                <a:cs typeface="Consolas" panose="020B0609020204030204" pitchFamily="49" charset="0"/>
+                <a:sym typeface="Wingdings" panose="05000000000000000000" pitchFamily="2" charset="2"/>
+              </a:rPr>
+              <a:t/>
+            </a:r>
+            <a:br>
+              <a:rPr lang="en-US" altLang="zh-TW" sz="1400" dirty="0" smtClean="0">
+                <a:latin typeface="Consolas" panose="020B0609020204030204" pitchFamily="49" charset="0"/>
+                <a:cs typeface="Consolas" panose="020B0609020204030204" pitchFamily="49" charset="0"/>
+                <a:sym typeface="Wingdings" panose="05000000000000000000" pitchFamily="2" charset="2"/>
+              </a:rPr>
+            </a:br>
+            <a:r>
+              <a:rPr lang="en-US" altLang="zh-TW" sz="1400" dirty="0" smtClean="0">
+                <a:latin typeface="Consolas" panose="020B0609020204030204" pitchFamily="49" charset="0"/>
+                <a:cs typeface="Consolas" panose="020B0609020204030204" pitchFamily="49" charset="0"/>
+                <a:sym typeface="Wingdings" panose="05000000000000000000" pitchFamily="2" charset="2"/>
+              </a:rPr>
+              <a:t>(</a:t>
+            </a:r>
+            <a:r>
+              <a:rPr lang="zh-TW" altLang="en-US" sz="1400" dirty="0" smtClean="0">
+                <a:latin typeface="Consolas" panose="020B0609020204030204" pitchFamily="49" charset="0"/>
+                <a:cs typeface="Consolas" panose="020B0609020204030204" pitchFamily="49" charset="0"/>
+                <a:sym typeface="Wingdings" panose="05000000000000000000" pitchFamily="2" charset="2"/>
+              </a:rPr>
+              <a:t>圖示上面有多的 </a:t>
+            </a:r>
+            <a:r>
+              <a:rPr lang="en-US" altLang="zh-TW" sz="1400" dirty="0" smtClean="0">
+                <a:latin typeface="Consolas" panose="020B0609020204030204" pitchFamily="49" charset="0"/>
+                <a:cs typeface="Consolas" panose="020B0609020204030204" pitchFamily="49" charset="0"/>
+                <a:sym typeface="Wingdings" panose="05000000000000000000" pitchFamily="2" charset="2"/>
+              </a:rPr>
+              <a:t>table </a:t>
+            </a:r>
+            <a:r>
+              <a:rPr lang="zh-TW" altLang="en-US" sz="1400" dirty="0" smtClean="0">
+                <a:latin typeface="Consolas" panose="020B0609020204030204" pitchFamily="49" charset="0"/>
+                <a:cs typeface="Consolas" panose="020B0609020204030204" pitchFamily="49" charset="0"/>
+                <a:sym typeface="Wingdings" panose="05000000000000000000" pitchFamily="2" charset="2"/>
+              </a:rPr>
+              <a:t>請忽略</a:t>
+            </a:r>
+            <a:r>
+              <a:rPr lang="en-US" altLang="zh-TW" sz="1400" dirty="0" smtClean="0">
+                <a:latin typeface="Consolas" panose="020B0609020204030204" pitchFamily="49" charset="0"/>
+                <a:cs typeface="Consolas" panose="020B0609020204030204" pitchFamily="49" charset="0"/>
+                <a:sym typeface="Wingdings" panose="05000000000000000000" pitchFamily="2" charset="2"/>
+              </a:rPr>
+              <a:t>)</a:t>
+            </a:r>
+            <a:br>
+              <a:rPr lang="en-US" altLang="zh-TW" sz="1400" dirty="0" smtClean="0">
+                <a:latin typeface="Consolas" panose="020B0609020204030204" pitchFamily="49" charset="0"/>
+                <a:cs typeface="Consolas" panose="020B0609020204030204" pitchFamily="49" charset="0"/>
+                <a:sym typeface="Wingdings" panose="05000000000000000000" pitchFamily="2" charset="2"/>
+              </a:rPr>
+            </a:br>
+            <a:r>
+              <a:rPr lang="zh-TW" altLang="en-US" sz="1400" dirty="0" smtClean="0">
+                <a:latin typeface="Consolas" panose="020B0609020204030204" pitchFamily="49" charset="0"/>
+                <a:cs typeface="Consolas" panose="020B0609020204030204" pitchFamily="49" charset="0"/>
+                <a:sym typeface="Wingdings" panose="05000000000000000000" pitchFamily="2" charset="2"/>
+              </a:rPr>
+              <a:t>打勾後按 </a:t>
+            </a:r>
+            <a:r>
+              <a:rPr lang="en-US" altLang="zh-TW" sz="1400" dirty="0" smtClean="0">
+                <a:latin typeface="Consolas" panose="020B0609020204030204" pitchFamily="49" charset="0"/>
+                <a:cs typeface="Consolas" panose="020B0609020204030204" pitchFamily="49" charset="0"/>
+                <a:sym typeface="Wingdings" panose="05000000000000000000" pitchFamily="2" charset="2"/>
+              </a:rPr>
+              <a:t>Next </a:t>
+            </a:r>
+            <a:r>
+              <a:rPr lang="en-US" altLang="zh-TW" sz="1400" dirty="0" smtClean="0">
+                <a:latin typeface="Consolas" panose="020B0609020204030204" pitchFamily="49" charset="0"/>
+                <a:cs typeface="Consolas" panose="020B0609020204030204" pitchFamily="49" charset="0"/>
+                <a:sym typeface="Wingdings" panose="05000000000000000000" pitchFamily="2" charset="2"/>
+              </a:rPr>
+              <a:t/>
+            </a:r>
+            <a:br>
+              <a:rPr lang="en-US" altLang="zh-TW" sz="1400" dirty="0" smtClean="0">
+                <a:latin typeface="Consolas" panose="020B0609020204030204" pitchFamily="49" charset="0"/>
+                <a:cs typeface="Consolas" panose="020B0609020204030204" pitchFamily="49" charset="0"/>
+                <a:sym typeface="Wingdings" panose="05000000000000000000" pitchFamily="2" charset="2"/>
+              </a:rPr>
+            </a:br>
+            <a:endParaRPr lang="en-US" altLang="zh-TW" sz="1400" dirty="0" smtClean="0">
+              <a:latin typeface="Consolas" panose="020B0609020204030204" pitchFamily="49" charset="0"/>
+              <a:cs typeface="Consolas" panose="020B0609020204030204" pitchFamily="49" charset="0"/>
+              <a:sym typeface="Wingdings" panose="05000000000000000000" pitchFamily="2" charset="2"/>
+            </a:endParaRPr>
+          </a:p>
+        </p:txBody>
+      </p:sp>
       <p:pic>
         <p:nvPicPr>
-          <p:cNvPr id="3076" name="Picture 4"/>
+          <p:cNvPr id="1027" name="Picture 3"/>
           <p:cNvPicPr>
             <a:picLocks noChangeAspect="1" noChangeArrowheads="1"/>
           </p:cNvPicPr>
@@ -19699,8 +20197,8 @@
         </p:blipFill>
         <p:spPr bwMode="auto">
           <a:xfrm>
-            <a:off x="336869" y="3501008"/>
-            <a:ext cx="3161647" cy="2647210"/>
+            <a:off x="230031" y="3501008"/>
+            <a:ext cx="3945682" cy="3198292"/>
           </a:xfrm>
           <a:prstGeom prst="rect">
             <a:avLst/>
@@ -19771,507 +20269,6 @@
               <a:t>3</a:t>
             </a:r>
             <a:endParaRPr lang="zh-TW" altLang="en-US" dirty="0"/>
-          </a:p>
-        </p:txBody>
-      </p:sp>
-      <p:sp>
-        <p:nvSpPr>
-          <p:cNvPr id="10" name="內容版面配置區 2"/>
-          <p:cNvSpPr txBox="1">
-            <a:spLocks/>
-          </p:cNvSpPr>
-          <p:nvPr/>
-        </p:nvSpPr>
-        <p:spPr bwMode="auto">
-          <a:xfrm>
-            <a:off x="5148064" y="1563283"/>
-            <a:ext cx="3824107" cy="2520280"/>
-          </a:xfrm>
-          <a:prstGeom prst="rect">
-            <a:avLst/>
-          </a:prstGeom>
-          <a:ln/>
-          <a:extLst/>
-        </p:spPr>
-        <p:style>
-          <a:lnRef idx="1">
-            <a:schemeClr val="accent4"/>
-          </a:lnRef>
-          <a:fillRef idx="2">
-            <a:schemeClr val="accent4"/>
-          </a:fillRef>
-          <a:effectRef idx="1">
-            <a:schemeClr val="accent4"/>
-          </a:effectRef>
-          <a:fontRef idx="minor">
-            <a:schemeClr val="dk1"/>
-          </a:fontRef>
-        </p:style>
-        <p:txBody>
-          <a:bodyPr vert="horz" wrap="square" lIns="91440" tIns="45720" rIns="91440" bIns="45720" numCol="1" anchor="t" anchorCtr="0" compatLnSpc="1">
-            <a:prstTxWarp prst="textNoShape">
-              <a:avLst/>
-            </a:prstTxWarp>
-          </a:bodyPr>
-          <a:lstStyle>
-            <a:lvl1pPr marL="342900" indent="-342900" algn="l" rtl="0" eaLnBrk="0" fontAlgn="base" hangingPunct="0">
-              <a:spcBef>
-                <a:spcPct val="20000"/>
-              </a:spcBef>
-              <a:spcAft>
-                <a:spcPct val="0"/>
-              </a:spcAft>
-              <a:buSzPct val="80000"/>
-              <a:buFont typeface="Wingdings" panose="05000000000000000000" pitchFamily="2" charset="2"/>
-              <a:buChar char="l"/>
-              <a:defRPr sz="2800" kern="1200">
-                <a:solidFill>
-                  <a:schemeClr val="tx1"/>
-                </a:solidFill>
-                <a:latin typeface="微軟正黑體" panose="020B0604030504040204" pitchFamily="34" charset="-120"/>
-                <a:ea typeface="微軟正黑體" panose="020B0604030504040204" pitchFamily="34" charset="-120"/>
-                <a:cs typeface="Arial" pitchFamily="34" charset="0"/>
-              </a:defRPr>
-            </a:lvl1pPr>
-            <a:lvl2pPr marL="742950" indent="-285750" algn="l" rtl="0" eaLnBrk="0" fontAlgn="base" hangingPunct="0">
-              <a:spcBef>
-                <a:spcPct val="20000"/>
-              </a:spcBef>
-              <a:spcAft>
-                <a:spcPct val="0"/>
-              </a:spcAft>
-              <a:buSzPct val="80000"/>
-              <a:buFont typeface="Wingdings" panose="05000000000000000000" pitchFamily="2" charset="2"/>
-              <a:buChar char="n"/>
-              <a:defRPr sz="2400" kern="1200">
-                <a:solidFill>
-                  <a:schemeClr val="tx1"/>
-                </a:solidFill>
-                <a:latin typeface="微軟正黑體" panose="020B0604030504040204" pitchFamily="34" charset="-120"/>
-                <a:ea typeface="微軟正黑體" panose="020B0604030504040204" pitchFamily="34" charset="-120"/>
-                <a:cs typeface="Arial" pitchFamily="34" charset="0"/>
-              </a:defRPr>
-            </a:lvl2pPr>
-            <a:lvl3pPr marL="1143000" indent="-228600" algn="l" rtl="0" eaLnBrk="0" fontAlgn="base" hangingPunct="0">
-              <a:spcBef>
-                <a:spcPct val="20000"/>
-              </a:spcBef>
-              <a:spcAft>
-                <a:spcPct val="0"/>
-              </a:spcAft>
-              <a:buFont typeface="Arial" charset="0"/>
-              <a:buChar char="•"/>
-              <a:defRPr sz="2000" kern="1200">
-                <a:solidFill>
-                  <a:schemeClr val="tx1"/>
-                </a:solidFill>
-                <a:latin typeface="微軟正黑體" panose="020B0604030504040204" pitchFamily="34" charset="-120"/>
-                <a:ea typeface="微軟正黑體" panose="020B0604030504040204" pitchFamily="34" charset="-120"/>
-                <a:cs typeface="Arial" pitchFamily="34" charset="0"/>
-              </a:defRPr>
-            </a:lvl3pPr>
-            <a:lvl4pPr marL="1600200" indent="-228600" algn="l" rtl="0" eaLnBrk="0" fontAlgn="base" hangingPunct="0">
-              <a:spcBef>
-                <a:spcPct val="20000"/>
-              </a:spcBef>
-              <a:spcAft>
-                <a:spcPct val="0"/>
-              </a:spcAft>
-              <a:buFont typeface="Arial" charset="0"/>
-              <a:buChar char="–"/>
-              <a:defRPr kern="1200">
-                <a:solidFill>
-                  <a:schemeClr val="tx1"/>
-                </a:solidFill>
-                <a:latin typeface="微軟正黑體" panose="020B0604030504040204" pitchFamily="34" charset="-120"/>
-                <a:ea typeface="微軟正黑體" panose="020B0604030504040204" pitchFamily="34" charset="-120"/>
-                <a:cs typeface="Arial" pitchFamily="34" charset="0"/>
-              </a:defRPr>
-            </a:lvl4pPr>
-            <a:lvl5pPr marL="2057400" indent="-228600" algn="l" rtl="0" eaLnBrk="0" fontAlgn="base" hangingPunct="0">
-              <a:spcBef>
-                <a:spcPct val="20000"/>
-              </a:spcBef>
-              <a:spcAft>
-                <a:spcPct val="0"/>
-              </a:spcAft>
-              <a:buFont typeface="Arial" charset="0"/>
-              <a:buChar char="»"/>
-              <a:defRPr kern="1200">
-                <a:solidFill>
-                  <a:schemeClr val="tx1"/>
-                </a:solidFill>
-                <a:latin typeface="微軟正黑體" panose="020B0604030504040204" pitchFamily="34" charset="-120"/>
-                <a:ea typeface="微軟正黑體" panose="020B0604030504040204" pitchFamily="34" charset="-120"/>
-                <a:cs typeface="Arial" pitchFamily="34" charset="0"/>
-              </a:defRPr>
-            </a:lvl5pPr>
-            <a:lvl6pPr marL="2514600" indent="-228600" algn="l" defTabSz="914400" rtl="0" eaLnBrk="1" latinLnBrk="0" hangingPunct="1">
-              <a:spcBef>
-                <a:spcPct val="20000"/>
-              </a:spcBef>
-              <a:buFont typeface="Arial" pitchFamily="34" charset="0"/>
-              <a:buChar char="•"/>
-              <a:defRPr sz="2000" kern="1200">
-                <a:solidFill>
-                  <a:schemeClr val="tx1"/>
-                </a:solidFill>
-                <a:latin typeface="+mn-lt"/>
-                <a:ea typeface="+mn-ea"/>
-                <a:cs typeface="+mn-cs"/>
-              </a:defRPr>
-            </a:lvl6pPr>
-            <a:lvl7pPr marL="2971800" indent="-228600" algn="l" defTabSz="914400" rtl="0" eaLnBrk="1" latinLnBrk="0" hangingPunct="1">
-              <a:spcBef>
-                <a:spcPct val="20000"/>
-              </a:spcBef>
-              <a:buFont typeface="Arial" pitchFamily="34" charset="0"/>
-              <a:buChar char="•"/>
-              <a:defRPr sz="2000" kern="1200">
-                <a:solidFill>
-                  <a:schemeClr val="tx1"/>
-                </a:solidFill>
-                <a:latin typeface="+mn-lt"/>
-                <a:ea typeface="+mn-ea"/>
-                <a:cs typeface="+mn-cs"/>
-              </a:defRPr>
-            </a:lvl7pPr>
-            <a:lvl8pPr marL="3429000" indent="-228600" algn="l" defTabSz="914400" rtl="0" eaLnBrk="1" latinLnBrk="0" hangingPunct="1">
-              <a:spcBef>
-                <a:spcPct val="20000"/>
-              </a:spcBef>
-              <a:buFont typeface="Arial" pitchFamily="34" charset="0"/>
-              <a:buChar char="•"/>
-              <a:defRPr sz="2000" kern="1200">
-                <a:solidFill>
-                  <a:schemeClr val="tx1"/>
-                </a:solidFill>
-                <a:latin typeface="+mn-lt"/>
-                <a:ea typeface="+mn-ea"/>
-                <a:cs typeface="+mn-cs"/>
-              </a:defRPr>
-            </a:lvl8pPr>
-            <a:lvl9pPr marL="3886200" indent="-228600" algn="l" defTabSz="914400" rtl="0" eaLnBrk="1" latinLnBrk="0" hangingPunct="1">
-              <a:spcBef>
-                <a:spcPct val="20000"/>
-              </a:spcBef>
-              <a:buFont typeface="Arial" pitchFamily="34" charset="0"/>
-              <a:buChar char="•"/>
-              <a:defRPr sz="2000" kern="1200">
-                <a:solidFill>
-                  <a:schemeClr val="tx1"/>
-                </a:solidFill>
-                <a:latin typeface="+mn-lt"/>
-                <a:ea typeface="+mn-ea"/>
-                <a:cs typeface="+mn-cs"/>
-              </a:defRPr>
-            </a:lvl9pPr>
-          </a:lstStyle>
-          <a:p>
-            <a:pPr>
-              <a:buClr>
-                <a:srgbClr val="C00000"/>
-              </a:buClr>
-              <a:buSzPct val="90000"/>
-              <a:buFont typeface="+mj-lt"/>
-              <a:buAutoNum type="arabicPeriod"/>
-            </a:pPr>
-            <a:r>
-              <a:rPr lang="zh-TW" altLang="en-US" sz="1400" dirty="0" smtClean="0">
-                <a:latin typeface="Consolas" panose="020B0609020204030204" pitchFamily="49" charset="0"/>
-                <a:cs typeface="Consolas" panose="020B0609020204030204" pitchFamily="49" charset="0"/>
-                <a:sym typeface="Wingdings" panose="05000000000000000000" pitchFamily="2" charset="2"/>
-              </a:rPr>
-              <a:t>更動完 </a:t>
-            </a:r>
-            <a:r>
-              <a:rPr lang="en-US" altLang="zh-TW" sz="1400" dirty="0" smtClean="0">
-                <a:latin typeface="Consolas" panose="020B0609020204030204" pitchFamily="49" charset="0"/>
-                <a:cs typeface="Consolas" panose="020B0609020204030204" pitchFamily="49" charset="0"/>
-                <a:sym typeface="Wingdings" panose="05000000000000000000" pitchFamily="2" charset="2"/>
-              </a:rPr>
-              <a:t>Maven </a:t>
-            </a:r>
-            <a:r>
-              <a:rPr lang="zh-TW" altLang="en-US" sz="1400" dirty="0" smtClean="0">
-                <a:latin typeface="Consolas" panose="020B0609020204030204" pitchFamily="49" charset="0"/>
-                <a:cs typeface="Consolas" panose="020B0609020204030204" pitchFamily="49" charset="0"/>
-                <a:sym typeface="Wingdings" panose="05000000000000000000" pitchFamily="2" charset="2"/>
-              </a:rPr>
-              <a:t>之後，需要 </a:t>
-            </a:r>
-            <a:r>
-              <a:rPr lang="en-US" altLang="zh-TW" sz="1400" dirty="0" smtClean="0">
-                <a:latin typeface="Consolas" panose="020B0609020204030204" pitchFamily="49" charset="0"/>
-                <a:cs typeface="Consolas" panose="020B0609020204030204" pitchFamily="49" charset="0"/>
-                <a:sym typeface="Wingdings" panose="05000000000000000000" pitchFamily="2" charset="2"/>
-              </a:rPr>
-              <a:t>update. Alt-</a:t>
-            </a:r>
-            <a:r>
-              <a:rPr lang="en-US" altLang="zh-TW" sz="1400" dirty="0" err="1" smtClean="0">
-                <a:latin typeface="Consolas" panose="020B0609020204030204" pitchFamily="49" charset="0"/>
-                <a:cs typeface="Consolas" panose="020B0609020204030204" pitchFamily="49" charset="0"/>
-                <a:sym typeface="Wingdings" panose="05000000000000000000" pitchFamily="2" charset="2"/>
-              </a:rPr>
-              <a:t>F5</a:t>
-            </a:r>
-            <a:r>
-              <a:rPr lang="en-US" altLang="zh-TW" sz="1400" dirty="0" smtClean="0">
-                <a:latin typeface="Consolas" panose="020B0609020204030204" pitchFamily="49" charset="0"/>
-                <a:cs typeface="Consolas" panose="020B0609020204030204" pitchFamily="49" charset="0"/>
-                <a:sym typeface="Wingdings" panose="05000000000000000000" pitchFamily="2" charset="2"/>
-              </a:rPr>
-              <a:t> </a:t>
-            </a:r>
-            <a:r>
-              <a:rPr lang="zh-TW" altLang="en-US" sz="1400" dirty="0" smtClean="0">
-                <a:latin typeface="Consolas" panose="020B0609020204030204" pitchFamily="49" charset="0"/>
-                <a:cs typeface="Consolas" panose="020B0609020204030204" pitchFamily="49" charset="0"/>
-                <a:sym typeface="Wingdings" panose="05000000000000000000" pitchFamily="2" charset="2"/>
-              </a:rPr>
-              <a:t>催下去</a:t>
-            </a:r>
-            <a:r>
-              <a:rPr lang="en-US" altLang="zh-TW" sz="1400" dirty="0" smtClean="0">
-                <a:latin typeface="Consolas" panose="020B0609020204030204" pitchFamily="49" charset="0"/>
-                <a:cs typeface="Consolas" panose="020B0609020204030204" pitchFamily="49" charset="0"/>
-                <a:sym typeface="Wingdings" panose="05000000000000000000" pitchFamily="2" charset="2"/>
-              </a:rPr>
-              <a:t>. </a:t>
-            </a:r>
-          </a:p>
-          <a:p>
-            <a:pPr>
-              <a:buClr>
-                <a:srgbClr val="C00000"/>
-              </a:buClr>
-              <a:buSzPct val="90000"/>
-              <a:buFont typeface="+mj-lt"/>
-              <a:buAutoNum type="arabicPeriod"/>
-            </a:pPr>
-            <a:r>
-              <a:rPr lang="en-US" altLang="zh-TW" sz="1400" dirty="0" smtClean="0">
-                <a:latin typeface="Consolas" panose="020B0609020204030204" pitchFamily="49" charset="0"/>
-                <a:cs typeface="Consolas" panose="020B0609020204030204" pitchFamily="49" charset="0"/>
-                <a:sym typeface="Wingdings" panose="05000000000000000000" pitchFamily="2" charset="2"/>
-              </a:rPr>
-              <a:t>Update </a:t>
-            </a:r>
-            <a:r>
-              <a:rPr lang="zh-TW" altLang="en-US" sz="1400" dirty="0" smtClean="0">
-                <a:latin typeface="Consolas" panose="020B0609020204030204" pitchFamily="49" charset="0"/>
-                <a:cs typeface="Consolas" panose="020B0609020204030204" pitchFamily="49" charset="0"/>
-                <a:sym typeface="Wingdings" panose="05000000000000000000" pitchFamily="2" charset="2"/>
-              </a:rPr>
-              <a:t>完還有</a:t>
-            </a:r>
-            <a:r>
-              <a:rPr lang="en-US" altLang="zh-TW" sz="1400" dirty="0" smtClean="0">
-                <a:latin typeface="Consolas" panose="020B0609020204030204" pitchFamily="49" charset="0"/>
-                <a:cs typeface="Consolas" panose="020B0609020204030204" pitchFamily="49" charset="0"/>
-                <a:sym typeface="Wingdings" panose="05000000000000000000" pitchFamily="2" charset="2"/>
-              </a:rPr>
-              <a:t>. Java compiler </a:t>
-            </a:r>
-            <a:r>
-              <a:rPr lang="zh-TW" altLang="en-US" sz="1400" dirty="0" smtClean="0">
-                <a:latin typeface="Consolas" panose="020B0609020204030204" pitchFamily="49" charset="0"/>
-                <a:cs typeface="Consolas" panose="020B0609020204030204" pitchFamily="49" charset="0"/>
-                <a:sym typeface="Wingdings" panose="05000000000000000000" pitchFamily="2" charset="2"/>
-              </a:rPr>
-              <a:t>設定不一致問題</a:t>
-            </a:r>
-            <a:r>
-              <a:rPr lang="en-US" altLang="zh-TW" sz="1400" dirty="0" smtClean="0">
-                <a:latin typeface="Consolas" panose="020B0609020204030204" pitchFamily="49" charset="0"/>
-                <a:cs typeface="Consolas" panose="020B0609020204030204" pitchFamily="49" charset="0"/>
-                <a:sym typeface="Wingdings" panose="05000000000000000000" pitchFamily="2" charset="2"/>
-              </a:rPr>
-              <a:t>. </a:t>
-            </a:r>
-          </a:p>
-          <a:p>
-            <a:pPr>
-              <a:buClr>
-                <a:srgbClr val="C00000"/>
-              </a:buClr>
-              <a:buSzPct val="90000"/>
-              <a:buFont typeface="+mj-lt"/>
-              <a:buAutoNum type="arabicPeriod"/>
-            </a:pPr>
-            <a:r>
-              <a:rPr lang="zh-TW" altLang="en-US" sz="1400" dirty="0" smtClean="0">
-                <a:latin typeface="Consolas" panose="020B0609020204030204" pitchFamily="49" charset="0"/>
-                <a:cs typeface="Consolas" panose="020B0609020204030204" pitchFamily="49" charset="0"/>
-                <a:sym typeface="Wingdings" panose="05000000000000000000" pitchFamily="2" charset="2"/>
-              </a:rPr>
-              <a:t>到 </a:t>
-            </a:r>
-            <a:r>
-              <a:rPr lang="en-US" altLang="zh-TW" sz="1400" dirty="0" smtClean="0">
-                <a:latin typeface="Consolas" panose="020B0609020204030204" pitchFamily="49" charset="0"/>
-                <a:cs typeface="Consolas" panose="020B0609020204030204" pitchFamily="49" charset="0"/>
-                <a:sym typeface="Wingdings" panose="05000000000000000000" pitchFamily="2" charset="2"/>
-              </a:rPr>
-              <a:t>Properties  project facet </a:t>
-            </a:r>
-            <a:r>
-              <a:rPr lang="zh-TW" altLang="en-US" sz="1400" dirty="0" smtClean="0">
-                <a:latin typeface="Consolas" panose="020B0609020204030204" pitchFamily="49" charset="0"/>
-                <a:cs typeface="Consolas" panose="020B0609020204030204" pitchFamily="49" charset="0"/>
-                <a:sym typeface="Wingdings" panose="05000000000000000000" pitchFamily="2" charset="2"/>
-              </a:rPr>
-              <a:t>設定 </a:t>
-            </a:r>
-            <a:r>
-              <a:rPr lang="en-US" altLang="zh-TW" sz="1400" dirty="0" smtClean="0">
-                <a:latin typeface="Consolas" panose="020B0609020204030204" pitchFamily="49" charset="0"/>
-                <a:cs typeface="Consolas" panose="020B0609020204030204" pitchFamily="49" charset="0"/>
-                <a:sym typeface="Wingdings" panose="05000000000000000000" pitchFamily="2" charset="2"/>
-              </a:rPr>
-              <a:t>Java </a:t>
-            </a:r>
-            <a:r>
-              <a:rPr lang="zh-TW" altLang="en-US" sz="1400" dirty="0" smtClean="0">
-                <a:latin typeface="Consolas" panose="020B0609020204030204" pitchFamily="49" charset="0"/>
-                <a:cs typeface="Consolas" panose="020B0609020204030204" pitchFamily="49" charset="0"/>
-                <a:sym typeface="Wingdings" panose="05000000000000000000" pitchFamily="2" charset="2"/>
-              </a:rPr>
-              <a:t>版本</a:t>
-            </a:r>
-            <a:endParaRPr lang="en-US" altLang="zh-TW" sz="1400" dirty="0" smtClean="0">
-              <a:latin typeface="Consolas" panose="020B0609020204030204" pitchFamily="49" charset="0"/>
-              <a:cs typeface="Consolas" panose="020B0609020204030204" pitchFamily="49" charset="0"/>
-              <a:sym typeface="Wingdings" panose="05000000000000000000" pitchFamily="2" charset="2"/>
-            </a:endParaRPr>
-          </a:p>
-          <a:p>
-            <a:pPr>
-              <a:buClr>
-                <a:srgbClr val="C00000"/>
-              </a:buClr>
-              <a:buSzPct val="90000"/>
-              <a:buFont typeface="+mj-lt"/>
-              <a:buAutoNum type="arabicPeriod"/>
-            </a:pPr>
-            <a:r>
-              <a:rPr lang="zh-TW" altLang="en-US" sz="1400" dirty="0" smtClean="0">
-                <a:latin typeface="Consolas" panose="020B0609020204030204" pitchFamily="49" charset="0"/>
-                <a:cs typeface="Consolas" panose="020B0609020204030204" pitchFamily="49" charset="0"/>
-                <a:sym typeface="Wingdings" panose="05000000000000000000" pitchFamily="2" charset="2"/>
-              </a:rPr>
-              <a:t>到 </a:t>
-            </a:r>
-            <a:r>
-              <a:rPr lang="en-US" altLang="zh-TW" sz="1400" dirty="0" smtClean="0">
-                <a:latin typeface="Consolas" panose="020B0609020204030204" pitchFamily="49" charset="0"/>
-                <a:cs typeface="Consolas" panose="020B0609020204030204" pitchFamily="49" charset="0"/>
-                <a:sym typeface="Wingdings" panose="05000000000000000000" pitchFamily="2" charset="2"/>
-              </a:rPr>
-              <a:t>properties  Java Build Path </a:t>
-            </a:r>
-            <a:r>
-              <a:rPr lang="zh-TW" altLang="en-US" sz="1400" dirty="0" smtClean="0">
-                <a:latin typeface="Consolas" panose="020B0609020204030204" pitchFamily="49" charset="0"/>
-                <a:cs typeface="Consolas" panose="020B0609020204030204" pitchFamily="49" charset="0"/>
-                <a:sym typeface="Wingdings" panose="05000000000000000000" pitchFamily="2" charset="2"/>
-              </a:rPr>
-              <a:t>設定 </a:t>
-            </a:r>
-            <a:r>
-              <a:rPr lang="en-US" altLang="zh-TW" sz="1400" dirty="0" smtClean="0">
-                <a:latin typeface="Consolas" panose="020B0609020204030204" pitchFamily="49" charset="0"/>
-                <a:cs typeface="Consolas" panose="020B0609020204030204" pitchFamily="49" charset="0"/>
-                <a:sym typeface="Wingdings" panose="05000000000000000000" pitchFamily="2" charset="2"/>
-              </a:rPr>
-              <a:t>Java Library </a:t>
-            </a:r>
-          </a:p>
-          <a:p>
-            <a:pPr>
-              <a:buClr>
-                <a:srgbClr val="C00000"/>
-              </a:buClr>
-              <a:buSzPct val="90000"/>
-              <a:buFont typeface="+mj-lt"/>
-              <a:buAutoNum type="arabicPeriod"/>
-            </a:pPr>
-            <a:r>
-              <a:rPr lang="en-US" altLang="zh-TW" sz="1400" dirty="0" smtClean="0">
-                <a:latin typeface="Consolas" panose="020B0609020204030204" pitchFamily="49" charset="0"/>
-                <a:cs typeface="Consolas" panose="020B0609020204030204" pitchFamily="49" charset="0"/>
-                <a:sym typeface="Wingdings" panose="05000000000000000000" pitchFamily="2" charset="2"/>
-              </a:rPr>
-              <a:t>Apply , OK  </a:t>
-            </a:r>
-            <a:r>
-              <a:rPr lang="zh-TW" altLang="en-US" sz="1400" dirty="0" smtClean="0">
-                <a:latin typeface="Consolas" panose="020B0609020204030204" pitchFamily="49" charset="0"/>
-                <a:cs typeface="Consolas" panose="020B0609020204030204" pitchFamily="49" charset="0"/>
-                <a:sym typeface="Wingdings" panose="05000000000000000000" pitchFamily="2" charset="2"/>
-              </a:rPr>
-              <a:t>儲存設定後，記得 </a:t>
-            </a:r>
-            <a:r>
-              <a:rPr lang="en-US" altLang="zh-TW" sz="1400" dirty="0" smtClean="0">
-                <a:latin typeface="Consolas" panose="020B0609020204030204" pitchFamily="49" charset="0"/>
-                <a:cs typeface="Consolas" panose="020B0609020204030204" pitchFamily="49" charset="0"/>
-                <a:sym typeface="Wingdings" panose="05000000000000000000" pitchFamily="2" charset="2"/>
-              </a:rPr>
-              <a:t/>
-            </a:r>
-            <a:br>
-              <a:rPr lang="en-US" altLang="zh-TW" sz="1400" dirty="0" smtClean="0">
-                <a:latin typeface="Consolas" panose="020B0609020204030204" pitchFamily="49" charset="0"/>
-                <a:cs typeface="Consolas" panose="020B0609020204030204" pitchFamily="49" charset="0"/>
-                <a:sym typeface="Wingdings" panose="05000000000000000000" pitchFamily="2" charset="2"/>
-              </a:rPr>
-            </a:br>
-            <a:r>
-              <a:rPr lang="en-US" altLang="zh-TW" sz="1400" dirty="0" err="1" smtClean="0">
-                <a:latin typeface="Consolas" panose="020B0609020204030204" pitchFamily="49" charset="0"/>
-                <a:cs typeface="Consolas" panose="020B0609020204030204" pitchFamily="49" charset="0"/>
-                <a:sym typeface="Wingdings" panose="05000000000000000000" pitchFamily="2" charset="2"/>
-              </a:rPr>
-              <a:t>mvn</a:t>
-            </a:r>
-            <a:r>
-              <a:rPr lang="en-US" altLang="zh-TW" sz="1400" dirty="0" smtClean="0">
-                <a:latin typeface="Consolas" panose="020B0609020204030204" pitchFamily="49" charset="0"/>
-                <a:cs typeface="Consolas" panose="020B0609020204030204" pitchFamily="49" charset="0"/>
-                <a:sym typeface="Wingdings" panose="05000000000000000000" pitchFamily="2" charset="2"/>
-              </a:rPr>
-              <a:t> install </a:t>
-            </a:r>
-            <a:r>
-              <a:rPr lang="zh-TW" altLang="en-US" sz="1400" dirty="0" smtClean="0">
-                <a:latin typeface="Consolas" panose="020B0609020204030204" pitchFamily="49" charset="0"/>
-                <a:cs typeface="Consolas" panose="020B0609020204030204" pitchFamily="49" charset="0"/>
-                <a:sym typeface="Wingdings" panose="05000000000000000000" pitchFamily="2" charset="2"/>
-              </a:rPr>
-              <a:t>看看有沒有問題</a:t>
-            </a:r>
-            <a:r>
-              <a:rPr lang="en-US" altLang="zh-TW" sz="1400" dirty="0" smtClean="0">
-                <a:latin typeface="Consolas" panose="020B0609020204030204" pitchFamily="49" charset="0"/>
-                <a:cs typeface="Consolas" panose="020B0609020204030204" pitchFamily="49" charset="0"/>
-                <a:sym typeface="Wingdings" panose="05000000000000000000" pitchFamily="2" charset="2"/>
-              </a:rPr>
-              <a:t/>
-            </a:r>
-            <a:br>
-              <a:rPr lang="en-US" altLang="zh-TW" sz="1400" dirty="0" smtClean="0">
-                <a:latin typeface="Consolas" panose="020B0609020204030204" pitchFamily="49" charset="0"/>
-                <a:cs typeface="Consolas" panose="020B0609020204030204" pitchFamily="49" charset="0"/>
-                <a:sym typeface="Wingdings" panose="05000000000000000000" pitchFamily="2" charset="2"/>
-              </a:rPr>
-            </a:br>
-            <a:endParaRPr lang="en-US" altLang="zh-TW" sz="1400" dirty="0" smtClean="0">
-              <a:latin typeface="Consolas" panose="020B0609020204030204" pitchFamily="49" charset="0"/>
-              <a:cs typeface="Consolas" panose="020B0609020204030204" pitchFamily="49" charset="0"/>
-              <a:sym typeface="Wingdings" panose="05000000000000000000" pitchFamily="2" charset="2"/>
-            </a:endParaRPr>
           </a:p>
         </p:txBody>
       </p:sp>
@@ -20330,7 +20327,11 @@
             </a:r>
             <a:r>
               <a:rPr lang="en-US" altLang="zh-TW" dirty="0" smtClean="0"/>
-              <a:t> Entity</a:t>
+              <a:t> </a:t>
+            </a:r>
+            <a:r>
+              <a:rPr lang="en-US" altLang="zh-TW" dirty="0" smtClean="0"/>
+              <a:t>Entity (2)</a:t>
             </a:r>
             <a:endParaRPr lang="zh-TW" altLang="en-US" dirty="0"/>
           </a:p>
@@ -21128,8 +21129,8 @@
         </p:blipFill>
         <p:spPr bwMode="auto">
           <a:xfrm>
-            <a:off x="4531940" y="3732305"/>
-            <a:ext cx="3343699" cy="2793039"/>
+            <a:off x="5076056" y="3739258"/>
+            <a:ext cx="2664296" cy="2225524"/>
           </a:xfrm>
           <a:prstGeom prst="rect">
             <a:avLst/>
@@ -21198,6 +21199,273 @@
             <a:r>
               <a:rPr lang="en-US" altLang="zh-TW" dirty="0"/>
               <a:t>6</a:t>
+            </a:r>
+            <a:endParaRPr lang="zh-TW" altLang="en-US" dirty="0"/>
+          </a:p>
+        </p:txBody>
+      </p:sp>
+      <p:pic>
+        <p:nvPicPr>
+          <p:cNvPr id="2050" name="Picture 2"/>
+          <p:cNvPicPr>
+            <a:picLocks noChangeAspect="1" noChangeArrowheads="1"/>
+          </p:cNvPicPr>
+          <p:nvPr/>
+        </p:nvPicPr>
+        <p:blipFill>
+          <a:blip r:embed="rId5">
+            <a:extLst>
+              <a:ext uri="{28A0092B-C50C-407E-A947-70E740481C1C}">
+                <a14:useLocalDpi xmlns:a14="http://schemas.microsoft.com/office/drawing/2010/main" val="0"/>
+              </a:ext>
+            </a:extLst>
+          </a:blip>
+          <a:srcRect/>
+          <a:stretch>
+            <a:fillRect/>
+          </a:stretch>
+        </p:blipFill>
+        <p:spPr bwMode="auto">
+          <a:xfrm>
+            <a:off x="4788024" y="5977522"/>
+            <a:ext cx="2447925" cy="571500"/>
+          </a:xfrm>
+          <a:prstGeom prst="rect">
+            <a:avLst/>
+          </a:prstGeom>
+          <a:noFill/>
+          <a:ln>
+            <a:noFill/>
+          </a:ln>
+          <a:extLst>
+            <a:ext uri="{909E8E84-426E-40DD-AFC4-6F175D3DCCD1}">
+              <a14:hiddenFill xmlns:a14="http://schemas.microsoft.com/office/drawing/2010/main">
+                <a:solidFill>
+                  <a:schemeClr val="accent1"/>
+                </a:solidFill>
+              </a14:hiddenFill>
+            </a:ext>
+            <a:ext uri="{91240B29-F687-4F45-9708-019B960494DF}">
+              <a14:hiddenLine xmlns:a14="http://schemas.microsoft.com/office/drawing/2010/main" w="9525">
+                <a:solidFill>
+                  <a:schemeClr val="tx1"/>
+                </a:solidFill>
+                <a:miter lim="800000"/>
+                <a:headEnd/>
+                <a:tailEnd/>
+              </a14:hiddenLine>
+            </a:ext>
+          </a:extLst>
+        </p:spPr>
+      </p:pic>
+      <p:sp>
+        <p:nvSpPr>
+          <p:cNvPr id="14" name="橢圓 13"/>
+          <p:cNvSpPr/>
+          <p:nvPr/>
+        </p:nvSpPr>
+        <p:spPr>
+          <a:xfrm>
+            <a:off x="4355976" y="5715522"/>
+            <a:ext cx="432048" cy="360040"/>
+          </a:xfrm>
+          <a:prstGeom prst="ellipse">
+            <a:avLst/>
+          </a:prstGeom>
+        </p:spPr>
+        <p:style>
+          <a:lnRef idx="2">
+            <a:schemeClr val="accent1">
+              <a:shade val="50000"/>
+            </a:schemeClr>
+          </a:lnRef>
+          <a:fillRef idx="1">
+            <a:schemeClr val="accent1"/>
+          </a:fillRef>
+          <a:effectRef idx="0">
+            <a:schemeClr val="accent1"/>
+          </a:effectRef>
+          <a:fontRef idx="minor">
+            <a:schemeClr val="lt1"/>
+          </a:fontRef>
+        </p:style>
+        <p:txBody>
+          <a:bodyPr rtlCol="0" anchor="ctr"/>
+          <a:lstStyle/>
+          <a:p>
+            <a:pPr algn="ctr"/>
+            <a:r>
+              <a:rPr lang="en-US" altLang="zh-TW" dirty="0" smtClean="0"/>
+              <a:t>7</a:t>
+            </a:r>
+            <a:endParaRPr lang="zh-TW" altLang="en-US" dirty="0"/>
+          </a:p>
+        </p:txBody>
+      </p:sp>
+      <p:sp>
+        <p:nvSpPr>
+          <p:cNvPr id="3" name="文字方塊 2"/>
+          <p:cNvSpPr txBox="1"/>
+          <p:nvPr/>
+        </p:nvSpPr>
+        <p:spPr>
+          <a:xfrm>
+            <a:off x="7225808" y="6208642"/>
+            <a:ext cx="1845377" cy="307777"/>
+          </a:xfrm>
+          <a:prstGeom prst="rect">
+            <a:avLst/>
+          </a:prstGeom>
+          <a:ln/>
+        </p:spPr>
+        <p:style>
+          <a:lnRef idx="1">
+            <a:schemeClr val="accent4"/>
+          </a:lnRef>
+          <a:fillRef idx="2">
+            <a:schemeClr val="accent4"/>
+          </a:fillRef>
+          <a:effectRef idx="1">
+            <a:schemeClr val="accent4"/>
+          </a:effectRef>
+          <a:fontRef idx="minor">
+            <a:schemeClr val="dk1"/>
+          </a:fontRef>
+        </p:style>
+        <p:txBody>
+          <a:bodyPr vert="horz" wrap="square" lIns="91440" tIns="45720" rIns="91440" bIns="45720" numCol="1" anchor="t" anchorCtr="0" compatLnSpc="1">
+            <a:prstTxWarp prst="textNoShape">
+              <a:avLst/>
+            </a:prstTxWarp>
+          </a:bodyPr>
+          <a:lstStyle>
+            <a:defPPr>
+              <a:defRPr lang="en-US"/>
+            </a:defPPr>
+            <a:lvl1pPr marL="342900" indent="-342900" eaLnBrk="0" hangingPunct="0">
+              <a:spcBef>
+                <a:spcPct val="20000"/>
+              </a:spcBef>
+              <a:buClr>
+                <a:srgbClr val="C00000"/>
+              </a:buClr>
+              <a:buSzPct val="90000"/>
+              <a:buFont typeface="+mj-lt"/>
+              <a:buAutoNum type="arabicPeriod" startAt="4"/>
+              <a:defRPr sz="1400">
+                <a:latin typeface="Consolas" panose="020B0609020204030204" pitchFamily="49" charset="0"/>
+                <a:ea typeface="微軟正黑體" panose="020B0604030504040204" pitchFamily="34" charset="-120"/>
+                <a:cs typeface="Consolas" panose="020B0609020204030204" pitchFamily="49" charset="0"/>
+              </a:defRPr>
+            </a:lvl1pPr>
+            <a:lvl2pPr marL="447675" lvl="1" indent="-268288" eaLnBrk="0" hangingPunct="0">
+              <a:spcBef>
+                <a:spcPct val="20000"/>
+              </a:spcBef>
+              <a:buClr>
+                <a:srgbClr val="C00000"/>
+              </a:buClr>
+              <a:buSzPct val="90000"/>
+              <a:buFont typeface="Wingdings" panose="05000000000000000000" pitchFamily="2" charset="2"/>
+              <a:buChar char="n"/>
+              <a:defRPr sz="1400">
+                <a:latin typeface="Consolas" panose="020B0609020204030204" pitchFamily="49" charset="0"/>
+                <a:ea typeface="微軟正黑體" panose="020B0604030504040204" pitchFamily="34" charset="-120"/>
+                <a:cs typeface="Consolas" panose="020B0609020204030204" pitchFamily="49" charset="0"/>
+              </a:defRPr>
+            </a:lvl2pPr>
+            <a:lvl3pPr marL="1143000" indent="-228600" eaLnBrk="0" hangingPunct="0">
+              <a:spcBef>
+                <a:spcPct val="20000"/>
+              </a:spcBef>
+              <a:buFont typeface="Arial" charset="0"/>
+              <a:buChar char="•"/>
+              <a:defRPr sz="2000">
+                <a:latin typeface="微軟正黑體" panose="020B0604030504040204" pitchFamily="34" charset="-120"/>
+                <a:ea typeface="微軟正黑體" panose="020B0604030504040204" pitchFamily="34" charset="-120"/>
+                <a:cs typeface="Arial" pitchFamily="34" charset="0"/>
+              </a:defRPr>
+            </a:lvl3pPr>
+            <a:lvl4pPr marL="1600200" indent="-228600" eaLnBrk="0" hangingPunct="0">
+              <a:spcBef>
+                <a:spcPct val="20000"/>
+              </a:spcBef>
+              <a:buFont typeface="Arial" charset="0"/>
+              <a:buChar char="–"/>
+              <a:defRPr>
+                <a:latin typeface="微軟正黑體" panose="020B0604030504040204" pitchFamily="34" charset="-120"/>
+                <a:ea typeface="微軟正黑體" panose="020B0604030504040204" pitchFamily="34" charset="-120"/>
+                <a:cs typeface="Arial" pitchFamily="34" charset="0"/>
+              </a:defRPr>
+            </a:lvl4pPr>
+            <a:lvl5pPr marL="2057400" indent="-228600" eaLnBrk="0" hangingPunct="0">
+              <a:spcBef>
+                <a:spcPct val="20000"/>
+              </a:spcBef>
+              <a:buFont typeface="Arial" charset="0"/>
+              <a:buChar char="»"/>
+              <a:defRPr>
+                <a:latin typeface="微軟正黑體" panose="020B0604030504040204" pitchFamily="34" charset="-120"/>
+                <a:ea typeface="微軟正黑體" panose="020B0604030504040204" pitchFamily="34" charset="-120"/>
+                <a:cs typeface="Arial" pitchFamily="34" charset="0"/>
+              </a:defRPr>
+            </a:lvl5pPr>
+            <a:lvl6pPr marL="2514600" indent="-228600">
+              <a:spcBef>
+                <a:spcPct val="20000"/>
+              </a:spcBef>
+              <a:buFont typeface="Arial" pitchFamily="34" charset="0"/>
+              <a:buChar char="•"/>
+              <a:defRPr sz="2000">
+                <a:latin typeface="+mn-lt"/>
+                <a:cs typeface="+mn-cs"/>
+              </a:defRPr>
+            </a:lvl6pPr>
+            <a:lvl7pPr marL="2971800" indent="-228600">
+              <a:spcBef>
+                <a:spcPct val="20000"/>
+              </a:spcBef>
+              <a:buFont typeface="Arial" pitchFamily="34" charset="0"/>
+              <a:buChar char="•"/>
+              <a:defRPr sz="2000">
+                <a:latin typeface="+mn-lt"/>
+                <a:cs typeface="+mn-cs"/>
+              </a:defRPr>
+            </a:lvl7pPr>
+            <a:lvl8pPr marL="3429000" indent="-228600">
+              <a:spcBef>
+                <a:spcPct val="20000"/>
+              </a:spcBef>
+              <a:buFont typeface="Arial" pitchFamily="34" charset="0"/>
+              <a:buChar char="•"/>
+              <a:defRPr sz="2000">
+                <a:latin typeface="+mn-lt"/>
+                <a:cs typeface="+mn-cs"/>
+              </a:defRPr>
+            </a:lvl8pPr>
+            <a:lvl9pPr marL="3886200" indent="-228600">
+              <a:spcBef>
+                <a:spcPct val="20000"/>
+              </a:spcBef>
+              <a:buFont typeface="Arial" pitchFamily="34" charset="0"/>
+              <a:buChar char="•"/>
+              <a:defRPr sz="2000">
+                <a:latin typeface="+mn-lt"/>
+                <a:cs typeface="+mn-cs"/>
+              </a:defRPr>
+            </a:lvl9pPr>
+          </a:lstStyle>
+          <a:p>
+            <a:pPr marL="0" indent="0">
+              <a:buNone/>
+            </a:pPr>
+            <a:r>
+              <a:rPr lang="zh-TW" altLang="en-US" dirty="0"/>
+              <a:t>產生兩個 </a:t>
+            </a:r>
+            <a:r>
+              <a:rPr lang="en-US" altLang="zh-TW" dirty="0"/>
+              <a:t>class</a:t>
             </a:r>
             <a:endParaRPr lang="zh-TW" altLang="en-US" dirty="0"/>
           </a:p>
@@ -21258,7 +21526,11 @@
             </a:r>
             <a:r>
               <a:rPr lang="en-US" altLang="zh-TW" dirty="0" smtClean="0"/>
-              <a:t> Repository</a:t>
+              <a:t> </a:t>
+            </a:r>
+            <a:r>
+              <a:rPr lang="en-US" altLang="zh-TW" dirty="0" smtClean="0"/>
+              <a:t>Repository </a:t>
             </a:r>
             <a:endParaRPr lang="zh-TW" altLang="en-US" dirty="0"/>
           </a:p>
@@ -21320,7 +21592,7 @@
       </p:pic>
       <p:pic>
         <p:nvPicPr>
-          <p:cNvPr id="6148" name="Picture 4"/>
+          <p:cNvPr id="3074" name="Picture 2"/>
           <p:cNvPicPr>
             <a:picLocks noChangeAspect="1" noChangeArrowheads="1"/>
           </p:cNvPicPr>
@@ -21341,8 +21613,8 @@
         </p:blipFill>
         <p:spPr bwMode="auto">
           <a:xfrm>
-            <a:off x="179512" y="2708920"/>
-            <a:ext cx="5381625" cy="3228975"/>
+            <a:off x="154359" y="2996952"/>
+            <a:ext cx="4053077" cy="3574538"/>
           </a:xfrm>
           <a:prstGeom prst="rect">
             <a:avLst/>
@@ -21372,6 +21644,564 @@
           </a:extLst>
         </p:spPr>
       </p:pic>
+      <p:pic>
+        <p:nvPicPr>
+          <p:cNvPr id="3075" name="Picture 3"/>
+          <p:cNvPicPr>
+            <a:picLocks noChangeAspect="1" noChangeArrowheads="1"/>
+          </p:cNvPicPr>
+          <p:nvPr/>
+        </p:nvPicPr>
+        <p:blipFill>
+          <a:blip r:embed="rId4">
+            <a:extLst>
+              <a:ext uri="{28A0092B-C50C-407E-A947-70E740481C1C}">
+                <a14:useLocalDpi xmlns:a14="http://schemas.microsoft.com/office/drawing/2010/main" val="0"/>
+              </a:ext>
+            </a:extLst>
+          </a:blip>
+          <a:srcRect/>
+          <a:stretch>
+            <a:fillRect/>
+          </a:stretch>
+        </p:blipFill>
+        <p:spPr bwMode="auto">
+          <a:xfrm>
+            <a:off x="4410328" y="1700808"/>
+            <a:ext cx="2446963" cy="3780458"/>
+          </a:xfrm>
+          <a:prstGeom prst="rect">
+            <a:avLst/>
+          </a:prstGeom>
+          <a:noFill/>
+          <a:ln>
+            <a:noFill/>
+          </a:ln>
+          <a:extLst>
+            <a:ext uri="{909E8E84-426E-40DD-AFC4-6F175D3DCCD1}">
+              <a14:hiddenFill xmlns:a14="http://schemas.microsoft.com/office/drawing/2010/main">
+                <a:solidFill>
+                  <a:schemeClr val="accent1"/>
+                </a:solidFill>
+              </a14:hiddenFill>
+            </a:ext>
+            <a:ext uri="{91240B29-F687-4F45-9708-019B960494DF}">
+              <a14:hiddenLine xmlns:a14="http://schemas.microsoft.com/office/drawing/2010/main" w="9525">
+                <a:solidFill>
+                  <a:schemeClr val="tx1"/>
+                </a:solidFill>
+                <a:miter lim="800000"/>
+                <a:headEnd/>
+                <a:tailEnd/>
+              </a14:hiddenLine>
+            </a:ext>
+          </a:extLst>
+        </p:spPr>
+      </p:pic>
+      <p:sp>
+        <p:nvSpPr>
+          <p:cNvPr id="7" name="橢圓 6"/>
+          <p:cNvSpPr/>
+          <p:nvPr/>
+        </p:nvSpPr>
+        <p:spPr>
+          <a:xfrm>
+            <a:off x="19483" y="1556792"/>
+            <a:ext cx="432048" cy="360040"/>
+          </a:xfrm>
+          <a:prstGeom prst="ellipse">
+            <a:avLst/>
+          </a:prstGeom>
+        </p:spPr>
+        <p:style>
+          <a:lnRef idx="2">
+            <a:schemeClr val="accent1">
+              <a:shade val="50000"/>
+            </a:schemeClr>
+          </a:lnRef>
+          <a:fillRef idx="1">
+            <a:schemeClr val="accent1"/>
+          </a:fillRef>
+          <a:effectRef idx="0">
+            <a:schemeClr val="accent1"/>
+          </a:effectRef>
+          <a:fontRef idx="minor">
+            <a:schemeClr val="lt1"/>
+          </a:fontRef>
+        </p:style>
+        <p:txBody>
+          <a:bodyPr rtlCol="0" anchor="ctr"/>
+          <a:lstStyle/>
+          <a:p>
+            <a:pPr algn="ctr"/>
+            <a:r>
+              <a:rPr lang="en-US" altLang="zh-TW" dirty="0" smtClean="0"/>
+              <a:t>1</a:t>
+            </a:r>
+            <a:endParaRPr lang="zh-TW" altLang="en-US" dirty="0"/>
+          </a:p>
+        </p:txBody>
+      </p:sp>
+      <p:sp>
+        <p:nvSpPr>
+          <p:cNvPr id="8" name="橢圓 7"/>
+          <p:cNvSpPr/>
+          <p:nvPr/>
+        </p:nvSpPr>
+        <p:spPr>
+          <a:xfrm>
+            <a:off x="0" y="2713972"/>
+            <a:ext cx="432048" cy="360040"/>
+          </a:xfrm>
+          <a:prstGeom prst="ellipse">
+            <a:avLst/>
+          </a:prstGeom>
+        </p:spPr>
+        <p:style>
+          <a:lnRef idx="2">
+            <a:schemeClr val="accent1">
+              <a:shade val="50000"/>
+            </a:schemeClr>
+          </a:lnRef>
+          <a:fillRef idx="1">
+            <a:schemeClr val="accent1"/>
+          </a:fillRef>
+          <a:effectRef idx="0">
+            <a:schemeClr val="accent1"/>
+          </a:effectRef>
+          <a:fontRef idx="minor">
+            <a:schemeClr val="lt1"/>
+          </a:fontRef>
+        </p:style>
+        <p:txBody>
+          <a:bodyPr rtlCol="0" anchor="ctr"/>
+          <a:lstStyle/>
+          <a:p>
+            <a:pPr algn="ctr"/>
+            <a:r>
+              <a:rPr lang="en-US" altLang="zh-TW" dirty="0" smtClean="0"/>
+              <a:t>2</a:t>
+            </a:r>
+            <a:endParaRPr lang="zh-TW" altLang="en-US" dirty="0"/>
+          </a:p>
+        </p:txBody>
+      </p:sp>
+      <p:sp>
+        <p:nvSpPr>
+          <p:cNvPr id="9" name="橢圓 8"/>
+          <p:cNvSpPr/>
+          <p:nvPr/>
+        </p:nvSpPr>
+        <p:spPr>
+          <a:xfrm>
+            <a:off x="4172600" y="1567083"/>
+            <a:ext cx="432048" cy="360040"/>
+          </a:xfrm>
+          <a:prstGeom prst="ellipse">
+            <a:avLst/>
+          </a:prstGeom>
+        </p:spPr>
+        <p:style>
+          <a:lnRef idx="2">
+            <a:schemeClr val="accent1">
+              <a:shade val="50000"/>
+            </a:schemeClr>
+          </a:lnRef>
+          <a:fillRef idx="1">
+            <a:schemeClr val="accent1"/>
+          </a:fillRef>
+          <a:effectRef idx="0">
+            <a:schemeClr val="accent1"/>
+          </a:effectRef>
+          <a:fontRef idx="minor">
+            <a:schemeClr val="lt1"/>
+          </a:fontRef>
+        </p:style>
+        <p:txBody>
+          <a:bodyPr rtlCol="0" anchor="ctr"/>
+          <a:lstStyle/>
+          <a:p>
+            <a:pPr algn="ctr"/>
+            <a:r>
+              <a:rPr lang="en-US" altLang="zh-TW" dirty="0" smtClean="0"/>
+              <a:t>3</a:t>
+            </a:r>
+            <a:endParaRPr lang="zh-TW" altLang="en-US" dirty="0"/>
+          </a:p>
+        </p:txBody>
+      </p:sp>
+      <p:sp>
+        <p:nvSpPr>
+          <p:cNvPr id="10" name="內容版面配置區 2"/>
+          <p:cNvSpPr txBox="1">
+            <a:spLocks/>
+          </p:cNvSpPr>
+          <p:nvPr/>
+        </p:nvSpPr>
+        <p:spPr bwMode="auto">
+          <a:xfrm>
+            <a:off x="4388624" y="5445224"/>
+            <a:ext cx="4392488" cy="1296144"/>
+          </a:xfrm>
+          <a:prstGeom prst="rect">
+            <a:avLst/>
+          </a:prstGeom>
+          <a:ln/>
+          <a:extLst/>
+        </p:spPr>
+        <p:style>
+          <a:lnRef idx="1">
+            <a:schemeClr val="accent4"/>
+          </a:lnRef>
+          <a:fillRef idx="2">
+            <a:schemeClr val="accent4"/>
+          </a:fillRef>
+          <a:effectRef idx="1">
+            <a:schemeClr val="accent4"/>
+          </a:effectRef>
+          <a:fontRef idx="minor">
+            <a:schemeClr val="dk1"/>
+          </a:fontRef>
+        </p:style>
+        <p:txBody>
+          <a:bodyPr vert="horz" wrap="square" lIns="91440" tIns="45720" rIns="91440" bIns="45720" numCol="1" anchor="t" anchorCtr="0" compatLnSpc="1">
+            <a:prstTxWarp prst="textNoShape">
+              <a:avLst/>
+            </a:prstTxWarp>
+          </a:bodyPr>
+          <a:lstStyle>
+            <a:lvl1pPr marL="342900" indent="-342900" algn="l" rtl="0" eaLnBrk="0" fontAlgn="base" hangingPunct="0">
+              <a:spcBef>
+                <a:spcPct val="20000"/>
+              </a:spcBef>
+              <a:spcAft>
+                <a:spcPct val="0"/>
+              </a:spcAft>
+              <a:buSzPct val="80000"/>
+              <a:buFont typeface="Wingdings" panose="05000000000000000000" pitchFamily="2" charset="2"/>
+              <a:buChar char="l"/>
+              <a:defRPr sz="2800" kern="1200">
+                <a:solidFill>
+                  <a:schemeClr val="tx1"/>
+                </a:solidFill>
+                <a:latin typeface="微軟正黑體" panose="020B0604030504040204" pitchFamily="34" charset="-120"/>
+                <a:ea typeface="微軟正黑體" panose="020B0604030504040204" pitchFamily="34" charset="-120"/>
+                <a:cs typeface="Arial" pitchFamily="34" charset="0"/>
+              </a:defRPr>
+            </a:lvl1pPr>
+            <a:lvl2pPr marL="742950" indent="-285750" algn="l" rtl="0" eaLnBrk="0" fontAlgn="base" hangingPunct="0">
+              <a:spcBef>
+                <a:spcPct val="20000"/>
+              </a:spcBef>
+              <a:spcAft>
+                <a:spcPct val="0"/>
+              </a:spcAft>
+              <a:buSzPct val="80000"/>
+              <a:buFont typeface="Wingdings" panose="05000000000000000000" pitchFamily="2" charset="2"/>
+              <a:buChar char="n"/>
+              <a:defRPr sz="2400" kern="1200">
+                <a:solidFill>
+                  <a:schemeClr val="tx1"/>
+                </a:solidFill>
+                <a:latin typeface="微軟正黑體" panose="020B0604030504040204" pitchFamily="34" charset="-120"/>
+                <a:ea typeface="微軟正黑體" panose="020B0604030504040204" pitchFamily="34" charset="-120"/>
+                <a:cs typeface="Arial" pitchFamily="34" charset="0"/>
+              </a:defRPr>
+            </a:lvl2pPr>
+            <a:lvl3pPr marL="1143000" indent="-228600" algn="l" rtl="0" eaLnBrk="0" fontAlgn="base" hangingPunct="0">
+              <a:spcBef>
+                <a:spcPct val="20000"/>
+              </a:spcBef>
+              <a:spcAft>
+                <a:spcPct val="0"/>
+              </a:spcAft>
+              <a:buFont typeface="Arial" charset="0"/>
+              <a:buChar char="•"/>
+              <a:defRPr sz="2000" kern="1200">
+                <a:solidFill>
+                  <a:schemeClr val="tx1"/>
+                </a:solidFill>
+                <a:latin typeface="微軟正黑體" panose="020B0604030504040204" pitchFamily="34" charset="-120"/>
+                <a:ea typeface="微軟正黑體" panose="020B0604030504040204" pitchFamily="34" charset="-120"/>
+                <a:cs typeface="Arial" pitchFamily="34" charset="0"/>
+              </a:defRPr>
+            </a:lvl3pPr>
+            <a:lvl4pPr marL="1600200" indent="-228600" algn="l" rtl="0" eaLnBrk="0" fontAlgn="base" hangingPunct="0">
+              <a:spcBef>
+                <a:spcPct val="20000"/>
+              </a:spcBef>
+              <a:spcAft>
+                <a:spcPct val="0"/>
+              </a:spcAft>
+              <a:buFont typeface="Arial" charset="0"/>
+              <a:buChar char="–"/>
+              <a:defRPr kern="1200">
+                <a:solidFill>
+                  <a:schemeClr val="tx1"/>
+                </a:solidFill>
+                <a:latin typeface="微軟正黑體" panose="020B0604030504040204" pitchFamily="34" charset="-120"/>
+                <a:ea typeface="微軟正黑體" panose="020B0604030504040204" pitchFamily="34" charset="-120"/>
+                <a:cs typeface="Arial" pitchFamily="34" charset="0"/>
+              </a:defRPr>
+            </a:lvl4pPr>
+            <a:lvl5pPr marL="2057400" indent="-228600" algn="l" rtl="0" eaLnBrk="0" fontAlgn="base" hangingPunct="0">
+              <a:spcBef>
+                <a:spcPct val="20000"/>
+              </a:spcBef>
+              <a:spcAft>
+                <a:spcPct val="0"/>
+              </a:spcAft>
+              <a:buFont typeface="Arial" charset="0"/>
+              <a:buChar char="»"/>
+              <a:defRPr kern="1200">
+                <a:solidFill>
+                  <a:schemeClr val="tx1"/>
+                </a:solidFill>
+                <a:latin typeface="微軟正黑體" panose="020B0604030504040204" pitchFamily="34" charset="-120"/>
+                <a:ea typeface="微軟正黑體" panose="020B0604030504040204" pitchFamily="34" charset="-120"/>
+                <a:cs typeface="Arial" pitchFamily="34" charset="0"/>
+              </a:defRPr>
+            </a:lvl5pPr>
+            <a:lvl6pPr marL="2514600" indent="-228600" algn="l" defTabSz="914400" rtl="0" eaLnBrk="1" latinLnBrk="0" hangingPunct="1">
+              <a:spcBef>
+                <a:spcPct val="20000"/>
+              </a:spcBef>
+              <a:buFont typeface="Arial" pitchFamily="34" charset="0"/>
+              <a:buChar char="•"/>
+              <a:defRPr sz="2000" kern="1200">
+                <a:solidFill>
+                  <a:schemeClr val="tx1"/>
+                </a:solidFill>
+                <a:latin typeface="+mn-lt"/>
+                <a:ea typeface="+mn-ea"/>
+                <a:cs typeface="+mn-cs"/>
+              </a:defRPr>
+            </a:lvl6pPr>
+            <a:lvl7pPr marL="2971800" indent="-228600" algn="l" defTabSz="914400" rtl="0" eaLnBrk="1" latinLnBrk="0" hangingPunct="1">
+              <a:spcBef>
+                <a:spcPct val="20000"/>
+              </a:spcBef>
+              <a:buFont typeface="Arial" pitchFamily="34" charset="0"/>
+              <a:buChar char="•"/>
+              <a:defRPr sz="2000" kern="1200">
+                <a:solidFill>
+                  <a:schemeClr val="tx1"/>
+                </a:solidFill>
+                <a:latin typeface="+mn-lt"/>
+                <a:ea typeface="+mn-ea"/>
+                <a:cs typeface="+mn-cs"/>
+              </a:defRPr>
+            </a:lvl7pPr>
+            <a:lvl8pPr marL="3429000" indent="-228600" algn="l" defTabSz="914400" rtl="0" eaLnBrk="1" latinLnBrk="0" hangingPunct="1">
+              <a:spcBef>
+                <a:spcPct val="20000"/>
+              </a:spcBef>
+              <a:buFont typeface="Arial" pitchFamily="34" charset="0"/>
+              <a:buChar char="•"/>
+              <a:defRPr sz="2000" kern="1200">
+                <a:solidFill>
+                  <a:schemeClr val="tx1"/>
+                </a:solidFill>
+                <a:latin typeface="+mn-lt"/>
+                <a:ea typeface="+mn-ea"/>
+                <a:cs typeface="+mn-cs"/>
+              </a:defRPr>
+            </a:lvl8pPr>
+            <a:lvl9pPr marL="3886200" indent="-228600" algn="l" defTabSz="914400" rtl="0" eaLnBrk="1" latinLnBrk="0" hangingPunct="1">
+              <a:spcBef>
+                <a:spcPct val="20000"/>
+              </a:spcBef>
+              <a:buFont typeface="Arial" pitchFamily="34" charset="0"/>
+              <a:buChar char="•"/>
+              <a:defRPr sz="2000" kern="1200">
+                <a:solidFill>
+                  <a:schemeClr val="tx1"/>
+                </a:solidFill>
+                <a:latin typeface="+mn-lt"/>
+                <a:ea typeface="+mn-ea"/>
+                <a:cs typeface="+mn-cs"/>
+              </a:defRPr>
+            </a:lvl9pPr>
+          </a:lstStyle>
+          <a:p>
+            <a:pPr>
+              <a:buClr>
+                <a:srgbClr val="C00000"/>
+              </a:buClr>
+              <a:buSzPct val="90000"/>
+              <a:buFont typeface="+mj-lt"/>
+              <a:buAutoNum type="arabicPeriod"/>
+            </a:pPr>
+            <a:r>
+              <a:rPr lang="en-US" altLang="zh-TW" sz="1400" b="1" dirty="0" smtClean="0">
+                <a:latin typeface="Consolas" panose="020B0609020204030204" pitchFamily="49" charset="0"/>
+                <a:cs typeface="Consolas" panose="020B0609020204030204" pitchFamily="49" charset="0"/>
+                <a:sym typeface="Wingdings" panose="05000000000000000000" pitchFamily="2" charset="2"/>
+              </a:rPr>
+              <a:t>Package name  </a:t>
+            </a:r>
+            <a:r>
+              <a:rPr lang="zh-TW" altLang="en-US" sz="1400" b="1" dirty="0" smtClean="0">
+                <a:latin typeface="Consolas" panose="020B0609020204030204" pitchFamily="49" charset="0"/>
+                <a:cs typeface="Consolas" panose="020B0609020204030204" pitchFamily="49" charset="0"/>
+                <a:sym typeface="Wingdings" panose="05000000000000000000" pitchFamily="2" charset="2"/>
+              </a:rPr>
+              <a:t>右鍵 </a:t>
+            </a:r>
+            <a:r>
+              <a:rPr lang="en-US" altLang="zh-TW" sz="1400" b="1" dirty="0" smtClean="0">
+                <a:latin typeface="Consolas" panose="020B0609020204030204" pitchFamily="49" charset="0"/>
+                <a:cs typeface="Consolas" panose="020B0609020204030204" pitchFamily="49" charset="0"/>
+                <a:sym typeface="Wingdings" panose="05000000000000000000" pitchFamily="2" charset="2"/>
+              </a:rPr>
+              <a:t> New  Interface</a:t>
+            </a:r>
+          </a:p>
+          <a:p>
+            <a:pPr>
+              <a:buClr>
+                <a:srgbClr val="C00000"/>
+              </a:buClr>
+              <a:buSzPct val="90000"/>
+              <a:buFont typeface="+mj-lt"/>
+              <a:buAutoNum type="arabicPeriod"/>
+            </a:pPr>
+            <a:r>
+              <a:rPr lang="zh-TW" altLang="en-US" sz="1400" b="1" dirty="0" smtClean="0">
+                <a:latin typeface="Consolas" panose="020B0609020204030204" pitchFamily="49" charset="0"/>
+                <a:cs typeface="Consolas" panose="020B0609020204030204" pitchFamily="49" charset="0"/>
+                <a:sym typeface="Wingdings" panose="05000000000000000000" pitchFamily="2" charset="2"/>
+              </a:rPr>
+              <a:t>輸入 </a:t>
+            </a:r>
+            <a:r>
+              <a:rPr lang="en-US" altLang="zh-TW" sz="1400" b="1" dirty="0" smtClean="0">
+                <a:latin typeface="Consolas" panose="020B0609020204030204" pitchFamily="49" charset="0"/>
+                <a:cs typeface="Consolas" panose="020B0609020204030204" pitchFamily="49" charset="0"/>
+                <a:sym typeface="Wingdings" panose="05000000000000000000" pitchFamily="2" charset="2"/>
+              </a:rPr>
+              <a:t>Package name</a:t>
+            </a:r>
+            <a:br>
+              <a:rPr lang="en-US" altLang="zh-TW" sz="1400" b="1" dirty="0" smtClean="0">
+                <a:latin typeface="Consolas" panose="020B0609020204030204" pitchFamily="49" charset="0"/>
+                <a:cs typeface="Consolas" panose="020B0609020204030204" pitchFamily="49" charset="0"/>
+                <a:sym typeface="Wingdings" panose="05000000000000000000" pitchFamily="2" charset="2"/>
+              </a:rPr>
+            </a:br>
+            <a:r>
+              <a:rPr lang="zh-TW" altLang="en-US" sz="1400" b="1" dirty="0" smtClean="0">
+                <a:latin typeface="Consolas" panose="020B0609020204030204" pitchFamily="49" charset="0"/>
+                <a:cs typeface="Consolas" panose="020B0609020204030204" pitchFamily="49" charset="0"/>
+                <a:sym typeface="Wingdings" panose="05000000000000000000" pitchFamily="2" charset="2"/>
+              </a:rPr>
+              <a:t>輸入 </a:t>
+            </a:r>
+            <a:r>
+              <a:rPr lang="en-US" altLang="zh-TW" sz="1400" b="1" dirty="0" smtClean="0">
+                <a:latin typeface="Consolas" panose="020B0609020204030204" pitchFamily="49" charset="0"/>
+                <a:cs typeface="Consolas" panose="020B0609020204030204" pitchFamily="49" charset="0"/>
+                <a:sym typeface="Wingdings" panose="05000000000000000000" pitchFamily="2" charset="2"/>
+              </a:rPr>
+              <a:t>Class name</a:t>
+            </a:r>
+            <a:br>
+              <a:rPr lang="en-US" altLang="zh-TW" sz="1400" b="1" dirty="0" smtClean="0">
+                <a:latin typeface="Consolas" panose="020B0609020204030204" pitchFamily="49" charset="0"/>
+                <a:cs typeface="Consolas" panose="020B0609020204030204" pitchFamily="49" charset="0"/>
+                <a:sym typeface="Wingdings" panose="05000000000000000000" pitchFamily="2" charset="2"/>
+              </a:rPr>
+            </a:br>
+            <a:r>
+              <a:rPr lang="zh-TW" altLang="en-US" sz="1400" b="1" dirty="0" smtClean="0">
+                <a:latin typeface="Consolas" panose="020B0609020204030204" pitchFamily="49" charset="0"/>
+                <a:cs typeface="Consolas" panose="020B0609020204030204" pitchFamily="49" charset="0"/>
+                <a:sym typeface="Wingdings" panose="05000000000000000000" pitchFamily="2" charset="2"/>
+              </a:rPr>
+              <a:t>點 </a:t>
+            </a:r>
+            <a:r>
+              <a:rPr lang="en-US" altLang="zh-TW" sz="1400" b="1" dirty="0" smtClean="0">
+                <a:latin typeface="Consolas" panose="020B0609020204030204" pitchFamily="49" charset="0"/>
+                <a:cs typeface="Consolas" panose="020B0609020204030204" pitchFamily="49" charset="0"/>
+                <a:sym typeface="Wingdings" panose="05000000000000000000" pitchFamily="2" charset="2"/>
+              </a:rPr>
+              <a:t>Add </a:t>
+            </a:r>
+            <a:r>
+              <a:rPr lang="zh-TW" altLang="en-US" sz="1400" b="1" dirty="0" smtClean="0">
+                <a:latin typeface="Consolas" panose="020B0609020204030204" pitchFamily="49" charset="0"/>
+                <a:cs typeface="Consolas" panose="020B0609020204030204" pitchFamily="49" charset="0"/>
+                <a:sym typeface="Wingdings" panose="05000000000000000000" pitchFamily="2" charset="2"/>
+              </a:rPr>
+              <a:t>加進 </a:t>
+            </a:r>
+            <a:r>
+              <a:rPr lang="en-US" altLang="zh-TW" sz="1400" b="1" dirty="0" smtClean="0">
+                <a:latin typeface="Consolas" panose="020B0609020204030204" pitchFamily="49" charset="0"/>
+                <a:cs typeface="Consolas" panose="020B0609020204030204" pitchFamily="49" charset="0"/>
+                <a:sym typeface="Wingdings" panose="05000000000000000000" pitchFamily="2" charset="2"/>
+              </a:rPr>
+              <a:t>extend Interface</a:t>
+            </a:r>
+          </a:p>
+          <a:p>
+            <a:pPr>
+              <a:buClr>
+                <a:srgbClr val="C00000"/>
+              </a:buClr>
+              <a:buSzPct val="90000"/>
+              <a:buFont typeface="+mj-lt"/>
+              <a:buAutoNum type="arabicPeriod"/>
+            </a:pPr>
+            <a:r>
+              <a:rPr lang="zh-TW" altLang="en-US" sz="1400" b="1" dirty="0" smtClean="0">
+                <a:latin typeface="Consolas" panose="020B0609020204030204" pitchFamily="49" charset="0"/>
+                <a:cs typeface="Consolas" panose="020B0609020204030204" pitchFamily="49" charset="0"/>
+                <a:sym typeface="Wingdings" panose="05000000000000000000" pitchFamily="2" charset="2"/>
+              </a:rPr>
+              <a:t>找到 </a:t>
+            </a:r>
+            <a:r>
+              <a:rPr lang="en-US" altLang="zh-TW" sz="1400" b="1" dirty="0" err="1" smtClean="0">
+                <a:latin typeface="Consolas" panose="020B0609020204030204" pitchFamily="49" charset="0"/>
+                <a:cs typeface="Consolas" panose="020B0609020204030204" pitchFamily="49" charset="0"/>
+                <a:sym typeface="Wingdings" panose="05000000000000000000" pitchFamily="2" charset="2"/>
+              </a:rPr>
+              <a:t>JpaRepository</a:t>
+            </a:r>
+            <a:r>
+              <a:rPr lang="zh-TW" altLang="en-US" sz="1400" b="1" dirty="0">
+                <a:latin typeface="Consolas" panose="020B0609020204030204" pitchFamily="49" charset="0"/>
+                <a:cs typeface="Consolas" panose="020B0609020204030204" pitchFamily="49" charset="0"/>
+                <a:sym typeface="Wingdings" panose="05000000000000000000" pitchFamily="2" charset="2"/>
+              </a:rPr>
+              <a:t> </a:t>
+            </a:r>
+            <a:r>
+              <a:rPr lang="zh-TW" altLang="en-US" sz="1400" b="1" dirty="0" smtClean="0">
+                <a:latin typeface="Consolas" panose="020B0609020204030204" pitchFamily="49" charset="0"/>
+                <a:cs typeface="Consolas" panose="020B0609020204030204" pitchFamily="49" charset="0"/>
+                <a:sym typeface="Wingdings" panose="05000000000000000000" pitchFamily="2" charset="2"/>
+              </a:rPr>
+              <a:t>，選取後 </a:t>
+            </a:r>
+            <a:r>
+              <a:rPr lang="en-US" altLang="zh-TW" sz="1400" b="1" dirty="0" smtClean="0">
+                <a:latin typeface="Consolas" panose="020B0609020204030204" pitchFamily="49" charset="0"/>
+                <a:cs typeface="Consolas" panose="020B0609020204030204" pitchFamily="49" charset="0"/>
+                <a:sym typeface="Wingdings" panose="05000000000000000000" pitchFamily="2" charset="2"/>
+              </a:rPr>
+              <a:t>Add, OK</a:t>
+            </a:r>
+            <a:endParaRPr lang="en-US" altLang="zh-TW" sz="1400" b="1" dirty="0" smtClean="0">
+              <a:latin typeface="Consolas" panose="020B0609020204030204" pitchFamily="49" charset="0"/>
+              <a:cs typeface="Consolas" panose="020B0609020204030204" pitchFamily="49" charset="0"/>
+              <a:sym typeface="Wingdings" panose="05000000000000000000" pitchFamily="2" charset="2"/>
+            </a:endParaRPr>
+          </a:p>
+        </p:txBody>
+      </p:sp>
     </p:spTree>
     <p:extLst>
       <p:ext uri="{BB962C8B-B14F-4D97-AF65-F5344CB8AC3E}">
@@ -21417,13 +22247,21 @@
           <a:bodyPr/>
           <a:lstStyle/>
           <a:p>
-            <a:endParaRPr lang="zh-TW" altLang="en-US"/>
+            <a:r>
+              <a:rPr lang="zh-TW" altLang="en-US" dirty="0" smtClean="0"/>
+              <a:t>修改 </a:t>
+            </a:r>
+            <a:r>
+              <a:rPr lang="en-US" altLang="zh-TW" dirty="0" smtClean="0"/>
+              <a:t>Repository</a:t>
+            </a:r>
+            <a:endParaRPr lang="zh-TW" altLang="en-US" dirty="0"/>
           </a:p>
         </p:txBody>
       </p:sp>
       <p:pic>
         <p:nvPicPr>
-          <p:cNvPr id="7170" name="Picture 2"/>
+          <p:cNvPr id="7171" name="Picture 3"/>
           <p:cNvPicPr>
             <a:picLocks noChangeAspect="1" noChangeArrowheads="1"/>
           </p:cNvPicPr>
@@ -21444,8 +22282,62 @@
         </p:blipFill>
         <p:spPr bwMode="auto">
           <a:xfrm>
-            <a:off x="161053" y="1844824"/>
-            <a:ext cx="4104456" cy="660887"/>
+            <a:off x="210950" y="2756148"/>
+            <a:ext cx="3448050" cy="1104900"/>
+          </a:xfrm>
+          <a:prstGeom prst="rect">
+            <a:avLst/>
+          </a:prstGeom>
+          <a:noFill/>
+          <a:ln>
+            <a:noFill/>
+          </a:ln>
+          <a:extLst>
+            <a:ext uri="{909E8E84-426E-40DD-AFC4-6F175D3DCCD1}">
+              <a14:hiddenFill xmlns:a14="http://schemas.microsoft.com/office/drawing/2010/main">
+                <a:solidFill>
+                  <a:schemeClr val="accent1"/>
+                </a:solidFill>
+              </a14:hiddenFill>
+            </a:ext>
+            <a:ext uri="{91240B29-F687-4F45-9708-019B960494DF}">
+              <a14:hiddenLine xmlns:a14="http://schemas.microsoft.com/office/drawing/2010/main" w="9525">
+                <a:solidFill>
+                  <a:schemeClr val="tx1"/>
+                </a:solidFill>
+                <a:miter lim="800000"/>
+                <a:headEnd/>
+                <a:tailEnd/>
+              </a14:hiddenLine>
+            </a:ext>
+          </a:extLst>
+        </p:spPr>
+      </p:pic>
+      <p:pic>
+        <p:nvPicPr>
+          <p:cNvPr id="4098" name="Picture 2"/>
+          <p:cNvPicPr>
+            <a:picLocks noChangeAspect="1" noChangeArrowheads="1"/>
+          </p:cNvPicPr>
+          <p:nvPr/>
+        </p:nvPicPr>
+        <p:blipFill>
+          <a:blip r:embed="rId3">
+            <a:extLst>
+              <a:ext uri="{28A0092B-C50C-407E-A947-70E740481C1C}">
+                <a14:useLocalDpi xmlns:a14="http://schemas.microsoft.com/office/drawing/2010/main" val="0"/>
+              </a:ext>
+            </a:extLst>
+          </a:blip>
+          <a:srcRect/>
+          <a:stretch>
+            <a:fillRect/>
+          </a:stretch>
+        </p:blipFill>
+        <p:spPr bwMode="auto">
+          <a:xfrm>
+            <a:off x="210950" y="1991623"/>
+            <a:ext cx="4121447" cy="614923"/>
           </a:xfrm>
           <a:prstGeom prst="rect">
             <a:avLst/>
@@ -21483,8 +22375,8 @@
         </p:nvSpPr>
         <p:spPr>
           <a:xfrm>
-            <a:off x="2123728" y="2210946"/>
-            <a:ext cx="1944216" cy="338554"/>
+            <a:off x="2123728" y="2437269"/>
+            <a:ext cx="1728192" cy="338554"/>
           </a:xfrm>
           <a:prstGeom prst="rect">
             <a:avLst/>
@@ -21647,20 +22539,915 @@
               <a:buNone/>
             </a:pPr>
             <a:r>
-              <a:rPr lang="zh-TW" altLang="en-US" dirty="0" smtClean="0"/>
+              <a:rPr lang="zh-TW" altLang="en-US" sz="1400" dirty="0" smtClean="0"/>
               <a:t>紅色上面打 </a:t>
             </a:r>
             <a:r>
+              <a:rPr lang="en-US" altLang="zh-TW" sz="1400" dirty="0" smtClean="0"/>
+              <a:t>Ctrl-1</a:t>
+            </a:r>
+            <a:endParaRPr lang="zh-TW" altLang="en-US" sz="1400" dirty="0"/>
+          </a:p>
+        </p:txBody>
+      </p:sp>
+      <p:sp>
+        <p:nvSpPr>
+          <p:cNvPr id="9" name="橢圓 8"/>
+          <p:cNvSpPr/>
+          <p:nvPr/>
+        </p:nvSpPr>
+        <p:spPr>
+          <a:xfrm>
+            <a:off x="19483" y="1647607"/>
+            <a:ext cx="432048" cy="360040"/>
+          </a:xfrm>
+          <a:prstGeom prst="ellipse">
+            <a:avLst/>
+          </a:prstGeom>
+        </p:spPr>
+        <p:style>
+          <a:lnRef idx="2">
+            <a:schemeClr val="accent1">
+              <a:shade val="50000"/>
+            </a:schemeClr>
+          </a:lnRef>
+          <a:fillRef idx="1">
+            <a:schemeClr val="accent1"/>
+          </a:fillRef>
+          <a:effectRef idx="0">
+            <a:schemeClr val="accent1"/>
+          </a:effectRef>
+          <a:fontRef idx="minor">
+            <a:schemeClr val="lt1"/>
+          </a:fontRef>
+        </p:style>
+        <p:txBody>
+          <a:bodyPr rtlCol="0" anchor="ctr"/>
+          <a:lstStyle/>
+          <a:p>
+            <a:pPr algn="ctr"/>
+            <a:r>
               <a:rPr lang="en-US" altLang="zh-TW" dirty="0" smtClean="0"/>
-              <a:t>Ctrl-1</a:t>
+              <a:t>1</a:t>
             </a:r>
             <a:endParaRPr lang="zh-TW" altLang="en-US" dirty="0"/>
+          </a:p>
+        </p:txBody>
+      </p:sp>
+      <p:sp>
+        <p:nvSpPr>
+          <p:cNvPr id="10" name="內容版面配置區 2"/>
+          <p:cNvSpPr txBox="1">
+            <a:spLocks/>
+          </p:cNvSpPr>
+          <p:nvPr/>
+        </p:nvSpPr>
+        <p:spPr bwMode="auto">
+          <a:xfrm>
+            <a:off x="4572000" y="1628800"/>
+            <a:ext cx="4392488" cy="2304256"/>
+          </a:xfrm>
+          <a:prstGeom prst="rect">
+            <a:avLst/>
+          </a:prstGeom>
+          <a:ln/>
+          <a:extLst/>
+        </p:spPr>
+        <p:style>
+          <a:lnRef idx="1">
+            <a:schemeClr val="accent4"/>
+          </a:lnRef>
+          <a:fillRef idx="2">
+            <a:schemeClr val="accent4"/>
+          </a:fillRef>
+          <a:effectRef idx="1">
+            <a:schemeClr val="accent4"/>
+          </a:effectRef>
+          <a:fontRef idx="minor">
+            <a:schemeClr val="dk1"/>
+          </a:fontRef>
+        </p:style>
+        <p:txBody>
+          <a:bodyPr vert="horz" wrap="square" lIns="91440" tIns="45720" rIns="91440" bIns="45720" numCol="1" anchor="t" anchorCtr="0" compatLnSpc="1">
+            <a:prstTxWarp prst="textNoShape">
+              <a:avLst/>
+            </a:prstTxWarp>
+          </a:bodyPr>
+          <a:lstStyle>
+            <a:lvl1pPr marL="342900" indent="-342900" algn="l" rtl="0" eaLnBrk="0" fontAlgn="base" hangingPunct="0">
+              <a:spcBef>
+                <a:spcPct val="20000"/>
+              </a:spcBef>
+              <a:spcAft>
+                <a:spcPct val="0"/>
+              </a:spcAft>
+              <a:buSzPct val="80000"/>
+              <a:buFont typeface="Wingdings" panose="05000000000000000000" pitchFamily="2" charset="2"/>
+              <a:buChar char="l"/>
+              <a:defRPr sz="2800" kern="1200">
+                <a:solidFill>
+                  <a:schemeClr val="tx1"/>
+                </a:solidFill>
+                <a:latin typeface="微軟正黑體" panose="020B0604030504040204" pitchFamily="34" charset="-120"/>
+                <a:ea typeface="微軟正黑體" panose="020B0604030504040204" pitchFamily="34" charset="-120"/>
+                <a:cs typeface="Arial" pitchFamily="34" charset="0"/>
+              </a:defRPr>
+            </a:lvl1pPr>
+            <a:lvl2pPr marL="742950" indent="-285750" algn="l" rtl="0" eaLnBrk="0" fontAlgn="base" hangingPunct="0">
+              <a:spcBef>
+                <a:spcPct val="20000"/>
+              </a:spcBef>
+              <a:spcAft>
+                <a:spcPct val="0"/>
+              </a:spcAft>
+              <a:buSzPct val="80000"/>
+              <a:buFont typeface="Wingdings" panose="05000000000000000000" pitchFamily="2" charset="2"/>
+              <a:buChar char="n"/>
+              <a:defRPr sz="2400" kern="1200">
+                <a:solidFill>
+                  <a:schemeClr val="tx1"/>
+                </a:solidFill>
+                <a:latin typeface="微軟正黑體" panose="020B0604030504040204" pitchFamily="34" charset="-120"/>
+                <a:ea typeface="微軟正黑體" panose="020B0604030504040204" pitchFamily="34" charset="-120"/>
+                <a:cs typeface="Arial" pitchFamily="34" charset="0"/>
+              </a:defRPr>
+            </a:lvl2pPr>
+            <a:lvl3pPr marL="1143000" indent="-228600" algn="l" rtl="0" eaLnBrk="0" fontAlgn="base" hangingPunct="0">
+              <a:spcBef>
+                <a:spcPct val="20000"/>
+              </a:spcBef>
+              <a:spcAft>
+                <a:spcPct val="0"/>
+              </a:spcAft>
+              <a:buFont typeface="Arial" charset="0"/>
+              <a:buChar char="•"/>
+              <a:defRPr sz="2000" kern="1200">
+                <a:solidFill>
+                  <a:schemeClr val="tx1"/>
+                </a:solidFill>
+                <a:latin typeface="微軟正黑體" panose="020B0604030504040204" pitchFamily="34" charset="-120"/>
+                <a:ea typeface="微軟正黑體" panose="020B0604030504040204" pitchFamily="34" charset="-120"/>
+                <a:cs typeface="Arial" pitchFamily="34" charset="0"/>
+              </a:defRPr>
+            </a:lvl3pPr>
+            <a:lvl4pPr marL="1600200" indent="-228600" algn="l" rtl="0" eaLnBrk="0" fontAlgn="base" hangingPunct="0">
+              <a:spcBef>
+                <a:spcPct val="20000"/>
+              </a:spcBef>
+              <a:spcAft>
+                <a:spcPct val="0"/>
+              </a:spcAft>
+              <a:buFont typeface="Arial" charset="0"/>
+              <a:buChar char="–"/>
+              <a:defRPr kern="1200">
+                <a:solidFill>
+                  <a:schemeClr val="tx1"/>
+                </a:solidFill>
+                <a:latin typeface="微軟正黑體" panose="020B0604030504040204" pitchFamily="34" charset="-120"/>
+                <a:ea typeface="微軟正黑體" panose="020B0604030504040204" pitchFamily="34" charset="-120"/>
+                <a:cs typeface="Arial" pitchFamily="34" charset="0"/>
+              </a:defRPr>
+            </a:lvl4pPr>
+            <a:lvl5pPr marL="2057400" indent="-228600" algn="l" rtl="0" eaLnBrk="0" fontAlgn="base" hangingPunct="0">
+              <a:spcBef>
+                <a:spcPct val="20000"/>
+              </a:spcBef>
+              <a:spcAft>
+                <a:spcPct val="0"/>
+              </a:spcAft>
+              <a:buFont typeface="Arial" charset="0"/>
+              <a:buChar char="»"/>
+              <a:defRPr kern="1200">
+                <a:solidFill>
+                  <a:schemeClr val="tx1"/>
+                </a:solidFill>
+                <a:latin typeface="微軟正黑體" panose="020B0604030504040204" pitchFamily="34" charset="-120"/>
+                <a:ea typeface="微軟正黑體" panose="020B0604030504040204" pitchFamily="34" charset="-120"/>
+                <a:cs typeface="Arial" pitchFamily="34" charset="0"/>
+              </a:defRPr>
+            </a:lvl5pPr>
+            <a:lvl6pPr marL="2514600" indent="-228600" algn="l" defTabSz="914400" rtl="0" eaLnBrk="1" latinLnBrk="0" hangingPunct="1">
+              <a:spcBef>
+                <a:spcPct val="20000"/>
+              </a:spcBef>
+              <a:buFont typeface="Arial" pitchFamily="34" charset="0"/>
+              <a:buChar char="•"/>
+              <a:defRPr sz="2000" kern="1200">
+                <a:solidFill>
+                  <a:schemeClr val="tx1"/>
+                </a:solidFill>
+                <a:latin typeface="+mn-lt"/>
+                <a:ea typeface="+mn-ea"/>
+                <a:cs typeface="+mn-cs"/>
+              </a:defRPr>
+            </a:lvl6pPr>
+            <a:lvl7pPr marL="2971800" indent="-228600" algn="l" defTabSz="914400" rtl="0" eaLnBrk="1" latinLnBrk="0" hangingPunct="1">
+              <a:spcBef>
+                <a:spcPct val="20000"/>
+              </a:spcBef>
+              <a:buFont typeface="Arial" pitchFamily="34" charset="0"/>
+              <a:buChar char="•"/>
+              <a:defRPr sz="2000" kern="1200">
+                <a:solidFill>
+                  <a:schemeClr val="tx1"/>
+                </a:solidFill>
+                <a:latin typeface="+mn-lt"/>
+                <a:ea typeface="+mn-ea"/>
+                <a:cs typeface="+mn-cs"/>
+              </a:defRPr>
+            </a:lvl7pPr>
+            <a:lvl8pPr marL="3429000" indent="-228600" algn="l" defTabSz="914400" rtl="0" eaLnBrk="1" latinLnBrk="0" hangingPunct="1">
+              <a:spcBef>
+                <a:spcPct val="20000"/>
+              </a:spcBef>
+              <a:buFont typeface="Arial" pitchFamily="34" charset="0"/>
+              <a:buChar char="•"/>
+              <a:defRPr sz="2000" kern="1200">
+                <a:solidFill>
+                  <a:schemeClr val="tx1"/>
+                </a:solidFill>
+                <a:latin typeface="+mn-lt"/>
+                <a:ea typeface="+mn-ea"/>
+                <a:cs typeface="+mn-cs"/>
+              </a:defRPr>
+            </a:lvl8pPr>
+            <a:lvl9pPr marL="3886200" indent="-228600" algn="l" defTabSz="914400" rtl="0" eaLnBrk="1" latinLnBrk="0" hangingPunct="1">
+              <a:spcBef>
+                <a:spcPct val="20000"/>
+              </a:spcBef>
+              <a:buFont typeface="Arial" pitchFamily="34" charset="0"/>
+              <a:buChar char="•"/>
+              <a:defRPr sz="2000" kern="1200">
+                <a:solidFill>
+                  <a:schemeClr val="tx1"/>
+                </a:solidFill>
+                <a:latin typeface="+mn-lt"/>
+                <a:ea typeface="+mn-ea"/>
+                <a:cs typeface="+mn-cs"/>
+              </a:defRPr>
+            </a:lvl9pPr>
+          </a:lstStyle>
+          <a:p>
+            <a:pPr>
+              <a:buClr>
+                <a:srgbClr val="C00000"/>
+              </a:buClr>
+              <a:buSzPct val="90000"/>
+              <a:buFont typeface="+mj-lt"/>
+              <a:buAutoNum type="arabicPeriod"/>
+            </a:pPr>
+            <a:r>
+              <a:rPr lang="zh-TW" altLang="en-US" sz="1400" dirty="0" smtClean="0">
+                <a:latin typeface="Consolas" panose="020B0609020204030204" pitchFamily="49" charset="0"/>
+                <a:cs typeface="Consolas" panose="020B0609020204030204" pitchFamily="49" charset="0"/>
+                <a:sym typeface="Wingdings" panose="05000000000000000000" pitchFamily="2" charset="2"/>
+              </a:rPr>
+              <a:t>在 </a:t>
+            </a:r>
+            <a:r>
+              <a:rPr lang="en-US" altLang="zh-TW" sz="1400" dirty="0" smtClean="0">
+                <a:latin typeface="Consolas" panose="020B0609020204030204" pitchFamily="49" charset="0"/>
+                <a:cs typeface="Consolas" panose="020B0609020204030204" pitchFamily="49" charset="0"/>
+                <a:sym typeface="Wingdings" panose="05000000000000000000" pitchFamily="2" charset="2"/>
+              </a:rPr>
+              <a:t>interface </a:t>
+            </a:r>
+            <a:r>
+              <a:rPr lang="zh-TW" altLang="en-US" sz="1400" dirty="0" smtClean="0">
+                <a:latin typeface="Consolas" panose="020B0609020204030204" pitchFamily="49" charset="0"/>
+                <a:cs typeface="Consolas" panose="020B0609020204030204" pitchFamily="49" charset="0"/>
+                <a:sym typeface="Wingdings" panose="05000000000000000000" pitchFamily="2" charset="2"/>
+              </a:rPr>
+              <a:t>上面輸入 </a:t>
+            </a:r>
+            <a:r>
+              <a:rPr lang="en-US" altLang="zh-TW" sz="1400" dirty="0" smtClean="0">
+                <a:latin typeface="Consolas" panose="020B0609020204030204" pitchFamily="49" charset="0"/>
+                <a:cs typeface="Consolas" panose="020B0609020204030204" pitchFamily="49" charset="0"/>
+                <a:sym typeface="Wingdings" panose="05000000000000000000" pitchFamily="2" charset="2"/>
+              </a:rPr>
+              <a:t>@Repository</a:t>
+            </a:r>
+            <a:r>
+              <a:rPr lang="zh-TW" altLang="en-US" sz="1400" dirty="0" smtClean="0">
+                <a:latin typeface="Consolas" panose="020B0609020204030204" pitchFamily="49" charset="0"/>
+                <a:cs typeface="Consolas" panose="020B0609020204030204" pitchFamily="49" charset="0"/>
+                <a:sym typeface="Wingdings" panose="05000000000000000000" pitchFamily="2" charset="2"/>
+              </a:rPr>
+              <a:t>，然後按 </a:t>
+            </a:r>
+            <a:r>
+              <a:rPr lang="en-US" altLang="zh-TW" sz="1400" dirty="0" smtClean="0">
+                <a:latin typeface="Consolas" panose="020B0609020204030204" pitchFamily="49" charset="0"/>
+                <a:cs typeface="Consolas" panose="020B0609020204030204" pitchFamily="49" charset="0"/>
+                <a:sym typeface="Wingdings" panose="05000000000000000000" pitchFamily="2" charset="2"/>
+              </a:rPr>
+              <a:t>Ctrl-1 (quick fix)</a:t>
+            </a:r>
+            <a:br>
+              <a:rPr lang="en-US" altLang="zh-TW" sz="1400" dirty="0" smtClean="0">
+                <a:latin typeface="Consolas" panose="020B0609020204030204" pitchFamily="49" charset="0"/>
+                <a:cs typeface="Consolas" panose="020B0609020204030204" pitchFamily="49" charset="0"/>
+                <a:sym typeface="Wingdings" panose="05000000000000000000" pitchFamily="2" charset="2"/>
+              </a:rPr>
+            </a:br>
+            <a:r>
+              <a:rPr lang="en-US" altLang="zh-TW" sz="1400" dirty="0" smtClean="0">
+                <a:latin typeface="Consolas" panose="020B0609020204030204" pitchFamily="49" charset="0"/>
+                <a:cs typeface="Consolas" panose="020B0609020204030204" pitchFamily="49" charset="0"/>
+                <a:sym typeface="Wingdings" panose="05000000000000000000" pitchFamily="2" charset="2"/>
+              </a:rPr>
+              <a:t>Ctrl-1 </a:t>
+            </a:r>
+            <a:r>
+              <a:rPr lang="zh-TW" altLang="en-US" sz="1400" dirty="0" smtClean="0">
+                <a:latin typeface="Consolas" panose="020B0609020204030204" pitchFamily="49" charset="0"/>
+                <a:cs typeface="Consolas" panose="020B0609020204030204" pitchFamily="49" charset="0"/>
+                <a:sym typeface="Wingdings" panose="05000000000000000000" pitchFamily="2" charset="2"/>
+              </a:rPr>
+              <a:t>需要選 </a:t>
+            </a:r>
+            <a:r>
+              <a:rPr lang="en-US" altLang="zh-TW" sz="1400" dirty="0" smtClean="0">
+                <a:latin typeface="Consolas" panose="020B0609020204030204" pitchFamily="49" charset="0"/>
+                <a:cs typeface="Consolas" panose="020B0609020204030204" pitchFamily="49" charset="0"/>
+                <a:sym typeface="Wingdings" panose="05000000000000000000" pitchFamily="2" charset="2"/>
+              </a:rPr>
+              <a:t>fix </a:t>
+            </a:r>
+            <a:r>
+              <a:rPr lang="zh-TW" altLang="en-US" sz="1400" dirty="0" smtClean="0">
+                <a:latin typeface="Consolas" panose="020B0609020204030204" pitchFamily="49" charset="0"/>
+                <a:cs typeface="Consolas" panose="020B0609020204030204" pitchFamily="49" charset="0"/>
+                <a:sym typeface="Wingdings" panose="05000000000000000000" pitchFamily="2" charset="2"/>
+              </a:rPr>
+              <a:t>方法</a:t>
+            </a:r>
+            <a:r>
+              <a:rPr lang="en-US" altLang="zh-TW" sz="1400" dirty="0" smtClean="0">
+                <a:latin typeface="Consolas" panose="020B0609020204030204" pitchFamily="49" charset="0"/>
+                <a:cs typeface="Consolas" panose="020B0609020204030204" pitchFamily="49" charset="0"/>
+                <a:sym typeface="Wingdings" panose="05000000000000000000" pitchFamily="2" charset="2"/>
+              </a:rPr>
+              <a:t>, </a:t>
+            </a:r>
+            <a:r>
+              <a:rPr lang="zh-TW" altLang="en-US" sz="1400" dirty="0" smtClean="0">
+                <a:latin typeface="Consolas" panose="020B0609020204030204" pitchFamily="49" charset="0"/>
+                <a:cs typeface="Consolas" panose="020B0609020204030204" pitchFamily="49" charset="0"/>
+                <a:sym typeface="Wingdings" panose="05000000000000000000" pitchFamily="2" charset="2"/>
+              </a:rPr>
+              <a:t>引入 </a:t>
+            </a:r>
+            <a:r>
+              <a:rPr lang="en-US" altLang="zh-TW" sz="1400" dirty="0" smtClean="0">
+                <a:latin typeface="Consolas" panose="020B0609020204030204" pitchFamily="49" charset="0"/>
+                <a:cs typeface="Consolas" panose="020B0609020204030204" pitchFamily="49" charset="0"/>
+                <a:sym typeface="Wingdings" panose="05000000000000000000" pitchFamily="2" charset="2"/>
+              </a:rPr>
+              <a:t>Repository</a:t>
+            </a:r>
+          </a:p>
+          <a:p>
+            <a:pPr>
+              <a:buClr>
+                <a:srgbClr val="C00000"/>
+              </a:buClr>
+              <a:buSzPct val="90000"/>
+              <a:buFont typeface="+mj-lt"/>
+              <a:buAutoNum type="arabicPeriod"/>
+            </a:pPr>
+            <a:r>
+              <a:rPr lang="zh-TW" altLang="en-US" sz="1400" dirty="0" smtClean="0">
+                <a:latin typeface="Consolas" panose="020B0609020204030204" pitchFamily="49" charset="0"/>
+                <a:cs typeface="Consolas" panose="020B0609020204030204" pitchFamily="49" charset="0"/>
+                <a:sym typeface="Wingdings" panose="05000000000000000000" pitchFamily="2" charset="2"/>
+              </a:rPr>
+              <a:t>在 </a:t>
+            </a:r>
+            <a:r>
+              <a:rPr lang="en-US" altLang="zh-TW" sz="1400" dirty="0" err="1" smtClean="0">
+                <a:latin typeface="Consolas" panose="020B0609020204030204" pitchFamily="49" charset="0"/>
+                <a:cs typeface="Consolas" panose="020B0609020204030204" pitchFamily="49" charset="0"/>
+                <a:sym typeface="Wingdings" panose="05000000000000000000" pitchFamily="2" charset="2"/>
+              </a:rPr>
+              <a:t>JpaRepository</a:t>
+            </a:r>
+            <a:r>
+              <a:rPr lang="en-US" altLang="zh-TW" sz="1400" dirty="0" smtClean="0">
+                <a:latin typeface="Consolas" panose="020B0609020204030204" pitchFamily="49" charset="0"/>
+                <a:cs typeface="Consolas" panose="020B0609020204030204" pitchFamily="49" charset="0"/>
+                <a:sym typeface="Wingdings" panose="05000000000000000000" pitchFamily="2" charset="2"/>
+              </a:rPr>
+              <a:t>&lt;</a:t>
+            </a:r>
+            <a:r>
+              <a:rPr lang="en-US" altLang="zh-TW" sz="1400" dirty="0" err="1" smtClean="0">
+                <a:latin typeface="Consolas" panose="020B0609020204030204" pitchFamily="49" charset="0"/>
+                <a:cs typeface="Consolas" panose="020B0609020204030204" pitchFamily="49" charset="0"/>
+                <a:sym typeface="Wingdings" panose="05000000000000000000" pitchFamily="2" charset="2"/>
+              </a:rPr>
+              <a:t>T,ID</a:t>
+            </a:r>
+            <a:r>
+              <a:rPr lang="en-US" altLang="zh-TW" sz="1400" dirty="0" smtClean="0">
+                <a:latin typeface="Consolas" panose="020B0609020204030204" pitchFamily="49" charset="0"/>
+                <a:cs typeface="Consolas" panose="020B0609020204030204" pitchFamily="49" charset="0"/>
+                <a:sym typeface="Wingdings" panose="05000000000000000000" pitchFamily="2" charset="2"/>
+              </a:rPr>
+              <a:t>&gt; </a:t>
+            </a:r>
+            <a:r>
+              <a:rPr lang="zh-TW" altLang="en-US" sz="1400" dirty="0" smtClean="0">
+                <a:latin typeface="Consolas" panose="020B0609020204030204" pitchFamily="49" charset="0"/>
+                <a:cs typeface="Consolas" panose="020B0609020204030204" pitchFamily="49" charset="0"/>
+                <a:sym typeface="Wingdings" panose="05000000000000000000" pitchFamily="2" charset="2"/>
+              </a:rPr>
+              <a:t>上面輸入 </a:t>
+            </a:r>
+            <a:r>
+              <a:rPr lang="en-US" altLang="zh-TW" sz="1400" dirty="0" smtClean="0">
+                <a:latin typeface="Consolas" panose="020B0609020204030204" pitchFamily="49" charset="0"/>
+                <a:cs typeface="Consolas" panose="020B0609020204030204" pitchFamily="49" charset="0"/>
+                <a:sym typeface="Wingdings" panose="05000000000000000000" pitchFamily="2" charset="2"/>
+              </a:rPr>
+              <a:t>&lt;</a:t>
+            </a:r>
+            <a:r>
+              <a:rPr lang="en-US" altLang="zh-TW" sz="1400" dirty="0" err="1" smtClean="0">
+                <a:latin typeface="Consolas" panose="020B0609020204030204" pitchFamily="49" charset="0"/>
+                <a:cs typeface="Consolas" panose="020B0609020204030204" pitchFamily="49" charset="0"/>
+                <a:sym typeface="Wingdings" panose="05000000000000000000" pitchFamily="2" charset="2"/>
+              </a:rPr>
+              <a:t>AssetType,String</a:t>
+            </a:r>
+            <a:r>
+              <a:rPr lang="en-US" altLang="zh-TW" sz="1400" dirty="0" smtClean="0">
+                <a:latin typeface="Consolas" panose="020B0609020204030204" pitchFamily="49" charset="0"/>
+                <a:cs typeface="Consolas" panose="020B0609020204030204" pitchFamily="49" charset="0"/>
+                <a:sym typeface="Wingdings" panose="05000000000000000000" pitchFamily="2" charset="2"/>
+              </a:rPr>
+              <a:t>&gt;</a:t>
+            </a:r>
+            <a:r>
+              <a:rPr lang="zh-TW" altLang="en-US" sz="1400" dirty="0" smtClean="0">
+                <a:latin typeface="Consolas" panose="020B0609020204030204" pitchFamily="49" charset="0"/>
+                <a:cs typeface="Consolas" panose="020B0609020204030204" pitchFamily="49" charset="0"/>
+                <a:sym typeface="Wingdings" panose="05000000000000000000" pitchFamily="2" charset="2"/>
+              </a:rPr>
+              <a:t>，同樣在 </a:t>
+            </a:r>
+            <a:r>
+              <a:rPr lang="en-US" altLang="zh-TW" sz="1400" dirty="0" err="1" smtClean="0">
+                <a:latin typeface="Consolas" panose="020B0609020204030204" pitchFamily="49" charset="0"/>
+                <a:cs typeface="Consolas" panose="020B0609020204030204" pitchFamily="49" charset="0"/>
+                <a:sym typeface="Wingdings" panose="05000000000000000000" pitchFamily="2" charset="2"/>
+              </a:rPr>
+              <a:t>AssetType</a:t>
+            </a:r>
+            <a:r>
+              <a:rPr lang="en-US" altLang="zh-TW" sz="1400" dirty="0" smtClean="0">
+                <a:latin typeface="Consolas" panose="020B0609020204030204" pitchFamily="49" charset="0"/>
+                <a:cs typeface="Consolas" panose="020B0609020204030204" pitchFamily="49" charset="0"/>
+                <a:sym typeface="Wingdings" panose="05000000000000000000" pitchFamily="2" charset="2"/>
+              </a:rPr>
+              <a:t> </a:t>
+            </a:r>
+            <a:r>
+              <a:rPr lang="zh-TW" altLang="en-US" sz="1400" dirty="0" smtClean="0">
+                <a:latin typeface="Consolas" panose="020B0609020204030204" pitchFamily="49" charset="0"/>
+                <a:cs typeface="Consolas" panose="020B0609020204030204" pitchFamily="49" charset="0"/>
+                <a:sym typeface="Wingdings" panose="05000000000000000000" pitchFamily="2" charset="2"/>
+              </a:rPr>
+              <a:t>上按 </a:t>
+            </a:r>
+            <a:r>
+              <a:rPr lang="en-US" altLang="zh-TW" sz="1400" dirty="0" smtClean="0">
+                <a:latin typeface="Consolas" panose="020B0609020204030204" pitchFamily="49" charset="0"/>
+                <a:cs typeface="Consolas" panose="020B0609020204030204" pitchFamily="49" charset="0"/>
+                <a:sym typeface="Wingdings" panose="05000000000000000000" pitchFamily="2" charset="2"/>
+              </a:rPr>
+              <a:t>ctrl-1</a:t>
+            </a:r>
+            <a:r>
+              <a:rPr lang="zh-TW" altLang="en-US" sz="1400" dirty="0" smtClean="0">
+                <a:latin typeface="Consolas" panose="020B0609020204030204" pitchFamily="49" charset="0"/>
+                <a:cs typeface="Consolas" panose="020B0609020204030204" pitchFamily="49" charset="0"/>
+                <a:sym typeface="Wingdings" panose="05000000000000000000" pitchFamily="2" charset="2"/>
+              </a:rPr>
+              <a:t>，引入 </a:t>
+            </a:r>
+            <a:r>
+              <a:rPr lang="en-US" altLang="zh-TW" sz="1400" dirty="0" err="1" smtClean="0">
+                <a:latin typeface="Consolas" panose="020B0609020204030204" pitchFamily="49" charset="0"/>
+                <a:cs typeface="Consolas" panose="020B0609020204030204" pitchFamily="49" charset="0"/>
+                <a:sym typeface="Wingdings" panose="05000000000000000000" pitchFamily="2" charset="2"/>
+              </a:rPr>
+              <a:t>AssetType</a:t>
+            </a:r>
+            <a:endParaRPr lang="en-US" altLang="zh-TW" sz="1400" dirty="0" smtClean="0">
+              <a:latin typeface="Consolas" panose="020B0609020204030204" pitchFamily="49" charset="0"/>
+              <a:cs typeface="Consolas" panose="020B0609020204030204" pitchFamily="49" charset="0"/>
+              <a:sym typeface="Wingdings" panose="05000000000000000000" pitchFamily="2" charset="2"/>
+            </a:endParaRPr>
+          </a:p>
+          <a:p>
+            <a:pPr marL="447675" lvl="1" indent="-268288">
+              <a:buClr>
+                <a:srgbClr val="C00000"/>
+              </a:buClr>
+              <a:buSzPct val="90000"/>
+            </a:pPr>
+            <a:r>
+              <a:rPr lang="en-US" altLang="zh-TW" sz="1200" dirty="0" smtClean="0">
+                <a:latin typeface="Consolas" panose="020B0609020204030204" pitchFamily="49" charset="0"/>
+                <a:cs typeface="Consolas" panose="020B0609020204030204" pitchFamily="49" charset="0"/>
+                <a:sym typeface="Wingdings" panose="05000000000000000000" pitchFamily="2" charset="2"/>
+              </a:rPr>
+              <a:t>T, ID </a:t>
+            </a:r>
+            <a:r>
+              <a:rPr lang="zh-TW" altLang="en-US" sz="1200" dirty="0" smtClean="0">
+                <a:latin typeface="Consolas" panose="020B0609020204030204" pitchFamily="49" charset="0"/>
+                <a:cs typeface="Consolas" panose="020B0609020204030204" pitchFamily="49" charset="0"/>
+                <a:sym typeface="Wingdings" panose="05000000000000000000" pitchFamily="2" charset="2"/>
+              </a:rPr>
+              <a:t>代表 </a:t>
+            </a:r>
+            <a:r>
+              <a:rPr lang="en-US" altLang="zh-TW" sz="1200" dirty="0" err="1" smtClean="0">
+                <a:latin typeface="Consolas" panose="020B0609020204030204" pitchFamily="49" charset="0"/>
+                <a:cs typeface="Consolas" panose="020B0609020204030204" pitchFamily="49" charset="0"/>
+                <a:sym typeface="Wingdings" panose="05000000000000000000" pitchFamily="2" charset="2"/>
+              </a:rPr>
+              <a:t>Jpa</a:t>
+            </a:r>
+            <a:r>
+              <a:rPr lang="en-US" altLang="zh-TW" sz="1200" dirty="0" smtClean="0">
+                <a:latin typeface="Consolas" panose="020B0609020204030204" pitchFamily="49" charset="0"/>
+                <a:cs typeface="Consolas" panose="020B0609020204030204" pitchFamily="49" charset="0"/>
+                <a:sym typeface="Wingdings" panose="05000000000000000000" pitchFamily="2" charset="2"/>
+              </a:rPr>
+              <a:t> entity type, </a:t>
+            </a:r>
+            <a:r>
+              <a:rPr lang="zh-TW" altLang="en-US" sz="1200" dirty="0" smtClean="0">
+                <a:latin typeface="Consolas" panose="020B0609020204030204" pitchFamily="49" charset="0"/>
+                <a:cs typeface="Consolas" panose="020B0609020204030204" pitchFamily="49" charset="0"/>
+                <a:sym typeface="Wingdings" panose="05000000000000000000" pitchFamily="2" charset="2"/>
+              </a:rPr>
+              <a:t>和 </a:t>
+            </a:r>
+            <a:r>
+              <a:rPr lang="en-US" altLang="zh-TW" sz="1200" dirty="0" smtClean="0">
+                <a:latin typeface="Consolas" panose="020B0609020204030204" pitchFamily="49" charset="0"/>
+                <a:cs typeface="Consolas" panose="020B0609020204030204" pitchFamily="49" charset="0"/>
+                <a:sym typeface="Wingdings" panose="05000000000000000000" pitchFamily="2" charset="2"/>
+              </a:rPr>
+              <a:t>entity</a:t>
+            </a:r>
+            <a:r>
+              <a:rPr lang="zh-TW" altLang="en-US" sz="1200" dirty="0">
+                <a:latin typeface="Consolas" panose="020B0609020204030204" pitchFamily="49" charset="0"/>
+                <a:cs typeface="Consolas" panose="020B0609020204030204" pitchFamily="49" charset="0"/>
+                <a:sym typeface="Wingdings" panose="05000000000000000000" pitchFamily="2" charset="2"/>
+              </a:rPr>
+              <a:t> </a:t>
+            </a:r>
+            <a:r>
+              <a:rPr lang="zh-TW" altLang="en-US" sz="1200" dirty="0" smtClean="0">
+                <a:latin typeface="Consolas" panose="020B0609020204030204" pitchFamily="49" charset="0"/>
+                <a:cs typeface="Consolas" panose="020B0609020204030204" pitchFamily="49" charset="0"/>
+                <a:sym typeface="Wingdings" panose="05000000000000000000" pitchFamily="2" charset="2"/>
+              </a:rPr>
+              <a:t>的 </a:t>
+            </a:r>
+            <a:r>
+              <a:rPr lang="en-US" altLang="zh-TW" sz="1200" dirty="0" smtClean="0">
+                <a:latin typeface="Consolas" panose="020B0609020204030204" pitchFamily="49" charset="0"/>
+                <a:cs typeface="Consolas" panose="020B0609020204030204" pitchFamily="49" charset="0"/>
+                <a:sym typeface="Wingdings" panose="05000000000000000000" pitchFamily="2" charset="2"/>
+              </a:rPr>
+              <a:t>key class. </a:t>
+            </a:r>
+            <a:endParaRPr lang="en-US" altLang="zh-TW" sz="1200" dirty="0" smtClean="0">
+              <a:latin typeface="Consolas" panose="020B0609020204030204" pitchFamily="49" charset="0"/>
+              <a:cs typeface="Consolas" panose="020B0609020204030204" pitchFamily="49" charset="0"/>
+              <a:sym typeface="Wingdings" panose="05000000000000000000" pitchFamily="2" charset="2"/>
+            </a:endParaRPr>
           </a:p>
         </p:txBody>
       </p:sp>
       <p:pic>
         <p:nvPicPr>
-          <p:cNvPr id="7171" name="Picture 3"/>
+          <p:cNvPr id="4099" name="Picture 3"/>
+          <p:cNvPicPr>
+            <a:picLocks noChangeAspect="1" noChangeArrowheads="1"/>
+          </p:cNvPicPr>
+          <p:nvPr/>
+        </p:nvPicPr>
+        <p:blipFill>
+          <a:blip r:embed="rId4">
+            <a:extLst>
+              <a:ext uri="{28A0092B-C50C-407E-A947-70E740481C1C}">
+                <a14:useLocalDpi xmlns:a14="http://schemas.microsoft.com/office/drawing/2010/main" val="0"/>
+              </a:ext>
+            </a:extLst>
+          </a:blip>
+          <a:srcRect/>
+          <a:stretch>
+            <a:fillRect/>
+          </a:stretch>
+        </p:blipFill>
+        <p:spPr bwMode="auto">
+          <a:xfrm>
+            <a:off x="210951" y="4941168"/>
+            <a:ext cx="4616747" cy="1432784"/>
+          </a:xfrm>
+          <a:prstGeom prst="rect">
+            <a:avLst/>
+          </a:prstGeom>
+          <a:noFill/>
+          <a:ln>
+            <a:noFill/>
+          </a:ln>
+          <a:extLst>
+            <a:ext uri="{909E8E84-426E-40DD-AFC4-6F175D3DCCD1}">
+              <a14:hiddenFill xmlns:a14="http://schemas.microsoft.com/office/drawing/2010/main">
+                <a:solidFill>
+                  <a:schemeClr val="accent1"/>
+                </a:solidFill>
+              </a14:hiddenFill>
+            </a:ext>
+            <a:ext uri="{91240B29-F687-4F45-9708-019B960494DF}">
+              <a14:hiddenLine xmlns:a14="http://schemas.microsoft.com/office/drawing/2010/main" w="9525">
+                <a:solidFill>
+                  <a:schemeClr val="tx1"/>
+                </a:solidFill>
+                <a:miter lim="800000"/>
+                <a:headEnd/>
+                <a:tailEnd/>
+              </a14:hiddenLine>
+            </a:ext>
+          </a:extLst>
+        </p:spPr>
+      </p:pic>
+      <p:pic>
+        <p:nvPicPr>
+          <p:cNvPr id="4100" name="Picture 4"/>
+          <p:cNvPicPr>
+            <a:picLocks noChangeAspect="1" noChangeArrowheads="1"/>
+          </p:cNvPicPr>
+          <p:nvPr/>
+        </p:nvPicPr>
+        <p:blipFill>
+          <a:blip r:embed="rId5">
+            <a:extLst>
+              <a:ext uri="{28A0092B-C50C-407E-A947-70E740481C1C}">
+                <a14:useLocalDpi xmlns:a14="http://schemas.microsoft.com/office/drawing/2010/main" val="0"/>
+              </a:ext>
+            </a:extLst>
+          </a:blip>
+          <a:srcRect/>
+          <a:stretch>
+            <a:fillRect/>
+          </a:stretch>
+        </p:blipFill>
+        <p:spPr bwMode="auto">
+          <a:xfrm>
+            <a:off x="210950" y="4293096"/>
+            <a:ext cx="4616747" cy="326976"/>
+          </a:xfrm>
+          <a:prstGeom prst="rect">
+            <a:avLst/>
+          </a:prstGeom>
+          <a:noFill/>
+          <a:ln>
+            <a:noFill/>
+          </a:ln>
+          <a:extLst>
+            <a:ext uri="{909E8E84-426E-40DD-AFC4-6F175D3DCCD1}">
+              <a14:hiddenFill xmlns:a14="http://schemas.microsoft.com/office/drawing/2010/main">
+                <a:solidFill>
+                  <a:schemeClr val="accent1"/>
+                </a:solidFill>
+              </a14:hiddenFill>
+            </a:ext>
+            <a:ext uri="{91240B29-F687-4F45-9708-019B960494DF}">
+              <a14:hiddenLine xmlns:a14="http://schemas.microsoft.com/office/drawing/2010/main" w="9525">
+                <a:solidFill>
+                  <a:schemeClr val="tx1"/>
+                </a:solidFill>
+                <a:miter lim="800000"/>
+                <a:headEnd/>
+                <a:tailEnd/>
+              </a14:hiddenLine>
+            </a:ext>
+          </a:extLst>
+        </p:spPr>
+      </p:pic>
+      <p:sp>
+        <p:nvSpPr>
+          <p:cNvPr id="13" name="橢圓 12"/>
+          <p:cNvSpPr/>
+          <p:nvPr/>
+        </p:nvSpPr>
+        <p:spPr>
+          <a:xfrm>
+            <a:off x="17522" y="3933056"/>
+            <a:ext cx="432048" cy="360040"/>
+          </a:xfrm>
+          <a:prstGeom prst="ellipse">
+            <a:avLst/>
+          </a:prstGeom>
+        </p:spPr>
+        <p:style>
+          <a:lnRef idx="2">
+            <a:schemeClr val="accent1">
+              <a:shade val="50000"/>
+            </a:schemeClr>
+          </a:lnRef>
+          <a:fillRef idx="1">
+            <a:schemeClr val="accent1"/>
+          </a:fillRef>
+          <a:effectRef idx="0">
+            <a:schemeClr val="accent1"/>
+          </a:effectRef>
+          <a:fontRef idx="minor">
+            <a:schemeClr val="lt1"/>
+          </a:fontRef>
+        </p:style>
+        <p:txBody>
+          <a:bodyPr rtlCol="0" anchor="ctr"/>
+          <a:lstStyle/>
+          <a:p>
+            <a:pPr algn="ctr"/>
+            <a:r>
+              <a:rPr lang="en-US" altLang="zh-TW" dirty="0" smtClean="0"/>
+              <a:t>2</a:t>
+            </a:r>
+            <a:endParaRPr lang="zh-TW" altLang="en-US" dirty="0"/>
+          </a:p>
+        </p:txBody>
+      </p:sp>
+    </p:spTree>
+    <p:extLst>
+      <p:ext uri="{BB962C8B-B14F-4D97-AF65-F5344CB8AC3E}">
+        <p14:creationId xmlns:p14="http://schemas.microsoft.com/office/powerpoint/2010/main" val="3797979598"/>
+      </p:ext>
+    </p:extLst>
+  </p:cSld>
+  <p:clrMapOvr>
+    <a:masterClrMapping/>
+  </p:clrMapOvr>
+</p:sld>
+</file>
+
+<file path=ppt/slides/slide36.xml><?xml version="1.0" encoding="utf-8"?>
+<p:sld xmlns:a="http://schemas.openxmlformats.org/drawingml/2006/main" xmlns:r="http://schemas.openxmlformats.org/officeDocument/2006/relationships" xmlns:p="http://schemas.openxmlformats.org/presentationml/2006/main">
+  <p:cSld>
+    <p:spTree>
+      <p:nvGrpSpPr>
+        <p:cNvPr id="1" name=""/>
+        <p:cNvGrpSpPr/>
+        <p:nvPr/>
+      </p:nvGrpSpPr>
+      <p:grpSpPr>
+        <a:xfrm>
+          <a:off x="0" y="0"/>
+          <a:ext cx="0" cy="0"/>
+          <a:chOff x="0" y="0"/>
+          <a:chExt cx="0" cy="0"/>
+        </a:xfrm>
+      </p:grpSpPr>
+      <p:sp>
+        <p:nvSpPr>
+          <p:cNvPr id="2" name="標題 1"/>
+          <p:cNvSpPr>
+            <a:spLocks noGrp="1"/>
+          </p:cNvSpPr>
+          <p:nvPr>
+            <p:ph type="title"/>
+          </p:nvPr>
+        </p:nvSpPr>
+        <p:spPr/>
+        <p:txBody>
+          <a:bodyPr/>
+          <a:lstStyle/>
+          <a:p>
+            <a:r>
+              <a:rPr lang="zh-TW" altLang="en-US" dirty="0" smtClean="0"/>
+              <a:t>修改產生的 </a:t>
+            </a:r>
+            <a:r>
+              <a:rPr lang="en-US" altLang="zh-TW" dirty="0" smtClean="0"/>
+              <a:t>Entity Class</a:t>
+            </a:r>
+            <a:endParaRPr lang="zh-TW" altLang="en-US" dirty="0"/>
+          </a:p>
+        </p:txBody>
+      </p:sp>
+      <p:pic>
+        <p:nvPicPr>
+          <p:cNvPr id="5122" name="Picture 2"/>
+          <p:cNvPicPr>
+            <a:picLocks noChangeAspect="1" noChangeArrowheads="1"/>
+          </p:cNvPicPr>
+          <p:nvPr/>
+        </p:nvPicPr>
+        <p:blipFill>
+          <a:blip r:embed="rId2">
+            <a:extLst>
+              <a:ext uri="{28A0092B-C50C-407E-A947-70E740481C1C}">
+                <a14:useLocalDpi xmlns:a14="http://schemas.microsoft.com/office/drawing/2010/main" val="0"/>
+              </a:ext>
+            </a:extLst>
+          </a:blip>
+          <a:srcRect/>
+          <a:stretch>
+            <a:fillRect/>
+          </a:stretch>
+        </p:blipFill>
+        <p:spPr bwMode="auto">
+          <a:xfrm>
+            <a:off x="179512" y="2002371"/>
+            <a:ext cx="3589585" cy="1066589"/>
+          </a:xfrm>
+          <a:prstGeom prst="rect">
+            <a:avLst/>
+          </a:prstGeom>
+          <a:noFill/>
+          <a:ln>
+            <a:noFill/>
+          </a:ln>
+          <a:extLst>
+            <a:ext uri="{909E8E84-426E-40DD-AFC4-6F175D3DCCD1}">
+              <a14:hiddenFill xmlns:a14="http://schemas.microsoft.com/office/drawing/2010/main">
+                <a:solidFill>
+                  <a:schemeClr val="accent1"/>
+                </a:solidFill>
+              </a14:hiddenFill>
+            </a:ext>
+            <a:ext uri="{91240B29-F687-4F45-9708-019B960494DF}">
+              <a14:hiddenLine xmlns:a14="http://schemas.microsoft.com/office/drawing/2010/main" w="9525">
+                <a:solidFill>
+                  <a:schemeClr val="tx1"/>
+                </a:solidFill>
+                <a:miter lim="800000"/>
+                <a:headEnd/>
+                <a:tailEnd/>
+              </a14:hiddenLine>
+            </a:ext>
+          </a:extLst>
+        </p:spPr>
+      </p:pic>
+      <p:sp>
+        <p:nvSpPr>
+          <p:cNvPr id="5" name="橢圓 4"/>
+          <p:cNvSpPr/>
+          <p:nvPr/>
+        </p:nvSpPr>
+        <p:spPr>
+          <a:xfrm>
+            <a:off x="19483" y="1647607"/>
+            <a:ext cx="432048" cy="360040"/>
+          </a:xfrm>
+          <a:prstGeom prst="ellipse">
+            <a:avLst/>
+          </a:prstGeom>
+        </p:spPr>
+        <p:style>
+          <a:lnRef idx="2">
+            <a:schemeClr val="accent1">
+              <a:shade val="50000"/>
+            </a:schemeClr>
+          </a:lnRef>
+          <a:fillRef idx="1">
+            <a:schemeClr val="accent1"/>
+          </a:fillRef>
+          <a:effectRef idx="0">
+            <a:schemeClr val="accent1"/>
+          </a:effectRef>
+          <a:fontRef idx="minor">
+            <a:schemeClr val="lt1"/>
+          </a:fontRef>
+        </p:style>
+        <p:txBody>
+          <a:bodyPr rtlCol="0" anchor="ctr"/>
+          <a:lstStyle/>
+          <a:p>
+            <a:pPr algn="ctr"/>
+            <a:r>
+              <a:rPr lang="en-US" altLang="zh-TW" dirty="0" smtClean="0"/>
+              <a:t>1</a:t>
+            </a:r>
+            <a:endParaRPr lang="zh-TW" altLang="en-US" dirty="0"/>
+          </a:p>
+        </p:txBody>
+      </p:sp>
+      <p:pic>
+        <p:nvPicPr>
+          <p:cNvPr id="5123" name="Picture 3"/>
           <p:cNvPicPr>
             <a:picLocks noChangeAspect="1" noChangeArrowheads="1"/>
           </p:cNvPicPr>
@@ -21681,8 +23468,8 @@
         </p:blipFill>
         <p:spPr bwMode="auto">
           <a:xfrm>
-            <a:off x="187846" y="2708920"/>
-            <a:ext cx="3448050" cy="1104900"/>
+            <a:off x="179512" y="3496297"/>
+            <a:ext cx="2496334" cy="530471"/>
           </a:xfrm>
           <a:prstGeom prst="rect">
             <a:avLst/>
@@ -21712,9 +23499,513 @@
           </a:extLst>
         </p:spPr>
       </p:pic>
+      <p:sp>
+        <p:nvSpPr>
+          <p:cNvPr id="7" name="內容版面配置區 2"/>
+          <p:cNvSpPr txBox="1">
+            <a:spLocks/>
+          </p:cNvSpPr>
+          <p:nvPr/>
+        </p:nvSpPr>
+        <p:spPr bwMode="auto">
+          <a:xfrm>
+            <a:off x="4427984" y="1628800"/>
+            <a:ext cx="4392488" cy="2304256"/>
+          </a:xfrm>
+          <a:prstGeom prst="rect">
+            <a:avLst/>
+          </a:prstGeom>
+          <a:ln/>
+          <a:extLst/>
+        </p:spPr>
+        <p:style>
+          <a:lnRef idx="1">
+            <a:schemeClr val="accent4"/>
+          </a:lnRef>
+          <a:fillRef idx="2">
+            <a:schemeClr val="accent4"/>
+          </a:fillRef>
+          <a:effectRef idx="1">
+            <a:schemeClr val="accent4"/>
+          </a:effectRef>
+          <a:fontRef idx="minor">
+            <a:schemeClr val="dk1"/>
+          </a:fontRef>
+        </p:style>
+        <p:txBody>
+          <a:bodyPr vert="horz" wrap="square" lIns="91440" tIns="45720" rIns="91440" bIns="45720" numCol="1" anchor="t" anchorCtr="0" compatLnSpc="1">
+            <a:prstTxWarp prst="textNoShape">
+              <a:avLst/>
+            </a:prstTxWarp>
+          </a:bodyPr>
+          <a:lstStyle>
+            <a:lvl1pPr marL="342900" indent="-342900" algn="l" rtl="0" eaLnBrk="0" fontAlgn="base" hangingPunct="0">
+              <a:spcBef>
+                <a:spcPct val="20000"/>
+              </a:spcBef>
+              <a:spcAft>
+                <a:spcPct val="0"/>
+              </a:spcAft>
+              <a:buSzPct val="80000"/>
+              <a:buFont typeface="Wingdings" panose="05000000000000000000" pitchFamily="2" charset="2"/>
+              <a:buChar char="l"/>
+              <a:defRPr sz="2800" kern="1200">
+                <a:solidFill>
+                  <a:schemeClr val="tx1"/>
+                </a:solidFill>
+                <a:latin typeface="微軟正黑體" panose="020B0604030504040204" pitchFamily="34" charset="-120"/>
+                <a:ea typeface="微軟正黑體" panose="020B0604030504040204" pitchFamily="34" charset="-120"/>
+                <a:cs typeface="Arial" pitchFamily="34" charset="0"/>
+              </a:defRPr>
+            </a:lvl1pPr>
+            <a:lvl2pPr marL="742950" indent="-285750" algn="l" rtl="0" eaLnBrk="0" fontAlgn="base" hangingPunct="0">
+              <a:spcBef>
+                <a:spcPct val="20000"/>
+              </a:spcBef>
+              <a:spcAft>
+                <a:spcPct val="0"/>
+              </a:spcAft>
+              <a:buSzPct val="80000"/>
+              <a:buFont typeface="Wingdings" panose="05000000000000000000" pitchFamily="2" charset="2"/>
+              <a:buChar char="n"/>
+              <a:defRPr sz="2400" kern="1200">
+                <a:solidFill>
+                  <a:schemeClr val="tx1"/>
+                </a:solidFill>
+                <a:latin typeface="微軟正黑體" panose="020B0604030504040204" pitchFamily="34" charset="-120"/>
+                <a:ea typeface="微軟正黑體" panose="020B0604030504040204" pitchFamily="34" charset="-120"/>
+                <a:cs typeface="Arial" pitchFamily="34" charset="0"/>
+              </a:defRPr>
+            </a:lvl2pPr>
+            <a:lvl3pPr marL="1143000" indent="-228600" algn="l" rtl="0" eaLnBrk="0" fontAlgn="base" hangingPunct="0">
+              <a:spcBef>
+                <a:spcPct val="20000"/>
+              </a:spcBef>
+              <a:spcAft>
+                <a:spcPct val="0"/>
+              </a:spcAft>
+              <a:buFont typeface="Arial" charset="0"/>
+              <a:buChar char="•"/>
+              <a:defRPr sz="2000" kern="1200">
+                <a:solidFill>
+                  <a:schemeClr val="tx1"/>
+                </a:solidFill>
+                <a:latin typeface="微軟正黑體" panose="020B0604030504040204" pitchFamily="34" charset="-120"/>
+                <a:ea typeface="微軟正黑體" panose="020B0604030504040204" pitchFamily="34" charset="-120"/>
+                <a:cs typeface="Arial" pitchFamily="34" charset="0"/>
+              </a:defRPr>
+            </a:lvl3pPr>
+            <a:lvl4pPr marL="1600200" indent="-228600" algn="l" rtl="0" eaLnBrk="0" fontAlgn="base" hangingPunct="0">
+              <a:spcBef>
+                <a:spcPct val="20000"/>
+              </a:spcBef>
+              <a:spcAft>
+                <a:spcPct val="0"/>
+              </a:spcAft>
+              <a:buFont typeface="Arial" charset="0"/>
+              <a:buChar char="–"/>
+              <a:defRPr kern="1200">
+                <a:solidFill>
+                  <a:schemeClr val="tx1"/>
+                </a:solidFill>
+                <a:latin typeface="微軟正黑體" panose="020B0604030504040204" pitchFamily="34" charset="-120"/>
+                <a:ea typeface="微軟正黑體" panose="020B0604030504040204" pitchFamily="34" charset="-120"/>
+                <a:cs typeface="Arial" pitchFamily="34" charset="0"/>
+              </a:defRPr>
+            </a:lvl4pPr>
+            <a:lvl5pPr marL="2057400" indent="-228600" algn="l" rtl="0" eaLnBrk="0" fontAlgn="base" hangingPunct="0">
+              <a:spcBef>
+                <a:spcPct val="20000"/>
+              </a:spcBef>
+              <a:spcAft>
+                <a:spcPct val="0"/>
+              </a:spcAft>
+              <a:buFont typeface="Arial" charset="0"/>
+              <a:buChar char="»"/>
+              <a:defRPr kern="1200">
+                <a:solidFill>
+                  <a:schemeClr val="tx1"/>
+                </a:solidFill>
+                <a:latin typeface="微軟正黑體" panose="020B0604030504040204" pitchFamily="34" charset="-120"/>
+                <a:ea typeface="微軟正黑體" panose="020B0604030504040204" pitchFamily="34" charset="-120"/>
+                <a:cs typeface="Arial" pitchFamily="34" charset="0"/>
+              </a:defRPr>
+            </a:lvl5pPr>
+            <a:lvl6pPr marL="2514600" indent="-228600" algn="l" defTabSz="914400" rtl="0" eaLnBrk="1" latinLnBrk="0" hangingPunct="1">
+              <a:spcBef>
+                <a:spcPct val="20000"/>
+              </a:spcBef>
+              <a:buFont typeface="Arial" pitchFamily="34" charset="0"/>
+              <a:buChar char="•"/>
+              <a:defRPr sz="2000" kern="1200">
+                <a:solidFill>
+                  <a:schemeClr val="tx1"/>
+                </a:solidFill>
+                <a:latin typeface="+mn-lt"/>
+                <a:ea typeface="+mn-ea"/>
+                <a:cs typeface="+mn-cs"/>
+              </a:defRPr>
+            </a:lvl6pPr>
+            <a:lvl7pPr marL="2971800" indent="-228600" algn="l" defTabSz="914400" rtl="0" eaLnBrk="1" latinLnBrk="0" hangingPunct="1">
+              <a:spcBef>
+                <a:spcPct val="20000"/>
+              </a:spcBef>
+              <a:buFont typeface="Arial" pitchFamily="34" charset="0"/>
+              <a:buChar char="•"/>
+              <a:defRPr sz="2000" kern="1200">
+                <a:solidFill>
+                  <a:schemeClr val="tx1"/>
+                </a:solidFill>
+                <a:latin typeface="+mn-lt"/>
+                <a:ea typeface="+mn-ea"/>
+                <a:cs typeface="+mn-cs"/>
+              </a:defRPr>
+            </a:lvl7pPr>
+            <a:lvl8pPr marL="3429000" indent="-228600" algn="l" defTabSz="914400" rtl="0" eaLnBrk="1" latinLnBrk="0" hangingPunct="1">
+              <a:spcBef>
+                <a:spcPct val="20000"/>
+              </a:spcBef>
+              <a:buFont typeface="Arial" pitchFamily="34" charset="0"/>
+              <a:buChar char="•"/>
+              <a:defRPr sz="2000" kern="1200">
+                <a:solidFill>
+                  <a:schemeClr val="tx1"/>
+                </a:solidFill>
+                <a:latin typeface="+mn-lt"/>
+                <a:ea typeface="+mn-ea"/>
+                <a:cs typeface="+mn-cs"/>
+              </a:defRPr>
+            </a:lvl8pPr>
+            <a:lvl9pPr marL="3886200" indent="-228600" algn="l" defTabSz="914400" rtl="0" eaLnBrk="1" latinLnBrk="0" hangingPunct="1">
+              <a:spcBef>
+                <a:spcPct val="20000"/>
+              </a:spcBef>
+              <a:buFont typeface="Arial" pitchFamily="34" charset="0"/>
+              <a:buChar char="•"/>
+              <a:defRPr sz="2000" kern="1200">
+                <a:solidFill>
+                  <a:schemeClr val="tx1"/>
+                </a:solidFill>
+                <a:latin typeface="+mn-lt"/>
+                <a:ea typeface="+mn-ea"/>
+                <a:cs typeface="+mn-cs"/>
+              </a:defRPr>
+            </a:lvl9pPr>
+          </a:lstStyle>
+          <a:p>
+            <a:pPr>
+              <a:buClr>
+                <a:srgbClr val="C00000"/>
+              </a:buClr>
+              <a:buSzPct val="90000"/>
+              <a:buFont typeface="+mj-lt"/>
+              <a:buAutoNum type="arabicPeriod"/>
+            </a:pPr>
+            <a:r>
+              <a:rPr lang="zh-TW" altLang="en-US" sz="1400" dirty="0" smtClean="0">
+                <a:latin typeface="Consolas" panose="020B0609020204030204" pitchFamily="49" charset="0"/>
+                <a:cs typeface="Consolas" panose="020B0609020204030204" pitchFamily="49" charset="0"/>
+                <a:sym typeface="Wingdings" panose="05000000000000000000" pitchFamily="2" charset="2"/>
+              </a:rPr>
+              <a:t>產生的 </a:t>
+            </a:r>
+            <a:r>
+              <a:rPr lang="en-US" altLang="zh-TW" sz="1400" dirty="0" smtClean="0">
+                <a:latin typeface="Consolas" panose="020B0609020204030204" pitchFamily="49" charset="0"/>
+                <a:cs typeface="Consolas" panose="020B0609020204030204" pitchFamily="49" charset="0"/>
+                <a:sym typeface="Wingdings" panose="05000000000000000000" pitchFamily="2" charset="2"/>
+              </a:rPr>
+              <a:t>Entity Class </a:t>
+            </a:r>
+            <a:r>
+              <a:rPr lang="zh-TW" altLang="en-US" sz="1400" dirty="0" smtClean="0">
+                <a:latin typeface="Consolas" panose="020B0609020204030204" pitchFamily="49" charset="0"/>
+                <a:cs typeface="Consolas" panose="020B0609020204030204" pitchFamily="49" charset="0"/>
+                <a:sym typeface="Wingdings" panose="05000000000000000000" pitchFamily="2" charset="2"/>
+              </a:rPr>
+              <a:t>常常需要修改，以下是常見的問題</a:t>
+            </a:r>
+            <a:endParaRPr lang="en-US" altLang="zh-TW" sz="1400" dirty="0" smtClean="0">
+              <a:latin typeface="Consolas" panose="020B0609020204030204" pitchFamily="49" charset="0"/>
+              <a:cs typeface="Consolas" panose="020B0609020204030204" pitchFamily="49" charset="0"/>
+              <a:sym typeface="Wingdings" panose="05000000000000000000" pitchFamily="2" charset="2"/>
+            </a:endParaRPr>
+          </a:p>
+          <a:p>
+            <a:pPr lvl="1">
+              <a:buClr>
+                <a:srgbClr val="C00000"/>
+              </a:buClr>
+              <a:buSzPct val="90000"/>
+            </a:pPr>
+            <a:r>
+              <a:rPr lang="en-US" altLang="zh-TW" sz="1200" dirty="0" smtClean="0">
+                <a:latin typeface="Consolas" panose="020B0609020204030204" pitchFamily="49" charset="0"/>
+                <a:cs typeface="Consolas" panose="020B0609020204030204" pitchFamily="49" charset="0"/>
+                <a:sym typeface="Wingdings" panose="05000000000000000000" pitchFamily="2" charset="2"/>
+              </a:rPr>
+              <a:t> long  Long (long </a:t>
+            </a:r>
+            <a:r>
+              <a:rPr lang="zh-TW" altLang="en-US" sz="1200" dirty="0" smtClean="0">
+                <a:latin typeface="Consolas" panose="020B0609020204030204" pitchFamily="49" charset="0"/>
+                <a:cs typeface="Consolas" panose="020B0609020204030204" pitchFamily="49" charset="0"/>
+                <a:sym typeface="Wingdings" panose="05000000000000000000" pitchFamily="2" charset="2"/>
+              </a:rPr>
+              <a:t>是 </a:t>
+            </a:r>
+            <a:r>
+              <a:rPr lang="en-US" altLang="zh-TW" sz="1200" dirty="0" smtClean="0">
+                <a:latin typeface="Consolas" panose="020B0609020204030204" pitchFamily="49" charset="0"/>
+                <a:cs typeface="Consolas" panose="020B0609020204030204" pitchFamily="49" charset="0"/>
+                <a:sym typeface="Wingdings" panose="05000000000000000000" pitchFamily="2" charset="2"/>
+              </a:rPr>
+              <a:t>primitive type)</a:t>
+            </a:r>
+          </a:p>
+          <a:p>
+            <a:pPr lvl="1">
+              <a:buClr>
+                <a:srgbClr val="C00000"/>
+              </a:buClr>
+              <a:buSzPct val="90000"/>
+            </a:pPr>
+            <a:r>
+              <a:rPr lang="en-US" altLang="zh-TW" sz="1200" dirty="0">
+                <a:latin typeface="Consolas" panose="020B0609020204030204" pitchFamily="49" charset="0"/>
+                <a:cs typeface="Consolas" panose="020B0609020204030204" pitchFamily="49" charset="0"/>
+                <a:sym typeface="Wingdings" panose="05000000000000000000" pitchFamily="2" charset="2"/>
+              </a:rPr>
+              <a:t> </a:t>
+            </a:r>
+            <a:r>
+              <a:rPr lang="en-US" altLang="zh-TW" sz="1200" dirty="0" smtClean="0">
+                <a:latin typeface="Consolas" panose="020B0609020204030204" pitchFamily="49" charset="0"/>
+                <a:cs typeface="Consolas" panose="020B0609020204030204" pitchFamily="49" charset="0"/>
+                <a:sym typeface="Wingdings" panose="05000000000000000000" pitchFamily="2" charset="2"/>
+              </a:rPr>
+              <a:t>Date  Timestamp (</a:t>
+            </a:r>
+            <a:r>
+              <a:rPr lang="en-US" altLang="zh-TW" sz="1200" dirty="0" err="1" smtClean="0">
+                <a:latin typeface="Consolas" panose="020B0609020204030204" pitchFamily="49" charset="0"/>
+                <a:cs typeface="Consolas" panose="020B0609020204030204" pitchFamily="49" charset="0"/>
+                <a:sym typeface="Wingdings" panose="05000000000000000000" pitchFamily="2" charset="2"/>
+              </a:rPr>
+              <a:t>java.sql.date</a:t>
+            </a:r>
+            <a:r>
+              <a:rPr lang="en-US" altLang="zh-TW" sz="1200" dirty="0" smtClean="0">
+                <a:latin typeface="Consolas" panose="020B0609020204030204" pitchFamily="49" charset="0"/>
+                <a:cs typeface="Consolas" panose="020B0609020204030204" pitchFamily="49" charset="0"/>
+                <a:sym typeface="Wingdings" panose="05000000000000000000" pitchFamily="2" charset="2"/>
+              </a:rPr>
+              <a:t> </a:t>
+            </a:r>
+            <a:r>
+              <a:rPr lang="zh-TW" altLang="en-US" sz="1200" dirty="0" smtClean="0">
+                <a:latin typeface="Consolas" panose="020B0609020204030204" pitchFamily="49" charset="0"/>
+                <a:cs typeface="Consolas" panose="020B0609020204030204" pitchFamily="49" charset="0"/>
+                <a:sym typeface="Wingdings" panose="05000000000000000000" pitchFamily="2" charset="2"/>
+              </a:rPr>
+              <a:t>只有到日期</a:t>
+            </a:r>
+            <a:r>
+              <a:rPr lang="en-US" altLang="zh-TW" sz="1200" dirty="0" smtClean="0">
+                <a:latin typeface="Consolas" panose="020B0609020204030204" pitchFamily="49" charset="0"/>
+                <a:cs typeface="Consolas" panose="020B0609020204030204" pitchFamily="49" charset="0"/>
+                <a:sym typeface="Wingdings" panose="05000000000000000000" pitchFamily="2" charset="2"/>
+              </a:rPr>
+              <a:t>)</a:t>
+            </a:r>
+          </a:p>
+          <a:p>
+            <a:pPr lvl="1">
+              <a:buClr>
+                <a:srgbClr val="C00000"/>
+              </a:buClr>
+              <a:buSzPct val="90000"/>
+            </a:pPr>
+            <a:endParaRPr lang="en-US" altLang="zh-TW" sz="1200" dirty="0" smtClean="0">
+              <a:latin typeface="Consolas" panose="020B0609020204030204" pitchFamily="49" charset="0"/>
+              <a:cs typeface="Consolas" panose="020B0609020204030204" pitchFamily="49" charset="0"/>
+              <a:sym typeface="Wingdings" panose="05000000000000000000" pitchFamily="2" charset="2"/>
+            </a:endParaRPr>
+          </a:p>
+        </p:txBody>
+      </p:sp>
+    </p:spTree>
+    <p:extLst>
+      <p:ext uri="{BB962C8B-B14F-4D97-AF65-F5344CB8AC3E}">
+        <p14:creationId xmlns:p14="http://schemas.microsoft.com/office/powerpoint/2010/main" val="2995678881"/>
+      </p:ext>
+    </p:extLst>
+  </p:cSld>
+  <p:clrMapOvr>
+    <a:masterClrMapping/>
+  </p:clrMapOvr>
+</p:sld>
+</file>
+
+<file path=ppt/slides/slide37.xml><?xml version="1.0" encoding="utf-8"?>
+<p:sld xmlns:a="http://schemas.openxmlformats.org/drawingml/2006/main" xmlns:r="http://schemas.openxmlformats.org/officeDocument/2006/relationships" xmlns:p="http://schemas.openxmlformats.org/presentationml/2006/main">
+  <p:cSld>
+    <p:spTree>
+      <p:nvGrpSpPr>
+        <p:cNvPr id="1" name=""/>
+        <p:cNvGrpSpPr/>
+        <p:nvPr/>
+      </p:nvGrpSpPr>
+      <p:grpSpPr>
+        <a:xfrm>
+          <a:off x="0" y="0"/>
+          <a:ext cx="0" cy="0"/>
+          <a:chOff x="0" y="0"/>
+          <a:chExt cx="0" cy="0"/>
+        </a:xfrm>
+      </p:grpSpPr>
+      <p:sp>
+        <p:nvSpPr>
+          <p:cNvPr id="2" name="標題 1"/>
+          <p:cNvSpPr>
+            <a:spLocks noGrp="1"/>
+          </p:cNvSpPr>
+          <p:nvPr>
+            <p:ph type="title"/>
+          </p:nvPr>
+        </p:nvSpPr>
+        <p:spPr/>
+        <p:txBody>
+          <a:bodyPr/>
+          <a:lstStyle/>
+          <a:p>
+            <a:r>
+              <a:rPr lang="zh-TW" altLang="en-US" dirty="0" smtClean="0"/>
+              <a:t>製作初始 </a:t>
+            </a:r>
+            <a:r>
+              <a:rPr lang="en-US" altLang="zh-TW" dirty="0" err="1" smtClean="0"/>
+              <a:t>H2</a:t>
+            </a:r>
+            <a:r>
+              <a:rPr lang="en-US" altLang="zh-TW" dirty="0" smtClean="0"/>
+              <a:t> script </a:t>
+            </a:r>
+            <a:endParaRPr lang="zh-TW" altLang="en-US" dirty="0"/>
+          </a:p>
+        </p:txBody>
+      </p:sp>
       <p:pic>
         <p:nvPicPr>
-          <p:cNvPr id="7172" name="Picture 4"/>
+          <p:cNvPr id="6146" name="Picture 2"/>
+          <p:cNvPicPr>
+            <a:picLocks noChangeAspect="1" noChangeArrowheads="1"/>
+          </p:cNvPicPr>
+          <p:nvPr/>
+        </p:nvPicPr>
+        <p:blipFill>
+          <a:blip r:embed="rId2">
+            <a:extLst>
+              <a:ext uri="{28A0092B-C50C-407E-A947-70E740481C1C}">
+                <a14:useLocalDpi xmlns:a14="http://schemas.microsoft.com/office/drawing/2010/main" val="0"/>
+              </a:ext>
+            </a:extLst>
+          </a:blip>
+          <a:srcRect/>
+          <a:stretch>
+            <a:fillRect/>
+          </a:stretch>
+        </p:blipFill>
+        <p:spPr bwMode="auto">
+          <a:xfrm>
+            <a:off x="259256" y="4005064"/>
+            <a:ext cx="3811529" cy="2664296"/>
+          </a:xfrm>
+          <a:prstGeom prst="rect">
+            <a:avLst/>
+          </a:prstGeom>
+          <a:noFill/>
+          <a:ln>
+            <a:noFill/>
+          </a:ln>
+          <a:extLst>
+            <a:ext uri="{909E8E84-426E-40DD-AFC4-6F175D3DCCD1}">
+              <a14:hiddenFill xmlns:a14="http://schemas.microsoft.com/office/drawing/2010/main">
+                <a:solidFill>
+                  <a:schemeClr val="accent1"/>
+                </a:solidFill>
+              </a14:hiddenFill>
+            </a:ext>
+            <a:ext uri="{91240B29-F687-4F45-9708-019B960494DF}">
+              <a14:hiddenLine xmlns:a14="http://schemas.microsoft.com/office/drawing/2010/main" w="9525">
+                <a:solidFill>
+                  <a:schemeClr val="tx1"/>
+                </a:solidFill>
+                <a:miter lim="800000"/>
+                <a:headEnd/>
+                <a:tailEnd/>
+              </a14:hiddenLine>
+            </a:ext>
+          </a:extLst>
+        </p:spPr>
+      </p:pic>
+      <p:pic>
+        <p:nvPicPr>
+          <p:cNvPr id="6147" name="Picture 3"/>
+          <p:cNvPicPr>
+            <a:picLocks noChangeAspect="1" noChangeArrowheads="1"/>
+          </p:cNvPicPr>
+          <p:nvPr/>
+        </p:nvPicPr>
+        <p:blipFill>
+          <a:blip r:embed="rId3">
+            <a:extLst>
+              <a:ext uri="{28A0092B-C50C-407E-A947-70E740481C1C}">
+                <a14:useLocalDpi xmlns:a14="http://schemas.microsoft.com/office/drawing/2010/main" val="0"/>
+              </a:ext>
+            </a:extLst>
+          </a:blip>
+          <a:srcRect/>
+          <a:stretch>
+            <a:fillRect/>
+          </a:stretch>
+        </p:blipFill>
+        <p:spPr bwMode="auto">
+          <a:xfrm>
+            <a:off x="5384361" y="4041067"/>
+            <a:ext cx="3248533" cy="2685795"/>
+          </a:xfrm>
+          <a:prstGeom prst="rect">
+            <a:avLst/>
+          </a:prstGeom>
+          <a:noFill/>
+          <a:ln>
+            <a:noFill/>
+          </a:ln>
+          <a:extLst>
+            <a:ext uri="{909E8E84-426E-40DD-AFC4-6F175D3DCCD1}">
+              <a14:hiddenFill xmlns:a14="http://schemas.microsoft.com/office/drawing/2010/main">
+                <a:solidFill>
+                  <a:schemeClr val="accent1"/>
+                </a:solidFill>
+              </a14:hiddenFill>
+            </a:ext>
+            <a:ext uri="{91240B29-F687-4F45-9708-019B960494DF}">
+              <a14:hiddenLine xmlns:a14="http://schemas.microsoft.com/office/drawing/2010/main" w="9525">
+                <a:solidFill>
+                  <a:schemeClr val="tx1"/>
+                </a:solidFill>
+                <a:miter lim="800000"/>
+                <a:headEnd/>
+                <a:tailEnd/>
+              </a14:hiddenLine>
+            </a:ext>
+          </a:extLst>
+        </p:spPr>
+      </p:pic>
+      <p:pic>
+        <p:nvPicPr>
+          <p:cNvPr id="6148" name="Picture 4"/>
           <p:cNvPicPr>
             <a:picLocks noChangeAspect="1" noChangeArrowheads="1"/>
           </p:cNvPicPr>
@@ -21735,8 +24026,8 @@
         </p:blipFill>
         <p:spPr bwMode="auto">
           <a:xfrm>
-            <a:off x="210951" y="4077072"/>
-            <a:ext cx="4073017" cy="598405"/>
+            <a:off x="230859" y="2208774"/>
+            <a:ext cx="4581525" cy="438150"/>
           </a:xfrm>
           <a:prstGeom prst="rect">
             <a:avLst/>
@@ -21768,7 +24059,7 @@
       </p:pic>
       <p:pic>
         <p:nvPicPr>
-          <p:cNvPr id="7173" name="Picture 5"/>
+          <p:cNvPr id="6149" name="Picture 5"/>
           <p:cNvPicPr>
             <a:picLocks noChangeAspect="1" noChangeArrowheads="1"/>
           </p:cNvPicPr>
@@ -21789,8 +24080,8 @@
         </p:blipFill>
         <p:spPr bwMode="auto">
           <a:xfrm>
-            <a:off x="231235" y="4869160"/>
-            <a:ext cx="5060845" cy="1776848"/>
+            <a:off x="1950025" y="2852936"/>
+            <a:ext cx="2771775" cy="390525"/>
           </a:xfrm>
           <a:prstGeom prst="rect">
             <a:avLst/>
@@ -21820,10 +24111,1152 @@
           </a:extLst>
         </p:spPr>
       </p:pic>
+      <p:sp>
+        <p:nvSpPr>
+          <p:cNvPr id="8" name="橢圓 7"/>
+          <p:cNvSpPr/>
+          <p:nvPr/>
+        </p:nvSpPr>
+        <p:spPr>
+          <a:xfrm>
+            <a:off x="182002" y="1647607"/>
+            <a:ext cx="432048" cy="360040"/>
+          </a:xfrm>
+          <a:prstGeom prst="ellipse">
+            <a:avLst/>
+          </a:prstGeom>
+        </p:spPr>
+        <p:style>
+          <a:lnRef idx="2">
+            <a:schemeClr val="accent1">
+              <a:shade val="50000"/>
+            </a:schemeClr>
+          </a:lnRef>
+          <a:fillRef idx="1">
+            <a:schemeClr val="accent1"/>
+          </a:fillRef>
+          <a:effectRef idx="0">
+            <a:schemeClr val="accent1"/>
+          </a:effectRef>
+          <a:fontRef idx="minor">
+            <a:schemeClr val="lt1"/>
+          </a:fontRef>
+        </p:style>
+        <p:txBody>
+          <a:bodyPr rtlCol="0" anchor="ctr"/>
+          <a:lstStyle/>
+          <a:p>
+            <a:pPr algn="ctr"/>
+            <a:r>
+              <a:rPr lang="en-US" altLang="zh-TW" dirty="0" smtClean="0"/>
+              <a:t>1</a:t>
+            </a:r>
+            <a:endParaRPr lang="zh-TW" altLang="en-US" dirty="0"/>
+          </a:p>
+        </p:txBody>
+      </p:sp>
+      <p:sp>
+        <p:nvSpPr>
+          <p:cNvPr id="9" name="橢圓 8"/>
+          <p:cNvSpPr/>
+          <p:nvPr/>
+        </p:nvSpPr>
+        <p:spPr>
+          <a:xfrm>
+            <a:off x="43232" y="3618655"/>
+            <a:ext cx="432048" cy="360040"/>
+          </a:xfrm>
+          <a:prstGeom prst="ellipse">
+            <a:avLst/>
+          </a:prstGeom>
+        </p:spPr>
+        <p:style>
+          <a:lnRef idx="2">
+            <a:schemeClr val="accent1">
+              <a:shade val="50000"/>
+            </a:schemeClr>
+          </a:lnRef>
+          <a:fillRef idx="1">
+            <a:schemeClr val="accent1"/>
+          </a:fillRef>
+          <a:effectRef idx="0">
+            <a:schemeClr val="accent1"/>
+          </a:effectRef>
+          <a:fontRef idx="minor">
+            <a:schemeClr val="lt1"/>
+          </a:fontRef>
+        </p:style>
+        <p:txBody>
+          <a:bodyPr rtlCol="0" anchor="ctr"/>
+          <a:lstStyle/>
+          <a:p>
+            <a:pPr algn="ctr"/>
+            <a:r>
+              <a:rPr lang="en-US" altLang="zh-TW" dirty="0" smtClean="0"/>
+              <a:t>2</a:t>
+            </a:r>
+            <a:endParaRPr lang="zh-TW" altLang="en-US" dirty="0"/>
+          </a:p>
+        </p:txBody>
+      </p:sp>
+      <p:sp>
+        <p:nvSpPr>
+          <p:cNvPr id="10" name="橢圓 9"/>
+          <p:cNvSpPr/>
+          <p:nvPr/>
+        </p:nvSpPr>
+        <p:spPr>
+          <a:xfrm>
+            <a:off x="5111764" y="3861047"/>
+            <a:ext cx="432048" cy="360040"/>
+          </a:xfrm>
+          <a:prstGeom prst="ellipse">
+            <a:avLst/>
+          </a:prstGeom>
+        </p:spPr>
+        <p:style>
+          <a:lnRef idx="2">
+            <a:schemeClr val="accent1">
+              <a:shade val="50000"/>
+            </a:schemeClr>
+          </a:lnRef>
+          <a:fillRef idx="1">
+            <a:schemeClr val="accent1"/>
+          </a:fillRef>
+          <a:effectRef idx="0">
+            <a:schemeClr val="accent1"/>
+          </a:effectRef>
+          <a:fontRef idx="minor">
+            <a:schemeClr val="lt1"/>
+          </a:fontRef>
+        </p:style>
+        <p:txBody>
+          <a:bodyPr rtlCol="0" anchor="ctr"/>
+          <a:lstStyle/>
+          <a:p>
+            <a:pPr algn="ctr"/>
+            <a:r>
+              <a:rPr lang="en-US" altLang="zh-TW" dirty="0" smtClean="0"/>
+              <a:t>3</a:t>
+            </a:r>
+            <a:endParaRPr lang="zh-TW" altLang="en-US" dirty="0"/>
+          </a:p>
+        </p:txBody>
+      </p:sp>
+      <p:sp>
+        <p:nvSpPr>
+          <p:cNvPr id="11" name="內容版面配置區 2"/>
+          <p:cNvSpPr txBox="1">
+            <a:spLocks/>
+          </p:cNvSpPr>
+          <p:nvPr/>
+        </p:nvSpPr>
+        <p:spPr bwMode="auto">
+          <a:xfrm>
+            <a:off x="4812384" y="1569738"/>
+            <a:ext cx="4182140" cy="2154372"/>
+          </a:xfrm>
+          <a:prstGeom prst="rect">
+            <a:avLst/>
+          </a:prstGeom>
+          <a:ln/>
+          <a:extLst/>
+        </p:spPr>
+        <p:style>
+          <a:lnRef idx="1">
+            <a:schemeClr val="accent4"/>
+          </a:lnRef>
+          <a:fillRef idx="2">
+            <a:schemeClr val="accent4"/>
+          </a:fillRef>
+          <a:effectRef idx="1">
+            <a:schemeClr val="accent4"/>
+          </a:effectRef>
+          <a:fontRef idx="minor">
+            <a:schemeClr val="dk1"/>
+          </a:fontRef>
+        </p:style>
+        <p:txBody>
+          <a:bodyPr vert="horz" wrap="square" lIns="91440" tIns="45720" rIns="91440" bIns="45720" numCol="1" anchor="t" anchorCtr="0" compatLnSpc="1">
+            <a:prstTxWarp prst="textNoShape">
+              <a:avLst/>
+            </a:prstTxWarp>
+          </a:bodyPr>
+          <a:lstStyle>
+            <a:lvl1pPr marL="342900" indent="-342900" algn="l" rtl="0" eaLnBrk="0" fontAlgn="base" hangingPunct="0">
+              <a:spcBef>
+                <a:spcPct val="20000"/>
+              </a:spcBef>
+              <a:spcAft>
+                <a:spcPct val="0"/>
+              </a:spcAft>
+              <a:buSzPct val="80000"/>
+              <a:buFont typeface="Wingdings" panose="05000000000000000000" pitchFamily="2" charset="2"/>
+              <a:buChar char="l"/>
+              <a:defRPr sz="2800" kern="1200">
+                <a:solidFill>
+                  <a:schemeClr val="tx1"/>
+                </a:solidFill>
+                <a:latin typeface="微軟正黑體" panose="020B0604030504040204" pitchFamily="34" charset="-120"/>
+                <a:ea typeface="微軟正黑體" panose="020B0604030504040204" pitchFamily="34" charset="-120"/>
+                <a:cs typeface="Arial" pitchFamily="34" charset="0"/>
+              </a:defRPr>
+            </a:lvl1pPr>
+            <a:lvl2pPr marL="742950" indent="-285750" algn="l" rtl="0" eaLnBrk="0" fontAlgn="base" hangingPunct="0">
+              <a:spcBef>
+                <a:spcPct val="20000"/>
+              </a:spcBef>
+              <a:spcAft>
+                <a:spcPct val="0"/>
+              </a:spcAft>
+              <a:buSzPct val="80000"/>
+              <a:buFont typeface="Wingdings" panose="05000000000000000000" pitchFamily="2" charset="2"/>
+              <a:buChar char="n"/>
+              <a:defRPr sz="2400" kern="1200">
+                <a:solidFill>
+                  <a:schemeClr val="tx1"/>
+                </a:solidFill>
+                <a:latin typeface="微軟正黑體" panose="020B0604030504040204" pitchFamily="34" charset="-120"/>
+                <a:ea typeface="微軟正黑體" panose="020B0604030504040204" pitchFamily="34" charset="-120"/>
+                <a:cs typeface="Arial" pitchFamily="34" charset="0"/>
+              </a:defRPr>
+            </a:lvl2pPr>
+            <a:lvl3pPr marL="1143000" indent="-228600" algn="l" rtl="0" eaLnBrk="0" fontAlgn="base" hangingPunct="0">
+              <a:spcBef>
+                <a:spcPct val="20000"/>
+              </a:spcBef>
+              <a:spcAft>
+                <a:spcPct val="0"/>
+              </a:spcAft>
+              <a:buFont typeface="Arial" charset="0"/>
+              <a:buChar char="•"/>
+              <a:defRPr sz="2000" kern="1200">
+                <a:solidFill>
+                  <a:schemeClr val="tx1"/>
+                </a:solidFill>
+                <a:latin typeface="微軟正黑體" panose="020B0604030504040204" pitchFamily="34" charset="-120"/>
+                <a:ea typeface="微軟正黑體" panose="020B0604030504040204" pitchFamily="34" charset="-120"/>
+                <a:cs typeface="Arial" pitchFamily="34" charset="0"/>
+              </a:defRPr>
+            </a:lvl3pPr>
+            <a:lvl4pPr marL="1600200" indent="-228600" algn="l" rtl="0" eaLnBrk="0" fontAlgn="base" hangingPunct="0">
+              <a:spcBef>
+                <a:spcPct val="20000"/>
+              </a:spcBef>
+              <a:spcAft>
+                <a:spcPct val="0"/>
+              </a:spcAft>
+              <a:buFont typeface="Arial" charset="0"/>
+              <a:buChar char="–"/>
+              <a:defRPr kern="1200">
+                <a:solidFill>
+                  <a:schemeClr val="tx1"/>
+                </a:solidFill>
+                <a:latin typeface="微軟正黑體" panose="020B0604030504040204" pitchFamily="34" charset="-120"/>
+                <a:ea typeface="微軟正黑體" panose="020B0604030504040204" pitchFamily="34" charset="-120"/>
+                <a:cs typeface="Arial" pitchFamily="34" charset="0"/>
+              </a:defRPr>
+            </a:lvl4pPr>
+            <a:lvl5pPr marL="2057400" indent="-228600" algn="l" rtl="0" eaLnBrk="0" fontAlgn="base" hangingPunct="0">
+              <a:spcBef>
+                <a:spcPct val="20000"/>
+              </a:spcBef>
+              <a:spcAft>
+                <a:spcPct val="0"/>
+              </a:spcAft>
+              <a:buFont typeface="Arial" charset="0"/>
+              <a:buChar char="»"/>
+              <a:defRPr kern="1200">
+                <a:solidFill>
+                  <a:schemeClr val="tx1"/>
+                </a:solidFill>
+                <a:latin typeface="微軟正黑體" panose="020B0604030504040204" pitchFamily="34" charset="-120"/>
+                <a:ea typeface="微軟正黑體" panose="020B0604030504040204" pitchFamily="34" charset="-120"/>
+                <a:cs typeface="Arial" pitchFamily="34" charset="0"/>
+              </a:defRPr>
+            </a:lvl5pPr>
+            <a:lvl6pPr marL="2514600" indent="-228600" algn="l" defTabSz="914400" rtl="0" eaLnBrk="1" latinLnBrk="0" hangingPunct="1">
+              <a:spcBef>
+                <a:spcPct val="20000"/>
+              </a:spcBef>
+              <a:buFont typeface="Arial" pitchFamily="34" charset="0"/>
+              <a:buChar char="•"/>
+              <a:defRPr sz="2000" kern="1200">
+                <a:solidFill>
+                  <a:schemeClr val="tx1"/>
+                </a:solidFill>
+                <a:latin typeface="+mn-lt"/>
+                <a:ea typeface="+mn-ea"/>
+                <a:cs typeface="+mn-cs"/>
+              </a:defRPr>
+            </a:lvl6pPr>
+            <a:lvl7pPr marL="2971800" indent="-228600" algn="l" defTabSz="914400" rtl="0" eaLnBrk="1" latinLnBrk="0" hangingPunct="1">
+              <a:spcBef>
+                <a:spcPct val="20000"/>
+              </a:spcBef>
+              <a:buFont typeface="Arial" pitchFamily="34" charset="0"/>
+              <a:buChar char="•"/>
+              <a:defRPr sz="2000" kern="1200">
+                <a:solidFill>
+                  <a:schemeClr val="tx1"/>
+                </a:solidFill>
+                <a:latin typeface="+mn-lt"/>
+                <a:ea typeface="+mn-ea"/>
+                <a:cs typeface="+mn-cs"/>
+              </a:defRPr>
+            </a:lvl7pPr>
+            <a:lvl8pPr marL="3429000" indent="-228600" algn="l" defTabSz="914400" rtl="0" eaLnBrk="1" latinLnBrk="0" hangingPunct="1">
+              <a:spcBef>
+                <a:spcPct val="20000"/>
+              </a:spcBef>
+              <a:buFont typeface="Arial" pitchFamily="34" charset="0"/>
+              <a:buChar char="•"/>
+              <a:defRPr sz="2000" kern="1200">
+                <a:solidFill>
+                  <a:schemeClr val="tx1"/>
+                </a:solidFill>
+                <a:latin typeface="+mn-lt"/>
+                <a:ea typeface="+mn-ea"/>
+                <a:cs typeface="+mn-cs"/>
+              </a:defRPr>
+            </a:lvl8pPr>
+            <a:lvl9pPr marL="3886200" indent="-228600" algn="l" defTabSz="914400" rtl="0" eaLnBrk="1" latinLnBrk="0" hangingPunct="1">
+              <a:spcBef>
+                <a:spcPct val="20000"/>
+              </a:spcBef>
+              <a:buFont typeface="Arial" pitchFamily="34" charset="0"/>
+              <a:buChar char="•"/>
+              <a:defRPr sz="2000" kern="1200">
+                <a:solidFill>
+                  <a:schemeClr val="tx1"/>
+                </a:solidFill>
+                <a:latin typeface="+mn-lt"/>
+                <a:ea typeface="+mn-ea"/>
+                <a:cs typeface="+mn-cs"/>
+              </a:defRPr>
+            </a:lvl9pPr>
+          </a:lstStyle>
+          <a:p>
+            <a:pPr>
+              <a:buClr>
+                <a:srgbClr val="C00000"/>
+              </a:buClr>
+              <a:buSzPct val="90000"/>
+              <a:buFont typeface="+mj-lt"/>
+              <a:buAutoNum type="arabicPeriod"/>
+            </a:pPr>
+            <a:r>
+              <a:rPr lang="zh-TW" altLang="en-US" sz="1400" dirty="0" smtClean="0">
+                <a:latin typeface="Consolas" panose="020B0609020204030204" pitchFamily="49" charset="0"/>
+                <a:cs typeface="Consolas" panose="020B0609020204030204" pitchFamily="49" charset="0"/>
+                <a:sym typeface="Wingdings" panose="05000000000000000000" pitchFamily="2" charset="2"/>
+              </a:rPr>
+              <a:t>在 </a:t>
+            </a:r>
+            <a:r>
+              <a:rPr lang="en-US" altLang="zh-TW" sz="1400" dirty="0" err="1" smtClean="0">
+                <a:latin typeface="Consolas" panose="020B0609020204030204" pitchFamily="49" charset="0"/>
+                <a:cs typeface="Consolas" panose="020B0609020204030204" pitchFamily="49" charset="0"/>
+                <a:sym typeface="Wingdings" panose="05000000000000000000" pitchFamily="2" charset="2"/>
+              </a:rPr>
+              <a:t>src</a:t>
+            </a:r>
+            <a:r>
+              <a:rPr lang="en-US" altLang="zh-TW" sz="1400" dirty="0" smtClean="0">
+                <a:latin typeface="Consolas" panose="020B0609020204030204" pitchFamily="49" charset="0"/>
+                <a:cs typeface="Consolas" panose="020B0609020204030204" pitchFamily="49" charset="0"/>
+                <a:sym typeface="Wingdings" panose="05000000000000000000" pitchFamily="2" charset="2"/>
+              </a:rPr>
+              <a:t>/test/resources </a:t>
+            </a:r>
+            <a:r>
+              <a:rPr lang="zh-TW" altLang="en-US" sz="1400" dirty="0" smtClean="0">
+                <a:latin typeface="Consolas" panose="020B0609020204030204" pitchFamily="49" charset="0"/>
+                <a:cs typeface="Consolas" panose="020B0609020204030204" pitchFamily="49" charset="0"/>
+                <a:sym typeface="Wingdings" panose="05000000000000000000" pitchFamily="2" charset="2"/>
+              </a:rPr>
+              <a:t>按右鍵 </a:t>
+            </a:r>
+            <a:r>
+              <a:rPr lang="en-US" altLang="zh-TW" sz="1400" dirty="0" smtClean="0">
+                <a:latin typeface="Consolas" panose="020B0609020204030204" pitchFamily="49" charset="0"/>
+                <a:cs typeface="Consolas" panose="020B0609020204030204" pitchFamily="49" charset="0"/>
+                <a:sym typeface="Wingdings" panose="05000000000000000000" pitchFamily="2" charset="2"/>
+              </a:rPr>
+              <a:t> new  Other</a:t>
+            </a:r>
+          </a:p>
+          <a:p>
+            <a:pPr>
+              <a:buClr>
+                <a:srgbClr val="C00000"/>
+              </a:buClr>
+              <a:buSzPct val="90000"/>
+              <a:buFont typeface="+mj-lt"/>
+              <a:buAutoNum type="arabicPeriod"/>
+            </a:pPr>
+            <a:r>
+              <a:rPr lang="zh-TW" altLang="en-US" sz="1400" dirty="0" smtClean="0">
+                <a:latin typeface="Consolas" panose="020B0609020204030204" pitchFamily="49" charset="0"/>
+                <a:cs typeface="Consolas" panose="020B0609020204030204" pitchFamily="49" charset="0"/>
+                <a:sym typeface="Wingdings" panose="05000000000000000000" pitchFamily="2" charset="2"/>
+              </a:rPr>
+              <a:t>選取 </a:t>
+            </a:r>
+            <a:r>
+              <a:rPr lang="en-US" altLang="zh-TW" sz="1400" dirty="0" smtClean="0">
+                <a:latin typeface="Consolas" panose="020B0609020204030204" pitchFamily="49" charset="0"/>
+                <a:cs typeface="Consolas" panose="020B0609020204030204" pitchFamily="49" charset="0"/>
+                <a:sym typeface="Wingdings" panose="05000000000000000000" pitchFamily="2" charset="2"/>
+              </a:rPr>
+              <a:t>File</a:t>
+            </a:r>
+          </a:p>
+          <a:p>
+            <a:pPr>
+              <a:buClr>
+                <a:srgbClr val="C00000"/>
+              </a:buClr>
+              <a:buSzPct val="90000"/>
+              <a:buFont typeface="+mj-lt"/>
+              <a:buAutoNum type="arabicPeriod"/>
+            </a:pPr>
+            <a:r>
+              <a:rPr lang="zh-TW" altLang="en-US" sz="1400" dirty="0" smtClean="0">
+                <a:latin typeface="Consolas" panose="020B0609020204030204" pitchFamily="49" charset="0"/>
+                <a:cs typeface="Consolas" panose="020B0609020204030204" pitchFamily="49" charset="0"/>
+                <a:sym typeface="Wingdings" panose="05000000000000000000" pitchFamily="2" charset="2"/>
+              </a:rPr>
+              <a:t>輸入 </a:t>
+            </a:r>
+            <a:r>
+              <a:rPr lang="en-US" altLang="zh-TW" sz="1400" dirty="0" err="1" smtClean="0">
+                <a:latin typeface="Consolas" panose="020B0609020204030204" pitchFamily="49" charset="0"/>
+                <a:cs typeface="Consolas" panose="020B0609020204030204" pitchFamily="49" charset="0"/>
+                <a:sym typeface="Wingdings" panose="05000000000000000000" pitchFamily="2" charset="2"/>
+              </a:rPr>
+              <a:t>initial_db.sql</a:t>
+            </a:r>
+            <a:endParaRPr lang="en-US" altLang="zh-TW" sz="1400" dirty="0" smtClean="0">
+              <a:latin typeface="Consolas" panose="020B0609020204030204" pitchFamily="49" charset="0"/>
+              <a:cs typeface="Consolas" panose="020B0609020204030204" pitchFamily="49" charset="0"/>
+              <a:sym typeface="Wingdings" panose="05000000000000000000" pitchFamily="2" charset="2"/>
+            </a:endParaRPr>
+          </a:p>
+        </p:txBody>
+      </p:sp>
     </p:spTree>
     <p:extLst>
       <p:ext uri="{BB962C8B-B14F-4D97-AF65-F5344CB8AC3E}">
-        <p14:creationId xmlns:p14="http://schemas.microsoft.com/office/powerpoint/2010/main" val="3797979598"/>
+        <p14:creationId xmlns:p14="http://schemas.microsoft.com/office/powerpoint/2010/main" val="3127651551"/>
+      </p:ext>
+    </p:extLst>
+  </p:cSld>
+  <p:clrMapOvr>
+    <a:masterClrMapping/>
+  </p:clrMapOvr>
+</p:sld>
+</file>
+
+<file path=ppt/slides/slide38.xml><?xml version="1.0" encoding="utf-8"?>
+<p:sld xmlns:a="http://schemas.openxmlformats.org/drawingml/2006/main" xmlns:r="http://schemas.openxmlformats.org/officeDocument/2006/relationships" xmlns:p="http://schemas.openxmlformats.org/presentationml/2006/main">
+  <p:cSld>
+    <p:spTree>
+      <p:nvGrpSpPr>
+        <p:cNvPr id="1" name=""/>
+        <p:cNvGrpSpPr/>
+        <p:nvPr/>
+      </p:nvGrpSpPr>
+      <p:grpSpPr>
+        <a:xfrm>
+          <a:off x="0" y="0"/>
+          <a:ext cx="0" cy="0"/>
+          <a:chOff x="0" y="0"/>
+          <a:chExt cx="0" cy="0"/>
+        </a:xfrm>
+      </p:grpSpPr>
+      <p:sp>
+        <p:nvSpPr>
+          <p:cNvPr id="2" name="標題 1"/>
+          <p:cNvSpPr>
+            <a:spLocks noGrp="1"/>
+          </p:cNvSpPr>
+          <p:nvPr>
+            <p:ph type="title"/>
+          </p:nvPr>
+        </p:nvSpPr>
+        <p:spPr/>
+        <p:txBody>
+          <a:bodyPr/>
+          <a:lstStyle/>
+          <a:p>
+            <a:r>
+              <a:rPr lang="zh-TW" altLang="en-US" dirty="0"/>
+              <a:t>製作初始 </a:t>
+            </a:r>
+            <a:r>
+              <a:rPr lang="en-US" altLang="zh-TW" dirty="0" err="1"/>
+              <a:t>H2</a:t>
+            </a:r>
+            <a:r>
+              <a:rPr lang="en-US" altLang="zh-TW" dirty="0"/>
+              <a:t> script </a:t>
+            </a:r>
+            <a:endParaRPr lang="zh-TW" altLang="en-US" dirty="0"/>
+          </a:p>
+        </p:txBody>
+      </p:sp>
+      <p:sp>
+        <p:nvSpPr>
+          <p:cNvPr id="5" name="文字方塊 4"/>
+          <p:cNvSpPr txBox="1"/>
+          <p:nvPr/>
+        </p:nvSpPr>
+        <p:spPr>
+          <a:xfrm>
+            <a:off x="227382" y="1700808"/>
+            <a:ext cx="5256584" cy="2708434"/>
+          </a:xfrm>
+          <a:prstGeom prst="rect">
+            <a:avLst/>
+          </a:prstGeom>
+        </p:spPr>
+        <p:style>
+          <a:lnRef idx="1">
+            <a:schemeClr val="accent2"/>
+          </a:lnRef>
+          <a:fillRef idx="2">
+            <a:schemeClr val="accent2"/>
+          </a:fillRef>
+          <a:effectRef idx="1">
+            <a:schemeClr val="accent2"/>
+          </a:effectRef>
+          <a:fontRef idx="minor">
+            <a:schemeClr val="dk1"/>
+          </a:fontRef>
+        </p:style>
+        <p:txBody>
+          <a:bodyPr wrap="square" rtlCol="0">
+            <a:spAutoFit/>
+          </a:bodyPr>
+          <a:lstStyle/>
+          <a:p>
+            <a:r>
+              <a:rPr lang="en-US" altLang="zh-TW" sz="1000" dirty="0">
+                <a:latin typeface="Consolas" panose="020B0609020204030204" pitchFamily="49" charset="0"/>
+                <a:cs typeface="Consolas" panose="020B0609020204030204" pitchFamily="49" charset="0"/>
+              </a:rPr>
+              <a:t>-- </a:t>
+            </a:r>
+            <a:r>
+              <a:rPr lang="zh-TW" altLang="en-US" sz="1000" dirty="0">
+                <a:latin typeface="Consolas" panose="020B0609020204030204" pitchFamily="49" charset="0"/>
+                <a:cs typeface="Consolas" panose="020B0609020204030204" pitchFamily="49" charset="0"/>
+              </a:rPr>
+              <a:t>開一個 </a:t>
+            </a:r>
+            <a:r>
+              <a:rPr lang="en-US" altLang="zh-TW" sz="1000" dirty="0" err="1">
+                <a:latin typeface="Consolas" panose="020B0609020204030204" pitchFamily="49" charset="0"/>
+                <a:cs typeface="Consolas" panose="020B0609020204030204" pitchFamily="49" charset="0"/>
+              </a:rPr>
+              <a:t>asset_type</a:t>
+            </a:r>
+            <a:r>
+              <a:rPr lang="en-US" altLang="zh-TW" sz="1000" dirty="0">
+                <a:latin typeface="Consolas" panose="020B0609020204030204" pitchFamily="49" charset="0"/>
+                <a:cs typeface="Consolas" panose="020B0609020204030204" pitchFamily="49" charset="0"/>
+              </a:rPr>
+              <a:t> </a:t>
+            </a:r>
+            <a:r>
+              <a:rPr lang="zh-TW" altLang="en-US" sz="1000" dirty="0">
+                <a:latin typeface="Consolas" panose="020B0609020204030204" pitchFamily="49" charset="0"/>
+                <a:cs typeface="Consolas" panose="020B0609020204030204" pitchFamily="49" charset="0"/>
+              </a:rPr>
+              <a:t>資料表</a:t>
+            </a:r>
+          </a:p>
+          <a:p>
+            <a:r>
+              <a:rPr lang="en-US" altLang="zh-TW" sz="1000" dirty="0">
+                <a:latin typeface="Consolas" panose="020B0609020204030204" pitchFamily="49" charset="0"/>
+                <a:cs typeface="Consolas" panose="020B0609020204030204" pitchFamily="49" charset="0"/>
+              </a:rPr>
+              <a:t>CREATE TABLE if not exists </a:t>
+            </a:r>
+            <a:r>
+              <a:rPr lang="en-US" altLang="zh-TW" sz="1000" dirty="0" err="1">
+                <a:latin typeface="Consolas" panose="020B0609020204030204" pitchFamily="49" charset="0"/>
+                <a:cs typeface="Consolas" panose="020B0609020204030204" pitchFamily="49" charset="0"/>
+              </a:rPr>
+              <a:t>Asset_Type</a:t>
+            </a:r>
+            <a:r>
+              <a:rPr lang="en-US" altLang="zh-TW" sz="1000" dirty="0">
+                <a:latin typeface="Consolas" panose="020B0609020204030204" pitchFamily="49" charset="0"/>
+                <a:cs typeface="Consolas" panose="020B0609020204030204" pitchFamily="49" charset="0"/>
+              </a:rPr>
+              <a:t> </a:t>
+            </a:r>
+          </a:p>
+          <a:p>
+            <a:r>
+              <a:rPr lang="en-US" altLang="zh-TW" sz="1000" dirty="0">
+                <a:latin typeface="Consolas" panose="020B0609020204030204" pitchFamily="49" charset="0"/>
+                <a:cs typeface="Consolas" panose="020B0609020204030204" pitchFamily="49" charset="0"/>
+              </a:rPr>
+              <a:t>     (</a:t>
+            </a:r>
+            <a:r>
+              <a:rPr lang="en-US" altLang="zh-TW" sz="1000" dirty="0" err="1">
+                <a:latin typeface="Consolas" panose="020B0609020204030204" pitchFamily="49" charset="0"/>
+                <a:cs typeface="Consolas" panose="020B0609020204030204" pitchFamily="49" charset="0"/>
+              </a:rPr>
+              <a:t>Asset_Type</a:t>
+            </a:r>
+            <a:r>
+              <a:rPr lang="en-US" altLang="zh-TW" sz="1000" dirty="0">
+                <a:latin typeface="Consolas" panose="020B0609020204030204" pitchFamily="49" charset="0"/>
+                <a:cs typeface="Consolas" panose="020B0609020204030204" pitchFamily="49" charset="0"/>
+              </a:rPr>
+              <a:t> </a:t>
+            </a:r>
+            <a:r>
+              <a:rPr lang="en-US" altLang="zh-TW" sz="1000" dirty="0" err="1">
+                <a:latin typeface="Consolas" panose="020B0609020204030204" pitchFamily="49" charset="0"/>
+                <a:cs typeface="Consolas" panose="020B0609020204030204" pitchFamily="49" charset="0"/>
+              </a:rPr>
+              <a:t>varchar</a:t>
+            </a:r>
+            <a:r>
+              <a:rPr lang="en-US" altLang="zh-TW" sz="1000" dirty="0">
+                <a:latin typeface="Consolas" panose="020B0609020204030204" pitchFamily="49" charset="0"/>
+                <a:cs typeface="Consolas" panose="020B0609020204030204" pitchFamily="49" charset="0"/>
+              </a:rPr>
+              <a:t>(40) NOT NULL, </a:t>
+            </a:r>
+          </a:p>
+          <a:p>
+            <a:r>
+              <a:rPr lang="en-US" altLang="zh-TW" sz="1000" dirty="0">
+                <a:latin typeface="Consolas" panose="020B0609020204030204" pitchFamily="49" charset="0"/>
+                <a:cs typeface="Consolas" panose="020B0609020204030204" pitchFamily="49" charset="0"/>
+              </a:rPr>
+              <a:t>      </a:t>
+            </a:r>
+            <a:r>
+              <a:rPr lang="en-US" altLang="zh-TW" sz="1000" dirty="0" err="1">
+                <a:latin typeface="Consolas" panose="020B0609020204030204" pitchFamily="49" charset="0"/>
+                <a:cs typeface="Consolas" panose="020B0609020204030204" pitchFamily="49" charset="0"/>
+              </a:rPr>
+              <a:t>Type_Description</a:t>
+            </a:r>
+            <a:r>
+              <a:rPr lang="en-US" altLang="zh-TW" sz="1000" dirty="0">
+                <a:latin typeface="Consolas" panose="020B0609020204030204" pitchFamily="49" charset="0"/>
+                <a:cs typeface="Consolas" panose="020B0609020204030204" pitchFamily="49" charset="0"/>
+              </a:rPr>
+              <a:t> </a:t>
+            </a:r>
+            <a:r>
+              <a:rPr lang="en-US" altLang="zh-TW" sz="1000" dirty="0" err="1">
+                <a:latin typeface="Consolas" panose="020B0609020204030204" pitchFamily="49" charset="0"/>
+                <a:cs typeface="Consolas" panose="020B0609020204030204" pitchFamily="49" charset="0"/>
+              </a:rPr>
+              <a:t>varchar</a:t>
+            </a:r>
+            <a:r>
+              <a:rPr lang="en-US" altLang="zh-TW" sz="1000" dirty="0">
+                <a:latin typeface="Consolas" panose="020B0609020204030204" pitchFamily="49" charset="0"/>
+                <a:cs typeface="Consolas" panose="020B0609020204030204" pitchFamily="49" charset="0"/>
+              </a:rPr>
+              <a:t>(2000), </a:t>
+            </a:r>
+          </a:p>
+          <a:p>
+            <a:r>
+              <a:rPr lang="en-US" altLang="zh-TW" sz="1000" dirty="0">
+                <a:latin typeface="Consolas" panose="020B0609020204030204" pitchFamily="49" charset="0"/>
+                <a:cs typeface="Consolas" panose="020B0609020204030204" pitchFamily="49" charset="0"/>
+              </a:rPr>
+              <a:t>      </a:t>
+            </a:r>
+            <a:r>
+              <a:rPr lang="en-US" altLang="zh-TW" sz="1000" dirty="0" err="1">
+                <a:latin typeface="Consolas" panose="020B0609020204030204" pitchFamily="49" charset="0"/>
+                <a:cs typeface="Consolas" panose="020B0609020204030204" pitchFamily="49" charset="0"/>
+              </a:rPr>
+              <a:t>update_user</a:t>
+            </a:r>
+            <a:r>
+              <a:rPr lang="en-US" altLang="zh-TW" sz="1000" dirty="0">
+                <a:latin typeface="Consolas" panose="020B0609020204030204" pitchFamily="49" charset="0"/>
+                <a:cs typeface="Consolas" panose="020B0609020204030204" pitchFamily="49" charset="0"/>
+              </a:rPr>
+              <a:t> </a:t>
+            </a:r>
+            <a:r>
+              <a:rPr lang="en-US" altLang="zh-TW" sz="1000" dirty="0" err="1">
+                <a:latin typeface="Consolas" panose="020B0609020204030204" pitchFamily="49" charset="0"/>
+                <a:cs typeface="Consolas" panose="020B0609020204030204" pitchFamily="49" charset="0"/>
+              </a:rPr>
+              <a:t>varchar</a:t>
+            </a:r>
+            <a:r>
+              <a:rPr lang="en-US" altLang="zh-TW" sz="1000" dirty="0">
+                <a:latin typeface="Consolas" panose="020B0609020204030204" pitchFamily="49" charset="0"/>
+                <a:cs typeface="Consolas" panose="020B0609020204030204" pitchFamily="49" charset="0"/>
+              </a:rPr>
+              <a:t>(50), </a:t>
+            </a:r>
+          </a:p>
+          <a:p>
+            <a:r>
+              <a:rPr lang="en-US" altLang="zh-TW" sz="1000" dirty="0">
+                <a:latin typeface="Consolas" panose="020B0609020204030204" pitchFamily="49" charset="0"/>
+                <a:cs typeface="Consolas" panose="020B0609020204030204" pitchFamily="49" charset="0"/>
+              </a:rPr>
+              <a:t>      </a:t>
+            </a:r>
+            <a:r>
+              <a:rPr lang="en-US" altLang="zh-TW" sz="1000" dirty="0" err="1">
+                <a:latin typeface="Consolas" panose="020B0609020204030204" pitchFamily="49" charset="0"/>
+                <a:cs typeface="Consolas" panose="020B0609020204030204" pitchFamily="49" charset="0"/>
+              </a:rPr>
+              <a:t>update_dt</a:t>
+            </a:r>
+            <a:r>
+              <a:rPr lang="en-US" altLang="zh-TW" sz="1000" dirty="0">
+                <a:latin typeface="Consolas" panose="020B0609020204030204" pitchFamily="49" charset="0"/>
+                <a:cs typeface="Consolas" panose="020B0609020204030204" pitchFamily="49" charset="0"/>
+              </a:rPr>
+              <a:t> timestamp, </a:t>
+            </a:r>
+          </a:p>
+          <a:p>
+            <a:r>
+              <a:rPr lang="en-US" altLang="zh-TW" sz="1000" dirty="0">
+                <a:latin typeface="Consolas" panose="020B0609020204030204" pitchFamily="49" charset="0"/>
+                <a:cs typeface="Consolas" panose="020B0609020204030204" pitchFamily="49" charset="0"/>
+              </a:rPr>
+              <a:t>      PRIMARY KEY (</a:t>
+            </a:r>
+            <a:r>
+              <a:rPr lang="en-US" altLang="zh-TW" sz="1000" dirty="0" err="1">
+                <a:latin typeface="Consolas" panose="020B0609020204030204" pitchFamily="49" charset="0"/>
+                <a:cs typeface="Consolas" panose="020B0609020204030204" pitchFamily="49" charset="0"/>
+              </a:rPr>
+              <a:t>Asset_Type</a:t>
+            </a:r>
+            <a:r>
+              <a:rPr lang="en-US" altLang="zh-TW" sz="1000" dirty="0">
+                <a:latin typeface="Consolas" panose="020B0609020204030204" pitchFamily="49" charset="0"/>
+                <a:cs typeface="Consolas" panose="020B0609020204030204" pitchFamily="49" charset="0"/>
+              </a:rPr>
+              <a:t>));</a:t>
+            </a:r>
+          </a:p>
+          <a:p>
+            <a:r>
+              <a:rPr lang="en-US" altLang="zh-TW" sz="1000" dirty="0">
+                <a:latin typeface="Consolas" panose="020B0609020204030204" pitchFamily="49" charset="0"/>
+                <a:cs typeface="Consolas" panose="020B0609020204030204" pitchFamily="49" charset="0"/>
+              </a:rPr>
+              <a:t>-- </a:t>
+            </a:r>
+            <a:r>
+              <a:rPr lang="zh-TW" altLang="en-US" sz="1000" dirty="0">
+                <a:latin typeface="Consolas" panose="020B0609020204030204" pitchFamily="49" charset="0"/>
+                <a:cs typeface="Consolas" panose="020B0609020204030204" pitchFamily="49" charset="0"/>
+              </a:rPr>
+              <a:t>做一個 </a:t>
+            </a:r>
+            <a:r>
+              <a:rPr lang="en-US" altLang="zh-TW" sz="1000" dirty="0">
+                <a:latin typeface="Consolas" panose="020B0609020204030204" pitchFamily="49" charset="0"/>
+                <a:cs typeface="Consolas" panose="020B0609020204030204" pitchFamily="49" charset="0"/>
+              </a:rPr>
+              <a:t>sequence</a:t>
+            </a:r>
+          </a:p>
+          <a:p>
+            <a:r>
+              <a:rPr lang="en-US" altLang="zh-TW" sz="1000" dirty="0">
+                <a:latin typeface="Consolas" panose="020B0609020204030204" pitchFamily="49" charset="0"/>
+                <a:cs typeface="Consolas" panose="020B0609020204030204" pitchFamily="49" charset="0"/>
+              </a:rPr>
+              <a:t>CREATE SEQUENCE if not exists </a:t>
+            </a:r>
+            <a:r>
+              <a:rPr lang="en-US" altLang="zh-TW" sz="1000" dirty="0" err="1">
+                <a:latin typeface="Consolas" panose="020B0609020204030204" pitchFamily="49" charset="0"/>
+                <a:cs typeface="Consolas" panose="020B0609020204030204" pitchFamily="49" charset="0"/>
+              </a:rPr>
+              <a:t>UNI_SEQ</a:t>
+            </a:r>
+            <a:r>
+              <a:rPr lang="en-US" altLang="zh-TW" sz="1000" dirty="0">
+                <a:latin typeface="Consolas" panose="020B0609020204030204" pitchFamily="49" charset="0"/>
+                <a:cs typeface="Consolas" panose="020B0609020204030204" pitchFamily="49" charset="0"/>
+              </a:rPr>
+              <a:t>; </a:t>
+            </a:r>
+          </a:p>
+          <a:p>
+            <a:r>
+              <a:rPr lang="en-US" altLang="zh-TW" sz="1000" dirty="0">
+                <a:latin typeface="Consolas" panose="020B0609020204030204" pitchFamily="49" charset="0"/>
+                <a:cs typeface="Consolas" panose="020B0609020204030204" pitchFamily="49" charset="0"/>
+              </a:rPr>
+              <a:t>-- Insert </a:t>
+            </a:r>
+            <a:r>
+              <a:rPr lang="zh-TW" altLang="en-US" sz="1000" dirty="0">
+                <a:latin typeface="Consolas" panose="020B0609020204030204" pitchFamily="49" charset="0"/>
+                <a:cs typeface="Consolas" panose="020B0609020204030204" pitchFamily="49" charset="0"/>
+              </a:rPr>
+              <a:t>三筆資料</a:t>
+            </a:r>
+          </a:p>
+          <a:p>
+            <a:r>
+              <a:rPr lang="en-US" altLang="zh-TW" sz="1000" dirty="0">
+                <a:latin typeface="Consolas" panose="020B0609020204030204" pitchFamily="49" charset="0"/>
+                <a:cs typeface="Consolas" panose="020B0609020204030204" pitchFamily="49" charset="0"/>
+              </a:rPr>
+              <a:t>INSERT INTO </a:t>
+            </a:r>
+            <a:r>
+              <a:rPr lang="en-US" altLang="zh-TW" sz="1000" dirty="0" err="1">
+                <a:latin typeface="Consolas" panose="020B0609020204030204" pitchFamily="49" charset="0"/>
+                <a:cs typeface="Consolas" panose="020B0609020204030204" pitchFamily="49" charset="0"/>
+              </a:rPr>
+              <a:t>ASSET_TYPE</a:t>
+            </a:r>
+            <a:r>
+              <a:rPr lang="en-US" altLang="zh-TW" sz="1000" dirty="0">
+                <a:latin typeface="Consolas" panose="020B0609020204030204" pitchFamily="49" charset="0"/>
+                <a:cs typeface="Consolas" panose="020B0609020204030204" pitchFamily="49" charset="0"/>
+              </a:rPr>
+              <a:t>(</a:t>
+            </a:r>
+            <a:r>
+              <a:rPr lang="en-US" altLang="zh-TW" sz="1000" dirty="0" err="1">
+                <a:latin typeface="Consolas" panose="020B0609020204030204" pitchFamily="49" charset="0"/>
+                <a:cs typeface="Consolas" panose="020B0609020204030204" pitchFamily="49" charset="0"/>
+              </a:rPr>
+              <a:t>ASSET_TYPE,TYPE_DESCRIPTION,UPDATE_USER,UPDATE_DT</a:t>
+            </a:r>
+            <a:r>
+              <a:rPr lang="en-US" altLang="zh-TW" sz="1000" dirty="0">
+                <a:latin typeface="Consolas" panose="020B0609020204030204" pitchFamily="49" charset="0"/>
+                <a:cs typeface="Consolas" panose="020B0609020204030204" pitchFamily="49" charset="0"/>
+              </a:rPr>
+              <a:t>) </a:t>
+            </a:r>
+          </a:p>
+          <a:p>
+            <a:r>
+              <a:rPr lang="it-IT" altLang="zh-TW" sz="1000" dirty="0">
+                <a:latin typeface="Consolas" panose="020B0609020204030204" pitchFamily="49" charset="0"/>
+                <a:cs typeface="Consolas" panose="020B0609020204030204" pitchFamily="49" charset="0"/>
+              </a:rPr>
+              <a:t>     VALUES ('PC','Personal computer','TEST',sysdate);</a:t>
+            </a:r>
+          </a:p>
+          <a:p>
+            <a:r>
+              <a:rPr lang="en-US" altLang="zh-TW" sz="1000" dirty="0">
+                <a:latin typeface="Consolas" panose="020B0609020204030204" pitchFamily="49" charset="0"/>
+                <a:cs typeface="Consolas" panose="020B0609020204030204" pitchFamily="49" charset="0"/>
+              </a:rPr>
+              <a:t>INSERT INTO </a:t>
+            </a:r>
+            <a:r>
+              <a:rPr lang="en-US" altLang="zh-TW" sz="1000" dirty="0" err="1">
+                <a:latin typeface="Consolas" panose="020B0609020204030204" pitchFamily="49" charset="0"/>
+                <a:cs typeface="Consolas" panose="020B0609020204030204" pitchFamily="49" charset="0"/>
+              </a:rPr>
+              <a:t>ASSET_TYPE</a:t>
+            </a:r>
+            <a:r>
+              <a:rPr lang="en-US" altLang="zh-TW" sz="1000" dirty="0">
+                <a:latin typeface="Consolas" panose="020B0609020204030204" pitchFamily="49" charset="0"/>
+                <a:cs typeface="Consolas" panose="020B0609020204030204" pitchFamily="49" charset="0"/>
+              </a:rPr>
+              <a:t>(</a:t>
+            </a:r>
+            <a:r>
+              <a:rPr lang="en-US" altLang="zh-TW" sz="1000" dirty="0" err="1">
+                <a:latin typeface="Consolas" panose="020B0609020204030204" pitchFamily="49" charset="0"/>
+                <a:cs typeface="Consolas" panose="020B0609020204030204" pitchFamily="49" charset="0"/>
+              </a:rPr>
+              <a:t>ASSET_TYPE,TYPE_DESCRIPTION,UPDATE_USER,UPDATE_DT</a:t>
+            </a:r>
+            <a:r>
+              <a:rPr lang="en-US" altLang="zh-TW" sz="1000" dirty="0">
+                <a:latin typeface="Consolas" panose="020B0609020204030204" pitchFamily="49" charset="0"/>
+                <a:cs typeface="Consolas" panose="020B0609020204030204" pitchFamily="49" charset="0"/>
+              </a:rPr>
+              <a:t>) </a:t>
+            </a:r>
+          </a:p>
+          <a:p>
+            <a:r>
+              <a:rPr lang="en-US" altLang="zh-TW" sz="1000" dirty="0">
+                <a:latin typeface="Consolas" panose="020B0609020204030204" pitchFamily="49" charset="0"/>
+                <a:cs typeface="Consolas" panose="020B0609020204030204" pitchFamily="49" charset="0"/>
+              </a:rPr>
+              <a:t>     VALUES ('</a:t>
+            </a:r>
+            <a:r>
+              <a:rPr lang="en-US" altLang="zh-TW" sz="1000" dirty="0" err="1">
+                <a:latin typeface="Consolas" panose="020B0609020204030204" pitchFamily="49" charset="0"/>
+                <a:cs typeface="Consolas" panose="020B0609020204030204" pitchFamily="49" charset="0"/>
+              </a:rPr>
+              <a:t>NoteBook</a:t>
+            </a:r>
+            <a:r>
+              <a:rPr lang="en-US" altLang="zh-TW" sz="1000" dirty="0">
+                <a:latin typeface="Consolas" panose="020B0609020204030204" pitchFamily="49" charset="0"/>
+                <a:cs typeface="Consolas" panose="020B0609020204030204" pitchFamily="49" charset="0"/>
+              </a:rPr>
+              <a:t>','Laptop computer','TEST',</a:t>
+            </a:r>
+            <a:r>
+              <a:rPr lang="en-US" altLang="zh-TW" sz="1000" dirty="0" err="1">
+                <a:latin typeface="Consolas" panose="020B0609020204030204" pitchFamily="49" charset="0"/>
+                <a:cs typeface="Consolas" panose="020B0609020204030204" pitchFamily="49" charset="0"/>
+              </a:rPr>
+              <a:t>sysdate</a:t>
+            </a:r>
+            <a:r>
+              <a:rPr lang="en-US" altLang="zh-TW" sz="1000" dirty="0">
+                <a:latin typeface="Consolas" panose="020B0609020204030204" pitchFamily="49" charset="0"/>
+                <a:cs typeface="Consolas" panose="020B0609020204030204" pitchFamily="49" charset="0"/>
+              </a:rPr>
+              <a:t>);</a:t>
+            </a:r>
+          </a:p>
+          <a:p>
+            <a:r>
+              <a:rPr lang="en-US" altLang="zh-TW" sz="1000" dirty="0">
+                <a:latin typeface="Consolas" panose="020B0609020204030204" pitchFamily="49" charset="0"/>
+                <a:cs typeface="Consolas" panose="020B0609020204030204" pitchFamily="49" charset="0"/>
+              </a:rPr>
+              <a:t>INSERT INTO </a:t>
+            </a:r>
+            <a:r>
+              <a:rPr lang="en-US" altLang="zh-TW" sz="1000" dirty="0" err="1">
+                <a:latin typeface="Consolas" panose="020B0609020204030204" pitchFamily="49" charset="0"/>
+                <a:cs typeface="Consolas" panose="020B0609020204030204" pitchFamily="49" charset="0"/>
+              </a:rPr>
+              <a:t>ASSET_TYPE</a:t>
+            </a:r>
+            <a:r>
+              <a:rPr lang="en-US" altLang="zh-TW" sz="1000" dirty="0">
+                <a:latin typeface="Consolas" panose="020B0609020204030204" pitchFamily="49" charset="0"/>
+                <a:cs typeface="Consolas" panose="020B0609020204030204" pitchFamily="49" charset="0"/>
+              </a:rPr>
+              <a:t>(</a:t>
+            </a:r>
+            <a:r>
+              <a:rPr lang="en-US" altLang="zh-TW" sz="1000" dirty="0" err="1">
+                <a:latin typeface="Consolas" panose="020B0609020204030204" pitchFamily="49" charset="0"/>
+                <a:cs typeface="Consolas" panose="020B0609020204030204" pitchFamily="49" charset="0"/>
+              </a:rPr>
+              <a:t>ASSET_TYPE,TYPE_DESCRIPTION,UPDATE_USER,UPDATE_DT</a:t>
+            </a:r>
+            <a:r>
+              <a:rPr lang="en-US" altLang="zh-TW" sz="1000" dirty="0">
+                <a:latin typeface="Consolas" panose="020B0609020204030204" pitchFamily="49" charset="0"/>
+                <a:cs typeface="Consolas" panose="020B0609020204030204" pitchFamily="49" charset="0"/>
+              </a:rPr>
+              <a:t>) </a:t>
+            </a:r>
+          </a:p>
+          <a:p>
+            <a:r>
+              <a:rPr lang="en-US" altLang="zh-TW" sz="1000" dirty="0">
+                <a:latin typeface="Consolas" panose="020B0609020204030204" pitchFamily="49" charset="0"/>
+                <a:cs typeface="Consolas" panose="020B0609020204030204" pitchFamily="49" charset="0"/>
+              </a:rPr>
+              <a:t>     VALUES ('Thin </a:t>
+            </a:r>
+            <a:r>
+              <a:rPr lang="en-US" altLang="zh-TW" sz="1000" dirty="0" err="1">
+                <a:latin typeface="Consolas" panose="020B0609020204030204" pitchFamily="49" charset="0"/>
+                <a:cs typeface="Consolas" panose="020B0609020204030204" pitchFamily="49" charset="0"/>
+              </a:rPr>
+              <a:t>Client','Thin</a:t>
+            </a:r>
+            <a:r>
+              <a:rPr lang="en-US" altLang="zh-TW" sz="1000" dirty="0">
+                <a:latin typeface="Consolas" panose="020B0609020204030204" pitchFamily="49" charset="0"/>
+                <a:cs typeface="Consolas" panose="020B0609020204030204" pitchFamily="49" charset="0"/>
+              </a:rPr>
+              <a:t> client with backend host','TEST',</a:t>
+            </a:r>
+            <a:r>
+              <a:rPr lang="en-US" altLang="zh-TW" sz="1000" dirty="0" err="1">
+                <a:latin typeface="Consolas" panose="020B0609020204030204" pitchFamily="49" charset="0"/>
+                <a:cs typeface="Consolas" panose="020B0609020204030204" pitchFamily="49" charset="0"/>
+              </a:rPr>
+              <a:t>sysdate</a:t>
+            </a:r>
+            <a:r>
+              <a:rPr lang="en-US" altLang="zh-TW" sz="1000" dirty="0">
+                <a:latin typeface="Consolas" panose="020B0609020204030204" pitchFamily="49" charset="0"/>
+                <a:cs typeface="Consolas" panose="020B0609020204030204" pitchFamily="49" charset="0"/>
+              </a:rPr>
+              <a:t>);</a:t>
+            </a:r>
+            <a:endParaRPr lang="en-US" altLang="zh-TW" sz="1000" dirty="0">
+              <a:latin typeface="Consolas" panose="020B0609020204030204" pitchFamily="49" charset="0"/>
+              <a:cs typeface="Consolas" panose="020B0609020204030204" pitchFamily="49" charset="0"/>
+            </a:endParaRPr>
+          </a:p>
+        </p:txBody>
+      </p:sp>
+      <p:pic>
+        <p:nvPicPr>
+          <p:cNvPr id="7170" name="Picture 2"/>
+          <p:cNvPicPr>
+            <a:picLocks noChangeAspect="1" noChangeArrowheads="1"/>
+          </p:cNvPicPr>
+          <p:nvPr/>
+        </p:nvPicPr>
+        <p:blipFill>
+          <a:blip r:embed="rId2">
+            <a:extLst>
+              <a:ext uri="{28A0092B-C50C-407E-A947-70E740481C1C}">
+                <a14:useLocalDpi xmlns:a14="http://schemas.microsoft.com/office/drawing/2010/main" val="0"/>
+              </a:ext>
+            </a:extLst>
+          </a:blip>
+          <a:srcRect/>
+          <a:stretch>
+            <a:fillRect/>
+          </a:stretch>
+        </p:blipFill>
+        <p:spPr bwMode="auto">
+          <a:xfrm>
+            <a:off x="227382" y="4653136"/>
+            <a:ext cx="1533525" cy="400050"/>
+          </a:xfrm>
+          <a:prstGeom prst="rect">
+            <a:avLst/>
+          </a:prstGeom>
+          <a:noFill/>
+          <a:ln>
+            <a:noFill/>
+          </a:ln>
+          <a:extLst>
+            <a:ext uri="{909E8E84-426E-40DD-AFC4-6F175D3DCCD1}">
+              <a14:hiddenFill xmlns:a14="http://schemas.microsoft.com/office/drawing/2010/main">
+                <a:solidFill>
+                  <a:schemeClr val="accent1"/>
+                </a:solidFill>
+              </a14:hiddenFill>
+            </a:ext>
+            <a:ext uri="{91240B29-F687-4F45-9708-019B960494DF}">
+              <a14:hiddenLine xmlns:a14="http://schemas.microsoft.com/office/drawing/2010/main" w="9525">
+                <a:solidFill>
+                  <a:schemeClr val="tx1"/>
+                </a:solidFill>
+                <a:miter lim="800000"/>
+                <a:headEnd/>
+                <a:tailEnd/>
+              </a14:hiddenLine>
+            </a:ext>
+          </a:extLst>
+        </p:spPr>
+      </p:pic>
+    </p:spTree>
+    <p:extLst>
+      <p:ext uri="{BB962C8B-B14F-4D97-AF65-F5344CB8AC3E}">
+        <p14:creationId xmlns:p14="http://schemas.microsoft.com/office/powerpoint/2010/main" val="1172588581"/>
+      </p:ext>
+    </p:extLst>
+  </p:cSld>
+  <p:clrMapOvr>
+    <a:masterClrMapping/>
+  </p:clrMapOvr>
+</p:sld>
+</file>
+
+<file path=ppt/slides/slide39.xml><?xml version="1.0" encoding="utf-8"?>
+<p:sld xmlns:a="http://schemas.openxmlformats.org/drawingml/2006/main" xmlns:r="http://schemas.openxmlformats.org/officeDocument/2006/relationships" xmlns:p="http://schemas.openxmlformats.org/presentationml/2006/main">
+  <p:cSld>
+    <p:spTree>
+      <p:nvGrpSpPr>
+        <p:cNvPr id="1" name=""/>
+        <p:cNvGrpSpPr/>
+        <p:nvPr/>
+      </p:nvGrpSpPr>
+      <p:grpSpPr>
+        <a:xfrm>
+          <a:off x="0" y="0"/>
+          <a:ext cx="0" cy="0"/>
+          <a:chOff x="0" y="0"/>
+          <a:chExt cx="0" cy="0"/>
+        </a:xfrm>
+      </p:grpSpPr>
+      <p:sp>
+        <p:nvSpPr>
+          <p:cNvPr id="2" name="標題 1"/>
+          <p:cNvSpPr>
+            <a:spLocks noGrp="1"/>
+          </p:cNvSpPr>
+          <p:nvPr>
+            <p:ph type="title"/>
+          </p:nvPr>
+        </p:nvSpPr>
+        <p:spPr/>
+        <p:txBody>
+          <a:bodyPr/>
+          <a:lstStyle/>
+          <a:p>
+            <a:r>
+              <a:rPr lang="zh-TW" altLang="en-US" dirty="0" smtClean="0"/>
+              <a:t>製作 </a:t>
+            </a:r>
+            <a:r>
+              <a:rPr lang="en-US" altLang="zh-TW" dirty="0" smtClean="0"/>
+              <a:t>Spring Database </a:t>
+            </a:r>
+            <a:r>
+              <a:rPr lang="en-US" altLang="zh-TW" dirty="0" err="1" smtClean="0"/>
+              <a:t>Config</a:t>
+            </a:r>
+            <a:endParaRPr lang="zh-TW" altLang="en-US" dirty="0"/>
+          </a:p>
+        </p:txBody>
+      </p:sp>
+      <p:sp>
+        <p:nvSpPr>
+          <p:cNvPr id="3" name="內容版面配置區 2"/>
+          <p:cNvSpPr>
+            <a:spLocks noGrp="1"/>
+          </p:cNvSpPr>
+          <p:nvPr>
+            <p:ph idx="1"/>
+          </p:nvPr>
+        </p:nvSpPr>
+        <p:spPr/>
+        <p:txBody>
+          <a:bodyPr/>
+          <a:lstStyle/>
+          <a:p>
+            <a:endParaRPr lang="zh-TW" altLang="en-US"/>
+          </a:p>
+        </p:txBody>
+      </p:sp>
+    </p:spTree>
+    <p:extLst>
+      <p:ext uri="{BB962C8B-B14F-4D97-AF65-F5344CB8AC3E}">
+        <p14:creationId xmlns:p14="http://schemas.microsoft.com/office/powerpoint/2010/main" val="1318416853"/>
       </p:ext>
     </p:extLst>
   </p:cSld>
@@ -22246,6 +25679,86 @@
     <p:extLst>
       <p:ext uri="{BB962C8B-B14F-4D97-AF65-F5344CB8AC3E}">
         <p14:creationId xmlns:p14="http://schemas.microsoft.com/office/powerpoint/2010/main" val="2612630153"/>
+      </p:ext>
+    </p:extLst>
+  </p:cSld>
+  <p:clrMapOvr>
+    <a:masterClrMapping/>
+  </p:clrMapOvr>
+</p:sld>
+</file>
+
+<file path=ppt/slides/slide40.xml><?xml version="1.0" encoding="utf-8"?>
+<p:sld xmlns:a="http://schemas.openxmlformats.org/drawingml/2006/main" xmlns:r="http://schemas.openxmlformats.org/officeDocument/2006/relationships" xmlns:p="http://schemas.openxmlformats.org/presentationml/2006/main">
+  <p:cSld>
+    <p:spTree>
+      <p:nvGrpSpPr>
+        <p:cNvPr id="1" name=""/>
+        <p:cNvGrpSpPr/>
+        <p:nvPr/>
+      </p:nvGrpSpPr>
+      <p:grpSpPr>
+        <a:xfrm>
+          <a:off x="0" y="0"/>
+          <a:ext cx="0" cy="0"/>
+          <a:chOff x="0" y="0"/>
+          <a:chExt cx="0" cy="0"/>
+        </a:xfrm>
+      </p:grpSpPr>
+      <p:sp>
+        <p:nvSpPr>
+          <p:cNvPr id="2" name="標題 1"/>
+          <p:cNvSpPr>
+            <a:spLocks noGrp="1"/>
+          </p:cNvSpPr>
+          <p:nvPr>
+            <p:ph type="title"/>
+          </p:nvPr>
+        </p:nvSpPr>
+        <p:spPr/>
+        <p:txBody>
+          <a:bodyPr/>
+          <a:lstStyle/>
+          <a:p>
+            <a:r>
+              <a:rPr lang="zh-TW" altLang="en-US" dirty="0" smtClean="0"/>
+              <a:t>製作 </a:t>
+            </a:r>
+            <a:r>
+              <a:rPr lang="en-US" altLang="zh-TW" dirty="0" smtClean="0"/>
+              <a:t>Spring Application </a:t>
+            </a:r>
+            <a:r>
+              <a:rPr lang="en-US" altLang="zh-TW" dirty="0" err="1" smtClean="0"/>
+              <a:t>Config</a:t>
+            </a:r>
+            <a:endParaRPr lang="zh-TW" altLang="en-US" dirty="0"/>
+          </a:p>
+        </p:txBody>
+      </p:sp>
+      <p:sp>
+        <p:nvSpPr>
+          <p:cNvPr id="3" name="內容版面配置區 2"/>
+          <p:cNvSpPr>
+            <a:spLocks noGrp="1"/>
+          </p:cNvSpPr>
+          <p:nvPr>
+            <p:ph idx="1"/>
+          </p:nvPr>
+        </p:nvSpPr>
+        <p:spPr/>
+        <p:txBody>
+          <a:bodyPr/>
+          <a:lstStyle/>
+          <a:p>
+            <a:endParaRPr lang="zh-TW" altLang="en-US"/>
+          </a:p>
+        </p:txBody>
+      </p:sp>
+    </p:spTree>
+    <p:extLst>
+      <p:ext uri="{BB962C8B-B14F-4D97-AF65-F5344CB8AC3E}">
+        <p14:creationId xmlns:p14="http://schemas.microsoft.com/office/powerpoint/2010/main" val="1207802172"/>
       </p:ext>
     </p:extLst>
   </p:cSld>
